--- a/new_SE401/Lectures/8-Integration, System and Regression Testing/Integration Testing.pptx
+++ b/new_SE401/Lectures/8-Integration, System and Regression Testing/Integration Testing.pptx
@@ -18,21 +18,21 @@
     <p:sldId id="264" r:id="rId9"/>
     <p:sldId id="265" r:id="rId10"/>
     <p:sldId id="266" r:id="rId11"/>
-    <p:sldId id="267" r:id="rId12"/>
-    <p:sldId id="268" r:id="rId13"/>
-    <p:sldId id="269" r:id="rId14"/>
-    <p:sldId id="270" r:id="rId15"/>
-    <p:sldId id="271" r:id="rId16"/>
-    <p:sldId id="272" r:id="rId17"/>
-    <p:sldId id="273" r:id="rId18"/>
-    <p:sldId id="274" r:id="rId19"/>
-    <p:sldId id="275" r:id="rId20"/>
-    <p:sldId id="276" r:id="rId21"/>
-    <p:sldId id="277" r:id="rId22"/>
-    <p:sldId id="321" r:id="rId23"/>
-    <p:sldId id="279" r:id="rId24"/>
-    <p:sldId id="280" r:id="rId25"/>
-    <p:sldId id="281" r:id="rId26"/>
+    <p:sldId id="323" r:id="rId12"/>
+    <p:sldId id="324" r:id="rId13"/>
+    <p:sldId id="267" r:id="rId14"/>
+    <p:sldId id="268" r:id="rId15"/>
+    <p:sldId id="269" r:id="rId16"/>
+    <p:sldId id="270" r:id="rId17"/>
+    <p:sldId id="271" r:id="rId18"/>
+    <p:sldId id="272" r:id="rId19"/>
+    <p:sldId id="273" r:id="rId20"/>
+    <p:sldId id="274" r:id="rId21"/>
+    <p:sldId id="275" r:id="rId22"/>
+    <p:sldId id="276" r:id="rId23"/>
+    <p:sldId id="277" r:id="rId24"/>
+    <p:sldId id="321" r:id="rId25"/>
+    <p:sldId id="279" r:id="rId26"/>
     <p:sldId id="282" r:id="rId27"/>
     <p:sldId id="283" r:id="rId28"/>
     <p:sldId id="284" r:id="rId29"/>
@@ -259,7 +259,7 @@
           <a:p>
             <a:fld id="{11EAA60E-FCF3-40DF-B4BC-258568585669}" type="datetimeFigureOut">
               <a:rPr lang="en-US" smtClean="0"/>
-              <a:t>10/18/2021</a:t>
+              <a:t>11/7/2021</a:t>
             </a:fld>
             <a:endParaRPr lang="en-US"/>
           </a:p>
@@ -861,7 +861,7 @@
     </p:spTree>
     <p:extLst>
       <p:ext uri="{BB962C8B-B14F-4D97-AF65-F5344CB8AC3E}">
-        <p14:creationId xmlns:p14="http://schemas.microsoft.com/office/powerpoint/2010/main" val="504434369"/>
+        <p14:creationId xmlns:p14="http://schemas.microsoft.com/office/powerpoint/2010/main" val="3542896977"/>
       </p:ext>
     </p:extLst>
   </p:cSld>
@@ -1020,7 +1020,7 @@
               <a:pPr>
                 <a:defRPr/>
               </a:pPr>
-              <a:t>13</a:t>
+              <a:t>12</a:t>
             </a:fld>
             <a:r>
               <a:rPr lang="en-US" smtClean="0"/>
@@ -1033,7 +1033,7 @@
     </p:spTree>
     <p:extLst>
       <p:ext uri="{BB962C8B-B14F-4D97-AF65-F5344CB8AC3E}">
-        <p14:creationId xmlns:p14="http://schemas.microsoft.com/office/powerpoint/2010/main" val="645849146"/>
+        <p14:creationId xmlns:p14="http://schemas.microsoft.com/office/powerpoint/2010/main" val="1893918152"/>
       </p:ext>
     </p:extLst>
   </p:cSld>
@@ -1192,7 +1192,7 @@
               <a:pPr>
                 <a:defRPr/>
               </a:pPr>
-              <a:t>14</a:t>
+              <a:t>13</a:t>
             </a:fld>
             <a:r>
               <a:rPr lang="en-US" smtClean="0"/>
@@ -1205,7 +1205,7 @@
     </p:spTree>
     <p:extLst>
       <p:ext uri="{BB962C8B-B14F-4D97-AF65-F5344CB8AC3E}">
-        <p14:creationId xmlns:p14="http://schemas.microsoft.com/office/powerpoint/2010/main" val="1810189005"/>
+        <p14:creationId xmlns:p14="http://schemas.microsoft.com/office/powerpoint/2010/main" val="504434369"/>
       </p:ext>
     </p:extLst>
   </p:cSld>
@@ -1377,7 +1377,7 @@
     </p:spTree>
     <p:extLst>
       <p:ext uri="{BB962C8B-B14F-4D97-AF65-F5344CB8AC3E}">
-        <p14:creationId xmlns:p14="http://schemas.microsoft.com/office/powerpoint/2010/main" val="155566756"/>
+        <p14:creationId xmlns:p14="http://schemas.microsoft.com/office/powerpoint/2010/main" val="645849146"/>
       </p:ext>
     </p:extLst>
   </p:cSld>
@@ -1549,7 +1549,7 @@
     </p:spTree>
     <p:extLst>
       <p:ext uri="{BB962C8B-B14F-4D97-AF65-F5344CB8AC3E}">
-        <p14:creationId xmlns:p14="http://schemas.microsoft.com/office/powerpoint/2010/main" val="2431190205"/>
+        <p14:creationId xmlns:p14="http://schemas.microsoft.com/office/powerpoint/2010/main" val="1810189005"/>
       </p:ext>
     </p:extLst>
   </p:cSld>
@@ -1721,7 +1721,7 @@
     </p:spTree>
     <p:extLst>
       <p:ext uri="{BB962C8B-B14F-4D97-AF65-F5344CB8AC3E}">
-        <p14:creationId xmlns:p14="http://schemas.microsoft.com/office/powerpoint/2010/main" val="3927588143"/>
+        <p14:creationId xmlns:p14="http://schemas.microsoft.com/office/powerpoint/2010/main" val="155566756"/>
       </p:ext>
     </p:extLst>
   </p:cSld>
@@ -1893,7 +1893,7 @@
     </p:spTree>
     <p:extLst>
       <p:ext uri="{BB962C8B-B14F-4D97-AF65-F5344CB8AC3E}">
-        <p14:creationId xmlns:p14="http://schemas.microsoft.com/office/powerpoint/2010/main" val="86135672"/>
+        <p14:creationId xmlns:p14="http://schemas.microsoft.com/office/powerpoint/2010/main" val="2431190205"/>
       </p:ext>
     </p:extLst>
   </p:cSld>
@@ -2065,7 +2065,7 @@
     </p:spTree>
     <p:extLst>
       <p:ext uri="{BB962C8B-B14F-4D97-AF65-F5344CB8AC3E}">
-        <p14:creationId xmlns:p14="http://schemas.microsoft.com/office/powerpoint/2010/main" val="1400092282"/>
+        <p14:creationId xmlns:p14="http://schemas.microsoft.com/office/powerpoint/2010/main" val="3927588143"/>
       </p:ext>
     </p:extLst>
   </p:cSld>
@@ -2237,7 +2237,7 @@
     </p:spTree>
     <p:extLst>
       <p:ext uri="{BB962C8B-B14F-4D97-AF65-F5344CB8AC3E}">
-        <p14:creationId xmlns:p14="http://schemas.microsoft.com/office/powerpoint/2010/main" val="3789290099"/>
+        <p14:creationId xmlns:p14="http://schemas.microsoft.com/office/powerpoint/2010/main" val="86135672"/>
       </p:ext>
     </p:extLst>
   </p:cSld>
@@ -2409,7 +2409,7 @@
     </p:spTree>
     <p:extLst>
       <p:ext uri="{BB962C8B-B14F-4D97-AF65-F5344CB8AC3E}">
-        <p14:creationId xmlns:p14="http://schemas.microsoft.com/office/powerpoint/2010/main" val="3349276018"/>
+        <p14:creationId xmlns:p14="http://schemas.microsoft.com/office/powerpoint/2010/main" val="1400092282"/>
       </p:ext>
     </p:extLst>
   </p:cSld>
@@ -2758,7 +2758,7 @@
     </p:spTree>
     <p:extLst>
       <p:ext uri="{BB962C8B-B14F-4D97-AF65-F5344CB8AC3E}">
-        <p14:creationId xmlns:p14="http://schemas.microsoft.com/office/powerpoint/2010/main" val="4247089632"/>
+        <p14:creationId xmlns:p14="http://schemas.microsoft.com/office/powerpoint/2010/main" val="3789290099"/>
       </p:ext>
     </p:extLst>
   </p:cSld>
@@ -2930,7 +2930,7 @@
     </p:spTree>
     <p:extLst>
       <p:ext uri="{BB962C8B-B14F-4D97-AF65-F5344CB8AC3E}">
-        <p14:creationId xmlns:p14="http://schemas.microsoft.com/office/powerpoint/2010/main" val="1256293890"/>
+        <p14:creationId xmlns:p14="http://schemas.microsoft.com/office/powerpoint/2010/main" val="3349276018"/>
       </p:ext>
     </p:extLst>
   </p:cSld>
@@ -3102,7 +3102,7 @@
     </p:spTree>
     <p:extLst>
       <p:ext uri="{BB962C8B-B14F-4D97-AF65-F5344CB8AC3E}">
-        <p14:creationId xmlns:p14="http://schemas.microsoft.com/office/powerpoint/2010/main" val="2143338913"/>
+        <p14:creationId xmlns:p14="http://schemas.microsoft.com/office/powerpoint/2010/main" val="4247089632"/>
       </p:ext>
     </p:extLst>
   </p:cSld>
@@ -3274,7 +3274,7 @@
     </p:spTree>
     <p:extLst>
       <p:ext uri="{BB962C8B-B14F-4D97-AF65-F5344CB8AC3E}">
-        <p14:creationId xmlns:p14="http://schemas.microsoft.com/office/powerpoint/2010/main" val="136643647"/>
+        <p14:creationId xmlns:p14="http://schemas.microsoft.com/office/powerpoint/2010/main" val="1256293890"/>
       </p:ext>
     </p:extLst>
   </p:cSld>
@@ -3315,7 +3315,7 @@
           <a:ln/>
           <a:extLst>
             <a:ext uri="{FAA26D3D-D897-4be2-8F04-BA451C77F1D7}">
-              <ma14:placeholderFlag xmlns="" xmlns:ma14="http://schemas.microsoft.com/office/mac/drawingml/2011/main" val="1"/>
+              <ma14:placeholderFlag xmlns:ma14="http://schemas.microsoft.com/office/mac/drawingml/2011/main" xmlns="" val="1"/>
             </a:ext>
           </a:extLst>
         </p:spPr>
@@ -3494,7 +3494,7 @@
           <a:ln/>
           <a:extLst>
             <a:ext uri="{FAA26D3D-D897-4be2-8F04-BA451C77F1D7}">
-              <ma14:placeholderFlag xmlns="" xmlns:ma14="http://schemas.microsoft.com/office/mac/drawingml/2011/main" val="1"/>
+              <ma14:placeholderFlag xmlns:ma14="http://schemas.microsoft.com/office/mac/drawingml/2011/main" xmlns="" val="1"/>
             </a:ext>
           </a:extLst>
         </p:spPr>
@@ -3688,14 +3688,14 @@
           <a:ln w="9525"/>
           <a:extLst>
             <a:ext uri="{909E8E84-426E-40dd-AFC4-6F175D3DCCD1}">
-              <a14:hiddenFill xmlns="" xmlns:a14="http://schemas.microsoft.com/office/drawing/2010/main">
+              <a14:hiddenFill xmlns:a14="http://schemas.microsoft.com/office/drawing/2010/main" xmlns="">
                 <a:solidFill>
                   <a:srgbClr val="FFFFFF"/>
                 </a:solidFill>
               </a14:hiddenFill>
             </a:ext>
             <a:ext uri="{91240B29-F687-4f45-9708-019B960494DF}">
-              <a14:hiddenLine xmlns="" xmlns:a14="http://schemas.microsoft.com/office/drawing/2010/main" w="9525">
+              <a14:hiddenLine xmlns:a14="http://schemas.microsoft.com/office/drawing/2010/main" xmlns="" w="9525">
                 <a:solidFill>
                   <a:srgbClr val="000000"/>
                 </a:solidFill>
@@ -3705,7 +3705,7 @@
               </a14:hiddenLine>
             </a:ext>
             <a:ext uri="{FAA26D3D-D897-4be2-8F04-BA451C77F1D7}">
-              <ma14:placeholderFlag xmlns="" xmlns:ma14="http://schemas.microsoft.com/office/mac/drawingml/2011/main" val="1"/>
+              <ma14:placeholderFlag xmlns:ma14="http://schemas.microsoft.com/office/mac/drawingml/2011/main" xmlns="" val="1"/>
             </a:ext>
           </a:extLst>
         </p:spPr>
@@ -3877,14 +3877,14 @@
           <a:ln w="9525"/>
           <a:extLst>
             <a:ext uri="{909E8E84-426E-40dd-AFC4-6F175D3DCCD1}">
-              <a14:hiddenFill xmlns="" xmlns:a14="http://schemas.microsoft.com/office/drawing/2010/main">
+              <a14:hiddenFill xmlns:a14="http://schemas.microsoft.com/office/drawing/2010/main" xmlns="">
                 <a:solidFill>
                   <a:srgbClr val="FFFFFF"/>
                 </a:solidFill>
               </a14:hiddenFill>
             </a:ext>
             <a:ext uri="{91240B29-F687-4f45-9708-019B960494DF}">
-              <a14:hiddenLine xmlns="" xmlns:a14="http://schemas.microsoft.com/office/drawing/2010/main" w="9525">
+              <a14:hiddenLine xmlns:a14="http://schemas.microsoft.com/office/drawing/2010/main" xmlns="" w="9525">
                 <a:solidFill>
                   <a:srgbClr val="000000"/>
                 </a:solidFill>
@@ -4150,14 +4150,14 @@
           <a:ln w="9525"/>
           <a:extLst>
             <a:ext uri="{909E8E84-426E-40dd-AFC4-6F175D3DCCD1}">
-              <a14:hiddenFill xmlns="" xmlns:a14="http://schemas.microsoft.com/office/drawing/2010/main">
+              <a14:hiddenFill xmlns:a14="http://schemas.microsoft.com/office/drawing/2010/main" xmlns="">
                 <a:solidFill>
                   <a:srgbClr val="FFFFFF"/>
                 </a:solidFill>
               </a14:hiddenFill>
             </a:ext>
             <a:ext uri="{91240B29-F687-4f45-9708-019B960494DF}">
-              <a14:hiddenLine xmlns="" xmlns:a14="http://schemas.microsoft.com/office/drawing/2010/main" w="9525">
+              <a14:hiddenLine xmlns:a14="http://schemas.microsoft.com/office/drawing/2010/main" xmlns="" w="9525">
                 <a:solidFill>
                   <a:srgbClr val="000000"/>
                 </a:solidFill>
@@ -4167,7 +4167,7 @@
               </a14:hiddenLine>
             </a:ext>
             <a:ext uri="{FAA26D3D-D897-4be2-8F04-BA451C77F1D7}">
-              <ma14:placeholderFlag xmlns="" xmlns:ma14="http://schemas.microsoft.com/office/mac/drawingml/2011/main" val="1"/>
+              <ma14:placeholderFlag xmlns:ma14="http://schemas.microsoft.com/office/mac/drawingml/2011/main" xmlns="" val="1"/>
             </a:ext>
           </a:extLst>
         </p:spPr>
@@ -4353,14 +4353,14 @@
           <a:ln w="9525"/>
           <a:extLst>
             <a:ext uri="{909E8E84-426E-40dd-AFC4-6F175D3DCCD1}">
-              <a14:hiddenFill xmlns="" xmlns:a14="http://schemas.microsoft.com/office/drawing/2010/main">
+              <a14:hiddenFill xmlns:a14="http://schemas.microsoft.com/office/drawing/2010/main" xmlns="">
                 <a:solidFill>
                   <a:srgbClr val="FFFFFF"/>
                 </a:solidFill>
               </a14:hiddenFill>
             </a:ext>
             <a:ext uri="{91240B29-F687-4f45-9708-019B960494DF}">
-              <a14:hiddenLine xmlns="" xmlns:a14="http://schemas.microsoft.com/office/drawing/2010/main" w="9525">
+              <a14:hiddenLine xmlns:a14="http://schemas.microsoft.com/office/drawing/2010/main" xmlns="" w="9525">
                 <a:solidFill>
                   <a:srgbClr val="000000"/>
                 </a:solidFill>
@@ -5247,14 +5247,14 @@
           </a:ln>
           <a:extLst>
             <a:ext uri="{909E8E84-426E-40dd-AFC4-6F175D3DCCD1}">
-              <a14:hiddenFill xmlns="" xmlns:a14="http://schemas.microsoft.com/office/drawing/2010/main">
+              <a14:hiddenFill xmlns:a14="http://schemas.microsoft.com/office/drawing/2010/main" xmlns="">
                 <a:solidFill>
                   <a:srgbClr val="FFFFFF"/>
                 </a:solidFill>
               </a14:hiddenFill>
             </a:ext>
             <a:ext uri="{91240B29-F687-4f45-9708-019B960494DF}">
-              <a14:hiddenLine xmlns="" xmlns:a14="http://schemas.microsoft.com/office/drawing/2010/main" w="9525">
+              <a14:hiddenLine xmlns:a14="http://schemas.microsoft.com/office/drawing/2010/main" xmlns="" w="9525">
                 <a:solidFill>
                   <a:srgbClr val="000000"/>
                 </a:solidFill>
@@ -5430,14 +5430,14 @@
           </a:ln>
           <a:extLst>
             <a:ext uri="{909E8E84-426E-40dd-AFC4-6F175D3DCCD1}">
-              <a14:hiddenFill xmlns="" xmlns:a14="http://schemas.microsoft.com/office/drawing/2010/main">
+              <a14:hiddenFill xmlns:a14="http://schemas.microsoft.com/office/drawing/2010/main" xmlns="">
                 <a:solidFill>
                   <a:srgbClr val="FFFFFF"/>
                 </a:solidFill>
               </a14:hiddenFill>
             </a:ext>
             <a:ext uri="{FAA26D3D-D897-4be2-8F04-BA451C77F1D7}">
-              <ma14:placeholderFlag xmlns="" xmlns:ma14="http://schemas.microsoft.com/office/mac/drawingml/2011/main" val="1"/>
+              <ma14:placeholderFlag xmlns:ma14="http://schemas.microsoft.com/office/mac/drawingml/2011/main" xmlns="" val="1"/>
             </a:ext>
           </a:extLst>
         </p:spPr>
@@ -5807,7 +5807,7 @@
           </a:ln>
           <a:extLst>
             <a:ext uri="{FAA26D3D-D897-4be2-8F04-BA451C77F1D7}">
-              <ma14:placeholderFlag xmlns="" xmlns:ma14="http://schemas.microsoft.com/office/mac/drawingml/2011/main" val="1"/>
+              <ma14:placeholderFlag xmlns:ma14="http://schemas.microsoft.com/office/mac/drawingml/2011/main" xmlns="" val="1"/>
             </a:ext>
           </a:extLst>
         </p:spPr>
@@ -5985,14 +5985,14 @@
           </a:ln>
           <a:extLst>
             <a:ext uri="{909E8E84-426E-40dd-AFC4-6F175D3DCCD1}">
-              <a14:hiddenFill xmlns="" xmlns:a14="http://schemas.microsoft.com/office/drawing/2010/main">
+              <a14:hiddenFill xmlns:a14="http://schemas.microsoft.com/office/drawing/2010/main" xmlns="">
                 <a:solidFill>
                   <a:srgbClr val="FFFFFF"/>
                 </a:solidFill>
               </a14:hiddenFill>
             </a:ext>
             <a:ext uri="{91240B29-F687-4f45-9708-019B960494DF}">
-              <a14:hiddenLine xmlns="" xmlns:a14="http://schemas.microsoft.com/office/drawing/2010/main" w="9525">
+              <a14:hiddenLine xmlns:a14="http://schemas.microsoft.com/office/drawing/2010/main" xmlns="" w="9525">
                 <a:solidFill>
                   <a:srgbClr val="000000"/>
                 </a:solidFill>
@@ -6168,14 +6168,14 @@
           </a:ln>
           <a:extLst>
             <a:ext uri="{909E8E84-426E-40dd-AFC4-6F175D3DCCD1}">
-              <a14:hiddenFill xmlns="" xmlns:a14="http://schemas.microsoft.com/office/drawing/2010/main">
+              <a14:hiddenFill xmlns:a14="http://schemas.microsoft.com/office/drawing/2010/main" xmlns="">
                 <a:solidFill>
                   <a:srgbClr val="FFFFFF"/>
                 </a:solidFill>
               </a14:hiddenFill>
             </a:ext>
             <a:ext uri="{FAA26D3D-D897-4be2-8F04-BA451C77F1D7}">
-              <ma14:placeholderFlag xmlns="" xmlns:ma14="http://schemas.microsoft.com/office/mac/drawingml/2011/main" val="1"/>
+              <ma14:placeholderFlag xmlns:ma14="http://schemas.microsoft.com/office/mac/drawingml/2011/main" xmlns="" val="1"/>
             </a:ext>
           </a:extLst>
         </p:spPr>
@@ -6532,14 +6532,14 @@
           <a:ln w="9525"/>
           <a:extLst>
             <a:ext uri="{909E8E84-426E-40dd-AFC4-6F175D3DCCD1}">
-              <a14:hiddenFill xmlns="" xmlns:a14="http://schemas.microsoft.com/office/drawing/2010/main">
+              <a14:hiddenFill xmlns:a14="http://schemas.microsoft.com/office/drawing/2010/main" xmlns="">
                 <a:solidFill>
                   <a:srgbClr val="FFFFFF"/>
                 </a:solidFill>
               </a14:hiddenFill>
             </a:ext>
             <a:ext uri="{91240B29-F687-4f45-9708-019B960494DF}">
-              <a14:hiddenLine xmlns="" xmlns:a14="http://schemas.microsoft.com/office/drawing/2010/main" w="9525">
+              <a14:hiddenLine xmlns:a14="http://schemas.microsoft.com/office/drawing/2010/main" xmlns="" w="9525">
                 <a:solidFill>
                   <a:srgbClr val="000000"/>
                 </a:solidFill>
@@ -6732,14 +6732,14 @@
           <a:ln w="9525"/>
           <a:extLst>
             <a:ext uri="{909E8E84-426E-40dd-AFC4-6F175D3DCCD1}">
-              <a14:hiddenFill xmlns="" xmlns:a14="http://schemas.microsoft.com/office/drawing/2010/main">
+              <a14:hiddenFill xmlns:a14="http://schemas.microsoft.com/office/drawing/2010/main" xmlns="">
                 <a:solidFill>
                   <a:srgbClr val="FFFFFF"/>
                 </a:solidFill>
               </a14:hiddenFill>
             </a:ext>
             <a:ext uri="{91240B29-F687-4f45-9708-019B960494DF}">
-              <a14:hiddenLine xmlns="" xmlns:a14="http://schemas.microsoft.com/office/drawing/2010/main" w="9525">
+              <a14:hiddenLine xmlns:a14="http://schemas.microsoft.com/office/drawing/2010/main" xmlns="" w="9525">
                 <a:solidFill>
                   <a:srgbClr val="000000"/>
                 </a:solidFill>
@@ -6749,7 +6749,7 @@
               </a14:hiddenLine>
             </a:ext>
             <a:ext uri="{FAA26D3D-D897-4be2-8F04-BA451C77F1D7}">
-              <ma14:placeholderFlag xmlns="" xmlns:ma14="http://schemas.microsoft.com/office/mac/drawingml/2011/main" val="1"/>
+              <ma14:placeholderFlag xmlns:ma14="http://schemas.microsoft.com/office/mac/drawingml/2011/main" xmlns="" val="1"/>
             </a:ext>
           </a:extLst>
         </p:spPr>
@@ -7026,7 +7026,7 @@
           <a:p>
             <a:fld id="{B9D97583-D571-4344-98B8-28017CCA3E03}" type="datetime1">
               <a:rPr lang="en-US" smtClean="0"/>
-              <a:t>10/18/2021</a:t>
+              <a:t>11/7/2021</a:t>
             </a:fld>
             <a:endParaRPr lang="en-US"/>
           </a:p>
@@ -7277,7 +7277,7 @@
           <a:p>
             <a:fld id="{4BBFBB65-4BDE-463E-9E58-42EE1D34CE9F}" type="datetime1">
               <a:rPr lang="en-US" smtClean="0"/>
-              <a:t>10/18/2021</a:t>
+              <a:t>11/7/2021</a:t>
             </a:fld>
             <a:endParaRPr lang="en-US"/>
           </a:p>
@@ -7457,7 +7457,7 @@
           <a:p>
             <a:fld id="{F54BFA55-E628-4FD0-A5D2-4E2EAFF237C3}" type="datetime1">
               <a:rPr lang="en-US" smtClean="0"/>
-              <a:t>10/18/2021</a:t>
+              <a:t>11/7/2021</a:t>
             </a:fld>
             <a:endParaRPr lang="en-US"/>
           </a:p>
@@ -7713,7 +7713,7 @@
           <a:p>
             <a:fld id="{02043C03-488D-4679-9ED8-466B2755DE53}" type="datetime1">
               <a:rPr lang="en-US" smtClean="0"/>
-              <a:t>10/18/2021</a:t>
+              <a:t>11/7/2021</a:t>
             </a:fld>
             <a:endParaRPr lang="en-US"/>
           </a:p>
@@ -8058,7 +8058,7 @@
           <a:p>
             <a:fld id="{B4192580-B5C1-4953-9432-BAF964C9C431}" type="datetime1">
               <a:rPr lang="en-US" smtClean="0"/>
-              <a:t>10/18/2021</a:t>
+              <a:t>11/7/2021</a:t>
             </a:fld>
             <a:endParaRPr lang="en-US"/>
           </a:p>
@@ -8290,7 +8290,7 @@
           <a:p>
             <a:fld id="{9A346A84-DDEA-40BE-8087-15F820987FDF}" type="datetime1">
               <a:rPr lang="en-US" smtClean="0"/>
-              <a:t>10/18/2021</a:t>
+              <a:t>11/7/2021</a:t>
             </a:fld>
             <a:endParaRPr lang="en-US"/>
           </a:p>
@@ -8657,7 +8657,7 @@
           <a:p>
             <a:fld id="{A2903A79-0DCE-4FCE-A4A4-91DA4FE28602}" type="datetime1">
               <a:rPr lang="en-US" smtClean="0"/>
-              <a:t>10/18/2021</a:t>
+              <a:t>11/7/2021</a:t>
             </a:fld>
             <a:endParaRPr lang="en-US"/>
           </a:p>
@@ -8752,7 +8752,7 @@
           <a:p>
             <a:fld id="{5F3E0C55-B436-4700-9E7D-BD44BFF59CDA}" type="datetime1">
               <a:rPr lang="en-US" smtClean="0"/>
-              <a:t>10/18/2021</a:t>
+              <a:t>11/7/2021</a:t>
             </a:fld>
             <a:endParaRPr lang="en-US"/>
           </a:p>
@@ -8975,7 +8975,7 @@
             <a:fld id="{B2F5E2FA-C428-4CE7-95B0-168D3259A5BB}" type="datetimeFigureOut">
               <a:rPr lang="en-US" smtClean="0"/>
               <a:pPr/>
-              <a:t>10/18/2021</a:t>
+              <a:t>11/7/2021</a:t>
             </a:fld>
             <a:endParaRPr lang="en-US"/>
           </a:p>
@@ -9146,7 +9146,7 @@
           <a:p>
             <a:fld id="{1C6D7CCC-F888-4A14-96C0-AE59E5C0FB2B}" type="datetime1">
               <a:rPr lang="en-US" smtClean="0"/>
-              <a:t>10/18/2021</a:t>
+              <a:t>11/7/2021</a:t>
             </a:fld>
             <a:endParaRPr lang="en-US"/>
           </a:p>
@@ -9423,7 +9423,7 @@
           <a:p>
             <a:fld id="{D4751C8C-A248-4612-8437-BABDDCE28255}" type="datetime1">
               <a:rPr lang="en-US" smtClean="0"/>
-              <a:t>10/18/2021</a:t>
+              <a:t>11/7/2021</a:t>
             </a:fld>
             <a:endParaRPr lang="en-US"/>
           </a:p>
@@ -9676,7 +9676,7 @@
           <a:p>
             <a:fld id="{58FDAABC-841F-4EE7-ACE3-E3142B7EF2E8}" type="datetime1">
               <a:rPr lang="en-US" smtClean="0"/>
-              <a:t>10/18/2021</a:t>
+              <a:t>11/7/2021</a:t>
             </a:fld>
             <a:endParaRPr lang="en-US"/>
           </a:p>
@@ -9889,7 +9889,7 @@
           <a:p>
             <a:fld id="{150F3FE1-A936-421F-ABEB-D7D46FC8F947}" type="datetime1">
               <a:rPr lang="en-US" smtClean="0"/>
-              <a:t>10/18/2021</a:t>
+              <a:t>11/7/2021</a:t>
             </a:fld>
             <a:endParaRPr lang="en-US"/>
           </a:p>
@@ -10526,6 +10526,362 @@
       </p:grpSpPr>
       <p:sp>
         <p:nvSpPr>
+          <p:cNvPr id="2" name="Title 1"/>
+          <p:cNvSpPr>
+            <a:spLocks noGrp="1"/>
+          </p:cNvSpPr>
+          <p:nvPr>
+            <p:ph type="title"/>
+          </p:nvPr>
+        </p:nvSpPr>
+        <p:spPr/>
+        <p:txBody>
+          <a:bodyPr/>
+          <a:lstStyle/>
+          <a:p>
+            <a:r>
+              <a:rPr lang="en-US" dirty="0" smtClean="0"/>
+              <a:t>Types of Testing </a:t>
+            </a:r>
+            <a:endParaRPr lang="en-US" dirty="0"/>
+          </a:p>
+        </p:txBody>
+      </p:sp>
+      <p:sp>
+        <p:nvSpPr>
+          <p:cNvPr id="3" name="Content Placeholder 2"/>
+          <p:cNvSpPr>
+            <a:spLocks noGrp="1"/>
+          </p:cNvSpPr>
+          <p:nvPr>
+            <p:ph idx="1"/>
+          </p:nvPr>
+        </p:nvSpPr>
+        <p:spPr/>
+        <p:txBody>
+          <a:bodyPr/>
+          <a:lstStyle/>
+          <a:p>
+            <a:r>
+              <a:rPr lang="en-US" dirty="0" smtClean="0"/>
+              <a:t>Unit Testing: </a:t>
+            </a:r>
+          </a:p>
+          <a:p>
+            <a:pPr lvl="1"/>
+            <a:r>
+              <a:rPr lang="en-US" dirty="0" smtClean="0"/>
+              <a:t>Individual subsystem </a:t>
+            </a:r>
+          </a:p>
+          <a:p>
+            <a:pPr lvl="1"/>
+            <a:r>
+              <a:rPr lang="en-US" dirty="0" smtClean="0"/>
+              <a:t>Carried out by developers (of components) </a:t>
+            </a:r>
+          </a:p>
+          <a:p>
+            <a:pPr lvl="1"/>
+            <a:r>
+              <a:rPr lang="en-US" dirty="0" smtClean="0"/>
+              <a:t>Goal: Confirm that subsystems is correctly coded and carries out the intended functionality </a:t>
+            </a:r>
+          </a:p>
+          <a:p>
+            <a:r>
+              <a:rPr lang="en-US" dirty="0" smtClean="0"/>
+              <a:t>Integration Testing:</a:t>
+            </a:r>
+          </a:p>
+          <a:p>
+            <a:pPr lvl="1"/>
+            <a:r>
+              <a:rPr lang="en-US" dirty="0" smtClean="0"/>
+              <a:t>Groups of subsystems (collection of classes) and eventually the entire system</a:t>
+            </a:r>
+          </a:p>
+          <a:p>
+            <a:pPr lvl="1"/>
+            <a:r>
+              <a:rPr lang="en-US" dirty="0" smtClean="0"/>
+              <a:t>Carried out by developers</a:t>
+            </a:r>
+          </a:p>
+          <a:p>
+            <a:pPr lvl="1"/>
+            <a:r>
+              <a:rPr lang="en-US" dirty="0" smtClean="0"/>
+              <a:t>Goal: Test the interface and the interplay among the subsystems </a:t>
+            </a:r>
+            <a:br>
+              <a:rPr lang="en-US" dirty="0" smtClean="0"/>
+            </a:br>
+            <a:endParaRPr lang="en-US" dirty="0" smtClean="0"/>
+          </a:p>
+          <a:p>
+            <a:endParaRPr lang="en-US" dirty="0"/>
+          </a:p>
+        </p:txBody>
+      </p:sp>
+      <p:sp>
+        <p:nvSpPr>
+          <p:cNvPr id="4" name="Slide Number Placeholder 3"/>
+          <p:cNvSpPr>
+            <a:spLocks noGrp="1"/>
+          </p:cNvSpPr>
+          <p:nvPr>
+            <p:ph type="sldNum" sz="quarter" idx="12"/>
+          </p:nvPr>
+        </p:nvSpPr>
+        <p:spPr/>
+        <p:txBody>
+          <a:bodyPr/>
+          <a:lstStyle/>
+          <a:p>
+            <a:fld id="{B543A0FD-1CA6-4228-86A2-78061B4844C8}" type="slidenum">
+              <a:rPr lang="en-US" smtClean="0"/>
+              <a:t>11</a:t>
+            </a:fld>
+            <a:endParaRPr lang="en-US"/>
+          </a:p>
+        </p:txBody>
+      </p:sp>
+    </p:spTree>
+    <p:extLst>
+      <p:ext uri="{BB962C8B-B14F-4D97-AF65-F5344CB8AC3E}">
+        <p14:creationId xmlns:p14="http://schemas.microsoft.com/office/powerpoint/2010/main" val="3292180617"/>
+      </p:ext>
+    </p:extLst>
+  </p:cSld>
+  <p:clrMapOvr>
+    <a:masterClrMapping/>
+  </p:clrMapOvr>
+  <mc:AlternateContent xmlns:mc="http://schemas.openxmlformats.org/markup-compatibility/2006" xmlns:p14="http://schemas.microsoft.com/office/powerpoint/2010/main">
+    <mc:Choice Requires="p14">
+      <p:transition spd="slow" p14:dur="2000"/>
+    </mc:Choice>
+    <mc:Fallback xmlns="">
+      <p:transition spd="slow"/>
+    </mc:Fallback>
+  </mc:AlternateContent>
+  <p:timing>
+    <p:tnLst>
+      <p:par>
+        <p:cTn id="1" dur="indefinite" restart="never" nodeType="tmRoot"/>
+      </p:par>
+    </p:tnLst>
+  </p:timing>
+</p:sld>
+</file>
+
+<file path=ppt/slides/slide12.xml><?xml version="1.0" encoding="utf-8"?>
+<p:sld xmlns:a="http://schemas.openxmlformats.org/drawingml/2006/main" xmlns:r="http://schemas.openxmlformats.org/officeDocument/2006/relationships" xmlns:p="http://schemas.openxmlformats.org/presentationml/2006/main">
+  <p:cSld>
+    <p:spTree>
+      <p:nvGrpSpPr>
+        <p:cNvPr id="1" name=""/>
+        <p:cNvGrpSpPr/>
+        <p:nvPr/>
+      </p:nvGrpSpPr>
+      <p:grpSpPr>
+        <a:xfrm>
+          <a:off x="0" y="0"/>
+          <a:ext cx="0" cy="0"/>
+          <a:chOff x="0" y="0"/>
+          <a:chExt cx="0" cy="0"/>
+        </a:xfrm>
+      </p:grpSpPr>
+      <p:sp>
+        <p:nvSpPr>
+          <p:cNvPr id="2" name="Title 1"/>
+          <p:cNvSpPr>
+            <a:spLocks noGrp="1"/>
+          </p:cNvSpPr>
+          <p:nvPr>
+            <p:ph type="title"/>
+          </p:nvPr>
+        </p:nvSpPr>
+        <p:spPr/>
+        <p:txBody>
+          <a:bodyPr/>
+          <a:lstStyle/>
+          <a:p>
+            <a:r>
+              <a:rPr lang="en-US" dirty="0" smtClean="0"/>
+              <a:t>Types of Testing </a:t>
+            </a:r>
+            <a:endParaRPr lang="en-US" dirty="0"/>
+          </a:p>
+        </p:txBody>
+      </p:sp>
+      <p:sp>
+        <p:nvSpPr>
+          <p:cNvPr id="3" name="Content Placeholder 2"/>
+          <p:cNvSpPr>
+            <a:spLocks noGrp="1"/>
+          </p:cNvSpPr>
+          <p:nvPr>
+            <p:ph idx="1"/>
+          </p:nvPr>
+        </p:nvSpPr>
+        <p:spPr/>
+        <p:txBody>
+          <a:bodyPr>
+            <a:normAutofit/>
+          </a:bodyPr>
+          <a:lstStyle/>
+          <a:p>
+            <a:r>
+              <a:rPr lang="en-US" dirty="0"/>
+              <a:t>System Testing: </a:t>
+            </a:r>
+          </a:p>
+          <a:p>
+            <a:pPr lvl="1"/>
+            <a:r>
+              <a:rPr lang="en-US" dirty="0"/>
+              <a:t>The entire system </a:t>
+            </a:r>
+          </a:p>
+          <a:p>
+            <a:pPr lvl="1"/>
+            <a:r>
+              <a:rPr lang="en-US" dirty="0"/>
+              <a:t>Carried out by developers (testers!) </a:t>
+            </a:r>
+          </a:p>
+          <a:p>
+            <a:pPr lvl="1"/>
+            <a:r>
+              <a:rPr lang="en-US" dirty="0"/>
+              <a:t>Goal: Determine if the system meets the requirements (functional and global) </a:t>
+            </a:r>
+          </a:p>
+          <a:p>
+            <a:pPr lvl="1"/>
+            <a:r>
+              <a:rPr lang="en-US" dirty="0" smtClean="0"/>
+              <a:t>Functional </a:t>
+            </a:r>
+            <a:r>
+              <a:rPr lang="en-US" dirty="0"/>
+              <a:t>Testing: Test of functional requirements </a:t>
+            </a:r>
+          </a:p>
+          <a:p>
+            <a:pPr lvl="1"/>
+            <a:r>
+              <a:rPr lang="en-US" dirty="0" smtClean="0"/>
+              <a:t>Performance </a:t>
+            </a:r>
+            <a:r>
+              <a:rPr lang="en-US" dirty="0"/>
+              <a:t>Testing: Test of non-functional requirements </a:t>
+            </a:r>
+          </a:p>
+          <a:p>
+            <a:r>
+              <a:rPr lang="en-US" dirty="0"/>
+              <a:t>Acceptance and Installation Testing: </a:t>
+            </a:r>
+          </a:p>
+          <a:p>
+            <a:pPr lvl="1"/>
+            <a:r>
+              <a:rPr lang="en-US" dirty="0"/>
+              <a:t>Evaluates the system delivered by developers </a:t>
+            </a:r>
+          </a:p>
+          <a:p>
+            <a:pPr lvl="1"/>
+            <a:r>
+              <a:rPr lang="en-US" dirty="0"/>
+              <a:t>Carried out by the client. </a:t>
+            </a:r>
+          </a:p>
+          <a:p>
+            <a:pPr lvl="1"/>
+            <a:r>
+              <a:rPr lang="en-US" dirty="0"/>
+              <a:t>Goal: Demonstrate that the system meets customer requirements and is ready to use </a:t>
+            </a:r>
+          </a:p>
+          <a:p>
+            <a:endParaRPr lang="en-US" dirty="0"/>
+          </a:p>
+        </p:txBody>
+      </p:sp>
+      <p:sp>
+        <p:nvSpPr>
+          <p:cNvPr id="4" name="Slide Number Placeholder 3"/>
+          <p:cNvSpPr>
+            <a:spLocks noGrp="1"/>
+          </p:cNvSpPr>
+          <p:nvPr>
+            <p:ph type="sldNum" sz="quarter" idx="12"/>
+          </p:nvPr>
+        </p:nvSpPr>
+        <p:spPr/>
+        <p:txBody>
+          <a:bodyPr/>
+          <a:lstStyle/>
+          <a:p>
+            <a:fld id="{B543A0FD-1CA6-4228-86A2-78061B4844C8}" type="slidenum">
+              <a:rPr lang="en-US" smtClean="0"/>
+              <a:t>12</a:t>
+            </a:fld>
+            <a:endParaRPr lang="en-US"/>
+          </a:p>
+        </p:txBody>
+      </p:sp>
+    </p:spTree>
+    <p:extLst>
+      <p:ext uri="{BB962C8B-B14F-4D97-AF65-F5344CB8AC3E}">
+        <p14:creationId xmlns:p14="http://schemas.microsoft.com/office/powerpoint/2010/main" val="3110145964"/>
+      </p:ext>
+    </p:extLst>
+  </p:cSld>
+  <p:clrMapOvr>
+    <a:masterClrMapping/>
+  </p:clrMapOvr>
+  <mc:AlternateContent xmlns:mc="http://schemas.openxmlformats.org/markup-compatibility/2006" xmlns:p14="http://schemas.microsoft.com/office/powerpoint/2010/main">
+    <mc:Choice Requires="p14">
+      <p:transition spd="slow" p14:dur="2000"/>
+    </mc:Choice>
+    <mc:Fallback xmlns="">
+      <p:transition spd="slow"/>
+    </mc:Fallback>
+  </mc:AlternateContent>
+  <p:timing>
+    <p:tnLst>
+      <p:par>
+        <p:cTn id="1" dur="indefinite" restart="never" nodeType="tmRoot"/>
+      </p:par>
+    </p:tnLst>
+  </p:timing>
+</p:sld>
+</file>
+
+<file path=ppt/slides/slide13.xml><?xml version="1.0" encoding="utf-8"?>
+<p:sld xmlns:a="http://schemas.openxmlformats.org/drawingml/2006/main" xmlns:r="http://schemas.openxmlformats.org/officeDocument/2006/relationships" xmlns:p="http://schemas.openxmlformats.org/presentationml/2006/main">
+  <p:cSld>
+    <p:spTree>
+      <p:nvGrpSpPr>
+        <p:cNvPr id="1" name=""/>
+        <p:cNvGrpSpPr/>
+        <p:nvPr/>
+      </p:nvGrpSpPr>
+      <p:grpSpPr>
+        <a:xfrm>
+          <a:off x="0" y="0"/>
+          <a:ext cx="0" cy="0"/>
+          <a:chOff x="0" y="0"/>
+          <a:chExt cx="0" cy="0"/>
+        </a:xfrm>
+      </p:grpSpPr>
+      <p:sp>
+        <p:nvSpPr>
           <p:cNvPr id="20484" name="Title 1"/>
           <p:cNvSpPr>
             <a:spLocks noGrp="1"/>
@@ -10558,7 +10914,7 @@
             <p:ph idx="1"/>
             <p:extLst>
               <p:ext uri="{D42A27DB-BD31-4B8C-83A1-F6EECF244321}">
-                <p14:modId xmlns:p14="http://schemas.microsoft.com/office/powerpoint/2010/main" val="1245304931"/>
+                <p14:modId xmlns:p14="http://schemas.microsoft.com/office/powerpoint/2010/main" val="1673548805"/>
               </p:ext>
             </p:extLst>
           </p:nvPr>
@@ -10668,6 +11024,7 @@
                             <a:noFill/>
                           </a:ln>
                           <a:effectLst/>
+                          <a:latin typeface="Candara" panose="020E0502030303020204" pitchFamily="34" charset="0"/>
                         </a:rPr>
                         <a:t>Unit/module test</a:t>
                       </a:r>
@@ -10685,7 +11042,13 @@
                       </a:endParaRPr>
                     </a:p>
                   </a:txBody>
-                  <a:tcPr marL="87394" marR="87394" marT="45717" marB="45717" horzOverflow="overflow"/>
+                  <a:tcPr marL="87394" marR="87394" marT="45717" marB="45717" horzOverflow="overflow">
+                    <a:solidFill>
+                      <a:schemeClr val="bg1">
+                        <a:lumMod val="85000"/>
+                      </a:schemeClr>
+                    </a:solidFill>
+                  </a:tcPr>
                 </a:tc>
                 <a:tc>
                   <a:txBody>
@@ -10714,6 +11077,7 @@
                             <a:noFill/>
                           </a:ln>
                           <a:effectLst/>
+                          <a:latin typeface="Candara" panose="020E0502030303020204" pitchFamily="34" charset="0"/>
                         </a:rPr>
                         <a:t>Integration test</a:t>
                       </a:r>
@@ -10731,7 +11095,13 @@
                       </a:endParaRPr>
                     </a:p>
                   </a:txBody>
-                  <a:tcPr marL="87394" marR="87394" marT="45717" marB="45717" horzOverflow="overflow"/>
+                  <a:tcPr marL="87394" marR="87394" marT="45717" marB="45717" horzOverflow="overflow">
+                    <a:solidFill>
+                      <a:schemeClr val="bg1">
+                        <a:lumMod val="85000"/>
+                      </a:schemeClr>
+                    </a:solidFill>
+                  </a:tcPr>
                 </a:tc>
                 <a:tc>
                   <a:txBody>
@@ -10760,6 +11130,7 @@
                             <a:noFill/>
                           </a:ln>
                           <a:effectLst/>
+                          <a:latin typeface="Candara" panose="020E0502030303020204" pitchFamily="34" charset="0"/>
                         </a:rPr>
                         <a:t>System test</a:t>
                       </a:r>
@@ -10777,7 +11148,13 @@
                       </a:endParaRPr>
                     </a:p>
                   </a:txBody>
-                  <a:tcPr marL="87394" marR="87394" marT="45717" marB="45717" horzOverflow="overflow"/>
+                  <a:tcPr marL="87394" marR="87394" marT="45717" marB="45717" horzOverflow="overflow">
+                    <a:solidFill>
+                      <a:schemeClr val="bg1">
+                        <a:lumMod val="85000"/>
+                      </a:schemeClr>
+                    </a:solidFill>
+                  </a:tcPr>
                 </a:tc>
                 <a:extLst>
                   <a:ext uri="{0D108BD9-81ED-4DB2-BD59-A6C34878D82A}">
@@ -10813,6 +11190,7 @@
                             <a:noFill/>
                           </a:ln>
                           <a:effectLst/>
+                          <a:latin typeface="Candara" panose="020E0502030303020204" pitchFamily="34" charset="0"/>
                         </a:rPr>
                         <a:t>Specification:</a:t>
                       </a:r>
@@ -10830,7 +11208,13 @@
                       </a:endParaRPr>
                     </a:p>
                   </a:txBody>
-                  <a:tcPr marL="87394" marR="87394" marT="45717" marB="45717" horzOverflow="overflow"/>
+                  <a:tcPr marL="87394" marR="87394" marT="45717" marB="45717" horzOverflow="overflow">
+                    <a:solidFill>
+                      <a:schemeClr val="bg1">
+                        <a:lumMod val="85000"/>
+                      </a:schemeClr>
+                    </a:solidFill>
+                  </a:tcPr>
                 </a:tc>
                 <a:tc>
                   <a:txBody>
@@ -10859,6 +11243,7 @@
                             <a:noFill/>
                           </a:ln>
                           <a:effectLst/>
+                          <a:latin typeface="Candara" panose="020E0502030303020204" pitchFamily="34" charset="0"/>
                         </a:rPr>
                         <a:t>Module interface</a:t>
                       </a:r>
@@ -10905,6 +11290,7 @@
                             <a:noFill/>
                           </a:ln>
                           <a:effectLst/>
+                          <a:latin typeface="Candara" panose="020E0502030303020204" pitchFamily="34" charset="0"/>
                         </a:rPr>
                         <a:t>Interface specs, module breakdown</a:t>
                       </a:r>
@@ -10969,6 +11355,7 @@
                             <a:noFill/>
                           </a:ln>
                           <a:effectLst/>
+                          <a:latin typeface="Candara" panose="020E0502030303020204" pitchFamily="34" charset="0"/>
                         </a:rPr>
                         <a:t>Requirements specification</a:t>
                       </a:r>
@@ -11022,6 +11409,7 @@
                             <a:noFill/>
                           </a:ln>
                           <a:effectLst/>
+                          <a:latin typeface="Candara" panose="020E0502030303020204" pitchFamily="34" charset="0"/>
                         </a:rPr>
                         <a:t>Visible structure:</a:t>
                       </a:r>
@@ -11039,7 +11427,13 @@
                       </a:endParaRPr>
                     </a:p>
                   </a:txBody>
-                  <a:tcPr marL="87394" marR="87394" marT="45717" marB="45717" horzOverflow="overflow"/>
+                  <a:tcPr marL="87394" marR="87394" marT="45717" marB="45717" horzOverflow="overflow">
+                    <a:solidFill>
+                      <a:schemeClr val="bg1">
+                        <a:lumMod val="85000"/>
+                      </a:schemeClr>
+                    </a:solidFill>
+                  </a:tcPr>
                 </a:tc>
                 <a:tc>
                   <a:txBody>
@@ -11068,6 +11462,7 @@
                             <a:noFill/>
                           </a:ln>
                           <a:effectLst/>
+                          <a:latin typeface="Candara" panose="020E0502030303020204" pitchFamily="34" charset="0"/>
                         </a:rPr>
                         <a:t>Coding details</a:t>
                       </a:r>
@@ -11114,6 +11509,7 @@
                             <a:noFill/>
                           </a:ln>
                           <a:effectLst/>
+                          <a:latin typeface="Candara" panose="020E0502030303020204" pitchFamily="34" charset="0"/>
                         </a:rPr>
                         <a:t>Modular structure (software architecture)</a:t>
                       </a:r>
@@ -11160,6 +11556,7 @@
                             <a:noFill/>
                           </a:ln>
                           <a:effectLst/>
+                          <a:latin typeface="Candara" panose="020E0502030303020204" pitchFamily="34" charset="0"/>
                         </a:rPr>
                         <a:t>— none —</a:t>
                       </a:r>
@@ -11213,6 +11610,7 @@
                             <a:noFill/>
                           </a:ln>
                           <a:effectLst/>
+                          <a:latin typeface="Candara" panose="020E0502030303020204" pitchFamily="34" charset="0"/>
                         </a:rPr>
                         <a:t>Scaffolding required:</a:t>
                       </a:r>
@@ -11230,7 +11628,13 @@
                       </a:endParaRPr>
                     </a:p>
                   </a:txBody>
-                  <a:tcPr marL="87394" marR="87394" marT="45717" marB="45717" horzOverflow="overflow"/>
+                  <a:tcPr marL="87394" marR="87394" marT="45717" marB="45717" horzOverflow="overflow">
+                    <a:solidFill>
+                      <a:schemeClr val="bg1">
+                        <a:lumMod val="85000"/>
+                      </a:schemeClr>
+                    </a:solidFill>
+                  </a:tcPr>
                 </a:tc>
                 <a:tc>
                   <a:txBody>
@@ -11259,6 +11663,7 @@
                             <a:noFill/>
                           </a:ln>
                           <a:effectLst/>
+                          <a:latin typeface="Candara" panose="020E0502030303020204" pitchFamily="34" charset="0"/>
                         </a:rPr>
                         <a:t>Some</a:t>
                       </a:r>
@@ -11305,6 +11710,7 @@
                             <a:noFill/>
                           </a:ln>
                           <a:effectLst/>
+                          <a:latin typeface="Candara" panose="020E0502030303020204" pitchFamily="34" charset="0"/>
                         </a:rPr>
                         <a:t>Often extensive</a:t>
                       </a:r>
@@ -11351,6 +11757,7 @@
                             <a:noFill/>
                           </a:ln>
                           <a:effectLst/>
+                          <a:latin typeface="Candara" panose="020E0502030303020204" pitchFamily="34" charset="0"/>
                         </a:rPr>
                         <a:t>Some</a:t>
                       </a:r>
@@ -11422,6 +11829,7 @@
                             <a:noFill/>
                           </a:ln>
                           <a:effectLst/>
+                          <a:latin typeface="Candara" panose="020E0502030303020204" pitchFamily="34" charset="0"/>
                         </a:rPr>
                         <a:t>Looking for faults in:</a:t>
                       </a:r>
@@ -11439,7 +11847,13 @@
                       </a:endParaRPr>
                     </a:p>
                   </a:txBody>
-                  <a:tcPr marL="87394" marR="87394" marT="45717" marB="45717" horzOverflow="overflow"/>
+                  <a:tcPr marL="87394" marR="87394" marT="45717" marB="45717" horzOverflow="overflow">
+                    <a:solidFill>
+                      <a:schemeClr val="bg1">
+                        <a:lumMod val="85000"/>
+                      </a:schemeClr>
+                    </a:solidFill>
+                  </a:tcPr>
                 </a:tc>
                 <a:tc>
                   <a:txBody>
@@ -11468,6 +11882,7 @@
                             <a:noFill/>
                           </a:ln>
                           <a:effectLst/>
+                          <a:latin typeface="Candara" panose="020E0502030303020204" pitchFamily="34" charset="0"/>
                         </a:rPr>
                         <a:t>Modules</a:t>
                       </a:r>
@@ -11514,6 +11929,7 @@
                             <a:noFill/>
                           </a:ln>
                           <a:effectLst/>
+                          <a:latin typeface="Candara" panose="020E0502030303020204" pitchFamily="34" charset="0"/>
                         </a:rPr>
                         <a:t>Interactions, compatibility</a:t>
                       </a:r>
@@ -11560,6 +11976,7 @@
                             <a:noFill/>
                           </a:ln>
                           <a:effectLst/>
+                          <a:latin typeface="Candara" panose="020E0502030303020204" pitchFamily="34" charset="0"/>
                         </a:rPr>
                         <a:t>System functionality</a:t>
                       </a:r>
@@ -11606,7 +12023,7 @@
           <a:p>
             <a:fld id="{B543A0FD-1CA6-4228-86A2-78061B4844C8}" type="slidenum">
               <a:rPr lang="en-US" smtClean="0"/>
-              <a:t>11</a:t>
+              <a:t>13</a:t>
             </a:fld>
             <a:endParaRPr lang="en-US"/>
           </a:p>
@@ -11633,7 +12050,7 @@
 </p:sld>
 </file>
 
-<file path=ppt/slides/slide12.xml><?xml version="1.0" encoding="utf-8"?>
+<file path=ppt/slides/slide14.xml><?xml version="1.0" encoding="utf-8"?>
 <p:sld xmlns:a="http://schemas.openxmlformats.org/drawingml/2006/main" xmlns:r="http://schemas.openxmlformats.org/officeDocument/2006/relationships" xmlns:p="http://schemas.openxmlformats.org/presentationml/2006/main">
   <p:cSld>
     <p:spTree>
@@ -11694,7 +12111,7 @@
         </p:nvGraphicFramePr>
         <p:xfrm>
           <a:off x="795067" y="1305738"/>
-          <a:ext cx="10515600" cy="4815649"/>
+          <a:ext cx="10515600" cy="5088699"/>
         </p:xfrm>
         <a:graphic>
           <a:graphicData uri="http://schemas.openxmlformats.org/drawingml/2006/table">
@@ -12160,7 +12577,7 @@
           <a:p>
             <a:fld id="{B543A0FD-1CA6-4228-86A2-78061B4844C8}" type="slidenum">
               <a:rPr lang="en-US" smtClean="0"/>
-              <a:t>12</a:t>
+              <a:t>14</a:t>
             </a:fld>
             <a:endParaRPr lang="en-US"/>
           </a:p>
@@ -12179,7 +12596,7 @@
 </p:sld>
 </file>
 
-<file path=ppt/slides/slide13.xml><?xml version="1.0" encoding="utf-8"?>
+<file path=ppt/slides/slide15.xml><?xml version="1.0" encoding="utf-8"?>
 <p:sld xmlns:a="http://schemas.openxmlformats.org/drawingml/2006/main" xmlns:r="http://schemas.openxmlformats.org/officeDocument/2006/relationships" xmlns:p="http://schemas.openxmlformats.org/presentationml/2006/main">
   <p:cSld>
     <p:spTree>
@@ -12247,9 +12664,18 @@
           </a:p>
           <a:p>
             <a:r>
+              <a:rPr lang="en-US" sz="2000" dirty="0" smtClean="0"/>
+              <a:t>Integration </a:t>
+            </a:r>
+            <a:r>
               <a:rPr lang="en-US" sz="2000" dirty="0"/>
-              <a:t>Major testing focuses:</a:t>
-            </a:r>
+              <a:t>testing </a:t>
+            </a:r>
+            <a:r>
+              <a:rPr lang="en-US" sz="2000" dirty="0" smtClean="0"/>
+              <a:t>focuses on:</a:t>
+            </a:r>
+            <a:endParaRPr lang="en-US" sz="2000" dirty="0"/>
           </a:p>
           <a:p>
             <a:pPr lvl="1"/>
@@ -12403,7 +12829,7 @@
           <a:p>
             <a:fld id="{B543A0FD-1CA6-4228-86A2-78061B4844C8}" type="slidenum">
               <a:rPr lang="en-US" smtClean="0"/>
-              <a:t>13</a:t>
+              <a:t>15</a:t>
             </a:fld>
             <a:endParaRPr lang="en-US"/>
           </a:p>
@@ -12422,7 +12848,7 @@
 </p:sld>
 </file>
 
-<file path=ppt/slides/slide14.xml><?xml version="1.0" encoding="utf-8"?>
+<file path=ppt/slides/slide16.xml><?xml version="1.0" encoding="utf-8"?>
 <p:sld xmlns:a="http://schemas.openxmlformats.org/drawingml/2006/main" xmlns:r="http://schemas.openxmlformats.org/officeDocument/2006/relationships" xmlns:p="http://schemas.openxmlformats.org/presentationml/2006/main">
   <p:cSld>
     <p:spTree>
@@ -12535,7 +12961,7 @@
           <a:p>
             <a:fld id="{B543A0FD-1CA6-4228-86A2-78061B4844C8}" type="slidenum">
               <a:rPr lang="en-US" smtClean="0"/>
-              <a:t>14</a:t>
+              <a:t>16</a:t>
             </a:fld>
             <a:endParaRPr lang="en-US"/>
           </a:p>
@@ -12562,7 +12988,7 @@
 </p:sld>
 </file>
 
-<file path=ppt/slides/slide15.xml><?xml version="1.0" encoding="utf-8"?>
+<file path=ppt/slides/slide17.xml><?xml version="1.0" encoding="utf-8"?>
 <p:sld xmlns:a="http://schemas.openxmlformats.org/drawingml/2006/main" xmlns:r="http://schemas.openxmlformats.org/officeDocument/2006/relationships" xmlns:p="http://schemas.openxmlformats.org/presentationml/2006/main">
   <p:cSld>
     <p:spTree>
@@ -12677,7 +13103,7 @@
           <a:p>
             <a:fld id="{B543A0FD-1CA6-4228-86A2-78061B4844C8}" type="slidenum">
               <a:rPr lang="en-US" smtClean="0"/>
-              <a:t>15</a:t>
+              <a:t>17</a:t>
             </a:fld>
             <a:endParaRPr lang="en-US"/>
           </a:p>
@@ -12704,7 +13130,7 @@
 </p:sld>
 </file>
 
-<file path=ppt/slides/slide16.xml><?xml version="1.0" encoding="utf-8"?>
+<file path=ppt/slides/slide18.xml><?xml version="1.0" encoding="utf-8"?>
 <p:sld xmlns:a="http://schemas.openxmlformats.org/drawingml/2006/main" xmlns:r="http://schemas.openxmlformats.org/officeDocument/2006/relationships" xmlns:p="http://schemas.openxmlformats.org/presentationml/2006/main">
   <p:cSld>
     <p:spTree>
@@ -13005,7 +13431,7 @@
           <a:p>
             <a:fld id="{B543A0FD-1CA6-4228-86A2-78061B4844C8}" type="slidenum">
               <a:rPr lang="en-US" smtClean="0"/>
-              <a:t>16</a:t>
+              <a:t>18</a:t>
             </a:fld>
             <a:endParaRPr lang="en-US"/>
           </a:p>
@@ -13103,7 +13529,7 @@
 </p:sld>
 </file>
 
-<file path=ppt/slides/slide17.xml><?xml version="1.0" encoding="utf-8"?>
+<file path=ppt/slides/slide19.xml><?xml version="1.0" encoding="utf-8"?>
 <p:sld xmlns:a="http://schemas.openxmlformats.org/drawingml/2006/main" xmlns:r="http://schemas.openxmlformats.org/officeDocument/2006/relationships" xmlns:p="http://schemas.openxmlformats.org/presentationml/2006/main">
   <p:cSld>
     <p:spTree>
@@ -13359,7 +13785,7 @@
           <a:p>
             <a:fld id="{B543A0FD-1CA6-4228-86A2-78061B4844C8}" type="slidenum">
               <a:rPr lang="en-US" smtClean="0"/>
-              <a:t>17</a:t>
+              <a:t>19</a:t>
             </a:fld>
             <a:endParaRPr lang="en-US"/>
           </a:p>
@@ -13493,494 +13919,6 @@
     <p:bldLst>
       <p:bldP spid="24582" grpId="0" animBg="1"/>
     </p:bldLst>
-  </p:timing>
-</p:sld>
-</file>
-
-<file path=ppt/slides/slide18.xml><?xml version="1.0" encoding="utf-8"?>
-<p:sld xmlns:a="http://schemas.openxmlformats.org/drawingml/2006/main" xmlns:r="http://schemas.openxmlformats.org/officeDocument/2006/relationships" xmlns:p="http://schemas.openxmlformats.org/presentationml/2006/main">
-  <p:cSld>
-    <p:spTree>
-      <p:nvGrpSpPr>
-        <p:cNvPr id="1" name=""/>
-        <p:cNvGrpSpPr/>
-        <p:nvPr/>
-      </p:nvGrpSpPr>
-      <p:grpSpPr>
-        <a:xfrm>
-          <a:off x="0" y="0"/>
-          <a:ext cx="0" cy="0"/>
-          <a:chOff x="0" y="0"/>
-          <a:chExt cx="0" cy="0"/>
-        </a:xfrm>
-      </p:grpSpPr>
-      <p:sp>
-        <p:nvSpPr>
-          <p:cNvPr id="25604" name="Rectangle 2"/>
-          <p:cNvSpPr>
-            <a:spLocks noGrp="1" noChangeArrowheads="1"/>
-          </p:cNvSpPr>
-          <p:nvPr>
-            <p:ph type="title"/>
-          </p:nvPr>
-        </p:nvSpPr>
-        <p:spPr/>
-        <p:txBody>
-          <a:bodyPr anchor="ctr" anchorCtr="0"/>
-          <a:lstStyle/>
-          <a:p>
-            <a:pPr eaLnBrk="1" hangingPunct="1"/>
-            <a:r>
-              <a:rPr lang="en-US" dirty="0" smtClean="0"/>
-              <a:t>Example: A Memory Leak</a:t>
-            </a:r>
-            <a:endParaRPr lang="it-IT" sz="3200" dirty="0"/>
-          </a:p>
-        </p:txBody>
-      </p:sp>
-      <p:sp>
-        <p:nvSpPr>
-          <p:cNvPr id="25605" name="Rectangle 3"/>
-          <p:cNvSpPr>
-            <a:spLocks noGrp="1" noChangeArrowheads="1"/>
-          </p:cNvSpPr>
-          <p:nvPr>
-            <p:ph idx="1"/>
-          </p:nvPr>
-        </p:nvSpPr>
-        <p:spPr/>
-        <p:txBody>
-          <a:bodyPr>
-            <a:normAutofit/>
-          </a:bodyPr>
-          <a:lstStyle/>
-          <a:p>
-            <a:pPr marL="342900" indent="-342900">
-              <a:buNone/>
-            </a:pPr>
-            <a:r>
-              <a:rPr lang="en-US" dirty="0" smtClean="0"/>
-              <a:t>Apache web server, version 2.0.48</a:t>
-            </a:r>
-          </a:p>
-          <a:p>
-            <a:pPr marL="342900" indent="-342900">
-              <a:buNone/>
-            </a:pPr>
-            <a:r>
-              <a:rPr lang="en-US" dirty="0" smtClean="0"/>
-              <a:t>	Response to normal page request on secure (https) port</a:t>
-            </a:r>
-          </a:p>
-          <a:p>
-            <a:pPr marL="342900" indent="-342900">
-              <a:buNone/>
-            </a:pPr>
-            <a:endParaRPr lang="en-US" dirty="0" smtClean="0"/>
-          </a:p>
-          <a:p>
-            <a:pPr eaLnBrk="1" hangingPunct="1">
-              <a:lnSpc>
-                <a:spcPct val="90000"/>
-              </a:lnSpc>
-              <a:buNone/>
-            </a:pPr>
-            <a:r>
-              <a:rPr lang="en-US" dirty="0" smtClean="0">
-                <a:solidFill>
-                  <a:srgbClr val="000080"/>
-                </a:solidFill>
-              </a:rPr>
-              <a:t>static void ssl_io_filter_disable(ap filter t *f)  {</a:t>
-            </a:r>
-          </a:p>
-          <a:p>
-            <a:pPr eaLnBrk="1" hangingPunct="1">
-              <a:lnSpc>
-                <a:spcPct val="90000"/>
-              </a:lnSpc>
-              <a:buNone/>
-            </a:pPr>
-            <a:r>
-              <a:rPr lang="en-US" dirty="0" smtClean="0">
-                <a:solidFill>
-                  <a:srgbClr val="000080"/>
-                </a:solidFill>
-              </a:rPr>
-              <a:t>    bio_filter_in_ctx_t *inctx = f-&gt;ctx;</a:t>
-            </a:r>
-          </a:p>
-          <a:p>
-            <a:pPr marL="342900" indent="-342900">
-              <a:buNone/>
-            </a:pPr>
-            <a:r>
-              <a:rPr lang="en-US" dirty="0" smtClean="0">
-                <a:solidFill>
-                  <a:srgbClr val="000080"/>
-                </a:solidFill>
-              </a:rPr>
-              <a:t>    </a:t>
-            </a:r>
-            <a:r>
-              <a:rPr lang="en-US" dirty="0" smtClean="0">
-                <a:solidFill>
-                  <a:srgbClr val="800040"/>
-                </a:solidFill>
-              </a:rPr>
-              <a:t>SSL_free(inctx -&gt; ssl);</a:t>
-            </a:r>
-          </a:p>
-          <a:p>
-            <a:pPr marL="342900" indent="-342900">
-              <a:buNone/>
-            </a:pPr>
-            <a:r>
-              <a:rPr lang="en-US" dirty="0" smtClean="0">
-                <a:solidFill>
-                  <a:srgbClr val="000080"/>
-                </a:solidFill>
-              </a:rPr>
-              <a:t>    inctx-&gt;ssl = NULL; </a:t>
-            </a:r>
-          </a:p>
-          <a:p>
-            <a:pPr eaLnBrk="1" hangingPunct="1">
-              <a:lnSpc>
-                <a:spcPct val="90000"/>
-              </a:lnSpc>
-              <a:buNone/>
-            </a:pPr>
-            <a:r>
-              <a:rPr lang="en-US" dirty="0" smtClean="0">
-                <a:solidFill>
-                  <a:srgbClr val="000080"/>
-                </a:solidFill>
-              </a:rPr>
-              <a:t>    inctx-&gt;filter_ctx-&gt;pssl = NULL;  </a:t>
-            </a:r>
-          </a:p>
-          <a:p>
-            <a:pPr marL="342900" indent="-342900">
-              <a:buNone/>
-            </a:pPr>
-            <a:r>
-              <a:rPr lang="en-US" dirty="0" smtClean="0">
-                <a:solidFill>
-                  <a:srgbClr val="000080"/>
-                </a:solidFill>
-              </a:rPr>
-              <a:t>} 	</a:t>
-            </a:r>
-            <a:endParaRPr lang="en-US" dirty="0"/>
-          </a:p>
-        </p:txBody>
-      </p:sp>
-      <p:sp>
-        <p:nvSpPr>
-          <p:cNvPr id="25606" name="Rounded Rectangular Callout 5"/>
-          <p:cNvSpPr>
-            <a:spLocks noChangeArrowheads="1"/>
-          </p:cNvSpPr>
-          <p:nvPr/>
-        </p:nvSpPr>
-        <p:spPr bwMode="auto">
-          <a:xfrm>
-            <a:off x="6254151" y="3826731"/>
-            <a:ext cx="3581400" cy="2145268"/>
-          </a:xfrm>
-          <a:prstGeom prst="wedgeRoundRectCallout">
-            <a:avLst>
-              <a:gd name="adj1" fmla="val -99096"/>
-              <a:gd name="adj2" fmla="val -28664"/>
-              <a:gd name="adj3" fmla="val 16667"/>
-            </a:avLst>
-          </a:prstGeom>
-          <a:solidFill>
-            <a:srgbClr val="E6FAFD">
-              <a:alpha val="85097"/>
-            </a:srgbClr>
-          </a:solidFill>
-          <a:ln w="9525">
-            <a:solidFill>
-              <a:schemeClr val="tx1"/>
-            </a:solidFill>
-            <a:miter lim="800000"/>
-            <a:headEnd/>
-            <a:tailEnd type="none" w="sm" len="sm"/>
-          </a:ln>
-        </p:spPr>
-        <p:txBody>
-          <a:bodyPr wrap="square">
-            <a:spAutoFit/>
-          </a:bodyPr>
-          <a:lstStyle/>
-          <a:p>
-            <a:r>
-              <a:rPr lang="en-US" sz="2400" dirty="0">
-                <a:latin typeface="Garamond"/>
-                <a:cs typeface="Garamond"/>
-              </a:rPr>
-              <a:t>Almost impossible to find with unit testing.  (Inspection and some dynamic techniques could have found it.)</a:t>
-            </a:r>
-          </a:p>
-        </p:txBody>
-      </p:sp>
-      <p:sp>
-        <p:nvSpPr>
-          <p:cNvPr id="2" name="Slide Number Placeholder 1"/>
-          <p:cNvSpPr>
-            <a:spLocks noGrp="1"/>
-          </p:cNvSpPr>
-          <p:nvPr>
-            <p:ph type="sldNum" sz="quarter" idx="12"/>
-          </p:nvPr>
-        </p:nvSpPr>
-        <p:spPr/>
-        <p:txBody>
-          <a:bodyPr/>
-          <a:lstStyle/>
-          <a:p>
-            <a:fld id="{B543A0FD-1CA6-4228-86A2-78061B4844C8}" type="slidenum">
-              <a:rPr lang="en-US" smtClean="0"/>
-              <a:t>18</a:t>
-            </a:fld>
-            <a:endParaRPr lang="en-US"/>
-          </a:p>
-        </p:txBody>
-      </p:sp>
-    </p:spTree>
-    <p:extLst>
-      <p:ext uri="{BB962C8B-B14F-4D97-AF65-F5344CB8AC3E}">
-        <p14:creationId xmlns:p14="http://schemas.microsoft.com/office/powerpoint/2010/main" val="2199926549"/>
-      </p:ext>
-    </p:extLst>
-  </p:cSld>
-  <p:clrMapOvr>
-    <a:masterClrMapping/>
-  </p:clrMapOvr>
-  <p:transition/>
-  <p:timing>
-    <p:tnLst>
-      <p:par>
-        <p:cTn id="1" dur="indefinite" restart="never" nodeType="tmRoot">
-          <p:childTnLst>
-            <p:seq concurrent="1" nextAc="seek">
-              <p:cTn id="2" dur="indefinite" nodeType="mainSeq">
-                <p:childTnLst>
-                  <p:par>
-                    <p:cTn id="3" fill="hold">
-                      <p:stCondLst>
-                        <p:cond delay="indefinite"/>
-                      </p:stCondLst>
-                      <p:childTnLst>
-                        <p:par>
-                          <p:cTn id="4" fill="hold">
-                            <p:stCondLst>
-                              <p:cond delay="0"/>
-                            </p:stCondLst>
-                            <p:childTnLst>
-                              <p:par>
-                                <p:cTn id="5" presetID="1" presetClass="entr" presetSubtype="0" fill="hold" grpId="0" nodeType="clickEffect">
-                                  <p:stCondLst>
-                                    <p:cond delay="0"/>
-                                  </p:stCondLst>
-                                  <p:childTnLst>
-                                    <p:set>
-                                      <p:cBhvr>
-                                        <p:cTn id="6" dur="1" fill="hold">
-                                          <p:stCondLst>
-                                            <p:cond delay="0"/>
-                                          </p:stCondLst>
-                                        </p:cTn>
-                                        <p:tgtEl>
-                                          <p:spTgt spid="25606"/>
-                                        </p:tgtEl>
-                                        <p:attrNameLst>
-                                          <p:attrName>style.visibility</p:attrName>
-                                        </p:attrNameLst>
-                                      </p:cBhvr>
-                                      <p:to>
-                                        <p:strVal val="visible"/>
-                                      </p:to>
-                                    </p:set>
-                                  </p:childTnLst>
-                                </p:cTn>
-                              </p:par>
-                            </p:childTnLst>
-                          </p:cTn>
-                        </p:par>
-                      </p:childTnLst>
-                    </p:cTn>
-                  </p:par>
-                </p:childTnLst>
-              </p:cTn>
-              <p:prevCondLst>
-                <p:cond evt="onPrev" delay="0">
-                  <p:tgtEl>
-                    <p:sldTgt/>
-                  </p:tgtEl>
-                </p:cond>
-              </p:prevCondLst>
-              <p:nextCondLst>
-                <p:cond evt="onNext" delay="0">
-                  <p:tgtEl>
-                    <p:sldTgt/>
-                  </p:tgtEl>
-                </p:cond>
-              </p:nextCondLst>
-            </p:seq>
-          </p:childTnLst>
-        </p:cTn>
-      </p:par>
-    </p:tnLst>
-    <p:bldLst>
-      <p:bldP spid="25606" grpId="0" animBg="1"/>
-    </p:bldLst>
-  </p:timing>
-</p:sld>
-</file>
-
-<file path=ppt/slides/slide19.xml><?xml version="1.0" encoding="utf-8"?>
-<p:sld xmlns:a="http://schemas.openxmlformats.org/drawingml/2006/main" xmlns:r="http://schemas.openxmlformats.org/officeDocument/2006/relationships" xmlns:p="http://schemas.openxmlformats.org/presentationml/2006/main">
-  <p:cSld>
-    <p:spTree>
-      <p:nvGrpSpPr>
-        <p:cNvPr id="1" name=""/>
-        <p:cNvGrpSpPr/>
-        <p:nvPr/>
-      </p:nvGrpSpPr>
-      <p:grpSpPr>
-        <a:xfrm>
-          <a:off x="0" y="0"/>
-          <a:ext cx="0" cy="0"/>
-          <a:chOff x="0" y="0"/>
-          <a:chExt cx="0" cy="0"/>
-        </a:xfrm>
-      </p:grpSpPr>
-      <p:sp>
-        <p:nvSpPr>
-          <p:cNvPr id="2" name="Title 1"/>
-          <p:cNvSpPr>
-            <a:spLocks noGrp="1"/>
-          </p:cNvSpPr>
-          <p:nvPr>
-            <p:ph type="title"/>
-          </p:nvPr>
-        </p:nvSpPr>
-        <p:spPr/>
-        <p:txBody>
-          <a:bodyPr/>
-          <a:lstStyle/>
-          <a:p>
-            <a:r>
-              <a:rPr lang="en-US" sz="4000" dirty="0"/>
-              <a:t>What is a software integration strategy?</a:t>
-            </a:r>
-          </a:p>
-        </p:txBody>
-      </p:sp>
-      <p:sp>
-        <p:nvSpPr>
-          <p:cNvPr id="3" name="Content Placeholder 2"/>
-          <p:cNvSpPr>
-            <a:spLocks noGrp="1"/>
-          </p:cNvSpPr>
-          <p:nvPr>
-            <p:ph idx="1"/>
-          </p:nvPr>
-        </p:nvSpPr>
-        <p:spPr/>
-        <p:txBody>
-          <a:bodyPr/>
-          <a:lstStyle/>
-          <a:p>
-            <a:r>
-              <a:rPr lang="en-US" dirty="0"/>
-              <a:t>Software test strategy provides the basic strategy and guidelines to test engineers to perform software testing activities in a rational way</a:t>
-            </a:r>
-            <a:r>
-              <a:rPr lang="en-US" dirty="0" smtClean="0"/>
-              <a:t>.</a:t>
-            </a:r>
-          </a:p>
-          <a:p>
-            <a:r>
-              <a:rPr lang="en-US" dirty="0"/>
-              <a:t>Software integration strategy usually refers </a:t>
-            </a:r>
-            <a:r>
-              <a:rPr lang="en-US" dirty="0" smtClean="0"/>
-              <a:t>to</a:t>
-            </a:r>
-          </a:p>
-          <a:p>
-            <a:pPr lvl="1"/>
-            <a:r>
-              <a:rPr lang="en-US" dirty="0" smtClean="0"/>
-              <a:t>an </a:t>
-            </a:r>
-            <a:r>
-              <a:rPr lang="en-US" dirty="0"/>
-              <a:t>integration sequence (or order) to integrate different parts </a:t>
-            </a:r>
-            <a:r>
-              <a:rPr lang="en-US" dirty="0" smtClean="0"/>
-              <a:t>(</a:t>
-            </a:r>
-            <a:r>
-              <a:rPr lang="en-US" dirty="0"/>
-              <a:t>or components) </a:t>
-            </a:r>
-            <a:r>
-              <a:rPr lang="en-US" dirty="0" smtClean="0"/>
-              <a:t>together</a:t>
-            </a:r>
-          </a:p>
-          <a:p>
-            <a:endParaRPr lang="en-US" dirty="0"/>
-          </a:p>
-        </p:txBody>
-      </p:sp>
-      <p:sp>
-        <p:nvSpPr>
-          <p:cNvPr id="4" name="Slide Number Placeholder 3"/>
-          <p:cNvSpPr>
-            <a:spLocks noGrp="1"/>
-          </p:cNvSpPr>
-          <p:nvPr>
-            <p:ph type="sldNum" sz="quarter" idx="12"/>
-          </p:nvPr>
-        </p:nvSpPr>
-        <p:spPr/>
-        <p:txBody>
-          <a:bodyPr/>
-          <a:lstStyle/>
-          <a:p>
-            <a:fld id="{B543A0FD-1CA6-4228-86A2-78061B4844C8}" type="slidenum">
-              <a:rPr lang="en-US" smtClean="0"/>
-              <a:t>19</a:t>
-            </a:fld>
-            <a:endParaRPr lang="en-US"/>
-          </a:p>
-        </p:txBody>
-      </p:sp>
-    </p:spTree>
-    <p:extLst>
-      <p:ext uri="{BB962C8B-B14F-4D97-AF65-F5344CB8AC3E}">
-        <p14:creationId xmlns:p14="http://schemas.microsoft.com/office/powerpoint/2010/main" val="1529480078"/>
-      </p:ext>
-    </p:extLst>
-  </p:cSld>
-  <p:clrMapOvr>
-    <a:masterClrMapping/>
-  </p:clrMapOvr>
-  <p:timing>
-    <p:tnLst>
-      <p:par>
-        <p:cTn id="1" dur="indefinite" restart="never" nodeType="tmRoot"/>
-      </p:par>
-    </p:tnLst>
   </p:timing>
 </p:sld>
 </file>
@@ -14646,9 +14584,9 @@
       </p:grpSpPr>
       <p:sp>
         <p:nvSpPr>
-          <p:cNvPr id="26628" name="Rectangle 6"/>
+          <p:cNvPr id="25604" name="Rectangle 2"/>
           <p:cNvSpPr>
-            <a:spLocks noGrp="1"/>
+            <a:spLocks noGrp="1" noChangeArrowheads="1"/>
           </p:cNvSpPr>
           <p:nvPr>
             <p:ph type="title"/>
@@ -14656,33 +14594,203 @@
         </p:nvSpPr>
         <p:spPr/>
         <p:txBody>
-          <a:bodyPr/>
+          <a:bodyPr anchor="ctr" anchorCtr="0"/>
           <a:lstStyle/>
           <a:p>
+            <a:pPr eaLnBrk="1" hangingPunct="1"/>
             <a:r>
               <a:rPr lang="en-US" dirty="0" smtClean="0"/>
-              <a:t>Integration Test Strategies</a:t>
-            </a:r>
-            <a:endParaRPr lang="en-US" dirty="0"/>
-          </a:p>
-        </p:txBody>
-      </p:sp>
-      <p:sp>
-        <p:nvSpPr>
-          <p:cNvPr id="3" name="Text Placeholder 2"/>
+              <a:t>Example: A Memory Leak</a:t>
+            </a:r>
+            <a:endParaRPr lang="it-IT" sz="3200" dirty="0"/>
+          </a:p>
+        </p:txBody>
+      </p:sp>
+      <p:sp>
+        <p:nvSpPr>
+          <p:cNvPr id="25605" name="Rectangle 3"/>
           <p:cNvSpPr>
-            <a:spLocks noGrp="1"/>
+            <a:spLocks noGrp="1" noChangeArrowheads="1"/>
           </p:cNvSpPr>
           <p:nvPr>
-            <p:ph type="body" idx="1"/>
+            <p:ph idx="1"/>
           </p:nvPr>
         </p:nvSpPr>
         <p:spPr/>
         <p:txBody>
-          <a:bodyPr/>
+          <a:bodyPr>
+            <a:normAutofit/>
+          </a:bodyPr>
           <a:lstStyle/>
           <a:p>
-            <a:endParaRPr lang="en-US"/>
+            <a:pPr marL="342900" indent="-342900">
+              <a:buNone/>
+            </a:pPr>
+            <a:r>
+              <a:rPr lang="en-US" dirty="0" smtClean="0"/>
+              <a:t>Apache web server, version 2.0.48</a:t>
+            </a:r>
+          </a:p>
+          <a:p>
+            <a:pPr marL="342900" indent="-342900">
+              <a:buNone/>
+            </a:pPr>
+            <a:r>
+              <a:rPr lang="en-US" dirty="0" smtClean="0"/>
+              <a:t>	Response to normal page request on secure (https) port</a:t>
+            </a:r>
+          </a:p>
+          <a:p>
+            <a:pPr marL="342900" indent="-342900">
+              <a:buNone/>
+            </a:pPr>
+            <a:endParaRPr lang="en-US" dirty="0" smtClean="0"/>
+          </a:p>
+          <a:p>
+            <a:pPr eaLnBrk="1" hangingPunct="1">
+              <a:lnSpc>
+                <a:spcPct val="90000"/>
+              </a:lnSpc>
+              <a:buNone/>
+            </a:pPr>
+            <a:r>
+              <a:rPr lang="en-US" dirty="0" smtClean="0">
+                <a:solidFill>
+                  <a:srgbClr val="000080"/>
+                </a:solidFill>
+              </a:rPr>
+              <a:t>static void ssl_io_filter_disable(ap filter t *f)  {</a:t>
+            </a:r>
+          </a:p>
+          <a:p>
+            <a:pPr eaLnBrk="1" hangingPunct="1">
+              <a:lnSpc>
+                <a:spcPct val="90000"/>
+              </a:lnSpc>
+              <a:buNone/>
+            </a:pPr>
+            <a:r>
+              <a:rPr lang="en-US" dirty="0" smtClean="0">
+                <a:solidFill>
+                  <a:srgbClr val="000080"/>
+                </a:solidFill>
+              </a:rPr>
+              <a:t>    bio_filter_in_ctx_t *inctx = f-&gt;ctx;</a:t>
+            </a:r>
+          </a:p>
+          <a:p>
+            <a:pPr marL="342900" indent="-342900">
+              <a:buNone/>
+            </a:pPr>
+            <a:r>
+              <a:rPr lang="en-US" dirty="0" smtClean="0">
+                <a:solidFill>
+                  <a:srgbClr val="000080"/>
+                </a:solidFill>
+              </a:rPr>
+              <a:t>    </a:t>
+            </a:r>
+            <a:r>
+              <a:rPr lang="en-US" dirty="0" smtClean="0">
+                <a:solidFill>
+                  <a:srgbClr val="800040"/>
+                </a:solidFill>
+              </a:rPr>
+              <a:t>SSL_free(inctx -&gt; ssl);</a:t>
+            </a:r>
+          </a:p>
+          <a:p>
+            <a:pPr marL="342900" indent="-342900">
+              <a:buNone/>
+            </a:pPr>
+            <a:r>
+              <a:rPr lang="en-US" dirty="0" smtClean="0">
+                <a:solidFill>
+                  <a:srgbClr val="000080"/>
+                </a:solidFill>
+              </a:rPr>
+              <a:t>    inctx-&gt;ssl = NULL; </a:t>
+            </a:r>
+          </a:p>
+          <a:p>
+            <a:pPr eaLnBrk="1" hangingPunct="1">
+              <a:lnSpc>
+                <a:spcPct val="90000"/>
+              </a:lnSpc>
+              <a:buNone/>
+            </a:pPr>
+            <a:r>
+              <a:rPr lang="en-US" dirty="0" smtClean="0">
+                <a:solidFill>
+                  <a:srgbClr val="000080"/>
+                </a:solidFill>
+              </a:rPr>
+              <a:t>    inctx-&gt;filter_ctx-&gt;pssl = NULL;  </a:t>
+            </a:r>
+          </a:p>
+          <a:p>
+            <a:pPr marL="342900" indent="-342900">
+              <a:buNone/>
+            </a:pPr>
+            <a:r>
+              <a:rPr lang="en-US" dirty="0" smtClean="0">
+                <a:solidFill>
+                  <a:srgbClr val="000080"/>
+                </a:solidFill>
+              </a:rPr>
+              <a:t>} 	</a:t>
+            </a:r>
+            <a:endParaRPr lang="en-US" dirty="0"/>
+          </a:p>
+        </p:txBody>
+      </p:sp>
+      <p:sp>
+        <p:nvSpPr>
+          <p:cNvPr id="25606" name="Rounded Rectangular Callout 5"/>
+          <p:cNvSpPr>
+            <a:spLocks noChangeArrowheads="1"/>
+          </p:cNvSpPr>
+          <p:nvPr/>
+        </p:nvSpPr>
+        <p:spPr bwMode="auto">
+          <a:xfrm>
+            <a:off x="6254151" y="3826731"/>
+            <a:ext cx="3581400" cy="2145268"/>
+          </a:xfrm>
+          <a:prstGeom prst="wedgeRoundRectCallout">
+            <a:avLst>
+              <a:gd name="adj1" fmla="val -99096"/>
+              <a:gd name="adj2" fmla="val -28664"/>
+              <a:gd name="adj3" fmla="val 16667"/>
+            </a:avLst>
+          </a:prstGeom>
+          <a:solidFill>
+            <a:srgbClr val="E6FAFD">
+              <a:alpha val="85097"/>
+            </a:srgbClr>
+          </a:solidFill>
+          <a:ln w="9525">
+            <a:solidFill>
+              <a:schemeClr val="tx1"/>
+            </a:solidFill>
+            <a:miter lim="800000"/>
+            <a:headEnd/>
+            <a:tailEnd type="none" w="sm" len="sm"/>
+          </a:ln>
+        </p:spPr>
+        <p:txBody>
+          <a:bodyPr wrap="square">
+            <a:spAutoFit/>
+          </a:bodyPr>
+          <a:lstStyle/>
+          <a:p>
+            <a:r>
+              <a:rPr lang="en-US" sz="2400" dirty="0">
+                <a:latin typeface="Garamond"/>
+                <a:cs typeface="Garamond"/>
+              </a:rPr>
+              <a:t>Almost impossible to find with unit testing.  (Inspection and some dynamic techniques could have found it.)</a:t>
+            </a:r>
           </a:p>
         </p:txBody>
       </p:sp>
@@ -14712,7 +14820,7 @@
     </p:spTree>
     <p:extLst>
       <p:ext uri="{BB962C8B-B14F-4D97-AF65-F5344CB8AC3E}">
-        <p14:creationId xmlns:p14="http://schemas.microsoft.com/office/powerpoint/2010/main" val="2613003450"/>
+        <p14:creationId xmlns:p14="http://schemas.microsoft.com/office/powerpoint/2010/main" val="2199926549"/>
       </p:ext>
     </p:extLst>
   </p:cSld>
@@ -14723,9 +14831,80 @@
   <p:timing>
     <p:tnLst>
       <p:par>
-        <p:cTn id="1" dur="indefinite" restart="never" nodeType="tmRoot"/>
+        <p:cTn id="1" dur="indefinite" restart="never" nodeType="tmRoot">
+          <p:childTnLst>
+            <p:seq concurrent="1" nextAc="seek">
+              <p:cTn id="2" dur="indefinite" nodeType="mainSeq">
+                <p:childTnLst>
+                  <p:par>
+                    <p:cTn id="3" fill="hold">
+                      <p:stCondLst>
+                        <p:cond delay="indefinite"/>
+                      </p:stCondLst>
+                      <p:childTnLst>
+                        <p:par>
+                          <p:cTn id="4" fill="hold">
+                            <p:stCondLst>
+                              <p:cond delay="0"/>
+                            </p:stCondLst>
+                            <p:childTnLst>
+                              <p:par>
+                                <p:cTn id="5" presetID="1" presetClass="entr" presetSubtype="0" fill="hold" grpId="0" nodeType="clickEffect">
+                                  <p:stCondLst>
+                                    <p:cond delay="0"/>
+                                  </p:stCondLst>
+                                  <p:childTnLst>
+                                    <p:set>
+                                      <p:cBhvr>
+                                        <p:cTn id="6" dur="1" fill="hold">
+                                          <p:stCondLst>
+                                            <p:cond delay="0"/>
+                                          </p:stCondLst>
+                                        </p:cTn>
+                                        <p:tgtEl>
+                                          <p:spTgt spid="25606"/>
+                                        </p:tgtEl>
+                                        <p:attrNameLst>
+                                          <p:attrName>style.visibility</p:attrName>
+                                        </p:attrNameLst>
+                                      </p:cBhvr>
+                                      <p:to>
+                                        <p:strVal val="visible"/>
+                                      </p:to>
+                                    </p:set>
+                                  </p:childTnLst>
+                                </p:cTn>
+                              </p:par>
+                            </p:childTnLst>
+                          </p:cTn>
+                        </p:par>
+                      </p:childTnLst>
+                    </p:cTn>
+                  </p:par>
+                </p:childTnLst>
+              </p:cTn>
+              <p:prevCondLst>
+                <p:cond evt="onPrev" delay="0">
+                  <p:tgtEl>
+                    <p:sldTgt/>
+                  </p:tgtEl>
+                </p:cond>
+              </p:prevCondLst>
+              <p:nextCondLst>
+                <p:cond evt="onNext" delay="0">
+                  <p:tgtEl>
+                    <p:sldTgt/>
+                  </p:tgtEl>
+                </p:cond>
+              </p:nextCondLst>
+            </p:seq>
+          </p:childTnLst>
+        </p:cTn>
       </p:par>
     </p:tnLst>
+    <p:bldLst>
+      <p:bldP spid="25606" grpId="0" animBg="1"/>
+    </p:bldLst>
   </p:timing>
 </p:sld>
 </file>
@@ -14749,7 +14928,7 @@
       </p:grpSpPr>
       <p:sp>
         <p:nvSpPr>
-          <p:cNvPr id="27652" name="Title 8"/>
+          <p:cNvPr id="2" name="Title 1"/>
           <p:cNvSpPr>
             <a:spLocks noGrp="1"/>
           </p:cNvSpPr>
@@ -14759,32 +14938,19 @@
         </p:nvSpPr>
         <p:spPr/>
         <p:txBody>
-          <a:bodyPr anchor="ctr" anchorCtr="0"/>
+          <a:bodyPr/>
           <a:lstStyle/>
           <a:p>
             <a:r>
-              <a:rPr lang="en-US" dirty="0"/>
-              <a:t>Maybe </a:t>
-            </a:r>
-            <a:r>
-              <a:rPr lang="en-US" dirty="0" smtClean="0"/>
-              <a:t>You’</a:t>
-            </a:r>
-            <a:r>
-              <a:rPr lang="en-US" altLang="ja-JP" dirty="0" smtClean="0"/>
-              <a:t>ve </a:t>
-            </a:r>
-            <a:r>
-              <a:rPr lang="en-US" altLang="ja-JP" dirty="0"/>
-              <a:t>Heard ... </a:t>
-            </a:r>
-            <a:endParaRPr lang="en-US" dirty="0"/>
-          </a:p>
-        </p:txBody>
-      </p:sp>
-      <p:sp>
-        <p:nvSpPr>
-          <p:cNvPr id="27653" name="Content Placeholder 9"/>
+              <a:rPr lang="en-US" sz="4000" dirty="0"/>
+              <a:t>What is a software integration strategy?</a:t>
+            </a:r>
+          </a:p>
+        </p:txBody>
+      </p:sp>
+      <p:sp>
+        <p:nvSpPr>
+          <p:cNvPr id="3" name="Content Placeholder 2"/>
           <p:cNvSpPr>
             <a:spLocks noGrp="1"/>
           </p:cNvSpPr>
@@ -14797,49 +14963,56 @@
           <a:bodyPr/>
           <a:lstStyle/>
           <a:p>
-            <a:pPr marL="342900" indent="-342900"/>
-            <a:r>
-              <a:rPr lang="en-US" sz="3000" dirty="0"/>
-              <a:t>Yes, I implemented </a:t>
-            </a:r>
-            <a:r>
-              <a:rPr lang="en-US" sz="3000" i="1" dirty="0"/>
-              <a:t>module A</a:t>
-            </a:r>
-            <a:r>
-              <a:rPr lang="en-US" sz="3000" dirty="0"/>
-              <a:t>, but I didn’</a:t>
-            </a:r>
-            <a:r>
-              <a:rPr lang="en-US" altLang="ja-JP" sz="3000" dirty="0"/>
-              <a:t>t test it thoroughly yet.  </a:t>
-            </a:r>
-          </a:p>
-          <a:p>
-            <a:pPr marL="342900" indent="-342900"/>
-            <a:r>
-              <a:rPr lang="en-US" sz="3000" dirty="0"/>
-              <a:t>It will be tested along with </a:t>
-            </a:r>
-            <a:r>
-              <a:rPr lang="en-US" sz="3000" i="1" dirty="0"/>
-              <a:t>module B</a:t>
-            </a:r>
-            <a:r>
-              <a:rPr lang="en-US" sz="3000" dirty="0"/>
-              <a:t> when that’</a:t>
-            </a:r>
-            <a:r>
-              <a:rPr lang="en-US" altLang="ja-JP" sz="3000" dirty="0"/>
-              <a:t>s ready.  </a:t>
-            </a:r>
-            <a:endParaRPr lang="en-US" sz="3000" dirty="0"/>
-          </a:p>
-        </p:txBody>
-      </p:sp>
-      <p:sp>
-        <p:nvSpPr>
-          <p:cNvPr id="2" name="Slide Number Placeholder 1"/>
+            <a:r>
+              <a:rPr lang="en-US" dirty="0"/>
+              <a:t>Software test strategy provides the basic strategy and guidelines to test engineers to perform software testing activities in a rational way</a:t>
+            </a:r>
+            <a:r>
+              <a:rPr lang="en-US" dirty="0" smtClean="0"/>
+              <a:t>.</a:t>
+            </a:r>
+          </a:p>
+          <a:p>
+            <a:r>
+              <a:rPr lang="en-US" dirty="0"/>
+              <a:t>Software integration strategy usually refers </a:t>
+            </a:r>
+            <a:r>
+              <a:rPr lang="en-US" dirty="0" smtClean="0"/>
+              <a:t>to</a:t>
+            </a:r>
+          </a:p>
+          <a:p>
+            <a:pPr lvl="1"/>
+            <a:r>
+              <a:rPr lang="en-US" dirty="0" smtClean="0"/>
+              <a:t>an </a:t>
+            </a:r>
+            <a:r>
+              <a:rPr lang="en-US" dirty="0"/>
+              <a:t>integration sequence (or order) to integrate different parts </a:t>
+            </a:r>
+            <a:r>
+              <a:rPr lang="en-US" dirty="0" smtClean="0"/>
+              <a:t>(</a:t>
+            </a:r>
+            <a:r>
+              <a:rPr lang="en-US" dirty="0"/>
+              <a:t>or components) </a:t>
+            </a:r>
+            <a:r>
+              <a:rPr lang="en-US" dirty="0" smtClean="0"/>
+              <a:t>together</a:t>
+            </a:r>
+          </a:p>
+          <a:p>
+            <a:endParaRPr lang="en-US" dirty="0"/>
+          </a:p>
+        </p:txBody>
+      </p:sp>
+      <p:sp>
+        <p:nvSpPr>
+          <p:cNvPr id="4" name="Slide Number Placeholder 3"/>
           <p:cNvSpPr>
             <a:spLocks noGrp="1"/>
           </p:cNvSpPr>
@@ -14863,14 +15036,13 @@
     </p:spTree>
     <p:extLst>
       <p:ext uri="{BB962C8B-B14F-4D97-AF65-F5344CB8AC3E}">
-        <p14:creationId xmlns:p14="http://schemas.microsoft.com/office/powerpoint/2010/main" val="618989378"/>
+        <p14:creationId xmlns:p14="http://schemas.microsoft.com/office/powerpoint/2010/main" val="1529480078"/>
       </p:ext>
     </p:extLst>
   </p:cSld>
   <p:clrMapOvr>
     <a:masterClrMapping/>
   </p:clrMapOvr>
-  <p:transition/>
   <p:timing>
     <p:tnLst>
       <p:par>
@@ -14900,6 +15072,109 @@
       </p:grpSpPr>
       <p:sp>
         <p:nvSpPr>
+          <p:cNvPr id="26628" name="Rectangle 6"/>
+          <p:cNvSpPr>
+            <a:spLocks noGrp="1"/>
+          </p:cNvSpPr>
+          <p:nvPr>
+            <p:ph type="title"/>
+          </p:nvPr>
+        </p:nvSpPr>
+        <p:spPr/>
+        <p:txBody>
+          <a:bodyPr/>
+          <a:lstStyle/>
+          <a:p>
+            <a:r>
+              <a:rPr lang="en-US" dirty="0" smtClean="0"/>
+              <a:t>Integration Test Strategies</a:t>
+            </a:r>
+            <a:endParaRPr lang="en-US" dirty="0"/>
+          </a:p>
+        </p:txBody>
+      </p:sp>
+      <p:sp>
+        <p:nvSpPr>
+          <p:cNvPr id="3" name="Text Placeholder 2"/>
+          <p:cNvSpPr>
+            <a:spLocks noGrp="1"/>
+          </p:cNvSpPr>
+          <p:nvPr>
+            <p:ph type="body" idx="1"/>
+          </p:nvPr>
+        </p:nvSpPr>
+        <p:spPr/>
+        <p:txBody>
+          <a:bodyPr/>
+          <a:lstStyle/>
+          <a:p>
+            <a:endParaRPr lang="en-US"/>
+          </a:p>
+        </p:txBody>
+      </p:sp>
+      <p:sp>
+        <p:nvSpPr>
+          <p:cNvPr id="2" name="Slide Number Placeholder 1"/>
+          <p:cNvSpPr>
+            <a:spLocks noGrp="1"/>
+          </p:cNvSpPr>
+          <p:nvPr>
+            <p:ph type="sldNum" sz="quarter" idx="12"/>
+          </p:nvPr>
+        </p:nvSpPr>
+        <p:spPr/>
+        <p:txBody>
+          <a:bodyPr/>
+          <a:lstStyle/>
+          <a:p>
+            <a:fld id="{B543A0FD-1CA6-4228-86A2-78061B4844C8}" type="slidenum">
+              <a:rPr lang="en-US" smtClean="0"/>
+              <a:t>22</a:t>
+            </a:fld>
+            <a:endParaRPr lang="en-US"/>
+          </a:p>
+        </p:txBody>
+      </p:sp>
+    </p:spTree>
+    <p:extLst>
+      <p:ext uri="{BB962C8B-B14F-4D97-AF65-F5344CB8AC3E}">
+        <p14:creationId xmlns:p14="http://schemas.microsoft.com/office/powerpoint/2010/main" val="2613003450"/>
+      </p:ext>
+    </p:extLst>
+  </p:cSld>
+  <p:clrMapOvr>
+    <a:masterClrMapping/>
+  </p:clrMapOvr>
+  <p:transition/>
+  <p:timing>
+    <p:tnLst>
+      <p:par>
+        <p:cTn id="1" dur="indefinite" restart="never" nodeType="tmRoot"/>
+      </p:par>
+    </p:tnLst>
+  </p:timing>
+</p:sld>
+</file>
+
+<file path=ppt/slides/slide23.xml><?xml version="1.0" encoding="utf-8"?>
+<p:sld xmlns:a="http://schemas.openxmlformats.org/drawingml/2006/main" xmlns:r="http://schemas.openxmlformats.org/officeDocument/2006/relationships" xmlns:p="http://schemas.openxmlformats.org/presentationml/2006/main">
+  <p:cSld>
+    <p:spTree>
+      <p:nvGrpSpPr>
+        <p:cNvPr id="1" name=""/>
+        <p:cNvGrpSpPr/>
+        <p:nvPr/>
+      </p:nvGrpSpPr>
+      <p:grpSpPr>
+        <a:xfrm>
+          <a:off x="0" y="0"/>
+          <a:ext cx="0" cy="0"/>
+          <a:chOff x="0" y="0"/>
+          <a:chExt cx="0" cy="0"/>
+        </a:xfrm>
+      </p:grpSpPr>
+      <p:sp>
+        <p:nvSpPr>
           <p:cNvPr id="27652" name="Title 8"/>
           <p:cNvSpPr>
             <a:spLocks noGrp="1"/>
@@ -14915,8 +15190,76 @@
           <a:p>
             <a:r>
               <a:rPr lang="en-US" dirty="0"/>
-              <a:t>Translation ... </a:t>
-            </a:r>
+              <a:t>Maybe </a:t>
+            </a:r>
+            <a:r>
+              <a:rPr lang="en-US" dirty="0" smtClean="0"/>
+              <a:t>You’</a:t>
+            </a:r>
+            <a:r>
+              <a:rPr lang="en-US" altLang="ja-JP" dirty="0" smtClean="0"/>
+              <a:t>ve </a:t>
+            </a:r>
+            <a:r>
+              <a:rPr lang="en-US" altLang="ja-JP" dirty="0"/>
+              <a:t>Heard ... </a:t>
+            </a:r>
+            <a:endParaRPr lang="en-US" dirty="0"/>
+          </a:p>
+        </p:txBody>
+      </p:sp>
+      <p:sp>
+        <p:nvSpPr>
+          <p:cNvPr id="27653" name="Content Placeholder 9"/>
+          <p:cNvSpPr>
+            <a:spLocks noGrp="1"/>
+          </p:cNvSpPr>
+          <p:nvPr>
+            <p:ph idx="1"/>
+          </p:nvPr>
+        </p:nvSpPr>
+        <p:spPr/>
+        <p:txBody>
+          <a:bodyPr/>
+          <a:lstStyle/>
+          <a:p>
+            <a:pPr marL="342900" indent="-342900"/>
+            <a:r>
+              <a:rPr lang="en-US" sz="3000" dirty="0"/>
+              <a:t>Yes, I implemented </a:t>
+            </a:r>
+            <a:r>
+              <a:rPr lang="en-US" sz="3000" i="1" dirty="0"/>
+              <a:t>module A</a:t>
+            </a:r>
+            <a:r>
+              <a:rPr lang="en-US" sz="3000" dirty="0"/>
+              <a:t>, but I didn’</a:t>
+            </a:r>
+            <a:r>
+              <a:rPr lang="en-US" altLang="ja-JP" sz="3000" dirty="0"/>
+              <a:t>t test it thoroughly yet.  </a:t>
+            </a:r>
+          </a:p>
+          <a:p>
+            <a:pPr marL="342900" indent="-342900"/>
+            <a:r>
+              <a:rPr lang="en-US" sz="3000" dirty="0"/>
+              <a:t>It will be tested along with </a:t>
+            </a:r>
+            <a:r>
+              <a:rPr lang="en-US" sz="3000" i="1" dirty="0"/>
+              <a:t>module B</a:t>
+            </a:r>
+            <a:r>
+              <a:rPr lang="en-US" sz="3000" dirty="0"/>
+              <a:t> when that’</a:t>
+            </a:r>
+            <a:r>
+              <a:rPr lang="en-US" altLang="ja-JP" sz="3000" dirty="0"/>
+              <a:t>s ready.  </a:t>
+            </a:r>
+            <a:endParaRPr lang="en-US" sz="3000" dirty="0"/>
           </a:p>
         </p:txBody>
       </p:sp>
@@ -14937,7 +15280,90 @@
           <a:p>
             <a:fld id="{B543A0FD-1CA6-4228-86A2-78061B4844C8}" type="slidenum">
               <a:rPr lang="en-US" smtClean="0"/>
-              <a:t>22</a:t>
+              <a:t>23</a:t>
+            </a:fld>
+            <a:endParaRPr lang="en-US"/>
+          </a:p>
+        </p:txBody>
+      </p:sp>
+    </p:spTree>
+    <p:extLst>
+      <p:ext uri="{BB962C8B-B14F-4D97-AF65-F5344CB8AC3E}">
+        <p14:creationId xmlns:p14="http://schemas.microsoft.com/office/powerpoint/2010/main" val="618989378"/>
+      </p:ext>
+    </p:extLst>
+  </p:cSld>
+  <p:clrMapOvr>
+    <a:masterClrMapping/>
+  </p:clrMapOvr>
+  <p:transition/>
+  <p:timing>
+    <p:tnLst>
+      <p:par>
+        <p:cTn id="1" dur="indefinite" restart="never" nodeType="tmRoot"/>
+      </p:par>
+    </p:tnLst>
+  </p:timing>
+</p:sld>
+</file>
+
+<file path=ppt/slides/slide24.xml><?xml version="1.0" encoding="utf-8"?>
+<p:sld xmlns:a="http://schemas.openxmlformats.org/drawingml/2006/main" xmlns:r="http://schemas.openxmlformats.org/officeDocument/2006/relationships" xmlns:p="http://schemas.openxmlformats.org/presentationml/2006/main">
+  <p:cSld>
+    <p:spTree>
+      <p:nvGrpSpPr>
+        <p:cNvPr id="1" name=""/>
+        <p:cNvGrpSpPr/>
+        <p:nvPr/>
+      </p:nvGrpSpPr>
+      <p:grpSpPr>
+        <a:xfrm>
+          <a:off x="0" y="0"/>
+          <a:ext cx="0" cy="0"/>
+          <a:chOff x="0" y="0"/>
+          <a:chExt cx="0" cy="0"/>
+        </a:xfrm>
+      </p:grpSpPr>
+      <p:sp>
+        <p:nvSpPr>
+          <p:cNvPr id="27652" name="Title 8"/>
+          <p:cNvSpPr>
+            <a:spLocks noGrp="1"/>
+          </p:cNvSpPr>
+          <p:nvPr>
+            <p:ph type="title"/>
+          </p:nvPr>
+        </p:nvSpPr>
+        <p:spPr/>
+        <p:txBody>
+          <a:bodyPr anchor="ctr" anchorCtr="0"/>
+          <a:lstStyle/>
+          <a:p>
+            <a:r>
+              <a:rPr lang="en-US" dirty="0"/>
+              <a:t>Translation ... </a:t>
+            </a:r>
+          </a:p>
+        </p:txBody>
+      </p:sp>
+      <p:sp>
+        <p:nvSpPr>
+          <p:cNvPr id="2" name="Slide Number Placeholder 1"/>
+          <p:cNvSpPr>
+            <a:spLocks noGrp="1"/>
+          </p:cNvSpPr>
+          <p:nvPr>
+            <p:ph type="sldNum" sz="quarter" idx="12"/>
+          </p:nvPr>
+        </p:nvSpPr>
+        <p:spPr/>
+        <p:txBody>
+          <a:bodyPr/>
+          <a:lstStyle/>
+          <a:p>
+            <a:fld id="{B543A0FD-1CA6-4228-86A2-78061B4844C8}" type="slidenum">
+              <a:rPr lang="en-US" smtClean="0"/>
+              <a:t>24</a:t>
             </a:fld>
             <a:endParaRPr lang="en-US"/>
           </a:p>
@@ -15325,7 +15751,7 @@
 </p:sld>
 </file>
 
-<file path=ppt/slides/slide23.xml><?xml version="1.0" encoding="utf-8"?>
+<file path=ppt/slides/slide25.xml><?xml version="1.0" encoding="utf-8"?>
 <p:sld xmlns:a="http://schemas.openxmlformats.org/drawingml/2006/main" xmlns:r="http://schemas.openxmlformats.org/officeDocument/2006/relationships" xmlns:p="http://schemas.openxmlformats.org/presentationml/2006/main">
   <p:cSld>
     <p:spTree>
@@ -15764,7 +16190,7 @@
           <a:p>
             <a:fld id="{B543A0FD-1CA6-4228-86A2-78061B4844C8}" type="slidenum">
               <a:rPr lang="en-US" smtClean="0"/>
-              <a:t>23</a:t>
+              <a:t>25</a:t>
             </a:fld>
             <a:endParaRPr lang="en-US"/>
           </a:p>
@@ -15781,362 +16207,6 @@
     <a:masterClrMapping/>
   </p:clrMapOvr>
   <p:transition/>
-  <p:timing>
-    <p:tnLst>
-      <p:par>
-        <p:cTn id="1" dur="indefinite" restart="never" nodeType="tmRoot"/>
-      </p:par>
-    </p:tnLst>
-  </p:timing>
-</p:sld>
-</file>
-
-<file path=ppt/slides/slide24.xml><?xml version="1.0" encoding="utf-8"?>
-<p:sld xmlns:a="http://schemas.openxmlformats.org/drawingml/2006/main" xmlns:r="http://schemas.openxmlformats.org/officeDocument/2006/relationships" xmlns:p="http://schemas.openxmlformats.org/presentationml/2006/main">
-  <p:cSld>
-    <p:spTree>
-      <p:nvGrpSpPr>
-        <p:cNvPr id="1" name=""/>
-        <p:cNvGrpSpPr/>
-        <p:nvPr/>
-      </p:nvGrpSpPr>
-      <p:grpSpPr>
-        <a:xfrm>
-          <a:off x="0" y="0"/>
-          <a:ext cx="0" cy="0"/>
-          <a:chOff x="0" y="0"/>
-          <a:chExt cx="0" cy="0"/>
-        </a:xfrm>
-      </p:grpSpPr>
-      <p:sp>
-        <p:nvSpPr>
-          <p:cNvPr id="2" name="Title 1"/>
-          <p:cNvSpPr>
-            <a:spLocks noGrp="1"/>
-          </p:cNvSpPr>
-          <p:nvPr>
-            <p:ph type="title"/>
-          </p:nvPr>
-        </p:nvSpPr>
-        <p:spPr/>
-        <p:txBody>
-          <a:bodyPr/>
-          <a:lstStyle/>
-          <a:p>
-            <a:r>
-              <a:rPr lang="en-US" dirty="0" smtClean="0"/>
-              <a:t>Types of Testing </a:t>
-            </a:r>
-            <a:endParaRPr lang="en-US" dirty="0"/>
-          </a:p>
-        </p:txBody>
-      </p:sp>
-      <p:sp>
-        <p:nvSpPr>
-          <p:cNvPr id="3" name="Content Placeholder 2"/>
-          <p:cNvSpPr>
-            <a:spLocks noGrp="1"/>
-          </p:cNvSpPr>
-          <p:nvPr>
-            <p:ph idx="1"/>
-          </p:nvPr>
-        </p:nvSpPr>
-        <p:spPr/>
-        <p:txBody>
-          <a:bodyPr/>
-          <a:lstStyle/>
-          <a:p>
-            <a:r>
-              <a:rPr lang="en-US" dirty="0" smtClean="0"/>
-              <a:t>Unit Testing: </a:t>
-            </a:r>
-          </a:p>
-          <a:p>
-            <a:pPr lvl="1"/>
-            <a:r>
-              <a:rPr lang="en-US" dirty="0" smtClean="0"/>
-              <a:t>Individual subsystem </a:t>
-            </a:r>
-          </a:p>
-          <a:p>
-            <a:pPr lvl="1"/>
-            <a:r>
-              <a:rPr lang="en-US" dirty="0" smtClean="0"/>
-              <a:t>Carried out by developers (of components) </a:t>
-            </a:r>
-          </a:p>
-          <a:p>
-            <a:pPr lvl="1"/>
-            <a:r>
-              <a:rPr lang="en-US" dirty="0" smtClean="0"/>
-              <a:t>Goal: Confirm that subsystems is correctly coded and carries out the intended functionality </a:t>
-            </a:r>
-          </a:p>
-          <a:p>
-            <a:r>
-              <a:rPr lang="en-US" dirty="0" smtClean="0"/>
-              <a:t>Integration Testing:</a:t>
-            </a:r>
-          </a:p>
-          <a:p>
-            <a:pPr lvl="1"/>
-            <a:r>
-              <a:rPr lang="en-US" dirty="0" smtClean="0"/>
-              <a:t>Groups of subsystems (collection of classes) and eventually the entire system</a:t>
-            </a:r>
-          </a:p>
-          <a:p>
-            <a:pPr lvl="1"/>
-            <a:r>
-              <a:rPr lang="en-US" dirty="0" smtClean="0"/>
-              <a:t>Carried out by developers</a:t>
-            </a:r>
-          </a:p>
-          <a:p>
-            <a:pPr lvl="1"/>
-            <a:r>
-              <a:rPr lang="en-US" dirty="0" smtClean="0"/>
-              <a:t>Goal: Test the interface and the interplay among the subsystems </a:t>
-            </a:r>
-            <a:br>
-              <a:rPr lang="en-US" dirty="0" smtClean="0"/>
-            </a:br>
-            <a:endParaRPr lang="en-US" dirty="0" smtClean="0"/>
-          </a:p>
-          <a:p>
-            <a:endParaRPr lang="en-US" dirty="0"/>
-          </a:p>
-        </p:txBody>
-      </p:sp>
-      <p:sp>
-        <p:nvSpPr>
-          <p:cNvPr id="4" name="Slide Number Placeholder 3"/>
-          <p:cNvSpPr>
-            <a:spLocks noGrp="1"/>
-          </p:cNvSpPr>
-          <p:nvPr>
-            <p:ph type="sldNum" sz="quarter" idx="12"/>
-          </p:nvPr>
-        </p:nvSpPr>
-        <p:spPr/>
-        <p:txBody>
-          <a:bodyPr/>
-          <a:lstStyle/>
-          <a:p>
-            <a:fld id="{B543A0FD-1CA6-4228-86A2-78061B4844C8}" type="slidenum">
-              <a:rPr lang="en-US" smtClean="0"/>
-              <a:t>24</a:t>
-            </a:fld>
-            <a:endParaRPr lang="en-US"/>
-          </a:p>
-        </p:txBody>
-      </p:sp>
-    </p:spTree>
-    <p:extLst>
-      <p:ext uri="{BB962C8B-B14F-4D97-AF65-F5344CB8AC3E}">
-        <p14:creationId xmlns:p14="http://schemas.microsoft.com/office/powerpoint/2010/main" val="1385743389"/>
-      </p:ext>
-    </p:extLst>
-  </p:cSld>
-  <p:clrMapOvr>
-    <a:masterClrMapping/>
-  </p:clrMapOvr>
-  <mc:AlternateContent xmlns:mc="http://schemas.openxmlformats.org/markup-compatibility/2006" xmlns:p14="http://schemas.microsoft.com/office/powerpoint/2010/main">
-    <mc:Choice Requires="p14">
-      <p:transition spd="slow" p14:dur="2000"/>
-    </mc:Choice>
-    <mc:Fallback xmlns="">
-      <p:transition spd="slow"/>
-    </mc:Fallback>
-  </mc:AlternateContent>
-  <p:timing>
-    <p:tnLst>
-      <p:par>
-        <p:cTn id="1" dur="indefinite" restart="never" nodeType="tmRoot"/>
-      </p:par>
-    </p:tnLst>
-  </p:timing>
-</p:sld>
-</file>
-
-<file path=ppt/slides/slide25.xml><?xml version="1.0" encoding="utf-8"?>
-<p:sld xmlns:a="http://schemas.openxmlformats.org/drawingml/2006/main" xmlns:r="http://schemas.openxmlformats.org/officeDocument/2006/relationships" xmlns:p="http://schemas.openxmlformats.org/presentationml/2006/main">
-  <p:cSld>
-    <p:spTree>
-      <p:nvGrpSpPr>
-        <p:cNvPr id="1" name=""/>
-        <p:cNvGrpSpPr/>
-        <p:nvPr/>
-      </p:nvGrpSpPr>
-      <p:grpSpPr>
-        <a:xfrm>
-          <a:off x="0" y="0"/>
-          <a:ext cx="0" cy="0"/>
-          <a:chOff x="0" y="0"/>
-          <a:chExt cx="0" cy="0"/>
-        </a:xfrm>
-      </p:grpSpPr>
-      <p:sp>
-        <p:nvSpPr>
-          <p:cNvPr id="2" name="Title 1"/>
-          <p:cNvSpPr>
-            <a:spLocks noGrp="1"/>
-          </p:cNvSpPr>
-          <p:nvPr>
-            <p:ph type="title"/>
-          </p:nvPr>
-        </p:nvSpPr>
-        <p:spPr/>
-        <p:txBody>
-          <a:bodyPr/>
-          <a:lstStyle/>
-          <a:p>
-            <a:r>
-              <a:rPr lang="en-US" dirty="0" smtClean="0"/>
-              <a:t>Types of Testing </a:t>
-            </a:r>
-            <a:endParaRPr lang="en-US" dirty="0"/>
-          </a:p>
-        </p:txBody>
-      </p:sp>
-      <p:sp>
-        <p:nvSpPr>
-          <p:cNvPr id="3" name="Content Placeholder 2"/>
-          <p:cNvSpPr>
-            <a:spLocks noGrp="1"/>
-          </p:cNvSpPr>
-          <p:nvPr>
-            <p:ph idx="1"/>
-          </p:nvPr>
-        </p:nvSpPr>
-        <p:spPr/>
-        <p:txBody>
-          <a:bodyPr>
-            <a:normAutofit/>
-          </a:bodyPr>
-          <a:lstStyle/>
-          <a:p>
-            <a:r>
-              <a:rPr lang="en-US" dirty="0"/>
-              <a:t>System Testing: </a:t>
-            </a:r>
-          </a:p>
-          <a:p>
-            <a:pPr lvl="1"/>
-            <a:r>
-              <a:rPr lang="en-US" dirty="0"/>
-              <a:t>The entire system </a:t>
-            </a:r>
-          </a:p>
-          <a:p>
-            <a:pPr lvl="1"/>
-            <a:r>
-              <a:rPr lang="en-US" dirty="0"/>
-              <a:t>Carried out by developers (testers!) </a:t>
-            </a:r>
-          </a:p>
-          <a:p>
-            <a:pPr lvl="1"/>
-            <a:r>
-              <a:rPr lang="en-US" dirty="0"/>
-              <a:t>Goal: Determine if the system meets the requirements (functional and global) </a:t>
-            </a:r>
-          </a:p>
-          <a:p>
-            <a:pPr lvl="1"/>
-            <a:r>
-              <a:rPr lang="en-US" dirty="0" smtClean="0"/>
-              <a:t>Functional </a:t>
-            </a:r>
-            <a:r>
-              <a:rPr lang="en-US" dirty="0"/>
-              <a:t>Testing: Test of functional requirements </a:t>
-            </a:r>
-          </a:p>
-          <a:p>
-            <a:pPr lvl="1"/>
-            <a:r>
-              <a:rPr lang="en-US" dirty="0" smtClean="0"/>
-              <a:t>Performance </a:t>
-            </a:r>
-            <a:r>
-              <a:rPr lang="en-US" dirty="0"/>
-              <a:t>Testing: Test of non-functional requirements </a:t>
-            </a:r>
-          </a:p>
-          <a:p>
-            <a:r>
-              <a:rPr lang="en-US" dirty="0"/>
-              <a:t>Acceptance and Installation Testing: </a:t>
-            </a:r>
-          </a:p>
-          <a:p>
-            <a:pPr lvl="1"/>
-            <a:r>
-              <a:rPr lang="en-US" dirty="0"/>
-              <a:t>Evaluates the system delivered by developers </a:t>
-            </a:r>
-          </a:p>
-          <a:p>
-            <a:pPr lvl="1"/>
-            <a:r>
-              <a:rPr lang="en-US" dirty="0"/>
-              <a:t>Carried out by the client. </a:t>
-            </a:r>
-          </a:p>
-          <a:p>
-            <a:pPr lvl="1"/>
-            <a:r>
-              <a:rPr lang="en-US" dirty="0"/>
-              <a:t>Goal: Demonstrate that the system meets customer requirements and is ready to use </a:t>
-            </a:r>
-          </a:p>
-          <a:p>
-            <a:endParaRPr lang="en-US" dirty="0"/>
-          </a:p>
-        </p:txBody>
-      </p:sp>
-      <p:sp>
-        <p:nvSpPr>
-          <p:cNvPr id="4" name="Slide Number Placeholder 3"/>
-          <p:cNvSpPr>
-            <a:spLocks noGrp="1"/>
-          </p:cNvSpPr>
-          <p:nvPr>
-            <p:ph type="sldNum" sz="quarter" idx="12"/>
-          </p:nvPr>
-        </p:nvSpPr>
-        <p:spPr/>
-        <p:txBody>
-          <a:bodyPr/>
-          <a:lstStyle/>
-          <a:p>
-            <a:fld id="{B543A0FD-1CA6-4228-86A2-78061B4844C8}" type="slidenum">
-              <a:rPr lang="en-US" smtClean="0"/>
-              <a:t>25</a:t>
-            </a:fld>
-            <a:endParaRPr lang="en-US"/>
-          </a:p>
-        </p:txBody>
-      </p:sp>
-    </p:spTree>
-    <p:extLst>
-      <p:ext uri="{BB962C8B-B14F-4D97-AF65-F5344CB8AC3E}">
-        <p14:creationId xmlns:p14="http://schemas.microsoft.com/office/powerpoint/2010/main" val="2491515305"/>
-      </p:ext>
-    </p:extLst>
-  </p:cSld>
-  <p:clrMapOvr>
-    <a:masterClrMapping/>
-  </p:clrMapOvr>
-  <mc:AlternateContent xmlns:mc="http://schemas.openxmlformats.org/markup-compatibility/2006" xmlns:p14="http://schemas.microsoft.com/office/powerpoint/2010/main">
-    <mc:Choice Requires="p14">
-      <p:transition spd="slow" p14:dur="2000"/>
-    </mc:Choice>
-    <mc:Fallback xmlns="">
-      <p:transition spd="slow"/>
-    </mc:Fallback>
-  </mc:AlternateContent>
   <p:timing>
     <p:tnLst>
       <p:par>
@@ -16380,14 +16450,14 @@
             <a:effectLst/>
             <a:extLst>
               <a:ext uri="{909E8E84-426E-40dd-AFC4-6F175D3DCCD1}">
-                <a14:hiddenFill xmlns="" xmlns:a14="http://schemas.microsoft.com/office/drawing/2010/main">
+                <a14:hiddenFill xmlns:a14="http://schemas.microsoft.com/office/drawing/2010/main" xmlns="">
                   <a:solidFill>
                     <a:schemeClr val="accent1"/>
                   </a:solidFill>
                 </a14:hiddenFill>
               </a:ext>
               <a:ext uri="{AF507438-7753-43e0-B8FC-AC1667EBCBE1}">
-                <a14:hiddenEffects xmlns="" xmlns:a14="http://schemas.microsoft.com/office/drawing/2010/main">
+                <a14:hiddenEffects xmlns:a14="http://schemas.microsoft.com/office/drawing/2010/main" xmlns="">
                   <a:effectLst>
                     <a:outerShdw blurRad="63500" dist="38099" dir="2700000" algn="ctr" rotWithShape="0">
                       <a:schemeClr val="bg2">
@@ -16437,14 +16507,14 @@
             <a:effectLst/>
             <a:extLst>
               <a:ext uri="{909E8E84-426E-40dd-AFC4-6F175D3DCCD1}">
-                <a14:hiddenFill xmlns="" xmlns:a14="http://schemas.microsoft.com/office/drawing/2010/main">
+                <a14:hiddenFill xmlns:a14="http://schemas.microsoft.com/office/drawing/2010/main" xmlns="">
                   <a:solidFill>
                     <a:schemeClr val="accent1"/>
                   </a:solidFill>
                 </a14:hiddenFill>
               </a:ext>
               <a:ext uri="{AF507438-7753-43e0-B8FC-AC1667EBCBE1}">
-                <a14:hiddenEffects xmlns="" xmlns:a14="http://schemas.microsoft.com/office/drawing/2010/main">
+                <a14:hiddenEffects xmlns:a14="http://schemas.microsoft.com/office/drawing/2010/main" xmlns="">
                   <a:effectLst>
                     <a:outerShdw blurRad="63500" dist="38099" dir="2700000" algn="ctr" rotWithShape="0">
                       <a:schemeClr val="bg2">
@@ -16496,14 +16566,14 @@
             <a:effectLst/>
             <a:extLst>
               <a:ext uri="{909E8E84-426E-40dd-AFC4-6F175D3DCCD1}">
-                <a14:hiddenFill xmlns="" xmlns:a14="http://schemas.microsoft.com/office/drawing/2010/main">
+                <a14:hiddenFill xmlns:a14="http://schemas.microsoft.com/office/drawing/2010/main" xmlns="">
                   <a:solidFill>
                     <a:schemeClr val="accent1"/>
                   </a:solidFill>
                 </a14:hiddenFill>
               </a:ext>
               <a:ext uri="{AF507438-7753-43e0-B8FC-AC1667EBCBE1}">
-                <a14:hiddenEffects xmlns="" xmlns:a14="http://schemas.microsoft.com/office/drawing/2010/main">
+                <a14:hiddenEffects xmlns:a14="http://schemas.microsoft.com/office/drawing/2010/main" xmlns="">
                   <a:effectLst>
                     <a:outerShdw blurRad="63500" dist="38099" dir="2700000" algn="ctr" rotWithShape="0">
                       <a:schemeClr val="bg2">
@@ -16548,14 +16618,14 @@
             <a:effectLst/>
             <a:extLst>
               <a:ext uri="{909E8E84-426E-40dd-AFC4-6F175D3DCCD1}">
-                <a14:hiddenFill xmlns="" xmlns:a14="http://schemas.microsoft.com/office/drawing/2010/main">
+                <a14:hiddenFill xmlns:a14="http://schemas.microsoft.com/office/drawing/2010/main" xmlns="">
                   <a:solidFill>
                     <a:schemeClr val="accent1"/>
                   </a:solidFill>
                 </a14:hiddenFill>
               </a:ext>
               <a:ext uri="{91240B29-F687-4f45-9708-019B960494DF}">
-                <a14:hiddenLine xmlns="" xmlns:a14="http://schemas.microsoft.com/office/drawing/2010/main" w="9525">
+                <a14:hiddenLine xmlns:a14="http://schemas.microsoft.com/office/drawing/2010/main" xmlns="" w="9525">
                   <a:solidFill>
                     <a:schemeClr val="tx1"/>
                   </a:solidFill>
@@ -16565,7 +16635,7 @@
                 </a14:hiddenLine>
               </a:ext>
               <a:ext uri="{AF507438-7753-43e0-B8FC-AC1667EBCBE1}">
-                <a14:hiddenEffects xmlns="" xmlns:a14="http://schemas.microsoft.com/office/drawing/2010/main">
+                <a14:hiddenEffects xmlns:a14="http://schemas.microsoft.com/office/drawing/2010/main" xmlns="">
                   <a:effectLst>
                     <a:outerShdw blurRad="63500" dist="38099" dir="2700000" algn="ctr" rotWithShape="0">
                       <a:schemeClr val="bg2">
@@ -16615,14 +16685,14 @@
             <a:effectLst/>
             <a:extLst>
               <a:ext uri="{909E8E84-426E-40dd-AFC4-6F175D3DCCD1}">
-                <a14:hiddenFill xmlns="" xmlns:a14="http://schemas.microsoft.com/office/drawing/2010/main">
+                <a14:hiddenFill xmlns:a14="http://schemas.microsoft.com/office/drawing/2010/main" xmlns="">
                   <a:solidFill>
                     <a:schemeClr val="accent1"/>
                   </a:solidFill>
                 </a14:hiddenFill>
               </a:ext>
               <a:ext uri="{91240B29-F687-4f45-9708-019B960494DF}">
-                <a14:hiddenLine xmlns="" xmlns:a14="http://schemas.microsoft.com/office/drawing/2010/main" w="9525">
+                <a14:hiddenLine xmlns:a14="http://schemas.microsoft.com/office/drawing/2010/main" xmlns="" w="9525">
                   <a:solidFill>
                     <a:schemeClr val="tx1"/>
                   </a:solidFill>
@@ -16632,7 +16702,7 @@
                 </a14:hiddenLine>
               </a:ext>
               <a:ext uri="{AF507438-7753-43e0-B8FC-AC1667EBCBE1}">
-                <a14:hiddenEffects xmlns="" xmlns:a14="http://schemas.microsoft.com/office/drawing/2010/main">
+                <a14:hiddenEffects xmlns:a14="http://schemas.microsoft.com/office/drawing/2010/main" xmlns="">
                   <a:effectLst>
                     <a:outerShdw blurRad="63500" dist="38099" dir="2700000" algn="ctr" rotWithShape="0">
                       <a:schemeClr val="bg2">
@@ -16690,14 +16760,14 @@
             <a:effectLst/>
             <a:extLst>
               <a:ext uri="{909E8E84-426E-40dd-AFC4-6F175D3DCCD1}">
-                <a14:hiddenFill xmlns="" xmlns:a14="http://schemas.microsoft.com/office/drawing/2010/main">
+                <a14:hiddenFill xmlns:a14="http://schemas.microsoft.com/office/drawing/2010/main" xmlns="">
                   <a:solidFill>
                     <a:schemeClr val="accent1"/>
                   </a:solidFill>
                 </a14:hiddenFill>
               </a:ext>
               <a:ext uri="{91240B29-F687-4f45-9708-019B960494DF}">
-                <a14:hiddenLine xmlns="" xmlns:a14="http://schemas.microsoft.com/office/drawing/2010/main" w="9525">
+                <a14:hiddenLine xmlns:a14="http://schemas.microsoft.com/office/drawing/2010/main" xmlns="" w="9525">
                   <a:solidFill>
                     <a:schemeClr val="tx1"/>
                   </a:solidFill>
@@ -16707,7 +16777,7 @@
                 </a14:hiddenLine>
               </a:ext>
               <a:ext uri="{AF507438-7753-43e0-B8FC-AC1667EBCBE1}">
-                <a14:hiddenEffects xmlns="" xmlns:a14="http://schemas.microsoft.com/office/drawing/2010/main">
+                <a14:hiddenEffects xmlns:a14="http://schemas.microsoft.com/office/drawing/2010/main" xmlns="">
                   <a:effectLst>
                     <a:outerShdw blurRad="63500" dist="38099" dir="2700000" algn="ctr" rotWithShape="0">
                       <a:schemeClr val="bg2">
@@ -16757,14 +16827,14 @@
             <a:effectLst/>
             <a:extLst>
               <a:ext uri="{909E8E84-426E-40dd-AFC4-6F175D3DCCD1}">
-                <a14:hiddenFill xmlns="" xmlns:a14="http://schemas.microsoft.com/office/drawing/2010/main">
+                <a14:hiddenFill xmlns:a14="http://schemas.microsoft.com/office/drawing/2010/main" xmlns="">
                   <a:solidFill>
                     <a:schemeClr val="accent1"/>
                   </a:solidFill>
                 </a14:hiddenFill>
               </a:ext>
               <a:ext uri="{91240B29-F687-4f45-9708-019B960494DF}">
-                <a14:hiddenLine xmlns="" xmlns:a14="http://schemas.microsoft.com/office/drawing/2010/main" w="9525">
+                <a14:hiddenLine xmlns:a14="http://schemas.microsoft.com/office/drawing/2010/main" xmlns="" w="9525">
                   <a:solidFill>
                     <a:schemeClr val="tx1"/>
                   </a:solidFill>
@@ -16774,7 +16844,7 @@
                 </a14:hiddenLine>
               </a:ext>
               <a:ext uri="{AF507438-7753-43e0-B8FC-AC1667EBCBE1}">
-                <a14:hiddenEffects xmlns="" xmlns:a14="http://schemas.microsoft.com/office/drawing/2010/main">
+                <a14:hiddenEffects xmlns:a14="http://schemas.microsoft.com/office/drawing/2010/main" xmlns="">
                   <a:effectLst>
                     <a:outerShdw blurRad="63500" dist="38099" dir="2700000" algn="ctr" rotWithShape="0">
                       <a:schemeClr val="bg2">
@@ -16832,14 +16902,14 @@
             <a:effectLst/>
             <a:extLst>
               <a:ext uri="{909E8E84-426E-40dd-AFC4-6F175D3DCCD1}">
-                <a14:hiddenFill xmlns="" xmlns:a14="http://schemas.microsoft.com/office/drawing/2010/main">
+                <a14:hiddenFill xmlns:a14="http://schemas.microsoft.com/office/drawing/2010/main" xmlns="">
                   <a:solidFill>
                     <a:schemeClr val="accent1"/>
                   </a:solidFill>
                 </a14:hiddenFill>
               </a:ext>
               <a:ext uri="{91240B29-F687-4f45-9708-019B960494DF}">
-                <a14:hiddenLine xmlns="" xmlns:a14="http://schemas.microsoft.com/office/drawing/2010/main" w="9525">
+                <a14:hiddenLine xmlns:a14="http://schemas.microsoft.com/office/drawing/2010/main" xmlns="" w="9525">
                   <a:solidFill>
                     <a:schemeClr val="tx1"/>
                   </a:solidFill>
@@ -16849,7 +16919,7 @@
                 </a14:hiddenLine>
               </a:ext>
               <a:ext uri="{AF507438-7753-43e0-B8FC-AC1667EBCBE1}">
-                <a14:hiddenEffects xmlns="" xmlns:a14="http://schemas.microsoft.com/office/drawing/2010/main">
+                <a14:hiddenEffects xmlns:a14="http://schemas.microsoft.com/office/drawing/2010/main" xmlns="">
                   <a:effectLst>
                     <a:outerShdw blurRad="63500" dist="38099" dir="2700000" algn="ctr" rotWithShape="0">
                       <a:schemeClr val="bg2">
@@ -16916,12 +16986,12 @@
             <a:effectLst/>
             <a:extLst>
               <a:ext uri="{909E8E84-426E-40dd-AFC4-6F175D3DCCD1}">
-                <a14:hiddenFill xmlns="" xmlns:a14="http://schemas.microsoft.com/office/drawing/2010/main">
+                <a14:hiddenFill xmlns:a14="http://schemas.microsoft.com/office/drawing/2010/main" xmlns="">
                   <a:noFill/>
                 </a14:hiddenFill>
               </a:ext>
               <a:ext uri="{AF507438-7753-43e0-B8FC-AC1667EBCBE1}">
-                <a14:hiddenEffects xmlns="" xmlns:a14="http://schemas.microsoft.com/office/drawing/2010/main">
+                <a14:hiddenEffects xmlns:a14="http://schemas.microsoft.com/office/drawing/2010/main" xmlns="">
                   <a:effectLst>
                     <a:outerShdw blurRad="63500" dist="38099" dir="2700000" algn="ctr" rotWithShape="0">
                       <a:schemeClr val="bg2">
@@ -16964,12 +17034,12 @@
             <a:effectLst/>
             <a:extLst>
               <a:ext uri="{909E8E84-426E-40dd-AFC4-6F175D3DCCD1}">
-                <a14:hiddenFill xmlns="" xmlns:a14="http://schemas.microsoft.com/office/drawing/2010/main">
+                <a14:hiddenFill xmlns:a14="http://schemas.microsoft.com/office/drawing/2010/main" xmlns="">
                   <a:noFill/>
                 </a14:hiddenFill>
               </a:ext>
               <a:ext uri="{AF507438-7753-43e0-B8FC-AC1667EBCBE1}">
-                <a14:hiddenEffects xmlns="" xmlns:a14="http://schemas.microsoft.com/office/drawing/2010/main">
+                <a14:hiddenEffects xmlns:a14="http://schemas.microsoft.com/office/drawing/2010/main" xmlns="">
                   <a:effectLst>
                     <a:outerShdw blurRad="63500" dist="38099" dir="2700000" algn="ctr" rotWithShape="0">
                       <a:schemeClr val="bg2">
@@ -17012,12 +17082,12 @@
             <a:effectLst/>
             <a:extLst>
               <a:ext uri="{909E8E84-426E-40dd-AFC4-6F175D3DCCD1}">
-                <a14:hiddenFill xmlns="" xmlns:a14="http://schemas.microsoft.com/office/drawing/2010/main">
+                <a14:hiddenFill xmlns:a14="http://schemas.microsoft.com/office/drawing/2010/main" xmlns="">
                   <a:noFill/>
                 </a14:hiddenFill>
               </a:ext>
               <a:ext uri="{AF507438-7753-43e0-B8FC-AC1667EBCBE1}">
-                <a14:hiddenEffects xmlns="" xmlns:a14="http://schemas.microsoft.com/office/drawing/2010/main">
+                <a14:hiddenEffects xmlns:a14="http://schemas.microsoft.com/office/drawing/2010/main" xmlns="">
                   <a:effectLst>
                     <a:outerShdw blurRad="63500" dist="38099" dir="2700000" algn="ctr" rotWithShape="0">
                       <a:schemeClr val="bg2">
@@ -17053,14 +17123,14 @@
             <a:effectLst/>
             <a:extLst>
               <a:ext uri="{909E8E84-426E-40dd-AFC4-6F175D3DCCD1}">
-                <a14:hiddenFill xmlns="" xmlns:a14="http://schemas.microsoft.com/office/drawing/2010/main">
+                <a14:hiddenFill xmlns:a14="http://schemas.microsoft.com/office/drawing/2010/main" xmlns="">
                   <a:solidFill>
                     <a:schemeClr val="accent1"/>
                   </a:solidFill>
                 </a14:hiddenFill>
               </a:ext>
               <a:ext uri="{91240B29-F687-4f45-9708-019B960494DF}">
-                <a14:hiddenLine xmlns="" xmlns:a14="http://schemas.microsoft.com/office/drawing/2010/main" w="9525">
+                <a14:hiddenLine xmlns:a14="http://schemas.microsoft.com/office/drawing/2010/main" xmlns="" w="9525">
                   <a:solidFill>
                     <a:schemeClr val="tx1"/>
                   </a:solidFill>
@@ -17070,7 +17140,7 @@
                 </a14:hiddenLine>
               </a:ext>
               <a:ext uri="{AF507438-7753-43e0-B8FC-AC1667EBCBE1}">
-                <a14:hiddenEffects xmlns="" xmlns:a14="http://schemas.microsoft.com/office/drawing/2010/main">
+                <a14:hiddenEffects xmlns:a14="http://schemas.microsoft.com/office/drawing/2010/main" xmlns="">
                   <a:effectLst>
                     <a:outerShdw blurRad="63500" dist="38099" dir="2700000" algn="ctr" rotWithShape="0">
                       <a:schemeClr val="bg2">
@@ -17129,14 +17199,14 @@
           <a:effectLst/>
           <a:extLst>
             <a:ext uri="{909E8E84-426E-40dd-AFC4-6F175D3DCCD1}">
-              <a14:hiddenFill xmlns="" xmlns:a14="http://schemas.microsoft.com/office/drawing/2010/main">
+              <a14:hiddenFill xmlns:a14="http://schemas.microsoft.com/office/drawing/2010/main" xmlns="">
                 <a:solidFill>
                   <a:schemeClr val="accent1"/>
                 </a:solidFill>
               </a14:hiddenFill>
             </a:ext>
             <a:ext uri="{91240B29-F687-4f45-9708-019B960494DF}">
-              <a14:hiddenLine xmlns="" xmlns:a14="http://schemas.microsoft.com/office/drawing/2010/main" w="9525">
+              <a14:hiddenLine xmlns:a14="http://schemas.microsoft.com/office/drawing/2010/main" xmlns="" w="9525">
                 <a:solidFill>
                   <a:schemeClr val="tx1"/>
                 </a:solidFill>
@@ -17146,7 +17216,7 @@
               </a14:hiddenLine>
             </a:ext>
             <a:ext uri="{AF507438-7753-43e0-B8FC-AC1667EBCBE1}">
-              <a14:hiddenEffects xmlns="" xmlns:a14="http://schemas.microsoft.com/office/drawing/2010/main">
+              <a14:hiddenEffects xmlns:a14="http://schemas.microsoft.com/office/drawing/2010/main" xmlns="">
                 <a:effectLst>
                   <a:outerShdw blurRad="63500" dist="38099" dir="2700000" algn="ctr" rotWithShape="0">
                     <a:schemeClr val="bg2">
@@ -17859,7 +17929,7 @@
           </a:ln>
           <a:extLst>
             <a:ext uri="{909E8E84-426E-40dd-AFC4-6F175D3DCCD1}">
-              <a14:hiddenFill xmlns="" xmlns:a14="http://schemas.microsoft.com/office/drawing/2010/main">
+              <a14:hiddenFill xmlns:a14="http://schemas.microsoft.com/office/drawing/2010/main" xmlns="">
                 <a:noFill/>
               </a14:hiddenFill>
             </a:ext>
@@ -17898,7 +17968,7 @@
           </a:ln>
           <a:extLst>
             <a:ext uri="{909E8E84-426E-40dd-AFC4-6F175D3DCCD1}">
-              <a14:hiddenFill xmlns="" xmlns:a14="http://schemas.microsoft.com/office/drawing/2010/main">
+              <a14:hiddenFill xmlns:a14="http://schemas.microsoft.com/office/drawing/2010/main" xmlns="">
                 <a:noFill/>
               </a14:hiddenFill>
             </a:ext>
@@ -18009,14 +18079,14 @@
           </a:ln>
           <a:extLst>
             <a:ext uri="{909E8E84-426E-40dd-AFC4-6F175D3DCCD1}">
-              <a14:hiddenFill xmlns="" xmlns:a14="http://schemas.microsoft.com/office/drawing/2010/main">
+              <a14:hiddenFill xmlns:a14="http://schemas.microsoft.com/office/drawing/2010/main" xmlns="">
                 <a:solidFill>
                   <a:srgbClr val="FFFFFF"/>
                 </a:solidFill>
               </a14:hiddenFill>
             </a:ext>
             <a:ext uri="{91240B29-F687-4f45-9708-019B960494DF}">
-              <a14:hiddenLine xmlns="" xmlns:a14="http://schemas.microsoft.com/office/drawing/2010/main" w="12700">
+              <a14:hiddenLine xmlns:a14="http://schemas.microsoft.com/office/drawing/2010/main" xmlns="" w="12700">
                 <a:solidFill>
                   <a:srgbClr val="000000"/>
                 </a:solidFill>
@@ -18195,7 +18265,7 @@
             </a:ln>
             <a:extLst>
               <a:ext uri="{909E8E84-426E-40dd-AFC4-6F175D3DCCD1}">
-                <a14:hiddenFill xmlns="" xmlns:a14="http://schemas.microsoft.com/office/drawing/2010/main">
+                <a14:hiddenFill xmlns:a14="http://schemas.microsoft.com/office/drawing/2010/main" xmlns="">
                   <a:noFill/>
                 </a14:hiddenFill>
               </a:ext>
@@ -18236,7 +18306,7 @@
             </a:ln>
             <a:extLst>
               <a:ext uri="{909E8E84-426E-40dd-AFC4-6F175D3DCCD1}">
-                <a14:hiddenFill xmlns="" xmlns:a14="http://schemas.microsoft.com/office/drawing/2010/main">
+                <a14:hiddenFill xmlns:a14="http://schemas.microsoft.com/office/drawing/2010/main" xmlns="">
                   <a:noFill/>
                 </a14:hiddenFill>
               </a:ext>
@@ -18272,14 +18342,14 @@
             </a:ln>
             <a:extLst>
               <a:ext uri="{909E8E84-426E-40dd-AFC4-6F175D3DCCD1}">
-                <a14:hiddenFill xmlns="" xmlns:a14="http://schemas.microsoft.com/office/drawing/2010/main">
+                <a14:hiddenFill xmlns:a14="http://schemas.microsoft.com/office/drawing/2010/main" xmlns="">
                   <a:solidFill>
                     <a:srgbClr val="FFFFFF"/>
                   </a:solidFill>
                 </a14:hiddenFill>
               </a:ext>
               <a:ext uri="{91240B29-F687-4f45-9708-019B960494DF}">
-                <a14:hiddenLine xmlns="" xmlns:a14="http://schemas.microsoft.com/office/drawing/2010/main" w="12700">
+                <a14:hiddenLine xmlns:a14="http://schemas.microsoft.com/office/drawing/2010/main" xmlns="" w="12700">
                   <a:solidFill>
                     <a:srgbClr val="000000"/>
                   </a:solidFill>
@@ -18325,14 +18395,14 @@
             </a:ln>
             <a:extLst>
               <a:ext uri="{909E8E84-426E-40dd-AFC4-6F175D3DCCD1}">
-                <a14:hiddenFill xmlns="" xmlns:a14="http://schemas.microsoft.com/office/drawing/2010/main">
+                <a14:hiddenFill xmlns:a14="http://schemas.microsoft.com/office/drawing/2010/main" xmlns="">
                   <a:solidFill>
                     <a:srgbClr val="FFFFFF"/>
                   </a:solidFill>
                 </a14:hiddenFill>
               </a:ext>
               <a:ext uri="{91240B29-F687-4f45-9708-019B960494DF}">
-                <a14:hiddenLine xmlns="" xmlns:a14="http://schemas.microsoft.com/office/drawing/2010/main" w="12700">
+                <a14:hiddenLine xmlns:a14="http://schemas.microsoft.com/office/drawing/2010/main" xmlns="" w="12700">
                   <a:solidFill>
                     <a:srgbClr val="000000"/>
                   </a:solidFill>
@@ -18378,14 +18448,14 @@
             </a:ln>
             <a:extLst>
               <a:ext uri="{909E8E84-426E-40dd-AFC4-6F175D3DCCD1}">
-                <a14:hiddenFill xmlns="" xmlns:a14="http://schemas.microsoft.com/office/drawing/2010/main">
+                <a14:hiddenFill xmlns:a14="http://schemas.microsoft.com/office/drawing/2010/main" xmlns="">
                   <a:solidFill>
                     <a:srgbClr val="FFFFFF"/>
                   </a:solidFill>
                 </a14:hiddenFill>
               </a:ext>
               <a:ext uri="{91240B29-F687-4f45-9708-019B960494DF}">
-                <a14:hiddenLine xmlns="" xmlns:a14="http://schemas.microsoft.com/office/drawing/2010/main" w="12700">
+                <a14:hiddenLine xmlns:a14="http://schemas.microsoft.com/office/drawing/2010/main" xmlns="" w="12700">
                   <a:solidFill>
                     <a:srgbClr val="000000"/>
                   </a:solidFill>
@@ -19400,7 +19470,7 @@
             </a:ln>
             <a:extLst>
               <a:ext uri="{909E8E84-426E-40dd-AFC4-6F175D3DCCD1}">
-                <a14:hiddenFill xmlns="" xmlns:a14="http://schemas.microsoft.com/office/drawing/2010/main">
+                <a14:hiddenFill xmlns:a14="http://schemas.microsoft.com/office/drawing/2010/main" xmlns="">
                   <a:noFill/>
                 </a14:hiddenFill>
               </a:ext>
@@ -19439,7 +19509,7 @@
             </a:ln>
             <a:extLst>
               <a:ext uri="{909E8E84-426E-40dd-AFC4-6F175D3DCCD1}">
-                <a14:hiddenFill xmlns="" xmlns:a14="http://schemas.microsoft.com/office/drawing/2010/main">
+                <a14:hiddenFill xmlns:a14="http://schemas.microsoft.com/office/drawing/2010/main" xmlns="">
                   <a:noFill/>
                 </a14:hiddenFill>
               </a:ext>
@@ -19478,7 +19548,7 @@
             </a:ln>
             <a:extLst>
               <a:ext uri="{909E8E84-426E-40dd-AFC4-6F175D3DCCD1}">
-                <a14:hiddenFill xmlns="" xmlns:a14="http://schemas.microsoft.com/office/drawing/2010/main">
+                <a14:hiddenFill xmlns:a14="http://schemas.microsoft.com/office/drawing/2010/main" xmlns="">
                   <a:noFill/>
                 </a14:hiddenFill>
               </a:ext>
@@ -19517,7 +19587,7 @@
             </a:ln>
             <a:extLst>
               <a:ext uri="{909E8E84-426E-40dd-AFC4-6F175D3DCCD1}">
-                <a14:hiddenFill xmlns="" xmlns:a14="http://schemas.microsoft.com/office/drawing/2010/main">
+                <a14:hiddenFill xmlns:a14="http://schemas.microsoft.com/office/drawing/2010/main" xmlns="">
                   <a:noFill/>
                 </a14:hiddenFill>
               </a:ext>
@@ -19556,7 +19626,7 @@
             </a:ln>
             <a:extLst>
               <a:ext uri="{909E8E84-426E-40dd-AFC4-6F175D3DCCD1}">
-                <a14:hiddenFill xmlns="" xmlns:a14="http://schemas.microsoft.com/office/drawing/2010/main">
+                <a14:hiddenFill xmlns:a14="http://schemas.microsoft.com/office/drawing/2010/main" xmlns="">
                   <a:noFill/>
                 </a14:hiddenFill>
               </a:ext>
@@ -19595,7 +19665,7 @@
             </a:ln>
             <a:extLst>
               <a:ext uri="{909E8E84-426E-40dd-AFC4-6F175D3DCCD1}">
-                <a14:hiddenFill xmlns="" xmlns:a14="http://schemas.microsoft.com/office/drawing/2010/main">
+                <a14:hiddenFill xmlns:a14="http://schemas.microsoft.com/office/drawing/2010/main" xmlns="">
                   <a:noFill/>
                 </a14:hiddenFill>
               </a:ext>
@@ -32139,14 +32209,14 @@
           <a:effectLst/>
           <a:extLst>
             <a:ext uri="{909E8E84-426E-40dd-AFC4-6F175D3DCCD1}">
-              <a14:hiddenFill xmlns="" xmlns:a14="http://schemas.microsoft.com/office/drawing/2010/main">
+              <a14:hiddenFill xmlns:a14="http://schemas.microsoft.com/office/drawing/2010/main" xmlns="">
                 <a:solidFill>
                   <a:schemeClr val="accent1"/>
                 </a:solidFill>
               </a14:hiddenFill>
             </a:ext>
             <a:ext uri="{91240B29-F687-4f45-9708-019B960494DF}">
-              <a14:hiddenLine xmlns="" xmlns:a14="http://schemas.microsoft.com/office/drawing/2010/main" w="9525">
+              <a14:hiddenLine xmlns:a14="http://schemas.microsoft.com/office/drawing/2010/main" xmlns="" w="9525">
                 <a:solidFill>
                   <a:schemeClr val="tx1"/>
                 </a:solidFill>
@@ -32156,7 +32226,7 @@
               </a14:hiddenLine>
             </a:ext>
             <a:ext uri="{AF507438-7753-43e0-B8FC-AC1667EBCBE1}">
-              <a14:hiddenEffects xmlns="" xmlns:a14="http://schemas.microsoft.com/office/drawing/2010/main">
+              <a14:hiddenEffects xmlns:a14="http://schemas.microsoft.com/office/drawing/2010/main" xmlns="">
                 <a:effectLst>
                   <a:outerShdw blurRad="63500" dist="38099" dir="2700000" algn="ctr" rotWithShape="0">
                     <a:schemeClr val="bg2">
@@ -50399,7 +50469,7 @@
           </a:ln>
           <a:extLst>
             <a:ext uri="{91240B29-F687-4f45-9708-019B960494DF}">
-              <a14:hiddenLine xmlns="" xmlns:a14="http://schemas.microsoft.com/office/drawing/2010/main" w="12700">
+              <a14:hiddenLine xmlns:a14="http://schemas.microsoft.com/office/drawing/2010/main" xmlns="" w="12700">
                 <a:solidFill>
                   <a:srgbClr val="000000"/>
                 </a:solidFill>
@@ -50442,7 +50512,7 @@
           </a:ln>
           <a:extLst>
             <a:ext uri="{91240B29-F687-4f45-9708-019B960494DF}">
-              <a14:hiddenLine xmlns="" xmlns:a14="http://schemas.microsoft.com/office/drawing/2010/main" w="12700">
+              <a14:hiddenLine xmlns:a14="http://schemas.microsoft.com/office/drawing/2010/main" xmlns="" w="12700">
                 <a:solidFill>
                   <a:srgbClr val="000000"/>
                 </a:solidFill>
@@ -50485,7 +50555,7 @@
           </a:ln>
           <a:extLst>
             <a:ext uri="{91240B29-F687-4f45-9708-019B960494DF}">
-              <a14:hiddenLine xmlns="" xmlns:a14="http://schemas.microsoft.com/office/drawing/2010/main" w="12700">
+              <a14:hiddenLine xmlns:a14="http://schemas.microsoft.com/office/drawing/2010/main" xmlns="" w="12700">
                 <a:solidFill>
                   <a:srgbClr val="000000"/>
                 </a:solidFill>
@@ -50528,7 +50598,7 @@
           </a:ln>
           <a:extLst>
             <a:ext uri="{91240B29-F687-4f45-9708-019B960494DF}">
-              <a14:hiddenLine xmlns="" xmlns:a14="http://schemas.microsoft.com/office/drawing/2010/main" w="12700">
+              <a14:hiddenLine xmlns:a14="http://schemas.microsoft.com/office/drawing/2010/main" xmlns="" w="12700">
                 <a:solidFill>
                   <a:srgbClr val="000000"/>
                 </a:solidFill>
@@ -50571,7 +50641,7 @@
           </a:ln>
           <a:extLst>
             <a:ext uri="{91240B29-F687-4f45-9708-019B960494DF}">
-              <a14:hiddenLine xmlns="" xmlns:a14="http://schemas.microsoft.com/office/drawing/2010/main" w="12700">
+              <a14:hiddenLine xmlns:a14="http://schemas.microsoft.com/office/drawing/2010/main" xmlns="" w="12700">
                 <a:solidFill>
                   <a:srgbClr val="000000"/>
                 </a:solidFill>
@@ -50614,7 +50684,7 @@
           </a:ln>
           <a:extLst>
             <a:ext uri="{91240B29-F687-4f45-9708-019B960494DF}">
-              <a14:hiddenLine xmlns="" xmlns:a14="http://schemas.microsoft.com/office/drawing/2010/main" w="12700">
+              <a14:hiddenLine xmlns:a14="http://schemas.microsoft.com/office/drawing/2010/main" xmlns="" w="12700">
                 <a:solidFill>
                   <a:srgbClr val="000000"/>
                 </a:solidFill>
@@ -50657,7 +50727,7 @@
           </a:ln>
           <a:extLst>
             <a:ext uri="{91240B29-F687-4f45-9708-019B960494DF}">
-              <a14:hiddenLine xmlns="" xmlns:a14="http://schemas.microsoft.com/office/drawing/2010/main" w="12700">
+              <a14:hiddenLine xmlns:a14="http://schemas.microsoft.com/office/drawing/2010/main" xmlns="" w="12700">
                 <a:solidFill>
                   <a:srgbClr val="000000"/>
                 </a:solidFill>
@@ -50703,7 +50773,7 @@
           </a:ln>
           <a:extLst>
             <a:ext uri="{909E8E84-426E-40dd-AFC4-6F175D3DCCD1}">
-              <a14:hiddenFill xmlns="" xmlns:a14="http://schemas.microsoft.com/office/drawing/2010/main">
+              <a14:hiddenFill xmlns:a14="http://schemas.microsoft.com/office/drawing/2010/main" xmlns="">
                 <a:solidFill>
                   <a:srgbClr val="FFFFFF"/>
                 </a:solidFill>
@@ -50757,7 +50827,7 @@
           </a:ln>
           <a:extLst>
             <a:ext uri="{909E8E84-426E-40dd-AFC4-6F175D3DCCD1}">
-              <a14:hiddenFill xmlns="" xmlns:a14="http://schemas.microsoft.com/office/drawing/2010/main">
+              <a14:hiddenFill xmlns:a14="http://schemas.microsoft.com/office/drawing/2010/main" xmlns="">
                 <a:solidFill>
                   <a:srgbClr val="FFFFFF"/>
                 </a:solidFill>
@@ -50811,7 +50881,7 @@
           </a:ln>
           <a:extLst>
             <a:ext uri="{909E8E84-426E-40dd-AFC4-6F175D3DCCD1}">
-              <a14:hiddenFill xmlns="" xmlns:a14="http://schemas.microsoft.com/office/drawing/2010/main">
+              <a14:hiddenFill xmlns:a14="http://schemas.microsoft.com/office/drawing/2010/main" xmlns="">
                 <a:solidFill>
                   <a:srgbClr val="FFFFFF"/>
                 </a:solidFill>
@@ -50893,7 +50963,7 @@
           </a:ln>
           <a:extLst>
             <a:ext uri="{909E8E84-426E-40dd-AFC4-6F175D3DCCD1}">
-              <a14:hiddenFill xmlns="" xmlns:a14="http://schemas.microsoft.com/office/drawing/2010/main">
+              <a14:hiddenFill xmlns:a14="http://schemas.microsoft.com/office/drawing/2010/main" xmlns="">
                 <a:noFill/>
               </a14:hiddenFill>
             </a:ext>
@@ -50934,7 +51004,7 @@
           </a:ln>
           <a:extLst>
             <a:ext uri="{909E8E84-426E-40dd-AFC4-6F175D3DCCD1}">
-              <a14:hiddenFill xmlns="" xmlns:a14="http://schemas.microsoft.com/office/drawing/2010/main">
+              <a14:hiddenFill xmlns:a14="http://schemas.microsoft.com/office/drawing/2010/main" xmlns="">
                 <a:noFill/>
               </a14:hiddenFill>
             </a:ext>
@@ -50970,14 +51040,14 @@
           </a:ln>
           <a:extLst>
             <a:ext uri="{909E8E84-426E-40dd-AFC4-6F175D3DCCD1}">
-              <a14:hiddenFill xmlns="" xmlns:a14="http://schemas.microsoft.com/office/drawing/2010/main">
+              <a14:hiddenFill xmlns:a14="http://schemas.microsoft.com/office/drawing/2010/main" xmlns="">
                 <a:solidFill>
                   <a:srgbClr val="FFFFFF"/>
                 </a:solidFill>
               </a14:hiddenFill>
             </a:ext>
             <a:ext uri="{91240B29-F687-4f45-9708-019B960494DF}">
-              <a14:hiddenLine xmlns="" xmlns:a14="http://schemas.microsoft.com/office/drawing/2010/main" w="12700">
+              <a14:hiddenLine xmlns:a14="http://schemas.microsoft.com/office/drawing/2010/main" xmlns="" w="12700">
                 <a:solidFill>
                   <a:srgbClr val="000000"/>
                 </a:solidFill>
@@ -51023,14 +51093,14 @@
           </a:ln>
           <a:extLst>
             <a:ext uri="{909E8E84-426E-40dd-AFC4-6F175D3DCCD1}">
-              <a14:hiddenFill xmlns="" xmlns:a14="http://schemas.microsoft.com/office/drawing/2010/main">
+              <a14:hiddenFill xmlns:a14="http://schemas.microsoft.com/office/drawing/2010/main" xmlns="">
                 <a:solidFill>
                   <a:srgbClr val="FFFFFF"/>
                 </a:solidFill>
               </a14:hiddenFill>
             </a:ext>
             <a:ext uri="{91240B29-F687-4f45-9708-019B960494DF}">
-              <a14:hiddenLine xmlns="" xmlns:a14="http://schemas.microsoft.com/office/drawing/2010/main" w="12700">
+              <a14:hiddenLine xmlns:a14="http://schemas.microsoft.com/office/drawing/2010/main" xmlns="" w="12700">
                 <a:solidFill>
                   <a:srgbClr val="000000"/>
                 </a:solidFill>
@@ -51076,14 +51146,14 @@
           </a:ln>
           <a:extLst>
             <a:ext uri="{909E8E84-426E-40dd-AFC4-6F175D3DCCD1}">
-              <a14:hiddenFill xmlns="" xmlns:a14="http://schemas.microsoft.com/office/drawing/2010/main">
+              <a14:hiddenFill xmlns:a14="http://schemas.microsoft.com/office/drawing/2010/main" xmlns="">
                 <a:solidFill>
                   <a:srgbClr val="FFFFFF"/>
                 </a:solidFill>
               </a14:hiddenFill>
             </a:ext>
             <a:ext uri="{91240B29-F687-4f45-9708-019B960494DF}">
-              <a14:hiddenLine xmlns="" xmlns:a14="http://schemas.microsoft.com/office/drawing/2010/main" w="12700">
+              <a14:hiddenLine xmlns:a14="http://schemas.microsoft.com/office/drawing/2010/main" xmlns="" w="12700">
                 <a:solidFill>
                   <a:srgbClr val="000000"/>
                 </a:solidFill>
@@ -51779,7 +51849,7 @@
           </a:ln>
           <a:extLst>
             <a:ext uri="{909E8E84-426E-40dd-AFC4-6F175D3DCCD1}">
-              <a14:hiddenFill xmlns="" xmlns:a14="http://schemas.microsoft.com/office/drawing/2010/main">
+              <a14:hiddenFill xmlns:a14="http://schemas.microsoft.com/office/drawing/2010/main" xmlns="">
                 <a:noFill/>
               </a14:hiddenFill>
             </a:ext>
@@ -51818,7 +51888,7 @@
           </a:ln>
           <a:extLst>
             <a:ext uri="{909E8E84-426E-40dd-AFC4-6F175D3DCCD1}">
-              <a14:hiddenFill xmlns="" xmlns:a14="http://schemas.microsoft.com/office/drawing/2010/main">
+              <a14:hiddenFill xmlns:a14="http://schemas.microsoft.com/office/drawing/2010/main" xmlns="">
                 <a:noFill/>
               </a14:hiddenFill>
             </a:ext>
@@ -51857,7 +51927,7 @@
           </a:ln>
           <a:extLst>
             <a:ext uri="{909E8E84-426E-40dd-AFC4-6F175D3DCCD1}">
-              <a14:hiddenFill xmlns="" xmlns:a14="http://schemas.microsoft.com/office/drawing/2010/main">
+              <a14:hiddenFill xmlns:a14="http://schemas.microsoft.com/office/drawing/2010/main" xmlns="">
                 <a:noFill/>
               </a14:hiddenFill>
             </a:ext>
@@ -51896,7 +51966,7 @@
           </a:ln>
           <a:extLst>
             <a:ext uri="{909E8E84-426E-40dd-AFC4-6F175D3DCCD1}">
-              <a14:hiddenFill xmlns="" xmlns:a14="http://schemas.microsoft.com/office/drawing/2010/main">
+              <a14:hiddenFill xmlns:a14="http://schemas.microsoft.com/office/drawing/2010/main" xmlns="">
                 <a:noFill/>
               </a14:hiddenFill>
             </a:ext>
@@ -51935,7 +52005,7 @@
           </a:ln>
           <a:extLst>
             <a:ext uri="{909E8E84-426E-40dd-AFC4-6F175D3DCCD1}">
-              <a14:hiddenFill xmlns="" xmlns:a14="http://schemas.microsoft.com/office/drawing/2010/main">
+              <a14:hiddenFill xmlns:a14="http://schemas.microsoft.com/office/drawing/2010/main" xmlns="">
                 <a:noFill/>
               </a14:hiddenFill>
             </a:ext>
@@ -51974,7 +52044,7 @@
           </a:ln>
           <a:extLst>
             <a:ext uri="{909E8E84-426E-40dd-AFC4-6F175D3DCCD1}">
-              <a14:hiddenFill xmlns="" xmlns:a14="http://schemas.microsoft.com/office/drawing/2010/main">
+              <a14:hiddenFill xmlns:a14="http://schemas.microsoft.com/office/drawing/2010/main" xmlns="">
                 <a:noFill/>
               </a14:hiddenFill>
             </a:ext>
@@ -52008,7 +52078,7 @@
           </a:ln>
           <a:extLst>
             <a:ext uri="{909E8E84-426E-40dd-AFC4-6F175D3DCCD1}">
-              <a14:hiddenFill xmlns="" xmlns:a14="http://schemas.microsoft.com/office/drawing/2010/main">
+              <a14:hiddenFill xmlns:a14="http://schemas.microsoft.com/office/drawing/2010/main" xmlns="">
                 <a:solidFill>
                   <a:srgbClr val="FFFFFF"/>
                 </a:solidFill>
@@ -52193,7 +52263,7 @@
           </a:ln>
           <a:extLst>
             <a:ext uri="{909E8E84-426E-40dd-AFC4-6F175D3DCCD1}">
-              <a14:hiddenFill xmlns="" xmlns:a14="http://schemas.microsoft.com/office/drawing/2010/main">
+              <a14:hiddenFill xmlns:a14="http://schemas.microsoft.com/office/drawing/2010/main" xmlns="">
                 <a:noFill/>
               </a14:hiddenFill>
             </a:ext>
@@ -52229,14 +52299,14 @@
           </a:ln>
           <a:extLst>
             <a:ext uri="{909E8E84-426E-40dd-AFC4-6F175D3DCCD1}">
-              <a14:hiddenFill xmlns="" xmlns:a14="http://schemas.microsoft.com/office/drawing/2010/main">
+              <a14:hiddenFill xmlns:a14="http://schemas.microsoft.com/office/drawing/2010/main" xmlns="">
                 <a:solidFill>
                   <a:srgbClr val="FFFFFF"/>
                 </a:solidFill>
               </a14:hiddenFill>
             </a:ext>
             <a:ext uri="{91240B29-F687-4f45-9708-019B960494DF}">
-              <a14:hiddenLine xmlns="" xmlns:a14="http://schemas.microsoft.com/office/drawing/2010/main" w="12700">
+              <a14:hiddenLine xmlns:a14="http://schemas.microsoft.com/office/drawing/2010/main" xmlns="" w="12700">
                 <a:solidFill>
                   <a:srgbClr val="000000"/>
                 </a:solidFill>
@@ -52392,14 +52462,14 @@
           </a:ln>
           <a:extLst>
             <a:ext uri="{909E8E84-426E-40dd-AFC4-6F175D3DCCD1}">
-              <a14:hiddenFill xmlns="" xmlns:a14="http://schemas.microsoft.com/office/drawing/2010/main">
+              <a14:hiddenFill xmlns:a14="http://schemas.microsoft.com/office/drawing/2010/main" xmlns="">
                 <a:solidFill>
                   <a:srgbClr val="FFFFFF"/>
                 </a:solidFill>
               </a14:hiddenFill>
             </a:ext>
             <a:ext uri="{91240B29-F687-4f45-9708-019B960494DF}">
-              <a14:hiddenLine xmlns="" xmlns:a14="http://schemas.microsoft.com/office/drawing/2010/main" w="12700">
+              <a14:hiddenLine xmlns:a14="http://schemas.microsoft.com/office/drawing/2010/main" xmlns="" w="12700">
                 <a:solidFill>
                   <a:srgbClr val="000000"/>
                 </a:solidFill>
@@ -52564,14 +52634,14 @@
           </a:ln>
           <a:extLst>
             <a:ext uri="{909E8E84-426E-40dd-AFC4-6F175D3DCCD1}">
-              <a14:hiddenFill xmlns="" xmlns:a14="http://schemas.microsoft.com/office/drawing/2010/main">
+              <a14:hiddenFill xmlns:a14="http://schemas.microsoft.com/office/drawing/2010/main" xmlns="">
                 <a:solidFill>
                   <a:srgbClr val="FFFFFF"/>
                 </a:solidFill>
               </a14:hiddenFill>
             </a:ext>
             <a:ext uri="{91240B29-F687-4f45-9708-019B960494DF}">
-              <a14:hiddenLine xmlns="" xmlns:a14="http://schemas.microsoft.com/office/drawing/2010/main" w="12700">
+              <a14:hiddenLine xmlns:a14="http://schemas.microsoft.com/office/drawing/2010/main" xmlns="" w="12700">
                 <a:solidFill>
                   <a:srgbClr val="000000"/>
                 </a:solidFill>
@@ -52732,7 +52802,7 @@
           </a:ln>
           <a:extLst>
             <a:ext uri="{909E8E84-426E-40dd-AFC4-6F175D3DCCD1}">
-              <a14:hiddenFill xmlns="" xmlns:a14="http://schemas.microsoft.com/office/drawing/2010/main">
+              <a14:hiddenFill xmlns:a14="http://schemas.microsoft.com/office/drawing/2010/main" xmlns="">
                 <a:noFill/>
               </a14:hiddenFill>
             </a:ext>
@@ -52773,7 +52843,7 @@
           </a:ln>
           <a:extLst>
             <a:ext uri="{909E8E84-426E-40dd-AFC4-6F175D3DCCD1}">
-              <a14:hiddenFill xmlns="" xmlns:a14="http://schemas.microsoft.com/office/drawing/2010/main">
+              <a14:hiddenFill xmlns:a14="http://schemas.microsoft.com/office/drawing/2010/main" xmlns="">
                 <a:noFill/>
               </a14:hiddenFill>
             </a:ext>
@@ -52814,7 +52884,7 @@
           </a:ln>
           <a:extLst>
             <a:ext uri="{909E8E84-426E-40dd-AFC4-6F175D3DCCD1}">
-              <a14:hiddenFill xmlns="" xmlns:a14="http://schemas.microsoft.com/office/drawing/2010/main">
+              <a14:hiddenFill xmlns:a14="http://schemas.microsoft.com/office/drawing/2010/main" xmlns="">
                 <a:noFill/>
               </a14:hiddenFill>
             </a:ext>

--- a/new_SE401/Lectures/8-Integration, System and Regression Testing/Integration Testing.pptx
+++ b/new_SE401/Lectures/8-Integration, System and Regression Testing/Integration Testing.pptx
@@ -3315,7 +3315,7 @@
           <a:ln/>
           <a:extLst>
             <a:ext uri="{FAA26D3D-D897-4be2-8F04-BA451C77F1D7}">
-              <ma14:placeholderFlag xmlns:ma14="http://schemas.microsoft.com/office/mac/drawingml/2011/main" xmlns="" val="1"/>
+              <ma14:placeholderFlag xmlns="" xmlns:ma14="http://schemas.microsoft.com/office/mac/drawingml/2011/main" val="1"/>
             </a:ext>
           </a:extLst>
         </p:spPr>
@@ -3494,7 +3494,7 @@
           <a:ln/>
           <a:extLst>
             <a:ext uri="{FAA26D3D-D897-4be2-8F04-BA451C77F1D7}">
-              <ma14:placeholderFlag xmlns:ma14="http://schemas.microsoft.com/office/mac/drawingml/2011/main" xmlns="" val="1"/>
+              <ma14:placeholderFlag xmlns="" xmlns:ma14="http://schemas.microsoft.com/office/mac/drawingml/2011/main" val="1"/>
             </a:ext>
           </a:extLst>
         </p:spPr>
@@ -3688,14 +3688,14 @@
           <a:ln w="9525"/>
           <a:extLst>
             <a:ext uri="{909E8E84-426E-40dd-AFC4-6F175D3DCCD1}">
-              <a14:hiddenFill xmlns:a14="http://schemas.microsoft.com/office/drawing/2010/main" xmlns="">
+              <a14:hiddenFill xmlns="" xmlns:a14="http://schemas.microsoft.com/office/drawing/2010/main">
                 <a:solidFill>
                   <a:srgbClr val="FFFFFF"/>
                 </a:solidFill>
               </a14:hiddenFill>
             </a:ext>
             <a:ext uri="{91240B29-F687-4f45-9708-019B960494DF}">
-              <a14:hiddenLine xmlns:a14="http://schemas.microsoft.com/office/drawing/2010/main" xmlns="" w="9525">
+              <a14:hiddenLine xmlns="" xmlns:a14="http://schemas.microsoft.com/office/drawing/2010/main" w="9525">
                 <a:solidFill>
                   <a:srgbClr val="000000"/>
                 </a:solidFill>
@@ -3705,7 +3705,7 @@
               </a14:hiddenLine>
             </a:ext>
             <a:ext uri="{FAA26D3D-D897-4be2-8F04-BA451C77F1D7}">
-              <ma14:placeholderFlag xmlns:ma14="http://schemas.microsoft.com/office/mac/drawingml/2011/main" xmlns="" val="1"/>
+              <ma14:placeholderFlag xmlns="" xmlns:ma14="http://schemas.microsoft.com/office/mac/drawingml/2011/main" val="1"/>
             </a:ext>
           </a:extLst>
         </p:spPr>
@@ -3877,14 +3877,14 @@
           <a:ln w="9525"/>
           <a:extLst>
             <a:ext uri="{909E8E84-426E-40dd-AFC4-6F175D3DCCD1}">
-              <a14:hiddenFill xmlns:a14="http://schemas.microsoft.com/office/drawing/2010/main" xmlns="">
+              <a14:hiddenFill xmlns="" xmlns:a14="http://schemas.microsoft.com/office/drawing/2010/main">
                 <a:solidFill>
                   <a:srgbClr val="FFFFFF"/>
                 </a:solidFill>
               </a14:hiddenFill>
             </a:ext>
             <a:ext uri="{91240B29-F687-4f45-9708-019B960494DF}">
-              <a14:hiddenLine xmlns:a14="http://schemas.microsoft.com/office/drawing/2010/main" xmlns="" w="9525">
+              <a14:hiddenLine xmlns="" xmlns:a14="http://schemas.microsoft.com/office/drawing/2010/main" w="9525">
                 <a:solidFill>
                   <a:srgbClr val="000000"/>
                 </a:solidFill>
@@ -4150,14 +4150,14 @@
           <a:ln w="9525"/>
           <a:extLst>
             <a:ext uri="{909E8E84-426E-40dd-AFC4-6F175D3DCCD1}">
-              <a14:hiddenFill xmlns:a14="http://schemas.microsoft.com/office/drawing/2010/main" xmlns="">
+              <a14:hiddenFill xmlns="" xmlns:a14="http://schemas.microsoft.com/office/drawing/2010/main">
                 <a:solidFill>
                   <a:srgbClr val="FFFFFF"/>
                 </a:solidFill>
               </a14:hiddenFill>
             </a:ext>
             <a:ext uri="{91240B29-F687-4f45-9708-019B960494DF}">
-              <a14:hiddenLine xmlns:a14="http://schemas.microsoft.com/office/drawing/2010/main" xmlns="" w="9525">
+              <a14:hiddenLine xmlns="" xmlns:a14="http://schemas.microsoft.com/office/drawing/2010/main" w="9525">
                 <a:solidFill>
                   <a:srgbClr val="000000"/>
                 </a:solidFill>
@@ -4167,7 +4167,7 @@
               </a14:hiddenLine>
             </a:ext>
             <a:ext uri="{FAA26D3D-D897-4be2-8F04-BA451C77F1D7}">
-              <ma14:placeholderFlag xmlns:ma14="http://schemas.microsoft.com/office/mac/drawingml/2011/main" xmlns="" val="1"/>
+              <ma14:placeholderFlag xmlns="" xmlns:ma14="http://schemas.microsoft.com/office/mac/drawingml/2011/main" val="1"/>
             </a:ext>
           </a:extLst>
         </p:spPr>
@@ -4353,14 +4353,14 @@
           <a:ln w="9525"/>
           <a:extLst>
             <a:ext uri="{909E8E84-426E-40dd-AFC4-6F175D3DCCD1}">
-              <a14:hiddenFill xmlns:a14="http://schemas.microsoft.com/office/drawing/2010/main" xmlns="">
+              <a14:hiddenFill xmlns="" xmlns:a14="http://schemas.microsoft.com/office/drawing/2010/main">
                 <a:solidFill>
                   <a:srgbClr val="FFFFFF"/>
                 </a:solidFill>
               </a14:hiddenFill>
             </a:ext>
             <a:ext uri="{91240B29-F687-4f45-9708-019B960494DF}">
-              <a14:hiddenLine xmlns:a14="http://schemas.microsoft.com/office/drawing/2010/main" xmlns="" w="9525">
+              <a14:hiddenLine xmlns="" xmlns:a14="http://schemas.microsoft.com/office/drawing/2010/main" w="9525">
                 <a:solidFill>
                   <a:srgbClr val="000000"/>
                 </a:solidFill>
@@ -5247,14 +5247,14 @@
           </a:ln>
           <a:extLst>
             <a:ext uri="{909E8E84-426E-40dd-AFC4-6F175D3DCCD1}">
-              <a14:hiddenFill xmlns:a14="http://schemas.microsoft.com/office/drawing/2010/main" xmlns="">
+              <a14:hiddenFill xmlns="" xmlns:a14="http://schemas.microsoft.com/office/drawing/2010/main">
                 <a:solidFill>
                   <a:srgbClr val="FFFFFF"/>
                 </a:solidFill>
               </a14:hiddenFill>
             </a:ext>
             <a:ext uri="{91240B29-F687-4f45-9708-019B960494DF}">
-              <a14:hiddenLine xmlns:a14="http://schemas.microsoft.com/office/drawing/2010/main" xmlns="" w="9525">
+              <a14:hiddenLine xmlns="" xmlns:a14="http://schemas.microsoft.com/office/drawing/2010/main" w="9525">
                 <a:solidFill>
                   <a:srgbClr val="000000"/>
                 </a:solidFill>
@@ -5430,14 +5430,14 @@
           </a:ln>
           <a:extLst>
             <a:ext uri="{909E8E84-426E-40dd-AFC4-6F175D3DCCD1}">
-              <a14:hiddenFill xmlns:a14="http://schemas.microsoft.com/office/drawing/2010/main" xmlns="">
+              <a14:hiddenFill xmlns="" xmlns:a14="http://schemas.microsoft.com/office/drawing/2010/main">
                 <a:solidFill>
                   <a:srgbClr val="FFFFFF"/>
                 </a:solidFill>
               </a14:hiddenFill>
             </a:ext>
             <a:ext uri="{FAA26D3D-D897-4be2-8F04-BA451C77F1D7}">
-              <ma14:placeholderFlag xmlns:ma14="http://schemas.microsoft.com/office/mac/drawingml/2011/main" xmlns="" val="1"/>
+              <ma14:placeholderFlag xmlns="" xmlns:ma14="http://schemas.microsoft.com/office/mac/drawingml/2011/main" val="1"/>
             </a:ext>
           </a:extLst>
         </p:spPr>
@@ -5807,7 +5807,7 @@
           </a:ln>
           <a:extLst>
             <a:ext uri="{FAA26D3D-D897-4be2-8F04-BA451C77F1D7}">
-              <ma14:placeholderFlag xmlns:ma14="http://schemas.microsoft.com/office/mac/drawingml/2011/main" xmlns="" val="1"/>
+              <ma14:placeholderFlag xmlns="" xmlns:ma14="http://schemas.microsoft.com/office/mac/drawingml/2011/main" val="1"/>
             </a:ext>
           </a:extLst>
         </p:spPr>
@@ -5985,14 +5985,14 @@
           </a:ln>
           <a:extLst>
             <a:ext uri="{909E8E84-426E-40dd-AFC4-6F175D3DCCD1}">
-              <a14:hiddenFill xmlns:a14="http://schemas.microsoft.com/office/drawing/2010/main" xmlns="">
+              <a14:hiddenFill xmlns="" xmlns:a14="http://schemas.microsoft.com/office/drawing/2010/main">
                 <a:solidFill>
                   <a:srgbClr val="FFFFFF"/>
                 </a:solidFill>
               </a14:hiddenFill>
             </a:ext>
             <a:ext uri="{91240B29-F687-4f45-9708-019B960494DF}">
-              <a14:hiddenLine xmlns:a14="http://schemas.microsoft.com/office/drawing/2010/main" xmlns="" w="9525">
+              <a14:hiddenLine xmlns="" xmlns:a14="http://schemas.microsoft.com/office/drawing/2010/main" w="9525">
                 <a:solidFill>
                   <a:srgbClr val="000000"/>
                 </a:solidFill>
@@ -6168,14 +6168,14 @@
           </a:ln>
           <a:extLst>
             <a:ext uri="{909E8E84-426E-40dd-AFC4-6F175D3DCCD1}">
-              <a14:hiddenFill xmlns:a14="http://schemas.microsoft.com/office/drawing/2010/main" xmlns="">
+              <a14:hiddenFill xmlns="" xmlns:a14="http://schemas.microsoft.com/office/drawing/2010/main">
                 <a:solidFill>
                   <a:srgbClr val="FFFFFF"/>
                 </a:solidFill>
               </a14:hiddenFill>
             </a:ext>
             <a:ext uri="{FAA26D3D-D897-4be2-8F04-BA451C77F1D7}">
-              <ma14:placeholderFlag xmlns:ma14="http://schemas.microsoft.com/office/mac/drawingml/2011/main" xmlns="" val="1"/>
+              <ma14:placeholderFlag xmlns="" xmlns:ma14="http://schemas.microsoft.com/office/mac/drawingml/2011/main" val="1"/>
             </a:ext>
           </a:extLst>
         </p:spPr>
@@ -6532,14 +6532,14 @@
           <a:ln w="9525"/>
           <a:extLst>
             <a:ext uri="{909E8E84-426E-40dd-AFC4-6F175D3DCCD1}">
-              <a14:hiddenFill xmlns:a14="http://schemas.microsoft.com/office/drawing/2010/main" xmlns="">
+              <a14:hiddenFill xmlns="" xmlns:a14="http://schemas.microsoft.com/office/drawing/2010/main">
                 <a:solidFill>
                   <a:srgbClr val="FFFFFF"/>
                 </a:solidFill>
               </a14:hiddenFill>
             </a:ext>
             <a:ext uri="{91240B29-F687-4f45-9708-019B960494DF}">
-              <a14:hiddenLine xmlns:a14="http://schemas.microsoft.com/office/drawing/2010/main" xmlns="" w="9525">
+              <a14:hiddenLine xmlns="" xmlns:a14="http://schemas.microsoft.com/office/drawing/2010/main" w="9525">
                 <a:solidFill>
                   <a:srgbClr val="000000"/>
                 </a:solidFill>
@@ -6732,14 +6732,14 @@
           <a:ln w="9525"/>
           <a:extLst>
             <a:ext uri="{909E8E84-426E-40dd-AFC4-6F175D3DCCD1}">
-              <a14:hiddenFill xmlns:a14="http://schemas.microsoft.com/office/drawing/2010/main" xmlns="">
+              <a14:hiddenFill xmlns="" xmlns:a14="http://schemas.microsoft.com/office/drawing/2010/main">
                 <a:solidFill>
                   <a:srgbClr val="FFFFFF"/>
                 </a:solidFill>
               </a14:hiddenFill>
             </a:ext>
             <a:ext uri="{91240B29-F687-4f45-9708-019B960494DF}">
-              <a14:hiddenLine xmlns:a14="http://schemas.microsoft.com/office/drawing/2010/main" xmlns="" w="9525">
+              <a14:hiddenLine xmlns="" xmlns:a14="http://schemas.microsoft.com/office/drawing/2010/main" w="9525">
                 <a:solidFill>
                   <a:srgbClr val="000000"/>
                 </a:solidFill>
@@ -6749,7 +6749,7 @@
               </a14:hiddenLine>
             </a:ext>
             <a:ext uri="{FAA26D3D-D897-4be2-8F04-BA451C77F1D7}">
-              <ma14:placeholderFlag xmlns:ma14="http://schemas.microsoft.com/office/mac/drawingml/2011/main" xmlns="" val="1"/>
+              <ma14:placeholderFlag xmlns="" xmlns:ma14="http://schemas.microsoft.com/office/mac/drawingml/2011/main" val="1"/>
             </a:ext>
           </a:extLst>
         </p:spPr>
@@ -16450,14 +16450,14 @@
             <a:effectLst/>
             <a:extLst>
               <a:ext uri="{909E8E84-426E-40dd-AFC4-6F175D3DCCD1}">
-                <a14:hiddenFill xmlns:a14="http://schemas.microsoft.com/office/drawing/2010/main" xmlns="">
+                <a14:hiddenFill xmlns="" xmlns:a14="http://schemas.microsoft.com/office/drawing/2010/main">
                   <a:solidFill>
                     <a:schemeClr val="accent1"/>
                   </a:solidFill>
                 </a14:hiddenFill>
               </a:ext>
               <a:ext uri="{AF507438-7753-43e0-B8FC-AC1667EBCBE1}">
-                <a14:hiddenEffects xmlns:a14="http://schemas.microsoft.com/office/drawing/2010/main" xmlns="">
+                <a14:hiddenEffects xmlns="" xmlns:a14="http://schemas.microsoft.com/office/drawing/2010/main">
                   <a:effectLst>
                     <a:outerShdw blurRad="63500" dist="38099" dir="2700000" algn="ctr" rotWithShape="0">
                       <a:schemeClr val="bg2">
@@ -16507,14 +16507,14 @@
             <a:effectLst/>
             <a:extLst>
               <a:ext uri="{909E8E84-426E-40dd-AFC4-6F175D3DCCD1}">
-                <a14:hiddenFill xmlns:a14="http://schemas.microsoft.com/office/drawing/2010/main" xmlns="">
+                <a14:hiddenFill xmlns="" xmlns:a14="http://schemas.microsoft.com/office/drawing/2010/main">
                   <a:solidFill>
                     <a:schemeClr val="accent1"/>
                   </a:solidFill>
                 </a14:hiddenFill>
               </a:ext>
               <a:ext uri="{AF507438-7753-43e0-B8FC-AC1667EBCBE1}">
-                <a14:hiddenEffects xmlns:a14="http://schemas.microsoft.com/office/drawing/2010/main" xmlns="">
+                <a14:hiddenEffects xmlns="" xmlns:a14="http://schemas.microsoft.com/office/drawing/2010/main">
                   <a:effectLst>
                     <a:outerShdw blurRad="63500" dist="38099" dir="2700000" algn="ctr" rotWithShape="0">
                       <a:schemeClr val="bg2">
@@ -16566,14 +16566,14 @@
             <a:effectLst/>
             <a:extLst>
               <a:ext uri="{909E8E84-426E-40dd-AFC4-6F175D3DCCD1}">
-                <a14:hiddenFill xmlns:a14="http://schemas.microsoft.com/office/drawing/2010/main" xmlns="">
+                <a14:hiddenFill xmlns="" xmlns:a14="http://schemas.microsoft.com/office/drawing/2010/main">
                   <a:solidFill>
                     <a:schemeClr val="accent1"/>
                   </a:solidFill>
                 </a14:hiddenFill>
               </a:ext>
               <a:ext uri="{AF507438-7753-43e0-B8FC-AC1667EBCBE1}">
-                <a14:hiddenEffects xmlns:a14="http://schemas.microsoft.com/office/drawing/2010/main" xmlns="">
+                <a14:hiddenEffects xmlns="" xmlns:a14="http://schemas.microsoft.com/office/drawing/2010/main">
                   <a:effectLst>
                     <a:outerShdw blurRad="63500" dist="38099" dir="2700000" algn="ctr" rotWithShape="0">
                       <a:schemeClr val="bg2">
@@ -16618,14 +16618,14 @@
             <a:effectLst/>
             <a:extLst>
               <a:ext uri="{909E8E84-426E-40dd-AFC4-6F175D3DCCD1}">
-                <a14:hiddenFill xmlns:a14="http://schemas.microsoft.com/office/drawing/2010/main" xmlns="">
+                <a14:hiddenFill xmlns="" xmlns:a14="http://schemas.microsoft.com/office/drawing/2010/main">
                   <a:solidFill>
                     <a:schemeClr val="accent1"/>
                   </a:solidFill>
                 </a14:hiddenFill>
               </a:ext>
               <a:ext uri="{91240B29-F687-4f45-9708-019B960494DF}">
-                <a14:hiddenLine xmlns:a14="http://schemas.microsoft.com/office/drawing/2010/main" xmlns="" w="9525">
+                <a14:hiddenLine xmlns="" xmlns:a14="http://schemas.microsoft.com/office/drawing/2010/main" w="9525">
                   <a:solidFill>
                     <a:schemeClr val="tx1"/>
                   </a:solidFill>
@@ -16635,7 +16635,7 @@
                 </a14:hiddenLine>
               </a:ext>
               <a:ext uri="{AF507438-7753-43e0-B8FC-AC1667EBCBE1}">
-                <a14:hiddenEffects xmlns:a14="http://schemas.microsoft.com/office/drawing/2010/main" xmlns="">
+                <a14:hiddenEffects xmlns="" xmlns:a14="http://schemas.microsoft.com/office/drawing/2010/main">
                   <a:effectLst>
                     <a:outerShdw blurRad="63500" dist="38099" dir="2700000" algn="ctr" rotWithShape="0">
                       <a:schemeClr val="bg2">
@@ -16685,14 +16685,14 @@
             <a:effectLst/>
             <a:extLst>
               <a:ext uri="{909E8E84-426E-40dd-AFC4-6F175D3DCCD1}">
-                <a14:hiddenFill xmlns:a14="http://schemas.microsoft.com/office/drawing/2010/main" xmlns="">
+                <a14:hiddenFill xmlns="" xmlns:a14="http://schemas.microsoft.com/office/drawing/2010/main">
                   <a:solidFill>
                     <a:schemeClr val="accent1"/>
                   </a:solidFill>
                 </a14:hiddenFill>
               </a:ext>
               <a:ext uri="{91240B29-F687-4f45-9708-019B960494DF}">
-                <a14:hiddenLine xmlns:a14="http://schemas.microsoft.com/office/drawing/2010/main" xmlns="" w="9525">
+                <a14:hiddenLine xmlns="" xmlns:a14="http://schemas.microsoft.com/office/drawing/2010/main" w="9525">
                   <a:solidFill>
                     <a:schemeClr val="tx1"/>
                   </a:solidFill>
@@ -16702,7 +16702,7 @@
                 </a14:hiddenLine>
               </a:ext>
               <a:ext uri="{AF507438-7753-43e0-B8FC-AC1667EBCBE1}">
-                <a14:hiddenEffects xmlns:a14="http://schemas.microsoft.com/office/drawing/2010/main" xmlns="">
+                <a14:hiddenEffects xmlns="" xmlns:a14="http://schemas.microsoft.com/office/drawing/2010/main">
                   <a:effectLst>
                     <a:outerShdw blurRad="63500" dist="38099" dir="2700000" algn="ctr" rotWithShape="0">
                       <a:schemeClr val="bg2">
@@ -16760,14 +16760,14 @@
             <a:effectLst/>
             <a:extLst>
               <a:ext uri="{909E8E84-426E-40dd-AFC4-6F175D3DCCD1}">
-                <a14:hiddenFill xmlns:a14="http://schemas.microsoft.com/office/drawing/2010/main" xmlns="">
+                <a14:hiddenFill xmlns="" xmlns:a14="http://schemas.microsoft.com/office/drawing/2010/main">
                   <a:solidFill>
                     <a:schemeClr val="accent1"/>
                   </a:solidFill>
                 </a14:hiddenFill>
               </a:ext>
               <a:ext uri="{91240B29-F687-4f45-9708-019B960494DF}">
-                <a14:hiddenLine xmlns:a14="http://schemas.microsoft.com/office/drawing/2010/main" xmlns="" w="9525">
+                <a14:hiddenLine xmlns="" xmlns:a14="http://schemas.microsoft.com/office/drawing/2010/main" w="9525">
                   <a:solidFill>
                     <a:schemeClr val="tx1"/>
                   </a:solidFill>
@@ -16777,7 +16777,7 @@
                 </a14:hiddenLine>
               </a:ext>
               <a:ext uri="{AF507438-7753-43e0-B8FC-AC1667EBCBE1}">
-                <a14:hiddenEffects xmlns:a14="http://schemas.microsoft.com/office/drawing/2010/main" xmlns="">
+                <a14:hiddenEffects xmlns="" xmlns:a14="http://schemas.microsoft.com/office/drawing/2010/main">
                   <a:effectLst>
                     <a:outerShdw blurRad="63500" dist="38099" dir="2700000" algn="ctr" rotWithShape="0">
                       <a:schemeClr val="bg2">
@@ -16827,14 +16827,14 @@
             <a:effectLst/>
             <a:extLst>
               <a:ext uri="{909E8E84-426E-40dd-AFC4-6F175D3DCCD1}">
-                <a14:hiddenFill xmlns:a14="http://schemas.microsoft.com/office/drawing/2010/main" xmlns="">
+                <a14:hiddenFill xmlns="" xmlns:a14="http://schemas.microsoft.com/office/drawing/2010/main">
                   <a:solidFill>
                     <a:schemeClr val="accent1"/>
                   </a:solidFill>
                 </a14:hiddenFill>
               </a:ext>
               <a:ext uri="{91240B29-F687-4f45-9708-019B960494DF}">
-                <a14:hiddenLine xmlns:a14="http://schemas.microsoft.com/office/drawing/2010/main" xmlns="" w="9525">
+                <a14:hiddenLine xmlns="" xmlns:a14="http://schemas.microsoft.com/office/drawing/2010/main" w="9525">
                   <a:solidFill>
                     <a:schemeClr val="tx1"/>
                   </a:solidFill>
@@ -16844,7 +16844,7 @@
                 </a14:hiddenLine>
               </a:ext>
               <a:ext uri="{AF507438-7753-43e0-B8FC-AC1667EBCBE1}">
-                <a14:hiddenEffects xmlns:a14="http://schemas.microsoft.com/office/drawing/2010/main" xmlns="">
+                <a14:hiddenEffects xmlns="" xmlns:a14="http://schemas.microsoft.com/office/drawing/2010/main">
                   <a:effectLst>
                     <a:outerShdw blurRad="63500" dist="38099" dir="2700000" algn="ctr" rotWithShape="0">
                       <a:schemeClr val="bg2">
@@ -16902,14 +16902,14 @@
             <a:effectLst/>
             <a:extLst>
               <a:ext uri="{909E8E84-426E-40dd-AFC4-6F175D3DCCD1}">
-                <a14:hiddenFill xmlns:a14="http://schemas.microsoft.com/office/drawing/2010/main" xmlns="">
+                <a14:hiddenFill xmlns="" xmlns:a14="http://schemas.microsoft.com/office/drawing/2010/main">
                   <a:solidFill>
                     <a:schemeClr val="accent1"/>
                   </a:solidFill>
                 </a14:hiddenFill>
               </a:ext>
               <a:ext uri="{91240B29-F687-4f45-9708-019B960494DF}">
-                <a14:hiddenLine xmlns:a14="http://schemas.microsoft.com/office/drawing/2010/main" xmlns="" w="9525">
+                <a14:hiddenLine xmlns="" xmlns:a14="http://schemas.microsoft.com/office/drawing/2010/main" w="9525">
                   <a:solidFill>
                     <a:schemeClr val="tx1"/>
                   </a:solidFill>
@@ -16919,7 +16919,7 @@
                 </a14:hiddenLine>
               </a:ext>
               <a:ext uri="{AF507438-7753-43e0-B8FC-AC1667EBCBE1}">
-                <a14:hiddenEffects xmlns:a14="http://schemas.microsoft.com/office/drawing/2010/main" xmlns="">
+                <a14:hiddenEffects xmlns="" xmlns:a14="http://schemas.microsoft.com/office/drawing/2010/main">
                   <a:effectLst>
                     <a:outerShdw blurRad="63500" dist="38099" dir="2700000" algn="ctr" rotWithShape="0">
                       <a:schemeClr val="bg2">
@@ -16986,12 +16986,12 @@
             <a:effectLst/>
             <a:extLst>
               <a:ext uri="{909E8E84-426E-40dd-AFC4-6F175D3DCCD1}">
-                <a14:hiddenFill xmlns:a14="http://schemas.microsoft.com/office/drawing/2010/main" xmlns="">
+                <a14:hiddenFill xmlns="" xmlns:a14="http://schemas.microsoft.com/office/drawing/2010/main">
                   <a:noFill/>
                 </a14:hiddenFill>
               </a:ext>
               <a:ext uri="{AF507438-7753-43e0-B8FC-AC1667EBCBE1}">
-                <a14:hiddenEffects xmlns:a14="http://schemas.microsoft.com/office/drawing/2010/main" xmlns="">
+                <a14:hiddenEffects xmlns="" xmlns:a14="http://schemas.microsoft.com/office/drawing/2010/main">
                   <a:effectLst>
                     <a:outerShdw blurRad="63500" dist="38099" dir="2700000" algn="ctr" rotWithShape="0">
                       <a:schemeClr val="bg2">
@@ -17034,12 +17034,12 @@
             <a:effectLst/>
             <a:extLst>
               <a:ext uri="{909E8E84-426E-40dd-AFC4-6F175D3DCCD1}">
-                <a14:hiddenFill xmlns:a14="http://schemas.microsoft.com/office/drawing/2010/main" xmlns="">
+                <a14:hiddenFill xmlns="" xmlns:a14="http://schemas.microsoft.com/office/drawing/2010/main">
                   <a:noFill/>
                 </a14:hiddenFill>
               </a:ext>
               <a:ext uri="{AF507438-7753-43e0-B8FC-AC1667EBCBE1}">
-                <a14:hiddenEffects xmlns:a14="http://schemas.microsoft.com/office/drawing/2010/main" xmlns="">
+                <a14:hiddenEffects xmlns="" xmlns:a14="http://schemas.microsoft.com/office/drawing/2010/main">
                   <a:effectLst>
                     <a:outerShdw blurRad="63500" dist="38099" dir="2700000" algn="ctr" rotWithShape="0">
                       <a:schemeClr val="bg2">
@@ -17082,12 +17082,12 @@
             <a:effectLst/>
             <a:extLst>
               <a:ext uri="{909E8E84-426E-40dd-AFC4-6F175D3DCCD1}">
-                <a14:hiddenFill xmlns:a14="http://schemas.microsoft.com/office/drawing/2010/main" xmlns="">
+                <a14:hiddenFill xmlns="" xmlns:a14="http://schemas.microsoft.com/office/drawing/2010/main">
                   <a:noFill/>
                 </a14:hiddenFill>
               </a:ext>
               <a:ext uri="{AF507438-7753-43e0-B8FC-AC1667EBCBE1}">
-                <a14:hiddenEffects xmlns:a14="http://schemas.microsoft.com/office/drawing/2010/main" xmlns="">
+                <a14:hiddenEffects xmlns="" xmlns:a14="http://schemas.microsoft.com/office/drawing/2010/main">
                   <a:effectLst>
                     <a:outerShdw blurRad="63500" dist="38099" dir="2700000" algn="ctr" rotWithShape="0">
                       <a:schemeClr val="bg2">
@@ -17123,14 +17123,14 @@
             <a:effectLst/>
             <a:extLst>
               <a:ext uri="{909E8E84-426E-40dd-AFC4-6F175D3DCCD1}">
-                <a14:hiddenFill xmlns:a14="http://schemas.microsoft.com/office/drawing/2010/main" xmlns="">
+                <a14:hiddenFill xmlns="" xmlns:a14="http://schemas.microsoft.com/office/drawing/2010/main">
                   <a:solidFill>
                     <a:schemeClr val="accent1"/>
                   </a:solidFill>
                 </a14:hiddenFill>
               </a:ext>
               <a:ext uri="{91240B29-F687-4f45-9708-019B960494DF}">
-                <a14:hiddenLine xmlns:a14="http://schemas.microsoft.com/office/drawing/2010/main" xmlns="" w="9525">
+                <a14:hiddenLine xmlns="" xmlns:a14="http://schemas.microsoft.com/office/drawing/2010/main" w="9525">
                   <a:solidFill>
                     <a:schemeClr val="tx1"/>
                   </a:solidFill>
@@ -17140,7 +17140,7 @@
                 </a14:hiddenLine>
               </a:ext>
               <a:ext uri="{AF507438-7753-43e0-B8FC-AC1667EBCBE1}">
-                <a14:hiddenEffects xmlns:a14="http://schemas.microsoft.com/office/drawing/2010/main" xmlns="">
+                <a14:hiddenEffects xmlns="" xmlns:a14="http://schemas.microsoft.com/office/drawing/2010/main">
                   <a:effectLst>
                     <a:outerShdw blurRad="63500" dist="38099" dir="2700000" algn="ctr" rotWithShape="0">
                       <a:schemeClr val="bg2">
@@ -17199,14 +17199,14 @@
           <a:effectLst/>
           <a:extLst>
             <a:ext uri="{909E8E84-426E-40dd-AFC4-6F175D3DCCD1}">
-              <a14:hiddenFill xmlns:a14="http://schemas.microsoft.com/office/drawing/2010/main" xmlns="">
+              <a14:hiddenFill xmlns="" xmlns:a14="http://schemas.microsoft.com/office/drawing/2010/main">
                 <a:solidFill>
                   <a:schemeClr val="accent1"/>
                 </a:solidFill>
               </a14:hiddenFill>
             </a:ext>
             <a:ext uri="{91240B29-F687-4f45-9708-019B960494DF}">
-              <a14:hiddenLine xmlns:a14="http://schemas.microsoft.com/office/drawing/2010/main" xmlns="" w="9525">
+              <a14:hiddenLine xmlns="" xmlns:a14="http://schemas.microsoft.com/office/drawing/2010/main" w="9525">
                 <a:solidFill>
                   <a:schemeClr val="tx1"/>
                 </a:solidFill>
@@ -17216,7 +17216,7 @@
               </a14:hiddenLine>
             </a:ext>
             <a:ext uri="{AF507438-7753-43e0-B8FC-AC1667EBCBE1}">
-              <a14:hiddenEffects xmlns:a14="http://schemas.microsoft.com/office/drawing/2010/main" xmlns="">
+              <a14:hiddenEffects xmlns="" xmlns:a14="http://schemas.microsoft.com/office/drawing/2010/main">
                 <a:effectLst>
                   <a:outerShdw blurRad="63500" dist="38099" dir="2700000" algn="ctr" rotWithShape="0">
                     <a:schemeClr val="bg2">
@@ -17929,7 +17929,7 @@
           </a:ln>
           <a:extLst>
             <a:ext uri="{909E8E84-426E-40dd-AFC4-6F175D3DCCD1}">
-              <a14:hiddenFill xmlns:a14="http://schemas.microsoft.com/office/drawing/2010/main" xmlns="">
+              <a14:hiddenFill xmlns="" xmlns:a14="http://schemas.microsoft.com/office/drawing/2010/main">
                 <a:noFill/>
               </a14:hiddenFill>
             </a:ext>
@@ -17968,7 +17968,7 @@
           </a:ln>
           <a:extLst>
             <a:ext uri="{909E8E84-426E-40dd-AFC4-6F175D3DCCD1}">
-              <a14:hiddenFill xmlns:a14="http://schemas.microsoft.com/office/drawing/2010/main" xmlns="">
+              <a14:hiddenFill xmlns="" xmlns:a14="http://schemas.microsoft.com/office/drawing/2010/main">
                 <a:noFill/>
               </a14:hiddenFill>
             </a:ext>
@@ -18079,14 +18079,14 @@
           </a:ln>
           <a:extLst>
             <a:ext uri="{909E8E84-426E-40dd-AFC4-6F175D3DCCD1}">
-              <a14:hiddenFill xmlns:a14="http://schemas.microsoft.com/office/drawing/2010/main" xmlns="">
+              <a14:hiddenFill xmlns="" xmlns:a14="http://schemas.microsoft.com/office/drawing/2010/main">
                 <a:solidFill>
                   <a:srgbClr val="FFFFFF"/>
                 </a:solidFill>
               </a14:hiddenFill>
             </a:ext>
             <a:ext uri="{91240B29-F687-4f45-9708-019B960494DF}">
-              <a14:hiddenLine xmlns:a14="http://schemas.microsoft.com/office/drawing/2010/main" xmlns="" w="12700">
+              <a14:hiddenLine xmlns="" xmlns:a14="http://schemas.microsoft.com/office/drawing/2010/main" w="12700">
                 <a:solidFill>
                   <a:srgbClr val="000000"/>
                 </a:solidFill>
@@ -18265,7 +18265,7 @@
             </a:ln>
             <a:extLst>
               <a:ext uri="{909E8E84-426E-40dd-AFC4-6F175D3DCCD1}">
-                <a14:hiddenFill xmlns:a14="http://schemas.microsoft.com/office/drawing/2010/main" xmlns="">
+                <a14:hiddenFill xmlns="" xmlns:a14="http://schemas.microsoft.com/office/drawing/2010/main">
                   <a:noFill/>
                 </a14:hiddenFill>
               </a:ext>
@@ -18306,7 +18306,7 @@
             </a:ln>
             <a:extLst>
               <a:ext uri="{909E8E84-426E-40dd-AFC4-6F175D3DCCD1}">
-                <a14:hiddenFill xmlns:a14="http://schemas.microsoft.com/office/drawing/2010/main" xmlns="">
+                <a14:hiddenFill xmlns="" xmlns:a14="http://schemas.microsoft.com/office/drawing/2010/main">
                   <a:noFill/>
                 </a14:hiddenFill>
               </a:ext>
@@ -18342,14 +18342,14 @@
             </a:ln>
             <a:extLst>
               <a:ext uri="{909E8E84-426E-40dd-AFC4-6F175D3DCCD1}">
-                <a14:hiddenFill xmlns:a14="http://schemas.microsoft.com/office/drawing/2010/main" xmlns="">
+                <a14:hiddenFill xmlns="" xmlns:a14="http://schemas.microsoft.com/office/drawing/2010/main">
                   <a:solidFill>
                     <a:srgbClr val="FFFFFF"/>
                   </a:solidFill>
                 </a14:hiddenFill>
               </a:ext>
               <a:ext uri="{91240B29-F687-4f45-9708-019B960494DF}">
-                <a14:hiddenLine xmlns:a14="http://schemas.microsoft.com/office/drawing/2010/main" xmlns="" w="12700">
+                <a14:hiddenLine xmlns="" xmlns:a14="http://schemas.microsoft.com/office/drawing/2010/main" w="12700">
                   <a:solidFill>
                     <a:srgbClr val="000000"/>
                   </a:solidFill>
@@ -18395,14 +18395,14 @@
             </a:ln>
             <a:extLst>
               <a:ext uri="{909E8E84-426E-40dd-AFC4-6F175D3DCCD1}">
-                <a14:hiddenFill xmlns:a14="http://schemas.microsoft.com/office/drawing/2010/main" xmlns="">
+                <a14:hiddenFill xmlns="" xmlns:a14="http://schemas.microsoft.com/office/drawing/2010/main">
                   <a:solidFill>
                     <a:srgbClr val="FFFFFF"/>
                   </a:solidFill>
                 </a14:hiddenFill>
               </a:ext>
               <a:ext uri="{91240B29-F687-4f45-9708-019B960494DF}">
-                <a14:hiddenLine xmlns:a14="http://schemas.microsoft.com/office/drawing/2010/main" xmlns="" w="12700">
+                <a14:hiddenLine xmlns="" xmlns:a14="http://schemas.microsoft.com/office/drawing/2010/main" w="12700">
                   <a:solidFill>
                     <a:srgbClr val="000000"/>
                   </a:solidFill>
@@ -18448,14 +18448,14 @@
             </a:ln>
             <a:extLst>
               <a:ext uri="{909E8E84-426E-40dd-AFC4-6F175D3DCCD1}">
-                <a14:hiddenFill xmlns:a14="http://schemas.microsoft.com/office/drawing/2010/main" xmlns="">
+                <a14:hiddenFill xmlns="" xmlns:a14="http://schemas.microsoft.com/office/drawing/2010/main">
                   <a:solidFill>
                     <a:srgbClr val="FFFFFF"/>
                   </a:solidFill>
                 </a14:hiddenFill>
               </a:ext>
               <a:ext uri="{91240B29-F687-4f45-9708-019B960494DF}">
-                <a14:hiddenLine xmlns:a14="http://schemas.microsoft.com/office/drawing/2010/main" xmlns="" w="12700">
+                <a14:hiddenLine xmlns="" xmlns:a14="http://schemas.microsoft.com/office/drawing/2010/main" w="12700">
                   <a:solidFill>
                     <a:srgbClr val="000000"/>
                   </a:solidFill>
@@ -19470,7 +19470,7 @@
             </a:ln>
             <a:extLst>
               <a:ext uri="{909E8E84-426E-40dd-AFC4-6F175D3DCCD1}">
-                <a14:hiddenFill xmlns:a14="http://schemas.microsoft.com/office/drawing/2010/main" xmlns="">
+                <a14:hiddenFill xmlns="" xmlns:a14="http://schemas.microsoft.com/office/drawing/2010/main">
                   <a:noFill/>
                 </a14:hiddenFill>
               </a:ext>
@@ -19509,7 +19509,7 @@
             </a:ln>
             <a:extLst>
               <a:ext uri="{909E8E84-426E-40dd-AFC4-6F175D3DCCD1}">
-                <a14:hiddenFill xmlns:a14="http://schemas.microsoft.com/office/drawing/2010/main" xmlns="">
+                <a14:hiddenFill xmlns="" xmlns:a14="http://schemas.microsoft.com/office/drawing/2010/main">
                   <a:noFill/>
                 </a14:hiddenFill>
               </a:ext>
@@ -19548,7 +19548,7 @@
             </a:ln>
             <a:extLst>
               <a:ext uri="{909E8E84-426E-40dd-AFC4-6F175D3DCCD1}">
-                <a14:hiddenFill xmlns:a14="http://schemas.microsoft.com/office/drawing/2010/main" xmlns="">
+                <a14:hiddenFill xmlns="" xmlns:a14="http://schemas.microsoft.com/office/drawing/2010/main">
                   <a:noFill/>
                 </a14:hiddenFill>
               </a:ext>
@@ -19587,7 +19587,7 @@
             </a:ln>
             <a:extLst>
               <a:ext uri="{909E8E84-426E-40dd-AFC4-6F175D3DCCD1}">
-                <a14:hiddenFill xmlns:a14="http://schemas.microsoft.com/office/drawing/2010/main" xmlns="">
+                <a14:hiddenFill xmlns="" xmlns:a14="http://schemas.microsoft.com/office/drawing/2010/main">
                   <a:noFill/>
                 </a14:hiddenFill>
               </a:ext>
@@ -19626,7 +19626,7 @@
             </a:ln>
             <a:extLst>
               <a:ext uri="{909E8E84-426E-40dd-AFC4-6F175D3DCCD1}">
-                <a14:hiddenFill xmlns:a14="http://schemas.microsoft.com/office/drawing/2010/main" xmlns="">
+                <a14:hiddenFill xmlns="" xmlns:a14="http://schemas.microsoft.com/office/drawing/2010/main">
                   <a:noFill/>
                 </a14:hiddenFill>
               </a:ext>
@@ -19665,7 +19665,7 @@
             </a:ln>
             <a:extLst>
               <a:ext uri="{909E8E84-426E-40dd-AFC4-6F175D3DCCD1}">
-                <a14:hiddenFill xmlns:a14="http://schemas.microsoft.com/office/drawing/2010/main" xmlns="">
+                <a14:hiddenFill xmlns="" xmlns:a14="http://schemas.microsoft.com/office/drawing/2010/main">
                   <a:noFill/>
                 </a14:hiddenFill>
               </a:ext>
@@ -21779,36 +21779,36 @@
               </a:tabLst>
             </a:pPr>
             <a:r>
-              <a:rPr lang="en-US" sz="2400" spc="-5" dirty="0" smtClean="0">
+              <a:rPr lang="en-US" spc="-5" dirty="0" smtClean="0">
                 <a:cs typeface="Arial"/>
               </a:rPr>
               <a:t>Functional </a:t>
             </a:r>
             <a:r>
+              <a:rPr lang="en-US" spc="-5" dirty="0">
+                <a:cs typeface="Arial"/>
+              </a:rPr>
+              <a:t>Decomposition </a:t>
+            </a:r>
+            <a:r>
+              <a:rPr lang="en-US" sz="2400" dirty="0">
+                <a:cs typeface="Arial"/>
+              </a:rPr>
+              <a:t>(most commonly described in </a:t>
+            </a:r>
+            <a:r>
+              <a:rPr lang="en-US" sz="2400" spc="-545" dirty="0">
+                <a:cs typeface="Arial"/>
+              </a:rPr>
+              <a:t> </a:t>
+            </a:r>
+            <a:r>
               <a:rPr lang="en-US" sz="2400" spc="-5" dirty="0">
                 <a:cs typeface="Arial"/>
               </a:rPr>
-              <a:t>Decomposition </a:t>
-            </a:r>
-            <a:r>
-              <a:rPr lang="en-US" sz="2000" dirty="0">
-                <a:cs typeface="Arial"/>
-              </a:rPr>
-              <a:t>(most commonly described in </a:t>
-            </a:r>
-            <a:r>
-              <a:rPr lang="en-US" sz="2000" spc="-545" dirty="0">
-                <a:cs typeface="Arial"/>
-              </a:rPr>
-              <a:t> </a:t>
-            </a:r>
-            <a:r>
-              <a:rPr lang="en-US" sz="2000" spc="-5" dirty="0">
-                <a:cs typeface="Arial"/>
-              </a:rPr>
               <a:t>the literature)</a:t>
             </a:r>
-            <a:endParaRPr lang="en-US" sz="2000" dirty="0">
+            <a:endParaRPr lang="en-US" sz="2400" dirty="0">
               <a:cs typeface="Arial"/>
             </a:endParaRPr>
           </a:p>
@@ -21827,12 +21827,12 @@
               </a:tabLst>
             </a:pPr>
             <a:r>
-              <a:rPr lang="en-US" sz="2000" spc="-30" dirty="0">
+              <a:rPr lang="en-US" spc="-30" dirty="0">
                 <a:cs typeface="Arial"/>
               </a:rPr>
               <a:t>Top-down</a:t>
             </a:r>
-            <a:endParaRPr lang="en-US" sz="2000" dirty="0">
+            <a:endParaRPr lang="en-US" dirty="0">
               <a:cs typeface="Arial"/>
             </a:endParaRPr>
           </a:p>
@@ -21851,12 +21851,12 @@
               </a:tabLst>
             </a:pPr>
             <a:r>
-              <a:rPr lang="en-US" sz="2000" spc="-5" dirty="0">
+              <a:rPr lang="en-US" spc="-5" dirty="0">
                 <a:cs typeface="Arial"/>
               </a:rPr>
               <a:t>Bottom-up</a:t>
             </a:r>
-            <a:endParaRPr lang="en-US" sz="2000" dirty="0">
+            <a:endParaRPr lang="en-US" dirty="0">
               <a:cs typeface="Arial"/>
             </a:endParaRPr>
           </a:p>
@@ -21875,7 +21875,7 @@
               </a:tabLst>
             </a:pPr>
             <a:r>
-              <a:rPr lang="en-US" sz="2000" dirty="0">
+              <a:rPr lang="en-US" dirty="0">
                 <a:cs typeface="Arial"/>
               </a:rPr>
               <a:t>Sandwich</a:t>
@@ -21896,24 +21896,24 @@
               </a:tabLst>
             </a:pPr>
             <a:r>
-              <a:rPr lang="en-US" sz="2000" dirty="0">
+              <a:rPr lang="en-US" dirty="0">
                 <a:cs typeface="Arial"/>
               </a:rPr>
               <a:t>“Big</a:t>
             </a:r>
             <a:r>
-              <a:rPr lang="en-US" sz="2000" spc="-80" dirty="0">
+              <a:rPr lang="en-US" spc="-80" dirty="0">
                 <a:cs typeface="Arial"/>
               </a:rPr>
               <a:t> </a:t>
             </a:r>
             <a:r>
-              <a:rPr lang="en-US" sz="2000" spc="-5" dirty="0">
+              <a:rPr lang="en-US" spc="-5" dirty="0">
                 <a:cs typeface="Arial"/>
               </a:rPr>
               <a:t>bang”</a:t>
             </a:r>
-            <a:endParaRPr lang="en-US" sz="2000" dirty="0">
+            <a:endParaRPr lang="en-US" dirty="0">
               <a:cs typeface="Arial"/>
             </a:endParaRPr>
           </a:p>
@@ -21931,19 +21931,19 @@
               </a:tabLst>
             </a:pPr>
             <a:r>
-              <a:rPr lang="en-US" sz="2400" dirty="0">
+              <a:rPr lang="en-US" dirty="0">
                 <a:cs typeface="Arial"/>
               </a:rPr>
               <a:t>Call</a:t>
             </a:r>
             <a:r>
-              <a:rPr lang="en-US" sz="2400" spc="-50" dirty="0">
+              <a:rPr lang="en-US" spc="-50" dirty="0">
                 <a:cs typeface="Arial"/>
               </a:rPr>
               <a:t> </a:t>
             </a:r>
             <a:r>
-              <a:rPr lang="en-US" sz="2400" dirty="0">
+              <a:rPr lang="en-US" dirty="0">
                 <a:cs typeface="Arial"/>
               </a:rPr>
               <a:t>graph</a:t>
@@ -21964,24 +21964,24 @@
               </a:tabLst>
             </a:pPr>
             <a:r>
-              <a:rPr lang="en-US" sz="2000" dirty="0">
+              <a:rPr lang="en-US" dirty="0">
                 <a:cs typeface="Arial"/>
               </a:rPr>
               <a:t>Pairwise</a:t>
             </a:r>
             <a:r>
-              <a:rPr lang="en-US" sz="2000" spc="-25" dirty="0">
+              <a:rPr lang="en-US" spc="-25" dirty="0">
                 <a:cs typeface="Arial"/>
               </a:rPr>
               <a:t> </a:t>
             </a:r>
             <a:r>
-              <a:rPr lang="en-US" sz="2000" spc="-5" dirty="0">
+              <a:rPr lang="en-US" spc="-5" dirty="0">
                 <a:cs typeface="Arial"/>
               </a:rPr>
               <a:t>integration</a:t>
             </a:r>
-            <a:endParaRPr lang="en-US" sz="2000" dirty="0">
+            <a:endParaRPr lang="en-US" dirty="0">
               <a:cs typeface="Arial"/>
             </a:endParaRPr>
           </a:p>
@@ -22000,124 +22000,32 @@
               </a:tabLst>
             </a:pPr>
             <a:r>
-              <a:rPr lang="en-US" sz="2000" dirty="0">
+              <a:rPr lang="en-US" dirty="0">
                 <a:cs typeface="Arial"/>
               </a:rPr>
               <a:t>Neighborhood</a:t>
             </a:r>
             <a:r>
-              <a:rPr lang="en-US" sz="2000" spc="-25" dirty="0">
+              <a:rPr lang="en-US" spc="-25" dirty="0">
                 <a:cs typeface="Arial"/>
               </a:rPr>
               <a:t> </a:t>
             </a:r>
             <a:r>
-              <a:rPr lang="en-US" sz="2000" spc="-5" dirty="0">
+              <a:rPr lang="en-US" spc="-5" dirty="0">
                 <a:cs typeface="Arial"/>
               </a:rPr>
               <a:t>integration</a:t>
             </a:r>
-            <a:endParaRPr lang="en-US" sz="2000" dirty="0">
+            <a:endParaRPr lang="en-US" dirty="0">
               <a:cs typeface="Arial"/>
             </a:endParaRPr>
           </a:p>
           <a:p>
-            <a:pPr marL="355600" indent="-342900">
-              <a:lnSpc>
-                <a:spcPct val="100000"/>
-              </a:lnSpc>
-              <a:spcBef>
-                <a:spcPts val="254"/>
-              </a:spcBef>
-              <a:tabLst>
-                <a:tab pos="354965" algn="l"/>
-                <a:tab pos="355600" algn="l"/>
-              </a:tabLst>
+            <a:pPr marL="0" indent="0">
+              <a:buNone/>
             </a:pPr>
-            <a:r>
-              <a:rPr lang="en-US" sz="2400" spc="-5" dirty="0">
-                <a:cs typeface="Arial"/>
-              </a:rPr>
-              <a:t>Paths</a:t>
-            </a:r>
-            <a:endParaRPr lang="en-US" sz="2400" dirty="0">
-              <a:cs typeface="Arial"/>
-            </a:endParaRPr>
-          </a:p>
-          <a:p>
-            <a:pPr marL="755650" lvl="1" indent="-286385">
-              <a:lnSpc>
-                <a:spcPct val="100000"/>
-              </a:lnSpc>
-              <a:spcBef>
-                <a:spcPts val="265"/>
-              </a:spcBef>
-              <a:buChar char="–"/>
-              <a:tabLst>
-                <a:tab pos="755015" algn="l"/>
-                <a:tab pos="755650" algn="l"/>
-              </a:tabLst>
-            </a:pPr>
-            <a:r>
-              <a:rPr lang="en-US" sz="2000" spc="-5" dirty="0">
-                <a:cs typeface="Arial"/>
-              </a:rPr>
-              <a:t>MM-Paths</a:t>
-            </a:r>
-            <a:endParaRPr lang="en-US" sz="2000" dirty="0">
-              <a:cs typeface="Arial"/>
-            </a:endParaRPr>
-          </a:p>
-          <a:p>
-            <a:pPr marL="755650" lvl="1" indent="-286385">
-              <a:lnSpc>
-                <a:spcPct val="100000"/>
-              </a:lnSpc>
-              <a:spcBef>
-                <a:spcPts val="200"/>
-              </a:spcBef>
-              <a:buChar char="–"/>
-              <a:tabLst>
-                <a:tab pos="755015" algn="l"/>
-                <a:tab pos="755650" algn="l"/>
-              </a:tabLst>
-            </a:pPr>
-            <a:r>
-              <a:rPr lang="en-US" sz="2000" spc="-5" dirty="0">
-                <a:cs typeface="Arial"/>
-              </a:rPr>
-              <a:t>Atomic</a:t>
-            </a:r>
-            <a:r>
-              <a:rPr lang="en-US" sz="2000" spc="-10" dirty="0">
-                <a:cs typeface="Arial"/>
-              </a:rPr>
-              <a:t> </a:t>
-            </a:r>
-            <a:r>
-              <a:rPr lang="en-US" sz="2000" spc="-5" dirty="0">
-                <a:cs typeface="Arial"/>
-              </a:rPr>
-              <a:t>System</a:t>
-            </a:r>
-            <a:r>
-              <a:rPr lang="en-US" sz="2000" spc="-10" dirty="0">
-                <a:cs typeface="Arial"/>
-              </a:rPr>
-              <a:t> </a:t>
-            </a:r>
-            <a:r>
-              <a:rPr lang="en-US" sz="2000" spc="-5" dirty="0">
-                <a:cs typeface="Arial"/>
-              </a:rPr>
-              <a:t>Functions</a:t>
-            </a:r>
-            <a:endParaRPr lang="en-US" sz="2000" dirty="0">
-              <a:cs typeface="Arial"/>
-            </a:endParaRPr>
-          </a:p>
-          <a:p>
-            <a:endParaRPr lang="en-US" dirty="0"/>
+            <a:endParaRPr lang="en-US" sz="3200" dirty="0"/>
           </a:p>
         </p:txBody>
       </p:sp>
@@ -22482,83 +22390,14 @@
               <a:t> </a:t>
             </a:r>
             <a:r>
-              <a:rPr lang="en-US" dirty="0">
+              <a:rPr lang="en-US" dirty="0" smtClean="0">
                 <a:cs typeface="Arial"/>
               </a:rPr>
               <a:t>code</a:t>
-            </a:r>
-          </a:p>
-          <a:p>
-            <a:pPr marL="355600" indent="-342900">
-              <a:lnSpc>
-                <a:spcPct val="100000"/>
-              </a:lnSpc>
-              <a:spcBef>
-                <a:spcPts val="595"/>
-              </a:spcBef>
-              <a:tabLst>
-                <a:tab pos="354965" algn="l"/>
-                <a:tab pos="355600" algn="l"/>
-              </a:tabLst>
-            </a:pPr>
-            <a:r>
-              <a:rPr lang="en-US" spc="-5" dirty="0">
-                <a:cs typeface="Arial"/>
-              </a:rPr>
-              <a:t>MM-Paths</a:t>
             </a:r>
             <a:endParaRPr lang="en-US" dirty="0">
               <a:cs typeface="Arial"/>
             </a:endParaRPr>
-          </a:p>
-          <a:p>
-            <a:pPr marL="355600" marR="5080" indent="165100">
-              <a:lnSpc>
-                <a:spcPct val="101499"/>
-              </a:lnSpc>
-              <a:spcBef>
-                <a:spcPts val="480"/>
-              </a:spcBef>
-            </a:pPr>
-            <a:r>
-              <a:rPr lang="en-US" dirty="0">
-                <a:cs typeface="Arial"/>
-              </a:rPr>
-              <a:t>applies </a:t>
-            </a:r>
-            <a:r>
-              <a:rPr lang="en-US" spc="-5" dirty="0">
-                <a:cs typeface="Arial"/>
-              </a:rPr>
-              <a:t>to both </a:t>
-            </a:r>
-            <a:r>
-              <a:rPr lang="en-US" dirty="0">
-                <a:cs typeface="Arial"/>
-              </a:rPr>
-              <a:t>procedural and </a:t>
-            </a:r>
-            <a:r>
-              <a:rPr lang="en-US" spc="-5" dirty="0">
-                <a:cs typeface="Arial"/>
-              </a:rPr>
-              <a:t>object-oriented </a:t>
-            </a:r>
-            <a:r>
-              <a:rPr lang="en-US" spc="-655" dirty="0">
-                <a:cs typeface="Arial"/>
-              </a:rPr>
-              <a:t> </a:t>
-            </a:r>
-            <a:r>
-              <a:rPr lang="en-US" dirty="0">
-                <a:cs typeface="Arial"/>
-              </a:rPr>
-              <a:t>code</a:t>
-            </a:r>
-          </a:p>
-          <a:p>
-            <a:endParaRPr lang="en-US" dirty="0"/>
           </a:p>
         </p:txBody>
       </p:sp>
@@ -32209,14 +32048,14 @@
           <a:effectLst/>
           <a:extLst>
             <a:ext uri="{909E8E84-426E-40dd-AFC4-6F175D3DCCD1}">
-              <a14:hiddenFill xmlns:a14="http://schemas.microsoft.com/office/drawing/2010/main" xmlns="">
+              <a14:hiddenFill xmlns="" xmlns:a14="http://schemas.microsoft.com/office/drawing/2010/main">
                 <a:solidFill>
                   <a:schemeClr val="accent1"/>
                 </a:solidFill>
               </a14:hiddenFill>
             </a:ext>
             <a:ext uri="{91240B29-F687-4f45-9708-019B960494DF}">
-              <a14:hiddenLine xmlns:a14="http://schemas.microsoft.com/office/drawing/2010/main" xmlns="" w="9525">
+              <a14:hiddenLine xmlns="" xmlns:a14="http://schemas.microsoft.com/office/drawing/2010/main" w="9525">
                 <a:solidFill>
                   <a:schemeClr val="tx1"/>
                 </a:solidFill>
@@ -32226,7 +32065,7 @@
               </a14:hiddenLine>
             </a:ext>
             <a:ext uri="{AF507438-7753-43e0-B8FC-AC1667EBCBE1}">
-              <a14:hiddenEffects xmlns:a14="http://schemas.microsoft.com/office/drawing/2010/main" xmlns="">
+              <a14:hiddenEffects xmlns="" xmlns:a14="http://schemas.microsoft.com/office/drawing/2010/main">
                 <a:effectLst>
                   <a:outerShdw blurRad="63500" dist="38099" dir="2700000" algn="ctr" rotWithShape="0">
                     <a:schemeClr val="bg2">
@@ -50469,7 +50308,7 @@
           </a:ln>
           <a:extLst>
             <a:ext uri="{91240B29-F687-4f45-9708-019B960494DF}">
-              <a14:hiddenLine xmlns:a14="http://schemas.microsoft.com/office/drawing/2010/main" xmlns="" w="12700">
+              <a14:hiddenLine xmlns="" xmlns:a14="http://schemas.microsoft.com/office/drawing/2010/main" w="12700">
                 <a:solidFill>
                   <a:srgbClr val="000000"/>
                 </a:solidFill>
@@ -50512,7 +50351,7 @@
           </a:ln>
           <a:extLst>
             <a:ext uri="{91240B29-F687-4f45-9708-019B960494DF}">
-              <a14:hiddenLine xmlns:a14="http://schemas.microsoft.com/office/drawing/2010/main" xmlns="" w="12700">
+              <a14:hiddenLine xmlns="" xmlns:a14="http://schemas.microsoft.com/office/drawing/2010/main" w="12700">
                 <a:solidFill>
                   <a:srgbClr val="000000"/>
                 </a:solidFill>
@@ -50555,7 +50394,7 @@
           </a:ln>
           <a:extLst>
             <a:ext uri="{91240B29-F687-4f45-9708-019B960494DF}">
-              <a14:hiddenLine xmlns:a14="http://schemas.microsoft.com/office/drawing/2010/main" xmlns="" w="12700">
+              <a14:hiddenLine xmlns="" xmlns:a14="http://schemas.microsoft.com/office/drawing/2010/main" w="12700">
                 <a:solidFill>
                   <a:srgbClr val="000000"/>
                 </a:solidFill>
@@ -50598,7 +50437,7 @@
           </a:ln>
           <a:extLst>
             <a:ext uri="{91240B29-F687-4f45-9708-019B960494DF}">
-              <a14:hiddenLine xmlns:a14="http://schemas.microsoft.com/office/drawing/2010/main" xmlns="" w="12700">
+              <a14:hiddenLine xmlns="" xmlns:a14="http://schemas.microsoft.com/office/drawing/2010/main" w="12700">
                 <a:solidFill>
                   <a:srgbClr val="000000"/>
                 </a:solidFill>
@@ -50641,7 +50480,7 @@
           </a:ln>
           <a:extLst>
             <a:ext uri="{91240B29-F687-4f45-9708-019B960494DF}">
-              <a14:hiddenLine xmlns:a14="http://schemas.microsoft.com/office/drawing/2010/main" xmlns="" w="12700">
+              <a14:hiddenLine xmlns="" xmlns:a14="http://schemas.microsoft.com/office/drawing/2010/main" w="12700">
                 <a:solidFill>
                   <a:srgbClr val="000000"/>
                 </a:solidFill>
@@ -50684,7 +50523,7 @@
           </a:ln>
           <a:extLst>
             <a:ext uri="{91240B29-F687-4f45-9708-019B960494DF}">
-              <a14:hiddenLine xmlns:a14="http://schemas.microsoft.com/office/drawing/2010/main" xmlns="" w="12700">
+              <a14:hiddenLine xmlns="" xmlns:a14="http://schemas.microsoft.com/office/drawing/2010/main" w="12700">
                 <a:solidFill>
                   <a:srgbClr val="000000"/>
                 </a:solidFill>
@@ -50727,7 +50566,7 @@
           </a:ln>
           <a:extLst>
             <a:ext uri="{91240B29-F687-4f45-9708-019B960494DF}">
-              <a14:hiddenLine xmlns:a14="http://schemas.microsoft.com/office/drawing/2010/main" xmlns="" w="12700">
+              <a14:hiddenLine xmlns="" xmlns:a14="http://schemas.microsoft.com/office/drawing/2010/main" w="12700">
                 <a:solidFill>
                   <a:srgbClr val="000000"/>
                 </a:solidFill>
@@ -50773,7 +50612,7 @@
           </a:ln>
           <a:extLst>
             <a:ext uri="{909E8E84-426E-40dd-AFC4-6F175D3DCCD1}">
-              <a14:hiddenFill xmlns:a14="http://schemas.microsoft.com/office/drawing/2010/main" xmlns="">
+              <a14:hiddenFill xmlns="" xmlns:a14="http://schemas.microsoft.com/office/drawing/2010/main">
                 <a:solidFill>
                   <a:srgbClr val="FFFFFF"/>
                 </a:solidFill>
@@ -50827,7 +50666,7 @@
           </a:ln>
           <a:extLst>
             <a:ext uri="{909E8E84-426E-40dd-AFC4-6F175D3DCCD1}">
-              <a14:hiddenFill xmlns:a14="http://schemas.microsoft.com/office/drawing/2010/main" xmlns="">
+              <a14:hiddenFill xmlns="" xmlns:a14="http://schemas.microsoft.com/office/drawing/2010/main">
                 <a:solidFill>
                   <a:srgbClr val="FFFFFF"/>
                 </a:solidFill>
@@ -50881,7 +50720,7 @@
           </a:ln>
           <a:extLst>
             <a:ext uri="{909E8E84-426E-40dd-AFC4-6F175D3DCCD1}">
-              <a14:hiddenFill xmlns:a14="http://schemas.microsoft.com/office/drawing/2010/main" xmlns="">
+              <a14:hiddenFill xmlns="" xmlns:a14="http://schemas.microsoft.com/office/drawing/2010/main">
                 <a:solidFill>
                   <a:srgbClr val="FFFFFF"/>
                 </a:solidFill>
@@ -50963,7 +50802,7 @@
           </a:ln>
           <a:extLst>
             <a:ext uri="{909E8E84-426E-40dd-AFC4-6F175D3DCCD1}">
-              <a14:hiddenFill xmlns:a14="http://schemas.microsoft.com/office/drawing/2010/main" xmlns="">
+              <a14:hiddenFill xmlns="" xmlns:a14="http://schemas.microsoft.com/office/drawing/2010/main">
                 <a:noFill/>
               </a14:hiddenFill>
             </a:ext>
@@ -51004,7 +50843,7 @@
           </a:ln>
           <a:extLst>
             <a:ext uri="{909E8E84-426E-40dd-AFC4-6F175D3DCCD1}">
-              <a14:hiddenFill xmlns:a14="http://schemas.microsoft.com/office/drawing/2010/main" xmlns="">
+              <a14:hiddenFill xmlns="" xmlns:a14="http://schemas.microsoft.com/office/drawing/2010/main">
                 <a:noFill/>
               </a14:hiddenFill>
             </a:ext>
@@ -51040,14 +50879,14 @@
           </a:ln>
           <a:extLst>
             <a:ext uri="{909E8E84-426E-40dd-AFC4-6F175D3DCCD1}">
-              <a14:hiddenFill xmlns:a14="http://schemas.microsoft.com/office/drawing/2010/main" xmlns="">
+              <a14:hiddenFill xmlns="" xmlns:a14="http://schemas.microsoft.com/office/drawing/2010/main">
                 <a:solidFill>
                   <a:srgbClr val="FFFFFF"/>
                 </a:solidFill>
               </a14:hiddenFill>
             </a:ext>
             <a:ext uri="{91240B29-F687-4f45-9708-019B960494DF}">
-              <a14:hiddenLine xmlns:a14="http://schemas.microsoft.com/office/drawing/2010/main" xmlns="" w="12700">
+              <a14:hiddenLine xmlns="" xmlns:a14="http://schemas.microsoft.com/office/drawing/2010/main" w="12700">
                 <a:solidFill>
                   <a:srgbClr val="000000"/>
                 </a:solidFill>
@@ -51093,14 +50932,14 @@
           </a:ln>
           <a:extLst>
             <a:ext uri="{909E8E84-426E-40dd-AFC4-6F175D3DCCD1}">
-              <a14:hiddenFill xmlns:a14="http://schemas.microsoft.com/office/drawing/2010/main" xmlns="">
+              <a14:hiddenFill xmlns="" xmlns:a14="http://schemas.microsoft.com/office/drawing/2010/main">
                 <a:solidFill>
                   <a:srgbClr val="FFFFFF"/>
                 </a:solidFill>
               </a14:hiddenFill>
             </a:ext>
             <a:ext uri="{91240B29-F687-4f45-9708-019B960494DF}">
-              <a14:hiddenLine xmlns:a14="http://schemas.microsoft.com/office/drawing/2010/main" xmlns="" w="12700">
+              <a14:hiddenLine xmlns="" xmlns:a14="http://schemas.microsoft.com/office/drawing/2010/main" w="12700">
                 <a:solidFill>
                   <a:srgbClr val="000000"/>
                 </a:solidFill>
@@ -51146,14 +50985,14 @@
           </a:ln>
           <a:extLst>
             <a:ext uri="{909E8E84-426E-40dd-AFC4-6F175D3DCCD1}">
-              <a14:hiddenFill xmlns:a14="http://schemas.microsoft.com/office/drawing/2010/main" xmlns="">
+              <a14:hiddenFill xmlns="" xmlns:a14="http://schemas.microsoft.com/office/drawing/2010/main">
                 <a:solidFill>
                   <a:srgbClr val="FFFFFF"/>
                 </a:solidFill>
               </a14:hiddenFill>
             </a:ext>
             <a:ext uri="{91240B29-F687-4f45-9708-019B960494DF}">
-              <a14:hiddenLine xmlns:a14="http://schemas.microsoft.com/office/drawing/2010/main" xmlns="" w="12700">
+              <a14:hiddenLine xmlns="" xmlns:a14="http://schemas.microsoft.com/office/drawing/2010/main" w="12700">
                 <a:solidFill>
                   <a:srgbClr val="000000"/>
                 </a:solidFill>
@@ -51849,7 +51688,7 @@
           </a:ln>
           <a:extLst>
             <a:ext uri="{909E8E84-426E-40dd-AFC4-6F175D3DCCD1}">
-              <a14:hiddenFill xmlns:a14="http://schemas.microsoft.com/office/drawing/2010/main" xmlns="">
+              <a14:hiddenFill xmlns="" xmlns:a14="http://schemas.microsoft.com/office/drawing/2010/main">
                 <a:noFill/>
               </a14:hiddenFill>
             </a:ext>
@@ -51888,7 +51727,7 @@
           </a:ln>
           <a:extLst>
             <a:ext uri="{909E8E84-426E-40dd-AFC4-6F175D3DCCD1}">
-              <a14:hiddenFill xmlns:a14="http://schemas.microsoft.com/office/drawing/2010/main" xmlns="">
+              <a14:hiddenFill xmlns="" xmlns:a14="http://schemas.microsoft.com/office/drawing/2010/main">
                 <a:noFill/>
               </a14:hiddenFill>
             </a:ext>
@@ -51927,7 +51766,7 @@
           </a:ln>
           <a:extLst>
             <a:ext uri="{909E8E84-426E-40dd-AFC4-6F175D3DCCD1}">
-              <a14:hiddenFill xmlns:a14="http://schemas.microsoft.com/office/drawing/2010/main" xmlns="">
+              <a14:hiddenFill xmlns="" xmlns:a14="http://schemas.microsoft.com/office/drawing/2010/main">
                 <a:noFill/>
               </a14:hiddenFill>
             </a:ext>
@@ -51966,7 +51805,7 @@
           </a:ln>
           <a:extLst>
             <a:ext uri="{909E8E84-426E-40dd-AFC4-6F175D3DCCD1}">
-              <a14:hiddenFill xmlns:a14="http://schemas.microsoft.com/office/drawing/2010/main" xmlns="">
+              <a14:hiddenFill xmlns="" xmlns:a14="http://schemas.microsoft.com/office/drawing/2010/main">
                 <a:noFill/>
               </a14:hiddenFill>
             </a:ext>
@@ -52005,7 +51844,7 @@
           </a:ln>
           <a:extLst>
             <a:ext uri="{909E8E84-426E-40dd-AFC4-6F175D3DCCD1}">
-              <a14:hiddenFill xmlns:a14="http://schemas.microsoft.com/office/drawing/2010/main" xmlns="">
+              <a14:hiddenFill xmlns="" xmlns:a14="http://schemas.microsoft.com/office/drawing/2010/main">
                 <a:noFill/>
               </a14:hiddenFill>
             </a:ext>
@@ -52044,7 +51883,7 @@
           </a:ln>
           <a:extLst>
             <a:ext uri="{909E8E84-426E-40dd-AFC4-6F175D3DCCD1}">
-              <a14:hiddenFill xmlns:a14="http://schemas.microsoft.com/office/drawing/2010/main" xmlns="">
+              <a14:hiddenFill xmlns="" xmlns:a14="http://schemas.microsoft.com/office/drawing/2010/main">
                 <a:noFill/>
               </a14:hiddenFill>
             </a:ext>
@@ -52078,7 +51917,7 @@
           </a:ln>
           <a:extLst>
             <a:ext uri="{909E8E84-426E-40dd-AFC4-6F175D3DCCD1}">
-              <a14:hiddenFill xmlns:a14="http://schemas.microsoft.com/office/drawing/2010/main" xmlns="">
+              <a14:hiddenFill xmlns="" xmlns:a14="http://schemas.microsoft.com/office/drawing/2010/main">
                 <a:solidFill>
                   <a:srgbClr val="FFFFFF"/>
                 </a:solidFill>
@@ -52263,7 +52102,7 @@
           </a:ln>
           <a:extLst>
             <a:ext uri="{909E8E84-426E-40dd-AFC4-6F175D3DCCD1}">
-              <a14:hiddenFill xmlns:a14="http://schemas.microsoft.com/office/drawing/2010/main" xmlns="">
+              <a14:hiddenFill xmlns="" xmlns:a14="http://schemas.microsoft.com/office/drawing/2010/main">
                 <a:noFill/>
               </a14:hiddenFill>
             </a:ext>
@@ -52299,14 +52138,14 @@
           </a:ln>
           <a:extLst>
             <a:ext uri="{909E8E84-426E-40dd-AFC4-6F175D3DCCD1}">
-              <a14:hiddenFill xmlns:a14="http://schemas.microsoft.com/office/drawing/2010/main" xmlns="">
+              <a14:hiddenFill xmlns="" xmlns:a14="http://schemas.microsoft.com/office/drawing/2010/main">
                 <a:solidFill>
                   <a:srgbClr val="FFFFFF"/>
                 </a:solidFill>
               </a14:hiddenFill>
             </a:ext>
             <a:ext uri="{91240B29-F687-4f45-9708-019B960494DF}">
-              <a14:hiddenLine xmlns:a14="http://schemas.microsoft.com/office/drawing/2010/main" xmlns="" w="12700">
+              <a14:hiddenLine xmlns="" xmlns:a14="http://schemas.microsoft.com/office/drawing/2010/main" w="12700">
                 <a:solidFill>
                   <a:srgbClr val="000000"/>
                 </a:solidFill>
@@ -52462,14 +52301,14 @@
           </a:ln>
           <a:extLst>
             <a:ext uri="{909E8E84-426E-40dd-AFC4-6F175D3DCCD1}">
-              <a14:hiddenFill xmlns:a14="http://schemas.microsoft.com/office/drawing/2010/main" xmlns="">
+              <a14:hiddenFill xmlns="" xmlns:a14="http://schemas.microsoft.com/office/drawing/2010/main">
                 <a:solidFill>
                   <a:srgbClr val="FFFFFF"/>
                 </a:solidFill>
               </a14:hiddenFill>
             </a:ext>
             <a:ext uri="{91240B29-F687-4f45-9708-019B960494DF}">
-              <a14:hiddenLine xmlns:a14="http://schemas.microsoft.com/office/drawing/2010/main" xmlns="" w="12700">
+              <a14:hiddenLine xmlns="" xmlns:a14="http://schemas.microsoft.com/office/drawing/2010/main" w="12700">
                 <a:solidFill>
                   <a:srgbClr val="000000"/>
                 </a:solidFill>
@@ -52634,14 +52473,14 @@
           </a:ln>
           <a:extLst>
             <a:ext uri="{909E8E84-426E-40dd-AFC4-6F175D3DCCD1}">
-              <a14:hiddenFill xmlns:a14="http://schemas.microsoft.com/office/drawing/2010/main" xmlns="">
+              <a14:hiddenFill xmlns="" xmlns:a14="http://schemas.microsoft.com/office/drawing/2010/main">
                 <a:solidFill>
                   <a:srgbClr val="FFFFFF"/>
                 </a:solidFill>
               </a14:hiddenFill>
             </a:ext>
             <a:ext uri="{91240B29-F687-4f45-9708-019B960494DF}">
-              <a14:hiddenLine xmlns:a14="http://schemas.microsoft.com/office/drawing/2010/main" xmlns="" w="12700">
+              <a14:hiddenLine xmlns="" xmlns:a14="http://schemas.microsoft.com/office/drawing/2010/main" w="12700">
                 <a:solidFill>
                   <a:srgbClr val="000000"/>
                 </a:solidFill>
@@ -52802,7 +52641,7 @@
           </a:ln>
           <a:extLst>
             <a:ext uri="{909E8E84-426E-40dd-AFC4-6F175D3DCCD1}">
-              <a14:hiddenFill xmlns:a14="http://schemas.microsoft.com/office/drawing/2010/main" xmlns="">
+              <a14:hiddenFill xmlns="" xmlns:a14="http://schemas.microsoft.com/office/drawing/2010/main">
                 <a:noFill/>
               </a14:hiddenFill>
             </a:ext>
@@ -52843,7 +52682,7 @@
           </a:ln>
           <a:extLst>
             <a:ext uri="{909E8E84-426E-40dd-AFC4-6F175D3DCCD1}">
-              <a14:hiddenFill xmlns:a14="http://schemas.microsoft.com/office/drawing/2010/main" xmlns="">
+              <a14:hiddenFill xmlns="" xmlns:a14="http://schemas.microsoft.com/office/drawing/2010/main">
                 <a:noFill/>
               </a14:hiddenFill>
             </a:ext>
@@ -52884,7 +52723,7 @@
           </a:ln>
           <a:extLst>
             <a:ext uri="{909E8E84-426E-40dd-AFC4-6F175D3DCCD1}">
-              <a14:hiddenFill xmlns:a14="http://schemas.microsoft.com/office/drawing/2010/main" xmlns="">
+              <a14:hiddenFill xmlns="" xmlns:a14="http://schemas.microsoft.com/office/drawing/2010/main">
                 <a:noFill/>
               </a14:hiddenFill>
             </a:ext>

--- a/new_SE401/Lectures/8-Integration, System and Regression Testing/Integration Testing.pptx
+++ b/new_SE401/Lectures/8-Integration, System and Regression Testing/Integration Testing.pptx
@@ -5,7 +5,7 @@
     <p:sldMasterId id="2147483648" r:id="rId1"/>
   </p:sldMasterIdLst>
   <p:notesMasterIdLst>
-    <p:notesMasterId r:id="rId65"/>
+    <p:notesMasterId r:id="rId66"/>
   </p:notesMasterIdLst>
   <p:sldIdLst>
     <p:sldId id="256" r:id="rId2"/>
@@ -66,11 +66,12 @@
     <p:sldId id="312" r:id="rId57"/>
     <p:sldId id="313" r:id="rId58"/>
     <p:sldId id="314" r:id="rId59"/>
-    <p:sldId id="315" r:id="rId60"/>
-    <p:sldId id="316" r:id="rId61"/>
-    <p:sldId id="317" r:id="rId62"/>
-    <p:sldId id="322" r:id="rId63"/>
-    <p:sldId id="319" r:id="rId64"/>
+    <p:sldId id="325" r:id="rId60"/>
+    <p:sldId id="315" r:id="rId61"/>
+    <p:sldId id="316" r:id="rId62"/>
+    <p:sldId id="317" r:id="rId63"/>
+    <p:sldId id="322" r:id="rId64"/>
+    <p:sldId id="319" r:id="rId65"/>
   </p:sldIdLst>
   <p:sldSz cx="12192000" cy="6858000"/>
   <p:notesSz cx="6858000" cy="9144000"/>
@@ -259,7 +260,7 @@
           <a:p>
             <a:fld id="{11EAA60E-FCF3-40DF-B4BC-258568585669}" type="datetimeFigureOut">
               <a:rPr lang="en-US" smtClean="0"/>
-              <a:t>11/7/2021</a:t>
+              <a:t>11/9/2021</a:t>
             </a:fld>
             <a:endParaRPr lang="en-US"/>
           </a:p>
@@ -3315,7 +3316,7 @@
           <a:ln/>
           <a:extLst>
             <a:ext uri="{FAA26D3D-D897-4be2-8F04-BA451C77F1D7}">
-              <ma14:placeholderFlag xmlns="" xmlns:ma14="http://schemas.microsoft.com/office/mac/drawingml/2011/main" val="1"/>
+              <ma14:placeholderFlag xmlns:ma14="http://schemas.microsoft.com/office/mac/drawingml/2011/main" xmlns="" val="1"/>
             </a:ext>
           </a:extLst>
         </p:spPr>
@@ -3494,7 +3495,7 @@
           <a:ln/>
           <a:extLst>
             <a:ext uri="{FAA26D3D-D897-4be2-8F04-BA451C77F1D7}">
-              <ma14:placeholderFlag xmlns="" xmlns:ma14="http://schemas.microsoft.com/office/mac/drawingml/2011/main" val="1"/>
+              <ma14:placeholderFlag xmlns:ma14="http://schemas.microsoft.com/office/mac/drawingml/2011/main" xmlns="" val="1"/>
             </a:ext>
           </a:extLst>
         </p:spPr>
@@ -3688,14 +3689,14 @@
           <a:ln w="9525"/>
           <a:extLst>
             <a:ext uri="{909E8E84-426E-40dd-AFC4-6F175D3DCCD1}">
-              <a14:hiddenFill xmlns="" xmlns:a14="http://schemas.microsoft.com/office/drawing/2010/main">
+              <a14:hiddenFill xmlns:a14="http://schemas.microsoft.com/office/drawing/2010/main" xmlns="">
                 <a:solidFill>
                   <a:srgbClr val="FFFFFF"/>
                 </a:solidFill>
               </a14:hiddenFill>
             </a:ext>
             <a:ext uri="{91240B29-F687-4f45-9708-019B960494DF}">
-              <a14:hiddenLine xmlns="" xmlns:a14="http://schemas.microsoft.com/office/drawing/2010/main" w="9525">
+              <a14:hiddenLine xmlns:a14="http://schemas.microsoft.com/office/drawing/2010/main" xmlns="" w="9525">
                 <a:solidFill>
                   <a:srgbClr val="000000"/>
                 </a:solidFill>
@@ -3705,7 +3706,7 @@
               </a14:hiddenLine>
             </a:ext>
             <a:ext uri="{FAA26D3D-D897-4be2-8F04-BA451C77F1D7}">
-              <ma14:placeholderFlag xmlns="" xmlns:ma14="http://schemas.microsoft.com/office/mac/drawingml/2011/main" val="1"/>
+              <ma14:placeholderFlag xmlns:ma14="http://schemas.microsoft.com/office/mac/drawingml/2011/main" xmlns="" val="1"/>
             </a:ext>
           </a:extLst>
         </p:spPr>
@@ -3877,14 +3878,14 @@
           <a:ln w="9525"/>
           <a:extLst>
             <a:ext uri="{909E8E84-426E-40dd-AFC4-6F175D3DCCD1}">
-              <a14:hiddenFill xmlns="" xmlns:a14="http://schemas.microsoft.com/office/drawing/2010/main">
+              <a14:hiddenFill xmlns:a14="http://schemas.microsoft.com/office/drawing/2010/main" xmlns="">
                 <a:solidFill>
                   <a:srgbClr val="FFFFFF"/>
                 </a:solidFill>
               </a14:hiddenFill>
             </a:ext>
             <a:ext uri="{91240B29-F687-4f45-9708-019B960494DF}">
-              <a14:hiddenLine xmlns="" xmlns:a14="http://schemas.microsoft.com/office/drawing/2010/main" w="9525">
+              <a14:hiddenLine xmlns:a14="http://schemas.microsoft.com/office/drawing/2010/main" xmlns="" w="9525">
                 <a:solidFill>
                   <a:srgbClr val="000000"/>
                 </a:solidFill>
@@ -4150,14 +4151,14 @@
           <a:ln w="9525"/>
           <a:extLst>
             <a:ext uri="{909E8E84-426E-40dd-AFC4-6F175D3DCCD1}">
-              <a14:hiddenFill xmlns="" xmlns:a14="http://schemas.microsoft.com/office/drawing/2010/main">
+              <a14:hiddenFill xmlns:a14="http://schemas.microsoft.com/office/drawing/2010/main" xmlns="">
                 <a:solidFill>
                   <a:srgbClr val="FFFFFF"/>
                 </a:solidFill>
               </a14:hiddenFill>
             </a:ext>
             <a:ext uri="{91240B29-F687-4f45-9708-019B960494DF}">
-              <a14:hiddenLine xmlns="" xmlns:a14="http://schemas.microsoft.com/office/drawing/2010/main" w="9525">
+              <a14:hiddenLine xmlns:a14="http://schemas.microsoft.com/office/drawing/2010/main" xmlns="" w="9525">
                 <a:solidFill>
                   <a:srgbClr val="000000"/>
                 </a:solidFill>
@@ -4167,7 +4168,7 @@
               </a14:hiddenLine>
             </a:ext>
             <a:ext uri="{FAA26D3D-D897-4be2-8F04-BA451C77F1D7}">
-              <ma14:placeholderFlag xmlns="" xmlns:ma14="http://schemas.microsoft.com/office/mac/drawingml/2011/main" val="1"/>
+              <ma14:placeholderFlag xmlns:ma14="http://schemas.microsoft.com/office/mac/drawingml/2011/main" xmlns="" val="1"/>
             </a:ext>
           </a:extLst>
         </p:spPr>
@@ -4326,7 +4327,7 @@
       </p:grpSpPr>
       <p:sp>
         <p:nvSpPr>
-          <p:cNvPr id="55298" name="Rectangle 2"/>
+          <p:cNvPr id="54274" name="Rectangle 2"/>
           <p:cNvSpPr>
             <a:spLocks noGrp="1" noRot="1" noChangeAspect="1" noChangeArrowheads="1" noTextEdit="1"/>
           </p:cNvSpPr>
@@ -4340,7 +4341,7 @@
       </p:sp>
       <p:sp>
         <p:nvSpPr>
-          <p:cNvPr id="55299" name="Rectangle 3"/>
+          <p:cNvPr id="54275" name="Rectangle 3"/>
           <p:cNvSpPr>
             <a:spLocks noGrp="1" noChangeArrowheads="1"/>
           </p:cNvSpPr>
@@ -4353,14 +4354,14 @@
           <a:ln w="9525"/>
           <a:extLst>
             <a:ext uri="{909E8E84-426E-40dd-AFC4-6F175D3DCCD1}">
-              <a14:hiddenFill xmlns="" xmlns:a14="http://schemas.microsoft.com/office/drawing/2010/main">
+              <a14:hiddenFill xmlns:a14="http://schemas.microsoft.com/office/drawing/2010/main" xmlns="">
                 <a:solidFill>
                   <a:srgbClr val="FFFFFF"/>
                 </a:solidFill>
               </a14:hiddenFill>
             </a:ext>
             <a:ext uri="{91240B29-F687-4f45-9708-019B960494DF}">
-              <a14:hiddenLine xmlns="" xmlns:a14="http://schemas.microsoft.com/office/drawing/2010/main" w="9525">
+              <a14:hiddenLine xmlns:a14="http://schemas.microsoft.com/office/drawing/2010/main" xmlns="" w="9525">
                 <a:solidFill>
                   <a:srgbClr val="000000"/>
                 </a:solidFill>
@@ -4369,30 +4370,20 @@
                 <a:tailEnd/>
               </a14:hiddenLine>
             </a:ext>
+            <a:ext uri="{FAA26D3D-D897-4be2-8F04-BA451C77F1D7}">
+              <ma14:placeholderFlag xmlns:ma14="http://schemas.microsoft.com/office/mac/drawingml/2011/main" xmlns="" val="1"/>
+            </a:ext>
           </a:extLst>
         </p:spPr>
         <p:txBody>
           <a:bodyPr/>
           <a:lstStyle/>
           <a:p>
-            <a:r>
-              <a:rPr lang="de-DE" dirty="0">
-                <a:latin typeface="Times" charset="0"/>
-                <a:ea typeface="ＭＳ Ｐゴシック" charset="0"/>
-                <a:cs typeface="ＭＳ Ｐゴシック" charset="0"/>
-              </a:rPr>
-              <a:t>SCRUM</a:t>
-            </a:r>
-          </a:p>
-          <a:p>
-            <a:r>
-              <a:rPr lang="de-DE" dirty="0">
-                <a:latin typeface="Times" charset="0"/>
-                <a:ea typeface="ＭＳ Ｐゴシック" charset="0"/>
-                <a:cs typeface="ＭＳ Ｐゴシック" charset="0"/>
-              </a:rPr>
-              <a:t>Scheibe vom Brot XXXX</a:t>
-            </a:r>
+            <a:endParaRPr lang="de-DE" dirty="0">
+              <a:latin typeface="Times" charset="0"/>
+              <a:ea typeface="ＭＳ Ｐゴシック" charset="0"/>
+              <a:cs typeface="ＭＳ Ｐゴシック" charset="0"/>
+            </a:endParaRPr>
           </a:p>
         </p:txBody>
       </p:sp>
@@ -4510,7 +4501,7 @@
     </p:spTree>
     <p:extLst>
       <p:ext uri="{BB962C8B-B14F-4D97-AF65-F5344CB8AC3E}">
-        <p14:creationId xmlns:p14="http://schemas.microsoft.com/office/powerpoint/2010/main" val="1656882712"/>
+        <p14:creationId xmlns:p14="http://schemas.microsoft.com/office/powerpoint/2010/main" val="3974984066"/>
       </p:ext>
     </p:extLst>
   </p:cSld>
@@ -4711,24 +4702,84 @@
       </p:grpSpPr>
       <p:sp>
         <p:nvSpPr>
-          <p:cNvPr id="2" name="Slide Image Placeholder 1"/>
+          <p:cNvPr id="55298" name="Rectangle 2"/>
           <p:cNvSpPr>
-            <a:spLocks noGrp="1" noRot="1" noChangeAspect="1"/>
+            <a:spLocks noGrp="1" noRot="1" noChangeAspect="1" noChangeArrowheads="1" noTextEdit="1"/>
           </p:cNvSpPr>
           <p:nvPr>
             <p:ph type="sldImg"/>
           </p:nvPr>
         </p:nvSpPr>
-        <p:spPr/>
-      </p:sp>
-      <p:sp>
-        <p:nvSpPr>
-          <p:cNvPr id="3" name="Notes Placeholder 2"/>
+        <p:spPr>
+          <a:ln/>
+        </p:spPr>
+      </p:sp>
+      <p:sp>
+        <p:nvSpPr>
+          <p:cNvPr id="55299" name="Rectangle 3"/>
+          <p:cNvSpPr>
+            <a:spLocks noGrp="1" noChangeArrowheads="1"/>
+          </p:cNvSpPr>
+          <p:nvPr>
+            <p:ph type="body" idx="1"/>
+          </p:nvPr>
+        </p:nvSpPr>
+        <p:spPr>
+          <a:noFill/>
+          <a:ln w="9525"/>
+          <a:extLst>
+            <a:ext uri="{909E8E84-426E-40dd-AFC4-6F175D3DCCD1}">
+              <a14:hiddenFill xmlns:a14="http://schemas.microsoft.com/office/drawing/2010/main" xmlns="">
+                <a:solidFill>
+                  <a:srgbClr val="FFFFFF"/>
+                </a:solidFill>
+              </a14:hiddenFill>
+            </a:ext>
+            <a:ext uri="{91240B29-F687-4f45-9708-019B960494DF}">
+              <a14:hiddenLine xmlns:a14="http://schemas.microsoft.com/office/drawing/2010/main" xmlns="" w="9525">
+                <a:solidFill>
+                  <a:srgbClr val="000000"/>
+                </a:solidFill>
+                <a:miter lim="800000"/>
+                <a:headEnd/>
+                <a:tailEnd/>
+              </a14:hiddenLine>
+            </a:ext>
+          </a:extLst>
+        </p:spPr>
+        <p:txBody>
+          <a:bodyPr/>
+          <a:lstStyle/>
+          <a:p>
+            <a:r>
+              <a:rPr lang="de-DE" dirty="0">
+                <a:latin typeface="Times" charset="0"/>
+                <a:ea typeface="ＭＳ Ｐゴシック" charset="0"/>
+                <a:cs typeface="ＭＳ Ｐゴシック" charset="0"/>
+              </a:rPr>
+              <a:t>SCRUM</a:t>
+            </a:r>
+          </a:p>
+          <a:p>
+            <a:r>
+              <a:rPr lang="de-DE" dirty="0">
+                <a:latin typeface="Times" charset="0"/>
+                <a:ea typeface="ＭＳ Ｐゴシック" charset="0"/>
+                <a:cs typeface="ＭＳ Ｐゴシック" charset="0"/>
+              </a:rPr>
+              <a:t>Scheibe vom Brot XXXX</a:t>
+            </a:r>
+          </a:p>
+        </p:txBody>
+      </p:sp>
+      <p:sp>
+        <p:nvSpPr>
+          <p:cNvPr id="2" name="Date Placeholder 1"/>
           <p:cNvSpPr>
             <a:spLocks noGrp="1"/>
           </p:cNvSpPr>
           <p:nvPr>
-            <p:ph type="body" idx="1"/>
+            <p:ph type="dt" idx="10"/>
           </p:nvPr>
         </p:nvSpPr>
         <p:spPr/>
@@ -4736,18 +4787,25 @@
           <a:bodyPr/>
           <a:lstStyle/>
           <a:p>
+            <a:pPr>
+              <a:defRPr/>
+            </a:pPr>
+            <a:r>
+              <a:rPr lang="en-US" smtClean="0"/>
+              <a:t>May 23, 2017</a:t>
+            </a:r>
             <a:endParaRPr lang="en-US" dirty="0"/>
           </a:p>
         </p:txBody>
       </p:sp>
       <p:sp>
         <p:nvSpPr>
-          <p:cNvPr id="4" name="Header Placeholder 3"/>
+          <p:cNvPr id="3" name="Footer Placeholder 2"/>
           <p:cNvSpPr>
             <a:spLocks noGrp="1"/>
           </p:cNvSpPr>
           <p:nvPr>
-            <p:ph type="hdr" sz="quarter" idx="10"/>
+            <p:ph type="ftr" sz="quarter" idx="11"/>
           </p:nvPr>
         </p:nvSpPr>
         <p:spPr/>
@@ -4760,7 +4818,7 @@
             </a:pPr>
             <a:r>
               <a:rPr lang="en-US" dirty="0" smtClean="0"/>
-              <a:t>SE 433</a:t>
+              <a:t>Lecture 9</a:t>
             </a:r>
             <a:endParaRPr lang="en-US" dirty="0"/>
           </a:p>
@@ -4768,12 +4826,12 @@
       </p:sp>
       <p:sp>
         <p:nvSpPr>
-          <p:cNvPr id="5" name="Date Placeholder 4"/>
+          <p:cNvPr id="5" name="Header Placeholder 4"/>
           <p:cNvSpPr>
             <a:spLocks noGrp="1"/>
           </p:cNvSpPr>
           <p:nvPr>
-            <p:ph type="dt" idx="11"/>
+            <p:ph type="hdr" sz="quarter" idx="13"/>
           </p:nvPr>
         </p:nvSpPr>
         <p:spPr/>
@@ -4785,8 +4843,8 @@
               <a:defRPr/>
             </a:pPr>
             <a:r>
-              <a:rPr lang="en-US" smtClean="0"/>
-              <a:t>May 23, 2017</a:t>
+              <a:rPr lang="en-US" dirty="0" smtClean="0"/>
+              <a:t>SE 433</a:t>
             </a:r>
             <a:endParaRPr lang="en-US" dirty="0"/>
           </a:p>
@@ -4794,38 +4852,12 @@
       </p:sp>
       <p:sp>
         <p:nvSpPr>
-          <p:cNvPr id="6" name="Footer Placeholder 5"/>
+          <p:cNvPr id="4" name="Slide Number Placeholder 3"/>
           <p:cNvSpPr>
             <a:spLocks noGrp="1"/>
           </p:cNvSpPr>
           <p:nvPr>
-            <p:ph type="ftr" sz="quarter" idx="12"/>
-          </p:nvPr>
-        </p:nvSpPr>
-        <p:spPr/>
-        <p:txBody>
-          <a:bodyPr/>
-          <a:lstStyle/>
-          <a:p>
-            <a:pPr>
-              <a:defRPr/>
-            </a:pPr>
-            <a:r>
-              <a:rPr lang="en-US" dirty="0" smtClean="0"/>
-              <a:t>Lecture 9</a:t>
-            </a:r>
-            <a:endParaRPr lang="en-US" dirty="0"/>
-          </a:p>
-        </p:txBody>
-      </p:sp>
-      <p:sp>
-        <p:nvSpPr>
-          <p:cNvPr id="7" name="Slide Number Placeholder 6"/>
-          <p:cNvSpPr>
-            <a:spLocks noGrp="1"/>
-          </p:cNvSpPr>
-          <p:nvPr>
-            <p:ph type="sldNum" sz="quarter" idx="13"/>
+            <p:ph type="sldNum" sz="quarter" idx="14"/>
           </p:nvPr>
         </p:nvSpPr>
         <p:spPr/>
@@ -4854,7 +4886,7 @@
     </p:spTree>
     <p:extLst>
       <p:ext uri="{BB962C8B-B14F-4D97-AF65-F5344CB8AC3E}">
-        <p14:creationId xmlns:p14="http://schemas.microsoft.com/office/powerpoint/2010/main" val="1906027130"/>
+        <p14:creationId xmlns:p14="http://schemas.microsoft.com/office/powerpoint/2010/main" val="1656882712"/>
       </p:ext>
     </p:extLst>
   </p:cSld>
@@ -5026,7 +5058,7 @@
     </p:spTree>
     <p:extLst>
       <p:ext uri="{BB962C8B-B14F-4D97-AF65-F5344CB8AC3E}">
-        <p14:creationId xmlns:p14="http://schemas.microsoft.com/office/powerpoint/2010/main" val="3790214702"/>
+        <p14:creationId xmlns:p14="http://schemas.microsoft.com/office/powerpoint/2010/main" val="1906027130"/>
       </p:ext>
     </p:extLst>
   </p:cSld>
@@ -5198,7 +5230,7 @@
     </p:spTree>
     <p:extLst>
       <p:ext uri="{BB962C8B-B14F-4D97-AF65-F5344CB8AC3E}">
-        <p14:creationId xmlns:p14="http://schemas.microsoft.com/office/powerpoint/2010/main" val="446598089"/>
+        <p14:creationId xmlns:p14="http://schemas.microsoft.com/office/powerpoint/2010/main" val="3790214702"/>
       </p:ext>
     </p:extLst>
   </p:cSld>
@@ -5227,6 +5259,178 @@
       </p:grpSpPr>
       <p:sp>
         <p:nvSpPr>
+          <p:cNvPr id="2" name="Slide Image Placeholder 1"/>
+          <p:cNvSpPr>
+            <a:spLocks noGrp="1" noRot="1" noChangeAspect="1"/>
+          </p:cNvSpPr>
+          <p:nvPr>
+            <p:ph type="sldImg"/>
+          </p:nvPr>
+        </p:nvSpPr>
+        <p:spPr/>
+      </p:sp>
+      <p:sp>
+        <p:nvSpPr>
+          <p:cNvPr id="3" name="Notes Placeholder 2"/>
+          <p:cNvSpPr>
+            <a:spLocks noGrp="1"/>
+          </p:cNvSpPr>
+          <p:nvPr>
+            <p:ph type="body" idx="1"/>
+          </p:nvPr>
+        </p:nvSpPr>
+        <p:spPr/>
+        <p:txBody>
+          <a:bodyPr/>
+          <a:lstStyle/>
+          <a:p>
+            <a:endParaRPr lang="en-US" dirty="0"/>
+          </a:p>
+        </p:txBody>
+      </p:sp>
+      <p:sp>
+        <p:nvSpPr>
+          <p:cNvPr id="4" name="Header Placeholder 3"/>
+          <p:cNvSpPr>
+            <a:spLocks noGrp="1"/>
+          </p:cNvSpPr>
+          <p:nvPr>
+            <p:ph type="hdr" sz="quarter" idx="10"/>
+          </p:nvPr>
+        </p:nvSpPr>
+        <p:spPr/>
+        <p:txBody>
+          <a:bodyPr/>
+          <a:lstStyle/>
+          <a:p>
+            <a:pPr>
+              <a:defRPr/>
+            </a:pPr>
+            <a:r>
+              <a:rPr lang="en-US" dirty="0" smtClean="0"/>
+              <a:t>SE 433</a:t>
+            </a:r>
+            <a:endParaRPr lang="en-US" dirty="0"/>
+          </a:p>
+        </p:txBody>
+      </p:sp>
+      <p:sp>
+        <p:nvSpPr>
+          <p:cNvPr id="5" name="Date Placeholder 4"/>
+          <p:cNvSpPr>
+            <a:spLocks noGrp="1"/>
+          </p:cNvSpPr>
+          <p:nvPr>
+            <p:ph type="dt" idx="11"/>
+          </p:nvPr>
+        </p:nvSpPr>
+        <p:spPr/>
+        <p:txBody>
+          <a:bodyPr/>
+          <a:lstStyle/>
+          <a:p>
+            <a:pPr>
+              <a:defRPr/>
+            </a:pPr>
+            <a:r>
+              <a:rPr lang="en-US" smtClean="0"/>
+              <a:t>May 23, 2017</a:t>
+            </a:r>
+            <a:endParaRPr lang="en-US" dirty="0"/>
+          </a:p>
+        </p:txBody>
+      </p:sp>
+      <p:sp>
+        <p:nvSpPr>
+          <p:cNvPr id="6" name="Footer Placeholder 5"/>
+          <p:cNvSpPr>
+            <a:spLocks noGrp="1"/>
+          </p:cNvSpPr>
+          <p:nvPr>
+            <p:ph type="ftr" sz="quarter" idx="12"/>
+          </p:nvPr>
+        </p:nvSpPr>
+        <p:spPr/>
+        <p:txBody>
+          <a:bodyPr/>
+          <a:lstStyle/>
+          <a:p>
+            <a:pPr>
+              <a:defRPr/>
+            </a:pPr>
+            <a:r>
+              <a:rPr lang="en-US" dirty="0" smtClean="0"/>
+              <a:t>Lecture 9</a:t>
+            </a:r>
+            <a:endParaRPr lang="en-US" dirty="0"/>
+          </a:p>
+        </p:txBody>
+      </p:sp>
+      <p:sp>
+        <p:nvSpPr>
+          <p:cNvPr id="7" name="Slide Number Placeholder 6"/>
+          <p:cNvSpPr>
+            <a:spLocks noGrp="1"/>
+          </p:cNvSpPr>
+          <p:nvPr>
+            <p:ph type="sldNum" sz="quarter" idx="13"/>
+          </p:nvPr>
+        </p:nvSpPr>
+        <p:spPr/>
+        <p:txBody>
+          <a:bodyPr/>
+          <a:lstStyle/>
+          <a:p>
+            <a:pPr>
+              <a:defRPr/>
+            </a:pPr>
+            <a:fld id="{F0410F35-0C47-794C-85F9-FC23048F5283}" type="slidenum">
+              <a:rPr lang="en-US" smtClean="0"/>
+              <a:pPr>
+                <a:defRPr/>
+              </a:pPr>
+              <a:t>63</a:t>
+            </a:fld>
+            <a:r>
+              <a:rPr lang="en-US" smtClean="0"/>
+              <a:t> of 102</a:t>
+            </a:r>
+            <a:endParaRPr lang="en-US" dirty="0"/>
+          </a:p>
+        </p:txBody>
+      </p:sp>
+    </p:spTree>
+    <p:extLst>
+      <p:ext uri="{BB962C8B-B14F-4D97-AF65-F5344CB8AC3E}">
+        <p14:creationId xmlns:p14="http://schemas.microsoft.com/office/powerpoint/2010/main" val="446598089"/>
+      </p:ext>
+    </p:extLst>
+  </p:cSld>
+  <p:clrMapOvr>
+    <a:masterClrMapping/>
+  </p:clrMapOvr>
+</p:notes>
+</file>
+
+<file path=ppt/notesSlides/notesSlide34.xml><?xml version="1.0" encoding="utf-8"?>
+<p:notes xmlns:a="http://schemas.openxmlformats.org/drawingml/2006/main" xmlns:r="http://schemas.openxmlformats.org/officeDocument/2006/relationships" xmlns:p="http://schemas.openxmlformats.org/presentationml/2006/main">
+  <p:cSld>
+    <p:spTree>
+      <p:nvGrpSpPr>
+        <p:cNvPr id="1" name=""/>
+        <p:cNvGrpSpPr/>
+        <p:nvPr/>
+      </p:nvGrpSpPr>
+      <p:grpSpPr>
+        <a:xfrm>
+          <a:off x="0" y="0"/>
+          <a:ext cx="0" cy="0"/>
+          <a:chOff x="0" y="0"/>
+          <a:chExt cx="0" cy="0"/>
+        </a:xfrm>
+      </p:grpSpPr>
+      <p:sp>
+        <p:nvSpPr>
           <p:cNvPr id="52225" name="Rectangle 7"/>
           <p:cNvSpPr txBox="1">
             <a:spLocks noGrp="1" noChangeArrowheads="1"/>
@@ -5247,14 +5451,14 @@
           </a:ln>
           <a:extLst>
             <a:ext uri="{909E8E84-426E-40dd-AFC4-6F175D3DCCD1}">
-              <a14:hiddenFill xmlns="" xmlns:a14="http://schemas.microsoft.com/office/drawing/2010/main">
+              <a14:hiddenFill xmlns:a14="http://schemas.microsoft.com/office/drawing/2010/main" xmlns="">
                 <a:solidFill>
                   <a:srgbClr val="FFFFFF"/>
                 </a:solidFill>
               </a14:hiddenFill>
             </a:ext>
             <a:ext uri="{91240B29-F687-4f45-9708-019B960494DF}">
-              <a14:hiddenLine xmlns="" xmlns:a14="http://schemas.microsoft.com/office/drawing/2010/main" w="9525">
+              <a14:hiddenLine xmlns:a14="http://schemas.microsoft.com/office/drawing/2010/main" xmlns="" w="9525">
                 <a:solidFill>
                   <a:srgbClr val="000000"/>
                 </a:solidFill>
@@ -5382,7 +5586,7 @@
                 <a:latin typeface="Verdana" charset="0"/>
               </a:rPr>
               <a:pPr algn="r" eaLnBrk="1" hangingPunct="1"/>
-              <a:t>63</a:t>
+              <a:t>64</a:t>
             </a:fld>
             <a:endParaRPr lang="en-US" sz="1200" dirty="0">
               <a:latin typeface="Verdana" charset="0"/>
@@ -5430,14 +5634,14 @@
           </a:ln>
           <a:extLst>
             <a:ext uri="{909E8E84-426E-40dd-AFC4-6F175D3DCCD1}">
-              <a14:hiddenFill xmlns="" xmlns:a14="http://schemas.microsoft.com/office/drawing/2010/main">
+              <a14:hiddenFill xmlns:a14="http://schemas.microsoft.com/office/drawing/2010/main" xmlns="">
                 <a:solidFill>
                   <a:srgbClr val="FFFFFF"/>
                 </a:solidFill>
               </a14:hiddenFill>
             </a:ext>
             <a:ext uri="{FAA26D3D-D897-4be2-8F04-BA451C77F1D7}">
-              <ma14:placeholderFlag xmlns="" xmlns:ma14="http://schemas.microsoft.com/office/mac/drawingml/2011/main" val="1"/>
+              <ma14:placeholderFlag xmlns:ma14="http://schemas.microsoft.com/office/mac/drawingml/2011/main" xmlns="" val="1"/>
             </a:ext>
           </a:extLst>
         </p:spPr>
@@ -5553,7 +5757,7 @@
               <a:pPr>
                 <a:defRPr/>
               </a:pPr>
-              <a:t>63</a:t>
+              <a:t>64</a:t>
             </a:fld>
             <a:r>
               <a:rPr lang="en-US" smtClean="0"/>
@@ -5807,7 +6011,7 @@
           </a:ln>
           <a:extLst>
             <a:ext uri="{FAA26D3D-D897-4be2-8F04-BA451C77F1D7}">
-              <ma14:placeholderFlag xmlns="" xmlns:ma14="http://schemas.microsoft.com/office/mac/drawingml/2011/main" val="1"/>
+              <ma14:placeholderFlag xmlns:ma14="http://schemas.microsoft.com/office/mac/drawingml/2011/main" xmlns="" val="1"/>
             </a:ext>
           </a:extLst>
         </p:spPr>
@@ -5985,14 +6189,14 @@
           </a:ln>
           <a:extLst>
             <a:ext uri="{909E8E84-426E-40dd-AFC4-6F175D3DCCD1}">
-              <a14:hiddenFill xmlns="" xmlns:a14="http://schemas.microsoft.com/office/drawing/2010/main">
+              <a14:hiddenFill xmlns:a14="http://schemas.microsoft.com/office/drawing/2010/main" xmlns="">
                 <a:solidFill>
                   <a:srgbClr val="FFFFFF"/>
                 </a:solidFill>
               </a14:hiddenFill>
             </a:ext>
             <a:ext uri="{91240B29-F687-4f45-9708-019B960494DF}">
-              <a14:hiddenLine xmlns="" xmlns:a14="http://schemas.microsoft.com/office/drawing/2010/main" w="9525">
+              <a14:hiddenLine xmlns:a14="http://schemas.microsoft.com/office/drawing/2010/main" xmlns="" w="9525">
                 <a:solidFill>
                   <a:srgbClr val="000000"/>
                 </a:solidFill>
@@ -6168,14 +6372,14 @@
           </a:ln>
           <a:extLst>
             <a:ext uri="{909E8E84-426E-40dd-AFC4-6F175D3DCCD1}">
-              <a14:hiddenFill xmlns="" xmlns:a14="http://schemas.microsoft.com/office/drawing/2010/main">
+              <a14:hiddenFill xmlns:a14="http://schemas.microsoft.com/office/drawing/2010/main" xmlns="">
                 <a:solidFill>
                   <a:srgbClr val="FFFFFF"/>
                 </a:solidFill>
               </a14:hiddenFill>
             </a:ext>
             <a:ext uri="{FAA26D3D-D897-4be2-8F04-BA451C77F1D7}">
-              <ma14:placeholderFlag xmlns="" xmlns:ma14="http://schemas.microsoft.com/office/mac/drawingml/2011/main" val="1"/>
+              <ma14:placeholderFlag xmlns:ma14="http://schemas.microsoft.com/office/mac/drawingml/2011/main" xmlns="" val="1"/>
             </a:ext>
           </a:extLst>
         </p:spPr>
@@ -6532,14 +6736,14 @@
           <a:ln w="9525"/>
           <a:extLst>
             <a:ext uri="{909E8E84-426E-40dd-AFC4-6F175D3DCCD1}">
-              <a14:hiddenFill xmlns="" xmlns:a14="http://schemas.microsoft.com/office/drawing/2010/main">
+              <a14:hiddenFill xmlns:a14="http://schemas.microsoft.com/office/drawing/2010/main" xmlns="">
                 <a:solidFill>
                   <a:srgbClr val="FFFFFF"/>
                 </a:solidFill>
               </a14:hiddenFill>
             </a:ext>
             <a:ext uri="{91240B29-F687-4f45-9708-019B960494DF}">
-              <a14:hiddenLine xmlns="" xmlns:a14="http://schemas.microsoft.com/office/drawing/2010/main" w="9525">
+              <a14:hiddenLine xmlns:a14="http://schemas.microsoft.com/office/drawing/2010/main" xmlns="" w="9525">
                 <a:solidFill>
                   <a:srgbClr val="000000"/>
                 </a:solidFill>
@@ -6732,14 +6936,14 @@
           <a:ln w="9525"/>
           <a:extLst>
             <a:ext uri="{909E8E84-426E-40dd-AFC4-6F175D3DCCD1}">
-              <a14:hiddenFill xmlns="" xmlns:a14="http://schemas.microsoft.com/office/drawing/2010/main">
+              <a14:hiddenFill xmlns:a14="http://schemas.microsoft.com/office/drawing/2010/main" xmlns="">
                 <a:solidFill>
                   <a:srgbClr val="FFFFFF"/>
                 </a:solidFill>
               </a14:hiddenFill>
             </a:ext>
             <a:ext uri="{91240B29-F687-4f45-9708-019B960494DF}">
-              <a14:hiddenLine xmlns="" xmlns:a14="http://schemas.microsoft.com/office/drawing/2010/main" w="9525">
+              <a14:hiddenLine xmlns:a14="http://schemas.microsoft.com/office/drawing/2010/main" xmlns="" w="9525">
                 <a:solidFill>
                   <a:srgbClr val="000000"/>
                 </a:solidFill>
@@ -6749,7 +6953,7 @@
               </a14:hiddenLine>
             </a:ext>
             <a:ext uri="{FAA26D3D-D897-4be2-8F04-BA451C77F1D7}">
-              <ma14:placeholderFlag xmlns="" xmlns:ma14="http://schemas.microsoft.com/office/mac/drawingml/2011/main" val="1"/>
+              <ma14:placeholderFlag xmlns:ma14="http://schemas.microsoft.com/office/mac/drawingml/2011/main" xmlns="" val="1"/>
             </a:ext>
           </a:extLst>
         </p:spPr>
@@ -7026,7 +7230,7 @@
           <a:p>
             <a:fld id="{B9D97583-D571-4344-98B8-28017CCA3E03}" type="datetime1">
               <a:rPr lang="en-US" smtClean="0"/>
-              <a:t>11/7/2021</a:t>
+              <a:t>11/9/2021</a:t>
             </a:fld>
             <a:endParaRPr lang="en-US"/>
           </a:p>
@@ -7277,7 +7481,7 @@
           <a:p>
             <a:fld id="{4BBFBB65-4BDE-463E-9E58-42EE1D34CE9F}" type="datetime1">
               <a:rPr lang="en-US" smtClean="0"/>
-              <a:t>11/7/2021</a:t>
+              <a:t>11/9/2021</a:t>
             </a:fld>
             <a:endParaRPr lang="en-US"/>
           </a:p>
@@ -7457,7 +7661,7 @@
           <a:p>
             <a:fld id="{F54BFA55-E628-4FD0-A5D2-4E2EAFF237C3}" type="datetime1">
               <a:rPr lang="en-US" smtClean="0"/>
-              <a:t>11/7/2021</a:t>
+              <a:t>11/9/2021</a:t>
             </a:fld>
             <a:endParaRPr lang="en-US"/>
           </a:p>
@@ -7713,7 +7917,7 @@
           <a:p>
             <a:fld id="{02043C03-488D-4679-9ED8-466B2755DE53}" type="datetime1">
               <a:rPr lang="en-US" smtClean="0"/>
-              <a:t>11/7/2021</a:t>
+              <a:t>11/9/2021</a:t>
             </a:fld>
             <a:endParaRPr lang="en-US"/>
           </a:p>
@@ -8058,7 +8262,7 @@
           <a:p>
             <a:fld id="{B4192580-B5C1-4953-9432-BAF964C9C431}" type="datetime1">
               <a:rPr lang="en-US" smtClean="0"/>
-              <a:t>11/7/2021</a:t>
+              <a:t>11/9/2021</a:t>
             </a:fld>
             <a:endParaRPr lang="en-US"/>
           </a:p>
@@ -8290,7 +8494,7 @@
           <a:p>
             <a:fld id="{9A346A84-DDEA-40BE-8087-15F820987FDF}" type="datetime1">
               <a:rPr lang="en-US" smtClean="0"/>
-              <a:t>11/7/2021</a:t>
+              <a:t>11/9/2021</a:t>
             </a:fld>
             <a:endParaRPr lang="en-US"/>
           </a:p>
@@ -8657,7 +8861,7 @@
           <a:p>
             <a:fld id="{A2903A79-0DCE-4FCE-A4A4-91DA4FE28602}" type="datetime1">
               <a:rPr lang="en-US" smtClean="0"/>
-              <a:t>11/7/2021</a:t>
+              <a:t>11/9/2021</a:t>
             </a:fld>
             <a:endParaRPr lang="en-US"/>
           </a:p>
@@ -8752,7 +8956,7 @@
           <a:p>
             <a:fld id="{5F3E0C55-B436-4700-9E7D-BD44BFF59CDA}" type="datetime1">
               <a:rPr lang="en-US" smtClean="0"/>
-              <a:t>11/7/2021</a:t>
+              <a:t>11/9/2021</a:t>
             </a:fld>
             <a:endParaRPr lang="en-US"/>
           </a:p>
@@ -8975,7 +9179,7 @@
             <a:fld id="{B2F5E2FA-C428-4CE7-95B0-168D3259A5BB}" type="datetimeFigureOut">
               <a:rPr lang="en-US" smtClean="0"/>
               <a:pPr/>
-              <a:t>11/7/2021</a:t>
+              <a:t>11/9/2021</a:t>
             </a:fld>
             <a:endParaRPr lang="en-US"/>
           </a:p>
@@ -9146,7 +9350,7 @@
           <a:p>
             <a:fld id="{1C6D7CCC-F888-4A14-96C0-AE59E5C0FB2B}" type="datetime1">
               <a:rPr lang="en-US" smtClean="0"/>
-              <a:t>11/7/2021</a:t>
+              <a:t>11/9/2021</a:t>
             </a:fld>
             <a:endParaRPr lang="en-US"/>
           </a:p>
@@ -9423,7 +9627,7 @@
           <a:p>
             <a:fld id="{D4751C8C-A248-4612-8437-BABDDCE28255}" type="datetime1">
               <a:rPr lang="en-US" smtClean="0"/>
-              <a:t>11/7/2021</a:t>
+              <a:t>11/9/2021</a:t>
             </a:fld>
             <a:endParaRPr lang="en-US"/>
           </a:p>
@@ -9676,7 +9880,7 @@
           <a:p>
             <a:fld id="{58FDAABC-841F-4EE7-ACE3-E3142B7EF2E8}" type="datetime1">
               <a:rPr lang="en-US" smtClean="0"/>
-              <a:t>11/7/2021</a:t>
+              <a:t>11/9/2021</a:t>
             </a:fld>
             <a:endParaRPr lang="en-US"/>
           </a:p>
@@ -9889,7 +10093,7 @@
           <a:p>
             <a:fld id="{150F3FE1-A936-421F-ABEB-D7D46FC8F947}" type="datetime1">
               <a:rPr lang="en-US" smtClean="0"/>
-              <a:t>11/7/2021</a:t>
+              <a:t>11/9/2021</a:t>
             </a:fld>
             <a:endParaRPr lang="en-US"/>
           </a:p>
@@ -16450,14 +16654,14 @@
             <a:effectLst/>
             <a:extLst>
               <a:ext uri="{909E8E84-426E-40dd-AFC4-6F175D3DCCD1}">
-                <a14:hiddenFill xmlns="" xmlns:a14="http://schemas.microsoft.com/office/drawing/2010/main">
+                <a14:hiddenFill xmlns:a14="http://schemas.microsoft.com/office/drawing/2010/main" xmlns="">
                   <a:solidFill>
                     <a:schemeClr val="accent1"/>
                   </a:solidFill>
                 </a14:hiddenFill>
               </a:ext>
               <a:ext uri="{AF507438-7753-43e0-B8FC-AC1667EBCBE1}">
-                <a14:hiddenEffects xmlns="" xmlns:a14="http://schemas.microsoft.com/office/drawing/2010/main">
+                <a14:hiddenEffects xmlns:a14="http://schemas.microsoft.com/office/drawing/2010/main" xmlns="">
                   <a:effectLst>
                     <a:outerShdw blurRad="63500" dist="38099" dir="2700000" algn="ctr" rotWithShape="0">
                       <a:schemeClr val="bg2">
@@ -16507,14 +16711,14 @@
             <a:effectLst/>
             <a:extLst>
               <a:ext uri="{909E8E84-426E-40dd-AFC4-6F175D3DCCD1}">
-                <a14:hiddenFill xmlns="" xmlns:a14="http://schemas.microsoft.com/office/drawing/2010/main">
+                <a14:hiddenFill xmlns:a14="http://schemas.microsoft.com/office/drawing/2010/main" xmlns="">
                   <a:solidFill>
                     <a:schemeClr val="accent1"/>
                   </a:solidFill>
                 </a14:hiddenFill>
               </a:ext>
               <a:ext uri="{AF507438-7753-43e0-B8FC-AC1667EBCBE1}">
-                <a14:hiddenEffects xmlns="" xmlns:a14="http://schemas.microsoft.com/office/drawing/2010/main">
+                <a14:hiddenEffects xmlns:a14="http://schemas.microsoft.com/office/drawing/2010/main" xmlns="">
                   <a:effectLst>
                     <a:outerShdw blurRad="63500" dist="38099" dir="2700000" algn="ctr" rotWithShape="0">
                       <a:schemeClr val="bg2">
@@ -16566,14 +16770,14 @@
             <a:effectLst/>
             <a:extLst>
               <a:ext uri="{909E8E84-426E-40dd-AFC4-6F175D3DCCD1}">
-                <a14:hiddenFill xmlns="" xmlns:a14="http://schemas.microsoft.com/office/drawing/2010/main">
+                <a14:hiddenFill xmlns:a14="http://schemas.microsoft.com/office/drawing/2010/main" xmlns="">
                   <a:solidFill>
                     <a:schemeClr val="accent1"/>
                   </a:solidFill>
                 </a14:hiddenFill>
               </a:ext>
               <a:ext uri="{AF507438-7753-43e0-B8FC-AC1667EBCBE1}">
-                <a14:hiddenEffects xmlns="" xmlns:a14="http://schemas.microsoft.com/office/drawing/2010/main">
+                <a14:hiddenEffects xmlns:a14="http://schemas.microsoft.com/office/drawing/2010/main" xmlns="">
                   <a:effectLst>
                     <a:outerShdw blurRad="63500" dist="38099" dir="2700000" algn="ctr" rotWithShape="0">
                       <a:schemeClr val="bg2">
@@ -16618,14 +16822,14 @@
             <a:effectLst/>
             <a:extLst>
               <a:ext uri="{909E8E84-426E-40dd-AFC4-6F175D3DCCD1}">
-                <a14:hiddenFill xmlns="" xmlns:a14="http://schemas.microsoft.com/office/drawing/2010/main">
+                <a14:hiddenFill xmlns:a14="http://schemas.microsoft.com/office/drawing/2010/main" xmlns="">
                   <a:solidFill>
                     <a:schemeClr val="accent1"/>
                   </a:solidFill>
                 </a14:hiddenFill>
               </a:ext>
               <a:ext uri="{91240B29-F687-4f45-9708-019B960494DF}">
-                <a14:hiddenLine xmlns="" xmlns:a14="http://schemas.microsoft.com/office/drawing/2010/main" w="9525">
+                <a14:hiddenLine xmlns:a14="http://schemas.microsoft.com/office/drawing/2010/main" xmlns="" w="9525">
                   <a:solidFill>
                     <a:schemeClr val="tx1"/>
                   </a:solidFill>
@@ -16635,7 +16839,7 @@
                 </a14:hiddenLine>
               </a:ext>
               <a:ext uri="{AF507438-7753-43e0-B8FC-AC1667EBCBE1}">
-                <a14:hiddenEffects xmlns="" xmlns:a14="http://schemas.microsoft.com/office/drawing/2010/main">
+                <a14:hiddenEffects xmlns:a14="http://schemas.microsoft.com/office/drawing/2010/main" xmlns="">
                   <a:effectLst>
                     <a:outerShdw blurRad="63500" dist="38099" dir="2700000" algn="ctr" rotWithShape="0">
                       <a:schemeClr val="bg2">
@@ -16685,14 +16889,14 @@
             <a:effectLst/>
             <a:extLst>
               <a:ext uri="{909E8E84-426E-40dd-AFC4-6F175D3DCCD1}">
-                <a14:hiddenFill xmlns="" xmlns:a14="http://schemas.microsoft.com/office/drawing/2010/main">
+                <a14:hiddenFill xmlns:a14="http://schemas.microsoft.com/office/drawing/2010/main" xmlns="">
                   <a:solidFill>
                     <a:schemeClr val="accent1"/>
                   </a:solidFill>
                 </a14:hiddenFill>
               </a:ext>
               <a:ext uri="{91240B29-F687-4f45-9708-019B960494DF}">
-                <a14:hiddenLine xmlns="" xmlns:a14="http://schemas.microsoft.com/office/drawing/2010/main" w="9525">
+                <a14:hiddenLine xmlns:a14="http://schemas.microsoft.com/office/drawing/2010/main" xmlns="" w="9525">
                   <a:solidFill>
                     <a:schemeClr val="tx1"/>
                   </a:solidFill>
@@ -16702,7 +16906,7 @@
                 </a14:hiddenLine>
               </a:ext>
               <a:ext uri="{AF507438-7753-43e0-B8FC-AC1667EBCBE1}">
-                <a14:hiddenEffects xmlns="" xmlns:a14="http://schemas.microsoft.com/office/drawing/2010/main">
+                <a14:hiddenEffects xmlns:a14="http://schemas.microsoft.com/office/drawing/2010/main" xmlns="">
                   <a:effectLst>
                     <a:outerShdw blurRad="63500" dist="38099" dir="2700000" algn="ctr" rotWithShape="0">
                       <a:schemeClr val="bg2">
@@ -16760,14 +16964,14 @@
             <a:effectLst/>
             <a:extLst>
               <a:ext uri="{909E8E84-426E-40dd-AFC4-6F175D3DCCD1}">
-                <a14:hiddenFill xmlns="" xmlns:a14="http://schemas.microsoft.com/office/drawing/2010/main">
+                <a14:hiddenFill xmlns:a14="http://schemas.microsoft.com/office/drawing/2010/main" xmlns="">
                   <a:solidFill>
                     <a:schemeClr val="accent1"/>
                   </a:solidFill>
                 </a14:hiddenFill>
               </a:ext>
               <a:ext uri="{91240B29-F687-4f45-9708-019B960494DF}">
-                <a14:hiddenLine xmlns="" xmlns:a14="http://schemas.microsoft.com/office/drawing/2010/main" w="9525">
+                <a14:hiddenLine xmlns:a14="http://schemas.microsoft.com/office/drawing/2010/main" xmlns="" w="9525">
                   <a:solidFill>
                     <a:schemeClr val="tx1"/>
                   </a:solidFill>
@@ -16777,7 +16981,7 @@
                 </a14:hiddenLine>
               </a:ext>
               <a:ext uri="{AF507438-7753-43e0-B8FC-AC1667EBCBE1}">
-                <a14:hiddenEffects xmlns="" xmlns:a14="http://schemas.microsoft.com/office/drawing/2010/main">
+                <a14:hiddenEffects xmlns:a14="http://schemas.microsoft.com/office/drawing/2010/main" xmlns="">
                   <a:effectLst>
                     <a:outerShdw blurRad="63500" dist="38099" dir="2700000" algn="ctr" rotWithShape="0">
                       <a:schemeClr val="bg2">
@@ -16827,14 +17031,14 @@
             <a:effectLst/>
             <a:extLst>
               <a:ext uri="{909E8E84-426E-40dd-AFC4-6F175D3DCCD1}">
-                <a14:hiddenFill xmlns="" xmlns:a14="http://schemas.microsoft.com/office/drawing/2010/main">
+                <a14:hiddenFill xmlns:a14="http://schemas.microsoft.com/office/drawing/2010/main" xmlns="">
                   <a:solidFill>
                     <a:schemeClr val="accent1"/>
                   </a:solidFill>
                 </a14:hiddenFill>
               </a:ext>
               <a:ext uri="{91240B29-F687-4f45-9708-019B960494DF}">
-                <a14:hiddenLine xmlns="" xmlns:a14="http://schemas.microsoft.com/office/drawing/2010/main" w="9525">
+                <a14:hiddenLine xmlns:a14="http://schemas.microsoft.com/office/drawing/2010/main" xmlns="" w="9525">
                   <a:solidFill>
                     <a:schemeClr val="tx1"/>
                   </a:solidFill>
@@ -16844,7 +17048,7 @@
                 </a14:hiddenLine>
               </a:ext>
               <a:ext uri="{AF507438-7753-43e0-B8FC-AC1667EBCBE1}">
-                <a14:hiddenEffects xmlns="" xmlns:a14="http://schemas.microsoft.com/office/drawing/2010/main">
+                <a14:hiddenEffects xmlns:a14="http://schemas.microsoft.com/office/drawing/2010/main" xmlns="">
                   <a:effectLst>
                     <a:outerShdw blurRad="63500" dist="38099" dir="2700000" algn="ctr" rotWithShape="0">
                       <a:schemeClr val="bg2">
@@ -16902,14 +17106,14 @@
             <a:effectLst/>
             <a:extLst>
               <a:ext uri="{909E8E84-426E-40dd-AFC4-6F175D3DCCD1}">
-                <a14:hiddenFill xmlns="" xmlns:a14="http://schemas.microsoft.com/office/drawing/2010/main">
+                <a14:hiddenFill xmlns:a14="http://schemas.microsoft.com/office/drawing/2010/main" xmlns="">
                   <a:solidFill>
                     <a:schemeClr val="accent1"/>
                   </a:solidFill>
                 </a14:hiddenFill>
               </a:ext>
               <a:ext uri="{91240B29-F687-4f45-9708-019B960494DF}">
-                <a14:hiddenLine xmlns="" xmlns:a14="http://schemas.microsoft.com/office/drawing/2010/main" w="9525">
+                <a14:hiddenLine xmlns:a14="http://schemas.microsoft.com/office/drawing/2010/main" xmlns="" w="9525">
                   <a:solidFill>
                     <a:schemeClr val="tx1"/>
                   </a:solidFill>
@@ -16919,7 +17123,7 @@
                 </a14:hiddenLine>
               </a:ext>
               <a:ext uri="{AF507438-7753-43e0-B8FC-AC1667EBCBE1}">
-                <a14:hiddenEffects xmlns="" xmlns:a14="http://schemas.microsoft.com/office/drawing/2010/main">
+                <a14:hiddenEffects xmlns:a14="http://schemas.microsoft.com/office/drawing/2010/main" xmlns="">
                   <a:effectLst>
                     <a:outerShdw blurRad="63500" dist="38099" dir="2700000" algn="ctr" rotWithShape="0">
                       <a:schemeClr val="bg2">
@@ -16986,12 +17190,12 @@
             <a:effectLst/>
             <a:extLst>
               <a:ext uri="{909E8E84-426E-40dd-AFC4-6F175D3DCCD1}">
-                <a14:hiddenFill xmlns="" xmlns:a14="http://schemas.microsoft.com/office/drawing/2010/main">
+                <a14:hiddenFill xmlns:a14="http://schemas.microsoft.com/office/drawing/2010/main" xmlns="">
                   <a:noFill/>
                 </a14:hiddenFill>
               </a:ext>
               <a:ext uri="{AF507438-7753-43e0-B8FC-AC1667EBCBE1}">
-                <a14:hiddenEffects xmlns="" xmlns:a14="http://schemas.microsoft.com/office/drawing/2010/main">
+                <a14:hiddenEffects xmlns:a14="http://schemas.microsoft.com/office/drawing/2010/main" xmlns="">
                   <a:effectLst>
                     <a:outerShdw blurRad="63500" dist="38099" dir="2700000" algn="ctr" rotWithShape="0">
                       <a:schemeClr val="bg2">
@@ -17034,12 +17238,12 @@
             <a:effectLst/>
             <a:extLst>
               <a:ext uri="{909E8E84-426E-40dd-AFC4-6F175D3DCCD1}">
-                <a14:hiddenFill xmlns="" xmlns:a14="http://schemas.microsoft.com/office/drawing/2010/main">
+                <a14:hiddenFill xmlns:a14="http://schemas.microsoft.com/office/drawing/2010/main" xmlns="">
                   <a:noFill/>
                 </a14:hiddenFill>
               </a:ext>
               <a:ext uri="{AF507438-7753-43e0-B8FC-AC1667EBCBE1}">
-                <a14:hiddenEffects xmlns="" xmlns:a14="http://schemas.microsoft.com/office/drawing/2010/main">
+                <a14:hiddenEffects xmlns:a14="http://schemas.microsoft.com/office/drawing/2010/main" xmlns="">
                   <a:effectLst>
                     <a:outerShdw blurRad="63500" dist="38099" dir="2700000" algn="ctr" rotWithShape="0">
                       <a:schemeClr val="bg2">
@@ -17082,12 +17286,12 @@
             <a:effectLst/>
             <a:extLst>
               <a:ext uri="{909E8E84-426E-40dd-AFC4-6F175D3DCCD1}">
-                <a14:hiddenFill xmlns="" xmlns:a14="http://schemas.microsoft.com/office/drawing/2010/main">
+                <a14:hiddenFill xmlns:a14="http://schemas.microsoft.com/office/drawing/2010/main" xmlns="">
                   <a:noFill/>
                 </a14:hiddenFill>
               </a:ext>
               <a:ext uri="{AF507438-7753-43e0-B8FC-AC1667EBCBE1}">
-                <a14:hiddenEffects xmlns="" xmlns:a14="http://schemas.microsoft.com/office/drawing/2010/main">
+                <a14:hiddenEffects xmlns:a14="http://schemas.microsoft.com/office/drawing/2010/main" xmlns="">
                   <a:effectLst>
                     <a:outerShdw blurRad="63500" dist="38099" dir="2700000" algn="ctr" rotWithShape="0">
                       <a:schemeClr val="bg2">
@@ -17123,14 +17327,14 @@
             <a:effectLst/>
             <a:extLst>
               <a:ext uri="{909E8E84-426E-40dd-AFC4-6F175D3DCCD1}">
-                <a14:hiddenFill xmlns="" xmlns:a14="http://schemas.microsoft.com/office/drawing/2010/main">
+                <a14:hiddenFill xmlns:a14="http://schemas.microsoft.com/office/drawing/2010/main" xmlns="">
                   <a:solidFill>
                     <a:schemeClr val="accent1"/>
                   </a:solidFill>
                 </a14:hiddenFill>
               </a:ext>
               <a:ext uri="{91240B29-F687-4f45-9708-019B960494DF}">
-                <a14:hiddenLine xmlns="" xmlns:a14="http://schemas.microsoft.com/office/drawing/2010/main" w="9525">
+                <a14:hiddenLine xmlns:a14="http://schemas.microsoft.com/office/drawing/2010/main" xmlns="" w="9525">
                   <a:solidFill>
                     <a:schemeClr val="tx1"/>
                   </a:solidFill>
@@ -17140,7 +17344,7 @@
                 </a14:hiddenLine>
               </a:ext>
               <a:ext uri="{AF507438-7753-43e0-B8FC-AC1667EBCBE1}">
-                <a14:hiddenEffects xmlns="" xmlns:a14="http://schemas.microsoft.com/office/drawing/2010/main">
+                <a14:hiddenEffects xmlns:a14="http://schemas.microsoft.com/office/drawing/2010/main" xmlns="">
                   <a:effectLst>
                     <a:outerShdw blurRad="63500" dist="38099" dir="2700000" algn="ctr" rotWithShape="0">
                       <a:schemeClr val="bg2">
@@ -17199,14 +17403,14 @@
           <a:effectLst/>
           <a:extLst>
             <a:ext uri="{909E8E84-426E-40dd-AFC4-6F175D3DCCD1}">
-              <a14:hiddenFill xmlns="" xmlns:a14="http://schemas.microsoft.com/office/drawing/2010/main">
+              <a14:hiddenFill xmlns:a14="http://schemas.microsoft.com/office/drawing/2010/main" xmlns="">
                 <a:solidFill>
                   <a:schemeClr val="accent1"/>
                 </a:solidFill>
               </a14:hiddenFill>
             </a:ext>
             <a:ext uri="{91240B29-F687-4f45-9708-019B960494DF}">
-              <a14:hiddenLine xmlns="" xmlns:a14="http://schemas.microsoft.com/office/drawing/2010/main" w="9525">
+              <a14:hiddenLine xmlns:a14="http://schemas.microsoft.com/office/drawing/2010/main" xmlns="" w="9525">
                 <a:solidFill>
                   <a:schemeClr val="tx1"/>
                 </a:solidFill>
@@ -17216,7 +17420,7 @@
               </a14:hiddenLine>
             </a:ext>
             <a:ext uri="{AF507438-7753-43e0-B8FC-AC1667EBCBE1}">
-              <a14:hiddenEffects xmlns="" xmlns:a14="http://schemas.microsoft.com/office/drawing/2010/main">
+              <a14:hiddenEffects xmlns:a14="http://schemas.microsoft.com/office/drawing/2010/main" xmlns="">
                 <a:effectLst>
                   <a:outerShdw blurRad="63500" dist="38099" dir="2700000" algn="ctr" rotWithShape="0">
                     <a:schemeClr val="bg2">
@@ -17929,7 +18133,7 @@
           </a:ln>
           <a:extLst>
             <a:ext uri="{909E8E84-426E-40dd-AFC4-6F175D3DCCD1}">
-              <a14:hiddenFill xmlns="" xmlns:a14="http://schemas.microsoft.com/office/drawing/2010/main">
+              <a14:hiddenFill xmlns:a14="http://schemas.microsoft.com/office/drawing/2010/main" xmlns="">
                 <a:noFill/>
               </a14:hiddenFill>
             </a:ext>
@@ -17968,7 +18172,7 @@
           </a:ln>
           <a:extLst>
             <a:ext uri="{909E8E84-426E-40dd-AFC4-6F175D3DCCD1}">
-              <a14:hiddenFill xmlns="" xmlns:a14="http://schemas.microsoft.com/office/drawing/2010/main">
+              <a14:hiddenFill xmlns:a14="http://schemas.microsoft.com/office/drawing/2010/main" xmlns="">
                 <a:noFill/>
               </a14:hiddenFill>
             </a:ext>
@@ -18079,14 +18283,14 @@
           </a:ln>
           <a:extLst>
             <a:ext uri="{909E8E84-426E-40dd-AFC4-6F175D3DCCD1}">
-              <a14:hiddenFill xmlns="" xmlns:a14="http://schemas.microsoft.com/office/drawing/2010/main">
+              <a14:hiddenFill xmlns:a14="http://schemas.microsoft.com/office/drawing/2010/main" xmlns="">
                 <a:solidFill>
                   <a:srgbClr val="FFFFFF"/>
                 </a:solidFill>
               </a14:hiddenFill>
             </a:ext>
             <a:ext uri="{91240B29-F687-4f45-9708-019B960494DF}">
-              <a14:hiddenLine xmlns="" xmlns:a14="http://schemas.microsoft.com/office/drawing/2010/main" w="12700">
+              <a14:hiddenLine xmlns:a14="http://schemas.microsoft.com/office/drawing/2010/main" xmlns="" w="12700">
                 <a:solidFill>
                   <a:srgbClr val="000000"/>
                 </a:solidFill>
@@ -18265,7 +18469,7 @@
             </a:ln>
             <a:extLst>
               <a:ext uri="{909E8E84-426E-40dd-AFC4-6F175D3DCCD1}">
-                <a14:hiddenFill xmlns="" xmlns:a14="http://schemas.microsoft.com/office/drawing/2010/main">
+                <a14:hiddenFill xmlns:a14="http://schemas.microsoft.com/office/drawing/2010/main" xmlns="">
                   <a:noFill/>
                 </a14:hiddenFill>
               </a:ext>
@@ -18306,7 +18510,7 @@
             </a:ln>
             <a:extLst>
               <a:ext uri="{909E8E84-426E-40dd-AFC4-6F175D3DCCD1}">
-                <a14:hiddenFill xmlns="" xmlns:a14="http://schemas.microsoft.com/office/drawing/2010/main">
+                <a14:hiddenFill xmlns:a14="http://schemas.microsoft.com/office/drawing/2010/main" xmlns="">
                   <a:noFill/>
                 </a14:hiddenFill>
               </a:ext>
@@ -18342,14 +18546,14 @@
             </a:ln>
             <a:extLst>
               <a:ext uri="{909E8E84-426E-40dd-AFC4-6F175D3DCCD1}">
-                <a14:hiddenFill xmlns="" xmlns:a14="http://schemas.microsoft.com/office/drawing/2010/main">
+                <a14:hiddenFill xmlns:a14="http://schemas.microsoft.com/office/drawing/2010/main" xmlns="">
                   <a:solidFill>
                     <a:srgbClr val="FFFFFF"/>
                   </a:solidFill>
                 </a14:hiddenFill>
               </a:ext>
               <a:ext uri="{91240B29-F687-4f45-9708-019B960494DF}">
-                <a14:hiddenLine xmlns="" xmlns:a14="http://schemas.microsoft.com/office/drawing/2010/main" w="12700">
+                <a14:hiddenLine xmlns:a14="http://schemas.microsoft.com/office/drawing/2010/main" xmlns="" w="12700">
                   <a:solidFill>
                     <a:srgbClr val="000000"/>
                   </a:solidFill>
@@ -18395,14 +18599,14 @@
             </a:ln>
             <a:extLst>
               <a:ext uri="{909E8E84-426E-40dd-AFC4-6F175D3DCCD1}">
-                <a14:hiddenFill xmlns="" xmlns:a14="http://schemas.microsoft.com/office/drawing/2010/main">
+                <a14:hiddenFill xmlns:a14="http://schemas.microsoft.com/office/drawing/2010/main" xmlns="">
                   <a:solidFill>
                     <a:srgbClr val="FFFFFF"/>
                   </a:solidFill>
                 </a14:hiddenFill>
               </a:ext>
               <a:ext uri="{91240B29-F687-4f45-9708-019B960494DF}">
-                <a14:hiddenLine xmlns="" xmlns:a14="http://schemas.microsoft.com/office/drawing/2010/main" w="12700">
+                <a14:hiddenLine xmlns:a14="http://schemas.microsoft.com/office/drawing/2010/main" xmlns="" w="12700">
                   <a:solidFill>
                     <a:srgbClr val="000000"/>
                   </a:solidFill>
@@ -18448,14 +18652,14 @@
             </a:ln>
             <a:extLst>
               <a:ext uri="{909E8E84-426E-40dd-AFC4-6F175D3DCCD1}">
-                <a14:hiddenFill xmlns="" xmlns:a14="http://schemas.microsoft.com/office/drawing/2010/main">
+                <a14:hiddenFill xmlns:a14="http://schemas.microsoft.com/office/drawing/2010/main" xmlns="">
                   <a:solidFill>
                     <a:srgbClr val="FFFFFF"/>
                   </a:solidFill>
                 </a14:hiddenFill>
               </a:ext>
               <a:ext uri="{91240B29-F687-4f45-9708-019B960494DF}">
-                <a14:hiddenLine xmlns="" xmlns:a14="http://schemas.microsoft.com/office/drawing/2010/main" w="12700">
+                <a14:hiddenLine xmlns:a14="http://schemas.microsoft.com/office/drawing/2010/main" xmlns="" w="12700">
                   <a:solidFill>
                     <a:srgbClr val="000000"/>
                   </a:solidFill>
@@ -19470,7 +19674,7 @@
             </a:ln>
             <a:extLst>
               <a:ext uri="{909E8E84-426E-40dd-AFC4-6F175D3DCCD1}">
-                <a14:hiddenFill xmlns="" xmlns:a14="http://schemas.microsoft.com/office/drawing/2010/main">
+                <a14:hiddenFill xmlns:a14="http://schemas.microsoft.com/office/drawing/2010/main" xmlns="">
                   <a:noFill/>
                 </a14:hiddenFill>
               </a:ext>
@@ -19509,7 +19713,7 @@
             </a:ln>
             <a:extLst>
               <a:ext uri="{909E8E84-426E-40dd-AFC4-6F175D3DCCD1}">
-                <a14:hiddenFill xmlns="" xmlns:a14="http://schemas.microsoft.com/office/drawing/2010/main">
+                <a14:hiddenFill xmlns:a14="http://schemas.microsoft.com/office/drawing/2010/main" xmlns="">
                   <a:noFill/>
                 </a14:hiddenFill>
               </a:ext>
@@ -19548,7 +19752,7 @@
             </a:ln>
             <a:extLst>
               <a:ext uri="{909E8E84-426E-40dd-AFC4-6F175D3DCCD1}">
-                <a14:hiddenFill xmlns="" xmlns:a14="http://schemas.microsoft.com/office/drawing/2010/main">
+                <a14:hiddenFill xmlns:a14="http://schemas.microsoft.com/office/drawing/2010/main" xmlns="">
                   <a:noFill/>
                 </a14:hiddenFill>
               </a:ext>
@@ -19587,7 +19791,7 @@
             </a:ln>
             <a:extLst>
               <a:ext uri="{909E8E84-426E-40dd-AFC4-6F175D3DCCD1}">
-                <a14:hiddenFill xmlns="" xmlns:a14="http://schemas.microsoft.com/office/drawing/2010/main">
+                <a14:hiddenFill xmlns:a14="http://schemas.microsoft.com/office/drawing/2010/main" xmlns="">
                   <a:noFill/>
                 </a14:hiddenFill>
               </a:ext>
@@ -19626,7 +19830,7 @@
             </a:ln>
             <a:extLst>
               <a:ext uri="{909E8E84-426E-40dd-AFC4-6F175D3DCCD1}">
-                <a14:hiddenFill xmlns="" xmlns:a14="http://schemas.microsoft.com/office/drawing/2010/main">
+                <a14:hiddenFill xmlns:a14="http://schemas.microsoft.com/office/drawing/2010/main" xmlns="">
                   <a:noFill/>
                 </a14:hiddenFill>
               </a:ext>
@@ -19665,7 +19869,7 @@
             </a:ln>
             <a:extLst>
               <a:ext uri="{909E8E84-426E-40dd-AFC4-6F175D3DCCD1}">
-                <a14:hiddenFill xmlns="" xmlns:a14="http://schemas.microsoft.com/office/drawing/2010/main">
+                <a14:hiddenFill xmlns:a14="http://schemas.microsoft.com/office/drawing/2010/main" xmlns="">
                   <a:noFill/>
                 </a14:hiddenFill>
               </a:ext>
@@ -26664,8 +26868,8 @@
         </p:nvSpPr>
         <p:spPr>
           <a:xfrm>
-            <a:off x="1444752" y="4182871"/>
-            <a:ext cx="9909047" cy="760080"/>
+            <a:off x="983412" y="4182871"/>
+            <a:ext cx="10493588" cy="760080"/>
           </a:xfrm>
           <a:prstGeom prst="rect">
             <a:avLst/>
@@ -32048,14 +32252,14 @@
           <a:effectLst/>
           <a:extLst>
             <a:ext uri="{909E8E84-426E-40dd-AFC4-6F175D3DCCD1}">
-              <a14:hiddenFill xmlns="" xmlns:a14="http://schemas.microsoft.com/office/drawing/2010/main">
+              <a14:hiddenFill xmlns:a14="http://schemas.microsoft.com/office/drawing/2010/main" xmlns="">
                 <a:solidFill>
                   <a:schemeClr val="accent1"/>
                 </a:solidFill>
               </a14:hiddenFill>
             </a:ext>
             <a:ext uri="{91240B29-F687-4f45-9708-019B960494DF}">
-              <a14:hiddenLine xmlns="" xmlns:a14="http://schemas.microsoft.com/office/drawing/2010/main" w="9525">
+              <a14:hiddenLine xmlns:a14="http://schemas.microsoft.com/office/drawing/2010/main" xmlns="" w="9525">
                 <a:solidFill>
                   <a:schemeClr val="tx1"/>
                 </a:solidFill>
@@ -32065,7 +32269,7 @@
               </a14:hiddenLine>
             </a:ext>
             <a:ext uri="{AF507438-7753-43e0-B8FC-AC1667EBCBE1}">
-              <a14:hiddenEffects xmlns="" xmlns:a14="http://schemas.microsoft.com/office/drawing/2010/main">
+              <a14:hiddenEffects xmlns:a14="http://schemas.microsoft.com/office/drawing/2010/main" xmlns="">
                 <a:effectLst>
                   <a:outerShdw blurRad="63500" dist="38099" dir="2700000" algn="ctr" rotWithShape="0">
                     <a:schemeClr val="bg2">
@@ -36193,19 +36397,43 @@
           <a:p>
             <a:r>
               <a:rPr lang="en-US" dirty="0"/>
-              <a:t>Avoids some of the repetition on both top-down  and bottom-up integration.</a:t>
-            </a:r>
-          </a:p>
-          <a:p>
+              <a:t>Avoids some of the repetition on both top-down </a:t>
+            </a:r>
+            <a:r>
+              <a:rPr lang="en-US" dirty="0" smtClean="0"/>
+              <a:t>and </a:t>
+            </a:r>
             <a:r>
               <a:rPr lang="en-US" dirty="0"/>
-              <a:t>Nicely understood as a depth-first traversal of the  functional decomposition tree.</a:t>
+              <a:t>bottom-up integration.</a:t>
             </a:r>
           </a:p>
           <a:p>
             <a:r>
               <a:rPr lang="en-US" dirty="0"/>
-              <a:t>A “sandwich” is one path from the root to a leaf of  the functional decomposition tree.</a:t>
+              <a:t>Nicely understood as a depth-first traversal of the </a:t>
+            </a:r>
+            <a:r>
+              <a:rPr lang="en-US" dirty="0" smtClean="0"/>
+              <a:t>functional </a:t>
+            </a:r>
+            <a:r>
+              <a:rPr lang="en-US" dirty="0"/>
+              <a:t>decomposition tree.</a:t>
+            </a:r>
+          </a:p>
+          <a:p>
+            <a:r>
+              <a:rPr lang="en-US" dirty="0"/>
+              <a:t>A “sandwich” is one path from the root to a leaf of </a:t>
+            </a:r>
+            <a:r>
+              <a:rPr lang="en-US" dirty="0" smtClean="0"/>
+              <a:t>the </a:t>
+            </a:r>
+            <a:r>
+              <a:rPr lang="en-US" dirty="0"/>
+              <a:t>functional decomposition tree.</a:t>
             </a:r>
           </a:p>
           <a:p>
@@ -44019,7 +44247,7 @@
           <a:p>
             <a:r>
               <a:rPr lang="en-US" dirty="0"/>
-              <a:t>By definition, and edge in the Call Graph refers to </a:t>
+              <a:t>By definition, </a:t>
             </a:r>
             <a:r>
               <a:rPr lang="en-US" dirty="0" smtClean="0"/>
@@ -44027,6 +44255,14 @@
             </a:r>
             <a:r>
               <a:rPr lang="en-US" dirty="0"/>
+              <a:t>edge in the Call Graph refers to </a:t>
+            </a:r>
+            <a:r>
+              <a:rPr lang="en-US" dirty="0" smtClean="0"/>
+              <a:t>an </a:t>
+            </a:r>
+            <a:r>
+              <a:rPr lang="en-US" dirty="0"/>
               <a:t>interface between the units that are the  endpoints of the edge.</a:t>
             </a:r>
           </a:p>
@@ -44045,8 +44281,13 @@
           <a:p>
             <a:r>
               <a:rPr lang="en-US" dirty="0"/>
-              <a:t>Fault isolation is localized to the pair being  integrated</a:t>
-            </a:r>
+              <a:t>Fault isolation is localized to the pair being </a:t>
+            </a:r>
+            <a:r>
+              <a:rPr lang="en-US" dirty="0" smtClean="0"/>
+              <a:t>integrated</a:t>
+            </a:r>
+            <a:endParaRPr lang="en-US" dirty="0"/>
           </a:p>
           <a:p>
             <a:endParaRPr lang="en-US" dirty="0"/>
@@ -50147,78 +50388,34 @@
           <a:lstStyle/>
           <a:p>
             <a:r>
-              <a:rPr lang="en-GB" dirty="0" smtClean="0"/>
-              <a:t>Continuous build:</a:t>
-            </a:r>
-          </a:p>
-          <a:p>
-            <a:pPr lvl="1"/>
-            <a:r>
-              <a:rPr lang="en-GB" dirty="0" smtClean="0"/>
-              <a:t>Build from day one</a:t>
-            </a:r>
-          </a:p>
-          <a:p>
-            <a:pPr lvl="1"/>
-            <a:r>
-              <a:rPr lang="en-GB" dirty="0" smtClean="0"/>
-              <a:t>Test from day one</a:t>
-            </a:r>
-          </a:p>
-          <a:p>
-            <a:pPr lvl="1"/>
-            <a:r>
-              <a:rPr lang="en-GB" dirty="0" smtClean="0"/>
-              <a:t>Integrate from day one</a:t>
-            </a:r>
-          </a:p>
-          <a:p>
-            <a:pPr lvl="1"/>
-            <a:r>
-              <a:rPr lang="en-GB" altLang="ja-JP" dirty="0" smtClean="0"/>
-              <a:t>System is always runnable</a:t>
-            </a:r>
-            <a:endParaRPr lang="en-GB" dirty="0" smtClean="0"/>
-          </a:p>
-          <a:p>
-            <a:r>
-              <a:rPr lang="en-GB" dirty="0" smtClean="0"/>
-              <a:t>Requires integrated tool support:</a:t>
-            </a:r>
-          </a:p>
-          <a:p>
-            <a:pPr lvl="1"/>
-            <a:r>
-              <a:rPr lang="en-GB" dirty="0" smtClean="0"/>
-              <a:t>Continuous build server</a:t>
-            </a:r>
-          </a:p>
-          <a:p>
-            <a:pPr lvl="1"/>
-            <a:r>
-              <a:rPr lang="en-GB" dirty="0" smtClean="0"/>
-              <a:t>Automated tests with high coverage</a:t>
-            </a:r>
-          </a:p>
-          <a:p>
-            <a:pPr lvl="1"/>
-            <a:r>
-              <a:rPr lang="en-GB" dirty="0" smtClean="0"/>
-              <a:t>Tool supported refactoring</a:t>
-            </a:r>
-          </a:p>
-          <a:p>
-            <a:pPr lvl="1"/>
-            <a:r>
-              <a:rPr lang="en-GB" dirty="0" smtClean="0"/>
-              <a:t>Software configuration management</a:t>
-            </a:r>
-          </a:p>
-          <a:p>
-            <a:pPr lvl="1"/>
-            <a:r>
-              <a:rPr lang="en-GB" dirty="0" smtClean="0"/>
-              <a:t>Issue tracking.</a:t>
+              <a:rPr lang="en-US" dirty="0"/>
+              <a:t>Continuous </a:t>
+            </a:r>
+            <a:r>
+              <a:rPr lang="en-US" dirty="0" smtClean="0"/>
+              <a:t>Integration is a software </a:t>
+            </a:r>
+            <a:r>
+              <a:rPr lang="en-US" dirty="0"/>
+              <a:t>development </a:t>
+            </a:r>
+            <a:r>
+              <a:rPr lang="en-US" dirty="0" smtClean="0"/>
+              <a:t>practice </a:t>
+            </a:r>
+            <a:r>
+              <a:rPr lang="en-US" dirty="0"/>
+              <a:t>where members of a team integrate their work frequently, usually each person integrates at least daily - leading to multiple integrations per day. </a:t>
+            </a:r>
+            <a:endParaRPr lang="en-US" dirty="0" smtClean="0"/>
+          </a:p>
+          <a:p>
+            <a:endParaRPr lang="en-US" dirty="0"/>
+          </a:p>
+          <a:p>
+            <a:r>
+              <a:rPr lang="en-US" dirty="0"/>
+              <a:t>Each integration is verified by an automated build (including test) to detect integration errors as quickly as possible. </a:t>
             </a:r>
             <a:endParaRPr lang="en-GB" dirty="0"/>
           </a:p>
@@ -50286,6 +50483,389 @@
       </p:grpSpPr>
       <p:sp>
         <p:nvSpPr>
+          <p:cNvPr id="21506" name="Rectangle 2"/>
+          <p:cNvSpPr>
+            <a:spLocks noGrp="1" noChangeArrowheads="1"/>
+          </p:cNvSpPr>
+          <p:nvPr>
+            <p:ph type="title"/>
+          </p:nvPr>
+        </p:nvSpPr>
+        <p:spPr/>
+        <p:txBody>
+          <a:bodyPr/>
+          <a:lstStyle/>
+          <a:p>
+            <a:r>
+              <a:rPr lang="en-GB" dirty="0" smtClean="0"/>
+              <a:t>Continuous</a:t>
+            </a:r>
+            <a:r>
+              <a:rPr lang="de-DE" dirty="0" smtClean="0"/>
+              <a:t> Testing</a:t>
+            </a:r>
+            <a:endParaRPr lang="de-DE" dirty="0"/>
+          </a:p>
+        </p:txBody>
+      </p:sp>
+      <p:sp>
+        <p:nvSpPr>
+          <p:cNvPr id="21507" name="Rectangle 3"/>
+          <p:cNvSpPr>
+            <a:spLocks noGrp="1" noChangeArrowheads="1"/>
+          </p:cNvSpPr>
+          <p:nvPr>
+            <p:ph type="body" idx="1"/>
+          </p:nvPr>
+        </p:nvSpPr>
+        <p:spPr/>
+        <p:txBody>
+          <a:bodyPr>
+            <a:normAutofit/>
+          </a:bodyPr>
+          <a:lstStyle/>
+          <a:p>
+            <a:r>
+              <a:rPr lang="en-GB" dirty="0" smtClean="0"/>
+              <a:t>Continuous build:</a:t>
+            </a:r>
+          </a:p>
+          <a:p>
+            <a:pPr lvl="1"/>
+            <a:r>
+              <a:rPr lang="en-GB" dirty="0" smtClean="0"/>
+              <a:t>Build from day one</a:t>
+            </a:r>
+          </a:p>
+          <a:p>
+            <a:pPr lvl="1"/>
+            <a:r>
+              <a:rPr lang="en-GB" dirty="0" smtClean="0"/>
+              <a:t>Test from day one</a:t>
+            </a:r>
+          </a:p>
+          <a:p>
+            <a:pPr lvl="1"/>
+            <a:r>
+              <a:rPr lang="en-GB" dirty="0" smtClean="0"/>
+              <a:t>Integrate from day one</a:t>
+            </a:r>
+          </a:p>
+          <a:p>
+            <a:pPr lvl="1"/>
+            <a:r>
+              <a:rPr lang="en-GB" altLang="ja-JP" dirty="0" smtClean="0"/>
+              <a:t>System is always runnable</a:t>
+            </a:r>
+            <a:endParaRPr lang="en-GB" dirty="0" smtClean="0"/>
+          </a:p>
+          <a:p>
+            <a:r>
+              <a:rPr lang="en-GB" dirty="0" smtClean="0"/>
+              <a:t>Requires integrated tool support:</a:t>
+            </a:r>
+          </a:p>
+          <a:p>
+            <a:pPr lvl="1"/>
+            <a:r>
+              <a:rPr lang="en-GB" dirty="0" smtClean="0"/>
+              <a:t>Continuous build server</a:t>
+            </a:r>
+          </a:p>
+          <a:p>
+            <a:pPr lvl="1"/>
+            <a:r>
+              <a:rPr lang="en-GB" dirty="0" smtClean="0"/>
+              <a:t>Automated tests with high coverage</a:t>
+            </a:r>
+          </a:p>
+          <a:p>
+            <a:pPr lvl="1"/>
+            <a:r>
+              <a:rPr lang="en-GB" dirty="0" smtClean="0"/>
+              <a:t>Tool supported refactoring</a:t>
+            </a:r>
+          </a:p>
+          <a:p>
+            <a:pPr lvl="1"/>
+            <a:r>
+              <a:rPr lang="en-GB" dirty="0" smtClean="0"/>
+              <a:t>Software configuration management</a:t>
+            </a:r>
+          </a:p>
+          <a:p>
+            <a:pPr lvl="1"/>
+            <a:r>
+              <a:rPr lang="en-GB" dirty="0" smtClean="0"/>
+              <a:t>Issue tracking.</a:t>
+            </a:r>
+            <a:endParaRPr lang="en-GB" dirty="0"/>
+          </a:p>
+        </p:txBody>
+      </p:sp>
+      <p:sp>
+        <p:nvSpPr>
+          <p:cNvPr id="2" name="Slide Number Placeholder 1"/>
+          <p:cNvSpPr>
+            <a:spLocks noGrp="1"/>
+          </p:cNvSpPr>
+          <p:nvPr>
+            <p:ph type="sldNum" sz="quarter" idx="12"/>
+          </p:nvPr>
+        </p:nvSpPr>
+        <p:spPr/>
+        <p:txBody>
+          <a:bodyPr/>
+          <a:lstStyle/>
+          <a:p>
+            <a:fld id="{B543A0FD-1CA6-4228-86A2-78061B4844C8}" type="slidenum">
+              <a:rPr lang="en-US" smtClean="0"/>
+              <a:t>59</a:t>
+            </a:fld>
+            <a:endParaRPr lang="en-US"/>
+          </a:p>
+        </p:txBody>
+      </p:sp>
+    </p:spTree>
+    <p:extLst>
+      <p:ext uri="{BB962C8B-B14F-4D97-AF65-F5344CB8AC3E}">
+        <p14:creationId xmlns:p14="http://schemas.microsoft.com/office/powerpoint/2010/main" val="3530651616"/>
+      </p:ext>
+    </p:extLst>
+  </p:cSld>
+  <p:clrMapOvr>
+    <a:masterClrMapping/>
+  </p:clrMapOvr>
+  <p:timing>
+    <p:tnLst>
+      <p:par>
+        <p:cTn id="1" dur="indefinite" restart="never" nodeType="tmRoot"/>
+      </p:par>
+    </p:tnLst>
+  </p:timing>
+</p:sld>
+</file>
+
+<file path=ppt/slides/slide6.xml><?xml version="1.0" encoding="utf-8"?>
+<p:sld xmlns:a="http://schemas.openxmlformats.org/drawingml/2006/main" xmlns:r="http://schemas.openxmlformats.org/officeDocument/2006/relationships" xmlns:p="http://schemas.openxmlformats.org/presentationml/2006/main">
+  <p:cSld>
+    <p:spTree>
+      <p:nvGrpSpPr>
+        <p:cNvPr id="1" name=""/>
+        <p:cNvGrpSpPr/>
+        <p:nvPr/>
+      </p:nvGrpSpPr>
+      <p:grpSpPr>
+        <a:xfrm>
+          <a:off x="0" y="0"/>
+          <a:ext cx="0" cy="0"/>
+          <a:chOff x="0" y="0"/>
+          <a:chExt cx="0" cy="0"/>
+        </a:xfrm>
+      </p:grpSpPr>
+      <p:sp>
+        <p:nvSpPr>
+          <p:cNvPr id="16385" name="Rectangle 2"/>
+          <p:cNvSpPr>
+            <a:spLocks noGrp="1"/>
+          </p:cNvSpPr>
+          <p:nvPr>
+            <p:ph type="title"/>
+          </p:nvPr>
+        </p:nvSpPr>
+        <p:spPr/>
+        <p:txBody>
+          <a:bodyPr>
+            <a:normAutofit/>
+          </a:bodyPr>
+          <a:lstStyle/>
+          <a:p>
+            <a:pPr algn="ctr"/>
+            <a:r>
+              <a:rPr lang="en-US" sz="5400" dirty="0"/>
+              <a:t>Integration Testing</a:t>
+            </a:r>
+          </a:p>
+        </p:txBody>
+      </p:sp>
+      <p:sp>
+        <p:nvSpPr>
+          <p:cNvPr id="3" name="Subtitle 2"/>
+          <p:cNvSpPr>
+            <a:spLocks noGrp="1"/>
+          </p:cNvSpPr>
+          <p:nvPr>
+            <p:ph idx="1"/>
+          </p:nvPr>
+        </p:nvSpPr>
+        <p:spPr/>
+        <p:txBody>
+          <a:bodyPr>
+            <a:normAutofit/>
+          </a:bodyPr>
+          <a:lstStyle/>
+          <a:p>
+            <a:r>
+              <a:rPr lang="en-US" b="1" dirty="0">
+                <a:solidFill>
+                  <a:schemeClr val="tx1"/>
+                </a:solidFill>
+              </a:rPr>
+              <a:t>Integration testing</a:t>
+            </a:r>
+            <a:r>
+              <a:rPr lang="en-US" dirty="0">
+                <a:solidFill>
+                  <a:schemeClr val="tx1"/>
+                </a:solidFill>
+              </a:rPr>
+              <a:t> (sometimes called </a:t>
+            </a:r>
+            <a:r>
+              <a:rPr lang="en-US" b="1" dirty="0">
+                <a:solidFill>
+                  <a:schemeClr val="tx1"/>
+                </a:solidFill>
+              </a:rPr>
+              <a:t>integration</a:t>
+            </a:r>
+            <a:r>
+              <a:rPr lang="en-US" dirty="0">
+                <a:solidFill>
+                  <a:schemeClr val="tx1"/>
+                </a:solidFill>
+              </a:rPr>
+              <a:t> and </a:t>
+            </a:r>
+            <a:r>
+              <a:rPr lang="en-US" b="1" dirty="0">
+                <a:solidFill>
+                  <a:schemeClr val="tx1"/>
+                </a:solidFill>
+              </a:rPr>
+              <a:t>testing</a:t>
+            </a:r>
+            <a:r>
+              <a:rPr lang="en-US" dirty="0">
+                <a:solidFill>
+                  <a:schemeClr val="tx1"/>
+                </a:solidFill>
+              </a:rPr>
+              <a:t>, abbreviated I&amp;T) is the phase in software </a:t>
+            </a:r>
+            <a:r>
+              <a:rPr lang="en-US" b="1" dirty="0">
+                <a:solidFill>
+                  <a:schemeClr val="tx1"/>
+                </a:solidFill>
+              </a:rPr>
+              <a:t>testing</a:t>
+            </a:r>
+            <a:r>
+              <a:rPr lang="en-US" dirty="0">
+                <a:solidFill>
+                  <a:schemeClr val="tx1"/>
+                </a:solidFill>
+              </a:rPr>
+              <a:t> in which individual software modules are combined and tested as a group. It occurs after unit </a:t>
+            </a:r>
+            <a:r>
+              <a:rPr lang="en-US" b="1" dirty="0">
+                <a:solidFill>
+                  <a:schemeClr val="tx1"/>
+                </a:solidFill>
+              </a:rPr>
+              <a:t>testing</a:t>
+            </a:r>
+            <a:r>
+              <a:rPr lang="en-US" dirty="0">
+                <a:solidFill>
+                  <a:schemeClr val="tx1"/>
+                </a:solidFill>
+              </a:rPr>
+              <a:t> and before validation </a:t>
+            </a:r>
+            <a:r>
+              <a:rPr lang="en-US" b="1" dirty="0">
+                <a:solidFill>
+                  <a:schemeClr val="tx1"/>
+                </a:solidFill>
+              </a:rPr>
+              <a:t>testing</a:t>
+            </a:r>
+            <a:r>
+              <a:rPr lang="en-US" dirty="0">
+                <a:solidFill>
+                  <a:schemeClr val="tx1"/>
+                </a:solidFill>
+              </a:rPr>
+              <a:t>.</a:t>
+            </a:r>
+          </a:p>
+        </p:txBody>
+      </p:sp>
+      <p:sp>
+        <p:nvSpPr>
+          <p:cNvPr id="2" name="Slide Number Placeholder 1"/>
+          <p:cNvSpPr>
+            <a:spLocks noGrp="1"/>
+          </p:cNvSpPr>
+          <p:nvPr>
+            <p:ph type="sldNum" sz="quarter" idx="12"/>
+          </p:nvPr>
+        </p:nvSpPr>
+        <p:spPr/>
+        <p:txBody>
+          <a:bodyPr/>
+          <a:lstStyle/>
+          <a:p>
+            <a:fld id="{B543A0FD-1CA6-4228-86A2-78061B4844C8}" type="slidenum">
+              <a:rPr lang="en-US" smtClean="0"/>
+              <a:t>6</a:t>
+            </a:fld>
+            <a:endParaRPr lang="en-US"/>
+          </a:p>
+        </p:txBody>
+      </p:sp>
+    </p:spTree>
+    <p:extLst>
+      <p:ext uri="{BB962C8B-B14F-4D97-AF65-F5344CB8AC3E}">
+        <p14:creationId xmlns:p14="http://schemas.microsoft.com/office/powerpoint/2010/main" val="3188935976"/>
+      </p:ext>
+    </p:extLst>
+  </p:cSld>
+  <p:clrMapOvr>
+    <a:masterClrMapping/>
+  </p:clrMapOvr>
+  <p:timing>
+    <p:tnLst>
+      <p:par>
+        <p:cTn id="1" dur="indefinite" restart="never" nodeType="tmRoot"/>
+      </p:par>
+    </p:tnLst>
+  </p:timing>
+</p:sld>
+</file>
+
+<file path=ppt/slides/slide60.xml><?xml version="1.0" encoding="utf-8"?>
+<p:sld xmlns:a="http://schemas.openxmlformats.org/drawingml/2006/main" xmlns:r="http://schemas.openxmlformats.org/officeDocument/2006/relationships" xmlns:p="http://schemas.openxmlformats.org/presentationml/2006/main">
+  <p:cSld>
+    <p:spTree>
+      <p:nvGrpSpPr>
+        <p:cNvPr id="1" name=""/>
+        <p:cNvGrpSpPr/>
+        <p:nvPr/>
+      </p:nvGrpSpPr>
+      <p:grpSpPr>
+        <a:xfrm>
+          <a:off x="0" y="0"/>
+          <a:ext cx="0" cy="0"/>
+          <a:chOff x="0" y="0"/>
+          <a:chExt cx="0" cy="0"/>
+        </a:xfrm>
+      </p:grpSpPr>
+      <p:sp>
+        <p:nvSpPr>
           <p:cNvPr id="239675" name="Rectangle 59"/>
           <p:cNvSpPr>
             <a:spLocks noChangeArrowheads="1"/>
@@ -50294,7 +50874,7 @@
         </p:nvSpPr>
         <p:spPr bwMode="auto">
           <a:xfrm>
-            <a:off x="5486400" y="1455808"/>
+            <a:off x="5486400" y="1559320"/>
             <a:ext cx="134938" cy="701675"/>
           </a:xfrm>
           <a:prstGeom prst="rect">
@@ -50308,7 +50888,7 @@
           </a:ln>
           <a:extLst>
             <a:ext uri="{91240B29-F687-4f45-9708-019B960494DF}">
-              <a14:hiddenLine xmlns="" xmlns:a14="http://schemas.microsoft.com/office/drawing/2010/main" w="12700">
+              <a14:hiddenLine xmlns:a14="http://schemas.microsoft.com/office/drawing/2010/main" xmlns="" w="12700">
                 <a:solidFill>
                   <a:srgbClr val="000000"/>
                 </a:solidFill>
@@ -50337,7 +50917,7 @@
         </p:nvSpPr>
         <p:spPr bwMode="auto">
           <a:xfrm>
-            <a:off x="2528888" y="4378395"/>
+            <a:off x="2528888" y="4481907"/>
             <a:ext cx="279400" cy="701675"/>
           </a:xfrm>
           <a:prstGeom prst="rect">
@@ -50351,7 +50931,7 @@
           </a:ln>
           <a:extLst>
             <a:ext uri="{91240B29-F687-4f45-9708-019B960494DF}">
-              <a14:hiddenLine xmlns="" xmlns:a14="http://schemas.microsoft.com/office/drawing/2010/main" w="12700">
+              <a14:hiddenLine xmlns:a14="http://schemas.microsoft.com/office/drawing/2010/main" xmlns="" w="12700">
                 <a:solidFill>
                   <a:srgbClr val="000000"/>
                 </a:solidFill>
@@ -50380,7 +50960,7 @@
         </p:nvSpPr>
         <p:spPr bwMode="auto">
           <a:xfrm>
-            <a:off x="3309938" y="2843283"/>
+            <a:off x="3309938" y="2946795"/>
             <a:ext cx="119062" cy="701675"/>
           </a:xfrm>
           <a:prstGeom prst="rect">
@@ -50394,7 +50974,7 @@
           </a:ln>
           <a:extLst>
             <a:ext uri="{91240B29-F687-4f45-9708-019B960494DF}">
-              <a14:hiddenLine xmlns="" xmlns:a14="http://schemas.microsoft.com/office/drawing/2010/main" w="12700">
+              <a14:hiddenLine xmlns:a14="http://schemas.microsoft.com/office/drawing/2010/main" xmlns="" w="12700">
                 <a:solidFill>
                   <a:srgbClr val="000000"/>
                 </a:solidFill>
@@ -50423,7 +51003,7 @@
         </p:nvSpPr>
         <p:spPr bwMode="auto">
           <a:xfrm>
-            <a:off x="3429000" y="2843283"/>
+            <a:off x="3429000" y="2946795"/>
             <a:ext cx="279400" cy="701675"/>
           </a:xfrm>
           <a:prstGeom prst="rect">
@@ -50437,7 +51017,7 @@
           </a:ln>
           <a:extLst>
             <a:ext uri="{91240B29-F687-4f45-9708-019B960494DF}">
-              <a14:hiddenLine xmlns="" xmlns:a14="http://schemas.microsoft.com/office/drawing/2010/main" w="12700">
+              <a14:hiddenLine xmlns:a14="http://schemas.microsoft.com/office/drawing/2010/main" xmlns="" w="12700">
                 <a:solidFill>
                   <a:srgbClr val="000000"/>
                 </a:solidFill>
@@ -50466,7 +51046,7 @@
         </p:nvSpPr>
         <p:spPr bwMode="auto">
           <a:xfrm>
-            <a:off x="5048250" y="2843283"/>
+            <a:off x="5048250" y="2946795"/>
             <a:ext cx="279400" cy="701675"/>
           </a:xfrm>
           <a:prstGeom prst="rect">
@@ -50480,7 +51060,7 @@
           </a:ln>
           <a:extLst>
             <a:ext uri="{91240B29-F687-4f45-9708-019B960494DF}">
-              <a14:hiddenLine xmlns="" xmlns:a14="http://schemas.microsoft.com/office/drawing/2010/main" w="12700">
+              <a14:hiddenLine xmlns:a14="http://schemas.microsoft.com/office/drawing/2010/main" xmlns="" w="12700">
                 <a:solidFill>
                   <a:srgbClr val="000000"/>
                 </a:solidFill>
@@ -50509,7 +51089,7 @@
         </p:nvSpPr>
         <p:spPr bwMode="auto">
           <a:xfrm>
-            <a:off x="5046663" y="1455808"/>
+            <a:off x="5046663" y="1559320"/>
             <a:ext cx="279400" cy="701675"/>
           </a:xfrm>
           <a:prstGeom prst="rect">
@@ -50523,7 +51103,7 @@
           </a:ln>
           <a:extLst>
             <a:ext uri="{91240B29-F687-4f45-9708-019B960494DF}">
-              <a14:hiddenLine xmlns="" xmlns:a14="http://schemas.microsoft.com/office/drawing/2010/main" w="12700">
+              <a14:hiddenLine xmlns:a14="http://schemas.microsoft.com/office/drawing/2010/main" xmlns="" w="12700">
                 <a:solidFill>
                   <a:srgbClr val="000000"/>
                 </a:solidFill>
@@ -50552,7 +51132,7 @@
         </p:nvSpPr>
         <p:spPr bwMode="auto">
           <a:xfrm>
-            <a:off x="5326064" y="1455808"/>
+            <a:off x="5326064" y="1559320"/>
             <a:ext cx="160337" cy="701675"/>
           </a:xfrm>
           <a:prstGeom prst="rect">
@@ -50566,7 +51146,7 @@
           </a:ln>
           <a:extLst>
             <a:ext uri="{91240B29-F687-4f45-9708-019B960494DF}">
-              <a14:hiddenLine xmlns="" xmlns:a14="http://schemas.microsoft.com/office/drawing/2010/main" w="12700">
+              <a14:hiddenLine xmlns:a14="http://schemas.microsoft.com/office/drawing/2010/main" xmlns="" w="12700">
                 <a:solidFill>
                   <a:srgbClr val="000000"/>
                 </a:solidFill>
@@ -50595,7 +51175,7 @@
         </p:nvSpPr>
         <p:spPr bwMode="auto">
           <a:xfrm>
-            <a:off x="5046663" y="1455808"/>
+            <a:off x="5046663" y="1559320"/>
             <a:ext cx="1173162" cy="701675"/>
           </a:xfrm>
           <a:prstGeom prst="rect">
@@ -50612,7 +51192,7 @@
           </a:ln>
           <a:extLst>
             <a:ext uri="{909E8E84-426E-40dd-AFC4-6F175D3DCCD1}">
-              <a14:hiddenFill xmlns="" xmlns:a14="http://schemas.microsoft.com/office/drawing/2010/main">
+              <a14:hiddenFill xmlns:a14="http://schemas.microsoft.com/office/drawing/2010/main" xmlns="">
                 <a:solidFill>
                   <a:srgbClr val="FFFFFF"/>
                 </a:solidFill>
@@ -50649,7 +51229,7 @@
         </p:nvSpPr>
         <p:spPr bwMode="auto">
           <a:xfrm>
-            <a:off x="2528888" y="4365695"/>
+            <a:off x="2528888" y="4469207"/>
             <a:ext cx="1173162" cy="701675"/>
           </a:xfrm>
           <a:prstGeom prst="rect">
@@ -50666,7 +51246,7 @@
           </a:ln>
           <a:extLst>
             <a:ext uri="{909E8E84-426E-40dd-AFC4-6F175D3DCCD1}">
-              <a14:hiddenFill xmlns="" xmlns:a14="http://schemas.microsoft.com/office/drawing/2010/main">
+              <a14:hiddenFill xmlns:a14="http://schemas.microsoft.com/office/drawing/2010/main" xmlns="">
                 <a:solidFill>
                   <a:srgbClr val="FFFFFF"/>
                 </a:solidFill>
@@ -50703,7 +51283,7 @@
         </p:nvSpPr>
         <p:spPr bwMode="auto">
           <a:xfrm>
-            <a:off x="3309938" y="2843283"/>
+            <a:off x="3309938" y="2946795"/>
             <a:ext cx="1173162" cy="701675"/>
           </a:xfrm>
           <a:prstGeom prst="rect">
@@ -50720,7 +51300,7 @@
           </a:ln>
           <a:extLst>
             <a:ext uri="{909E8E84-426E-40dd-AFC4-6F175D3DCCD1}">
-              <a14:hiddenFill xmlns="" xmlns:a14="http://schemas.microsoft.com/office/drawing/2010/main">
+              <a14:hiddenFill xmlns:a14="http://schemas.microsoft.com/office/drawing/2010/main" xmlns="">
                 <a:solidFill>
                   <a:srgbClr val="FFFFFF"/>
                 </a:solidFill>
@@ -50759,7 +51339,7 @@
         </p:nvSpPr>
         <p:spPr>
           <a:xfrm>
-            <a:off x="474663" y="391390"/>
+            <a:off x="268288" y="185751"/>
             <a:ext cx="9144000" cy="990600"/>
           </a:xfrm>
         </p:spPr>
@@ -50785,7 +51365,7 @@
         </p:nvSpPr>
         <p:spPr bwMode="auto">
           <a:xfrm>
-            <a:off x="2273300" y="2406719"/>
+            <a:off x="2273300" y="2510231"/>
             <a:ext cx="7683500" cy="0"/>
           </a:xfrm>
           <a:prstGeom prst="line">
@@ -50802,7 +51382,7 @@
           </a:ln>
           <a:extLst>
             <a:ext uri="{909E8E84-426E-40dd-AFC4-6F175D3DCCD1}">
-              <a14:hiddenFill xmlns="" xmlns:a14="http://schemas.microsoft.com/office/drawing/2010/main">
+              <a14:hiddenFill xmlns:a14="http://schemas.microsoft.com/office/drawing/2010/main" xmlns="">
                 <a:noFill/>
               </a14:hiddenFill>
             </a:ext>
@@ -50826,7 +51406,7 @@
         </p:nvSpPr>
         <p:spPr bwMode="auto">
           <a:xfrm>
-            <a:off x="2197100" y="3744982"/>
+            <a:off x="2197100" y="3848494"/>
             <a:ext cx="7683500" cy="0"/>
           </a:xfrm>
           <a:prstGeom prst="line">
@@ -50843,7 +51423,7 @@
           </a:ln>
           <a:extLst>
             <a:ext uri="{909E8E84-426E-40dd-AFC4-6F175D3DCCD1}">
-              <a14:hiddenFill xmlns="" xmlns:a14="http://schemas.microsoft.com/office/drawing/2010/main">
+              <a14:hiddenFill xmlns:a14="http://schemas.microsoft.com/office/drawing/2010/main" xmlns="">
                 <a:noFill/>
               </a14:hiddenFill>
             </a:ext>
@@ -50867,7 +51447,7 @@
         </p:nvSpPr>
         <p:spPr bwMode="auto">
           <a:xfrm>
-            <a:off x="8874125" y="1793945"/>
+            <a:off x="8874125" y="1897457"/>
             <a:ext cx="860940" cy="397545"/>
           </a:xfrm>
           <a:prstGeom prst="rect">
@@ -50879,14 +51459,14 @@
           </a:ln>
           <a:extLst>
             <a:ext uri="{909E8E84-426E-40dd-AFC4-6F175D3DCCD1}">
-              <a14:hiddenFill xmlns="" xmlns:a14="http://schemas.microsoft.com/office/drawing/2010/main">
+              <a14:hiddenFill xmlns:a14="http://schemas.microsoft.com/office/drawing/2010/main" xmlns="">
                 <a:solidFill>
                   <a:srgbClr val="FFFFFF"/>
                 </a:solidFill>
               </a14:hiddenFill>
             </a:ext>
             <a:ext uri="{91240B29-F687-4f45-9708-019B960494DF}">
-              <a14:hiddenLine xmlns="" xmlns:a14="http://schemas.microsoft.com/office/drawing/2010/main" w="12700">
+              <a14:hiddenLine xmlns:a14="http://schemas.microsoft.com/office/drawing/2010/main" xmlns="" w="12700">
                 <a:solidFill>
                   <a:srgbClr val="000000"/>
                 </a:solidFill>
@@ -50920,7 +51500,7 @@
         </p:nvSpPr>
         <p:spPr bwMode="auto">
           <a:xfrm>
-            <a:off x="8863013" y="2994095"/>
+            <a:off x="8863013" y="3097607"/>
             <a:ext cx="925060" cy="397545"/>
           </a:xfrm>
           <a:prstGeom prst="rect">
@@ -50932,14 +51512,14 @@
           </a:ln>
           <a:extLst>
             <a:ext uri="{909E8E84-426E-40dd-AFC4-6F175D3DCCD1}">
-              <a14:hiddenFill xmlns="" xmlns:a14="http://schemas.microsoft.com/office/drawing/2010/main">
+              <a14:hiddenFill xmlns:a14="http://schemas.microsoft.com/office/drawing/2010/main" xmlns="">
                 <a:solidFill>
                   <a:srgbClr val="FFFFFF"/>
                 </a:solidFill>
               </a14:hiddenFill>
             </a:ext>
             <a:ext uri="{91240B29-F687-4f45-9708-019B960494DF}">
-              <a14:hiddenLine xmlns="" xmlns:a14="http://schemas.microsoft.com/office/drawing/2010/main" w="12700">
+              <a14:hiddenLine xmlns:a14="http://schemas.microsoft.com/office/drawing/2010/main" xmlns="" w="12700">
                 <a:solidFill>
                   <a:srgbClr val="000000"/>
                 </a:solidFill>
@@ -50973,7 +51553,7 @@
         </p:nvSpPr>
         <p:spPr bwMode="auto">
           <a:xfrm>
-            <a:off x="8863014" y="4365695"/>
+            <a:off x="8863014" y="4469207"/>
             <a:ext cx="989181" cy="397545"/>
           </a:xfrm>
           <a:prstGeom prst="rect">
@@ -50985,14 +51565,14 @@
           </a:ln>
           <a:extLst>
             <a:ext uri="{909E8E84-426E-40dd-AFC4-6F175D3DCCD1}">
-              <a14:hiddenFill xmlns="" xmlns:a14="http://schemas.microsoft.com/office/drawing/2010/main">
+              <a14:hiddenFill xmlns:a14="http://schemas.microsoft.com/office/drawing/2010/main" xmlns="">
                 <a:solidFill>
                   <a:srgbClr val="FFFFFF"/>
                 </a:solidFill>
               </a14:hiddenFill>
             </a:ext>
             <a:ext uri="{91240B29-F687-4f45-9708-019B960494DF}">
-              <a14:hiddenLine xmlns="" xmlns:a14="http://schemas.microsoft.com/office/drawing/2010/main" w="12700">
+              <a14:hiddenLine xmlns:a14="http://schemas.microsoft.com/office/drawing/2010/main" xmlns="" w="12700">
                 <a:solidFill>
                   <a:srgbClr val="000000"/>
                 </a:solidFill>
@@ -51026,7 +51606,7 @@
         </p:nvSpPr>
         <p:spPr bwMode="auto">
           <a:xfrm flipV="1">
-            <a:off x="5046664" y="1225619"/>
+            <a:off x="5046664" y="1329131"/>
             <a:ext cx="687387" cy="230188"/>
           </a:xfrm>
           <a:custGeom>
@@ -51117,7 +51697,7 @@
         </p:nvSpPr>
         <p:spPr bwMode="auto">
           <a:xfrm flipV="1">
-            <a:off x="2528889" y="4135508"/>
+            <a:off x="2528889" y="4239020"/>
             <a:ext cx="687387" cy="230187"/>
           </a:xfrm>
           <a:custGeom>
@@ -51208,7 +51788,7 @@
         </p:nvSpPr>
         <p:spPr bwMode="auto">
           <a:xfrm flipV="1">
-            <a:off x="4152900" y="4148208"/>
+            <a:off x="4152900" y="4251720"/>
             <a:ext cx="687388" cy="230187"/>
           </a:xfrm>
           <a:custGeom>
@@ -51299,7 +51879,7 @@
         </p:nvSpPr>
         <p:spPr bwMode="auto">
           <a:xfrm>
-            <a:off x="6708776" y="4365695"/>
+            <a:off x="6708776" y="4469207"/>
             <a:ext cx="1173163" cy="701675"/>
           </a:xfrm>
           <a:prstGeom prst="rect">
@@ -51346,7 +51926,7 @@
         </p:nvSpPr>
         <p:spPr bwMode="auto">
           <a:xfrm flipV="1">
-            <a:off x="6708775" y="4135508"/>
+            <a:off x="6708775" y="4239020"/>
             <a:ext cx="687388" cy="230187"/>
           </a:xfrm>
           <a:custGeom>
@@ -51437,7 +52017,7 @@
         </p:nvSpPr>
         <p:spPr bwMode="auto">
           <a:xfrm>
-            <a:off x="6708776" y="2843283"/>
+            <a:off x="6708776" y="2946795"/>
             <a:ext cx="1173163" cy="701675"/>
           </a:xfrm>
           <a:prstGeom prst="rect">
@@ -51484,7 +52064,7 @@
         </p:nvSpPr>
         <p:spPr bwMode="auto">
           <a:xfrm flipV="1">
-            <a:off x="6708775" y="2613094"/>
+            <a:off x="6708775" y="2716606"/>
             <a:ext cx="687388" cy="230188"/>
           </a:xfrm>
           <a:custGeom>
@@ -51575,7 +52155,7 @@
         </p:nvSpPr>
         <p:spPr bwMode="auto">
           <a:xfrm flipV="1">
-            <a:off x="3309939" y="2613094"/>
+            <a:off x="3309939" y="2716606"/>
             <a:ext cx="687387" cy="230188"/>
           </a:xfrm>
           <a:custGeom>
@@ -51668,7 +52248,7 @@
         </p:nvCxnSpPr>
         <p:spPr bwMode="auto">
           <a:xfrm rot="5400000">
-            <a:off x="4414838" y="1395482"/>
+            <a:off x="4414838" y="1498994"/>
             <a:ext cx="457200" cy="1981200"/>
           </a:xfrm>
           <a:prstGeom prst="bentConnector3">
@@ -51688,7 +52268,7 @@
           </a:ln>
           <a:extLst>
             <a:ext uri="{909E8E84-426E-40dd-AFC4-6F175D3DCCD1}">
-              <a14:hiddenFill xmlns="" xmlns:a14="http://schemas.microsoft.com/office/drawing/2010/main">
+              <a14:hiddenFill xmlns:a14="http://schemas.microsoft.com/office/drawing/2010/main" xmlns="">
                 <a:noFill/>
               </a14:hiddenFill>
             </a:ext>
@@ -51707,7 +52287,7 @@
         </p:nvCxnSpPr>
         <p:spPr bwMode="auto">
           <a:xfrm rot="5400000">
-            <a:off x="5283994" y="2264638"/>
+            <a:off x="5283994" y="2368150"/>
             <a:ext cx="457200" cy="242888"/>
           </a:xfrm>
           <a:prstGeom prst="bentConnector3">
@@ -51727,7 +52307,7 @@
           </a:ln>
           <a:extLst>
             <a:ext uri="{909E8E84-426E-40dd-AFC4-6F175D3DCCD1}">
-              <a14:hiddenFill xmlns="" xmlns:a14="http://schemas.microsoft.com/office/drawing/2010/main">
+              <a14:hiddenFill xmlns:a14="http://schemas.microsoft.com/office/drawing/2010/main" xmlns="">
                 <a:noFill/>
               </a14:hiddenFill>
             </a:ext>
@@ -51746,7 +52326,7 @@
         </p:nvCxnSpPr>
         <p:spPr bwMode="auto">
           <a:xfrm rot="16200000" flipH="1">
-            <a:off x="6114257" y="1677264"/>
+            <a:off x="6114257" y="1780776"/>
             <a:ext cx="457200" cy="1417637"/>
           </a:xfrm>
           <a:prstGeom prst="bentConnector3">
@@ -51766,7 +52346,7 @@
           </a:ln>
           <a:extLst>
             <a:ext uri="{909E8E84-426E-40dd-AFC4-6F175D3DCCD1}">
-              <a14:hiddenFill xmlns="" xmlns:a14="http://schemas.microsoft.com/office/drawing/2010/main">
+              <a14:hiddenFill xmlns:a14="http://schemas.microsoft.com/office/drawing/2010/main" xmlns="">
                 <a:noFill/>
               </a14:hiddenFill>
             </a:ext>
@@ -51785,7 +52365,7 @@
         </p:nvCxnSpPr>
         <p:spPr bwMode="auto">
           <a:xfrm rot="5400000">
-            <a:off x="6877845" y="3718789"/>
+            <a:off x="6877845" y="3822301"/>
             <a:ext cx="592137" cy="244475"/>
           </a:xfrm>
           <a:prstGeom prst="bentConnector3">
@@ -51805,7 +52385,7 @@
           </a:ln>
           <a:extLst>
             <a:ext uri="{909E8E84-426E-40dd-AFC4-6F175D3DCCD1}">
-              <a14:hiddenFill xmlns="" xmlns:a14="http://schemas.microsoft.com/office/drawing/2010/main">
+              <a14:hiddenFill xmlns:a14="http://schemas.microsoft.com/office/drawing/2010/main" xmlns="">
                 <a:noFill/>
               </a14:hiddenFill>
             </a:ext>
@@ -51824,7 +52404,7 @@
         </p:nvCxnSpPr>
         <p:spPr bwMode="auto">
           <a:xfrm rot="16200000" flipH="1">
-            <a:off x="3894139" y="3548133"/>
+            <a:off x="3894139" y="3651645"/>
             <a:ext cx="604837" cy="598487"/>
           </a:xfrm>
           <a:prstGeom prst="bentConnector3">
@@ -51844,7 +52424,7 @@
           </a:ln>
           <a:extLst>
             <a:ext uri="{909E8E84-426E-40dd-AFC4-6F175D3DCCD1}">
-              <a14:hiddenFill xmlns="" xmlns:a14="http://schemas.microsoft.com/office/drawing/2010/main">
+              <a14:hiddenFill xmlns:a14="http://schemas.microsoft.com/office/drawing/2010/main" xmlns="">
                 <a:noFill/>
               </a14:hiddenFill>
             </a:ext>
@@ -51863,7 +52443,7 @@
         </p:nvCxnSpPr>
         <p:spPr bwMode="auto">
           <a:xfrm rot="5400000">
-            <a:off x="3088483" y="3328264"/>
+            <a:off x="3088483" y="3431776"/>
             <a:ext cx="592137" cy="1025525"/>
           </a:xfrm>
           <a:prstGeom prst="bentConnector3">
@@ -51883,7 +52463,7 @@
           </a:ln>
           <a:extLst>
             <a:ext uri="{909E8E84-426E-40dd-AFC4-6F175D3DCCD1}">
-              <a14:hiddenFill xmlns="" xmlns:a14="http://schemas.microsoft.com/office/drawing/2010/main">
+              <a14:hiddenFill xmlns:a14="http://schemas.microsoft.com/office/drawing/2010/main" xmlns="">
                 <a:noFill/>
               </a14:hiddenFill>
             </a:ext>
@@ -51900,7 +52480,7 @@
         </p:nvSpPr>
         <p:spPr bwMode="auto">
           <a:xfrm>
-            <a:off x="5048251" y="2843283"/>
+            <a:off x="5048251" y="2946795"/>
             <a:ext cx="1173163" cy="701675"/>
           </a:xfrm>
           <a:prstGeom prst="rect">
@@ -51917,7 +52497,7 @@
           </a:ln>
           <a:extLst>
             <a:ext uri="{909E8E84-426E-40dd-AFC4-6F175D3DCCD1}">
-              <a14:hiddenFill xmlns="" xmlns:a14="http://schemas.microsoft.com/office/drawing/2010/main">
+              <a14:hiddenFill xmlns:a14="http://schemas.microsoft.com/office/drawing/2010/main" xmlns="">
                 <a:solidFill>
                   <a:srgbClr val="FFFFFF"/>
                 </a:solidFill>
@@ -51947,7 +52527,7 @@
         </p:nvSpPr>
         <p:spPr bwMode="auto">
           <a:xfrm flipV="1">
-            <a:off x="5048250" y="2613094"/>
+            <a:off x="5048250" y="2716606"/>
             <a:ext cx="687388" cy="230188"/>
           </a:xfrm>
           <a:custGeom>
@@ -52038,7 +52618,7 @@
         </p:nvSpPr>
         <p:spPr bwMode="auto">
           <a:xfrm>
-            <a:off x="4152901" y="4378395"/>
+            <a:off x="4152901" y="4481907"/>
             <a:ext cx="1173163" cy="701675"/>
           </a:xfrm>
           <a:prstGeom prst="rect">
@@ -52085,7 +52665,7 @@
         </p:nvSpPr>
         <p:spPr bwMode="auto">
           <a:xfrm>
-            <a:off x="3086100" y="5683319"/>
+            <a:off x="3086100" y="5786831"/>
             <a:ext cx="6007100" cy="0"/>
           </a:xfrm>
           <a:prstGeom prst="line">
@@ -52102,7 +52682,7 @@
           </a:ln>
           <a:extLst>
             <a:ext uri="{909E8E84-426E-40dd-AFC4-6F175D3DCCD1}">
-              <a14:hiddenFill xmlns="" xmlns:a14="http://schemas.microsoft.com/office/drawing/2010/main">
+              <a14:hiddenFill xmlns:a14="http://schemas.microsoft.com/office/drawing/2010/main" xmlns="">
                 <a:noFill/>
               </a14:hiddenFill>
             </a:ext>
@@ -52126,7 +52706,7 @@
         </p:nvSpPr>
         <p:spPr bwMode="auto">
           <a:xfrm>
-            <a:off x="2417176" y="5833308"/>
+            <a:off x="2417176" y="5936820"/>
             <a:ext cx="1382301" cy="400110"/>
           </a:xfrm>
           <a:prstGeom prst="rect">
@@ -52138,14 +52718,14 @@
           </a:ln>
           <a:extLst>
             <a:ext uri="{909E8E84-426E-40dd-AFC4-6F175D3DCCD1}">
-              <a14:hiddenFill xmlns="" xmlns:a14="http://schemas.microsoft.com/office/drawing/2010/main">
+              <a14:hiddenFill xmlns:a14="http://schemas.microsoft.com/office/drawing/2010/main" xmlns="">
                 <a:solidFill>
                   <a:srgbClr val="FFFFFF"/>
                 </a:solidFill>
               </a14:hiddenFill>
             </a:ext>
             <a:ext uri="{91240B29-F687-4f45-9708-019B960494DF}">
-              <a14:hiddenLine xmlns="" xmlns:a14="http://schemas.microsoft.com/office/drawing/2010/main" w="12700">
+              <a14:hiddenLine xmlns:a14="http://schemas.microsoft.com/office/drawing/2010/main" xmlns="" w="12700">
                 <a:solidFill>
                   <a:srgbClr val="000000"/>
                 </a:solidFill>
@@ -52289,7 +52869,7 @@
         </p:nvSpPr>
         <p:spPr bwMode="auto">
           <a:xfrm>
-            <a:off x="5187107" y="5692914"/>
+            <a:off x="5187107" y="5796426"/>
             <a:ext cx="1290738" cy="707886"/>
           </a:xfrm>
           <a:prstGeom prst="rect">
@@ -52301,14 +52881,14 @@
           </a:ln>
           <a:extLst>
             <a:ext uri="{909E8E84-426E-40dd-AFC4-6F175D3DCCD1}">
-              <a14:hiddenFill xmlns="" xmlns:a14="http://schemas.microsoft.com/office/drawing/2010/main">
+              <a14:hiddenFill xmlns:a14="http://schemas.microsoft.com/office/drawing/2010/main" xmlns="">
                 <a:solidFill>
                   <a:srgbClr val="FFFFFF"/>
                 </a:solidFill>
               </a14:hiddenFill>
             </a:ext>
             <a:ext uri="{91240B29-F687-4f45-9708-019B960494DF}">
-              <a14:hiddenLine xmlns="" xmlns:a14="http://schemas.microsoft.com/office/drawing/2010/main" w="12700">
+              <a14:hiddenLine xmlns:a14="http://schemas.microsoft.com/office/drawing/2010/main" xmlns="" w="12700">
                 <a:solidFill>
                   <a:srgbClr val="000000"/>
                 </a:solidFill>
@@ -52461,7 +53041,7 @@
         </p:nvSpPr>
         <p:spPr bwMode="auto">
           <a:xfrm>
-            <a:off x="7516663" y="5846008"/>
+            <a:off x="7516663" y="5949520"/>
             <a:ext cx="1606850" cy="400110"/>
           </a:xfrm>
           <a:prstGeom prst="rect">
@@ -52473,14 +53053,14 @@
           </a:ln>
           <a:extLst>
             <a:ext uri="{909E8E84-426E-40dd-AFC4-6F175D3DCCD1}">
-              <a14:hiddenFill xmlns="" xmlns:a14="http://schemas.microsoft.com/office/drawing/2010/main">
+              <a14:hiddenFill xmlns:a14="http://schemas.microsoft.com/office/drawing/2010/main" xmlns="">
                 <a:solidFill>
                   <a:srgbClr val="FFFFFF"/>
                 </a:solidFill>
               </a14:hiddenFill>
             </a:ext>
             <a:ext uri="{91240B29-F687-4f45-9708-019B960494DF}">
-              <a14:hiddenLine xmlns="" xmlns:a14="http://schemas.microsoft.com/office/drawing/2010/main" w="12700">
+              <a14:hiddenLine xmlns:a14="http://schemas.microsoft.com/office/drawing/2010/main" xmlns="" w="12700">
                 <a:solidFill>
                   <a:srgbClr val="000000"/>
                 </a:solidFill>
@@ -52624,7 +53204,7 @@
         </p:nvSpPr>
         <p:spPr bwMode="auto">
           <a:xfrm>
-            <a:off x="3098800" y="5607119"/>
+            <a:off x="3098800" y="5710631"/>
             <a:ext cx="0" cy="179388"/>
           </a:xfrm>
           <a:prstGeom prst="line">
@@ -52641,7 +53221,7 @@
           </a:ln>
           <a:extLst>
             <a:ext uri="{909E8E84-426E-40dd-AFC4-6F175D3DCCD1}">
-              <a14:hiddenFill xmlns="" xmlns:a14="http://schemas.microsoft.com/office/drawing/2010/main">
+              <a14:hiddenFill xmlns:a14="http://schemas.microsoft.com/office/drawing/2010/main" xmlns="">
                 <a:noFill/>
               </a14:hiddenFill>
             </a:ext>
@@ -52665,7 +53245,7 @@
         </p:nvSpPr>
         <p:spPr bwMode="auto">
           <a:xfrm>
-            <a:off x="5837238" y="5592833"/>
+            <a:off x="5837238" y="5696345"/>
             <a:ext cx="0" cy="179387"/>
           </a:xfrm>
           <a:prstGeom prst="line">
@@ -52682,7 +53262,7 @@
           </a:ln>
           <a:extLst>
             <a:ext uri="{909E8E84-426E-40dd-AFC4-6F175D3DCCD1}">
-              <a14:hiddenFill xmlns="" xmlns:a14="http://schemas.microsoft.com/office/drawing/2010/main">
+              <a14:hiddenFill xmlns:a14="http://schemas.microsoft.com/office/drawing/2010/main" xmlns="">
                 <a:noFill/>
               </a14:hiddenFill>
             </a:ext>
@@ -52706,7 +53286,7 @@
         </p:nvSpPr>
         <p:spPr bwMode="auto">
           <a:xfrm>
-            <a:off x="8304213" y="5597594"/>
+            <a:off x="8304213" y="5701106"/>
             <a:ext cx="0" cy="179388"/>
           </a:xfrm>
           <a:prstGeom prst="line">
@@ -52723,7 +53303,7 @@
           </a:ln>
           <a:extLst>
             <a:ext uri="{909E8E84-426E-40dd-AFC4-6F175D3DCCD1}">
-              <a14:hiddenFill xmlns="" xmlns:a14="http://schemas.microsoft.com/office/drawing/2010/main">
+              <a14:hiddenFill xmlns:a14="http://schemas.microsoft.com/office/drawing/2010/main" xmlns="">
                 <a:noFill/>
               </a14:hiddenFill>
             </a:ext>
@@ -52754,7 +53334,7 @@
           <a:p>
             <a:fld id="{B543A0FD-1CA6-4228-86A2-78061B4844C8}" type="slidenum">
               <a:rPr lang="en-US" smtClean="0"/>
-              <a:t>59</a:t>
+              <a:t>60</a:t>
             </a:fld>
             <a:endParaRPr lang="en-US"/>
           </a:p>
@@ -53219,406 +53799,6 @@
 </p:sld>
 </file>
 
-<file path=ppt/slides/slide6.xml><?xml version="1.0" encoding="utf-8"?>
-<p:sld xmlns:a="http://schemas.openxmlformats.org/drawingml/2006/main" xmlns:r="http://schemas.openxmlformats.org/officeDocument/2006/relationships" xmlns:p="http://schemas.openxmlformats.org/presentationml/2006/main">
-  <p:cSld>
-    <p:spTree>
-      <p:nvGrpSpPr>
-        <p:cNvPr id="1" name=""/>
-        <p:cNvGrpSpPr/>
-        <p:nvPr/>
-      </p:nvGrpSpPr>
-      <p:grpSpPr>
-        <a:xfrm>
-          <a:off x="0" y="0"/>
-          <a:ext cx="0" cy="0"/>
-          <a:chOff x="0" y="0"/>
-          <a:chExt cx="0" cy="0"/>
-        </a:xfrm>
-      </p:grpSpPr>
-      <p:sp>
-        <p:nvSpPr>
-          <p:cNvPr id="16385" name="Rectangle 2"/>
-          <p:cNvSpPr>
-            <a:spLocks noGrp="1"/>
-          </p:cNvSpPr>
-          <p:nvPr>
-            <p:ph type="title"/>
-          </p:nvPr>
-        </p:nvSpPr>
-        <p:spPr/>
-        <p:txBody>
-          <a:bodyPr>
-            <a:normAutofit/>
-          </a:bodyPr>
-          <a:lstStyle/>
-          <a:p>
-            <a:pPr algn="ctr"/>
-            <a:r>
-              <a:rPr lang="en-US" sz="5400" dirty="0"/>
-              <a:t>Integration Testing</a:t>
-            </a:r>
-          </a:p>
-        </p:txBody>
-      </p:sp>
-      <p:sp>
-        <p:nvSpPr>
-          <p:cNvPr id="3" name="Subtitle 2"/>
-          <p:cNvSpPr>
-            <a:spLocks noGrp="1"/>
-          </p:cNvSpPr>
-          <p:nvPr>
-            <p:ph idx="1"/>
-          </p:nvPr>
-        </p:nvSpPr>
-        <p:spPr/>
-        <p:txBody>
-          <a:bodyPr>
-            <a:normAutofit/>
-          </a:bodyPr>
-          <a:lstStyle/>
-          <a:p>
-            <a:r>
-              <a:rPr lang="en-US" b="1" dirty="0">
-                <a:solidFill>
-                  <a:schemeClr val="tx1"/>
-                </a:solidFill>
-              </a:rPr>
-              <a:t>Integration testing</a:t>
-            </a:r>
-            <a:r>
-              <a:rPr lang="en-US" dirty="0">
-                <a:solidFill>
-                  <a:schemeClr val="tx1"/>
-                </a:solidFill>
-              </a:rPr>
-              <a:t> (sometimes called </a:t>
-            </a:r>
-            <a:r>
-              <a:rPr lang="en-US" b="1" dirty="0">
-                <a:solidFill>
-                  <a:schemeClr val="tx1"/>
-                </a:solidFill>
-              </a:rPr>
-              <a:t>integration</a:t>
-            </a:r>
-            <a:r>
-              <a:rPr lang="en-US" dirty="0">
-                <a:solidFill>
-                  <a:schemeClr val="tx1"/>
-                </a:solidFill>
-              </a:rPr>
-              <a:t> and </a:t>
-            </a:r>
-            <a:r>
-              <a:rPr lang="en-US" b="1" dirty="0">
-                <a:solidFill>
-                  <a:schemeClr val="tx1"/>
-                </a:solidFill>
-              </a:rPr>
-              <a:t>testing</a:t>
-            </a:r>
-            <a:r>
-              <a:rPr lang="en-US" dirty="0">
-                <a:solidFill>
-                  <a:schemeClr val="tx1"/>
-                </a:solidFill>
-              </a:rPr>
-              <a:t>, abbreviated I&amp;T) is the phase in software </a:t>
-            </a:r>
-            <a:r>
-              <a:rPr lang="en-US" b="1" dirty="0">
-                <a:solidFill>
-                  <a:schemeClr val="tx1"/>
-                </a:solidFill>
-              </a:rPr>
-              <a:t>testing</a:t>
-            </a:r>
-            <a:r>
-              <a:rPr lang="en-US" dirty="0">
-                <a:solidFill>
-                  <a:schemeClr val="tx1"/>
-                </a:solidFill>
-              </a:rPr>
-              <a:t> in which individual software modules are combined and tested as a group. It occurs after unit </a:t>
-            </a:r>
-            <a:r>
-              <a:rPr lang="en-US" b="1" dirty="0">
-                <a:solidFill>
-                  <a:schemeClr val="tx1"/>
-                </a:solidFill>
-              </a:rPr>
-              <a:t>testing</a:t>
-            </a:r>
-            <a:r>
-              <a:rPr lang="en-US" dirty="0">
-                <a:solidFill>
-                  <a:schemeClr val="tx1"/>
-                </a:solidFill>
-              </a:rPr>
-              <a:t> and before validation </a:t>
-            </a:r>
-            <a:r>
-              <a:rPr lang="en-US" b="1" dirty="0">
-                <a:solidFill>
-                  <a:schemeClr val="tx1"/>
-                </a:solidFill>
-              </a:rPr>
-              <a:t>testing</a:t>
-            </a:r>
-            <a:r>
-              <a:rPr lang="en-US" dirty="0">
-                <a:solidFill>
-                  <a:schemeClr val="tx1"/>
-                </a:solidFill>
-              </a:rPr>
-              <a:t>.</a:t>
-            </a:r>
-          </a:p>
-        </p:txBody>
-      </p:sp>
-      <p:sp>
-        <p:nvSpPr>
-          <p:cNvPr id="2" name="Slide Number Placeholder 1"/>
-          <p:cNvSpPr>
-            <a:spLocks noGrp="1"/>
-          </p:cNvSpPr>
-          <p:nvPr>
-            <p:ph type="sldNum" sz="quarter" idx="12"/>
-          </p:nvPr>
-        </p:nvSpPr>
-        <p:spPr/>
-        <p:txBody>
-          <a:bodyPr/>
-          <a:lstStyle/>
-          <a:p>
-            <a:fld id="{B543A0FD-1CA6-4228-86A2-78061B4844C8}" type="slidenum">
-              <a:rPr lang="en-US" smtClean="0"/>
-              <a:t>6</a:t>
-            </a:fld>
-            <a:endParaRPr lang="en-US"/>
-          </a:p>
-        </p:txBody>
-      </p:sp>
-    </p:spTree>
-    <p:extLst>
-      <p:ext uri="{BB962C8B-B14F-4D97-AF65-F5344CB8AC3E}">
-        <p14:creationId xmlns:p14="http://schemas.microsoft.com/office/powerpoint/2010/main" val="3188935976"/>
-      </p:ext>
-    </p:extLst>
-  </p:cSld>
-  <p:clrMapOvr>
-    <a:masterClrMapping/>
-  </p:clrMapOvr>
-  <p:timing>
-    <p:tnLst>
-      <p:par>
-        <p:cTn id="1" dur="indefinite" restart="never" nodeType="tmRoot"/>
-      </p:par>
-    </p:tnLst>
-  </p:timing>
-</p:sld>
-</file>
-
-<file path=ppt/slides/slide60.xml><?xml version="1.0" encoding="utf-8"?>
-<p:sld xmlns:a="http://schemas.openxmlformats.org/drawingml/2006/main" xmlns:r="http://schemas.openxmlformats.org/officeDocument/2006/relationships" xmlns:p="http://schemas.openxmlformats.org/presentationml/2006/main">
-  <p:cSld>
-    <p:spTree>
-      <p:nvGrpSpPr>
-        <p:cNvPr id="1" name=""/>
-        <p:cNvGrpSpPr/>
-        <p:nvPr/>
-      </p:nvGrpSpPr>
-      <p:grpSpPr>
-        <a:xfrm>
-          <a:off x="0" y="0"/>
-          <a:ext cx="0" cy="0"/>
-          <a:chOff x="0" y="0"/>
-          <a:chExt cx="0" cy="0"/>
-        </a:xfrm>
-      </p:grpSpPr>
-      <p:sp>
-        <p:nvSpPr>
-          <p:cNvPr id="7" name="Title 6"/>
-          <p:cNvSpPr>
-            <a:spLocks noGrp="1"/>
-          </p:cNvSpPr>
-          <p:nvPr>
-            <p:ph type="title"/>
-          </p:nvPr>
-        </p:nvSpPr>
-        <p:spPr/>
-        <p:txBody>
-          <a:bodyPr/>
-          <a:lstStyle/>
-          <a:p>
-            <a:r>
-              <a:rPr lang="en-US" sz="3600" dirty="0"/>
-              <a:t>Which Integration Strategy should you use? </a:t>
-            </a:r>
-          </a:p>
-        </p:txBody>
-      </p:sp>
-      <p:sp>
-        <p:nvSpPr>
-          <p:cNvPr id="13" name="Content Placeholder 12"/>
-          <p:cNvSpPr>
-            <a:spLocks noGrp="1"/>
-          </p:cNvSpPr>
-          <p:nvPr>
-            <p:ph idx="1"/>
-          </p:nvPr>
-        </p:nvSpPr>
-        <p:spPr/>
-        <p:txBody>
-          <a:bodyPr>
-            <a:normAutofit/>
-          </a:bodyPr>
-          <a:lstStyle/>
-          <a:p>
-            <a:r>
-              <a:rPr lang="en-US" dirty="0" smtClean="0"/>
-              <a:t>Factors to consider </a:t>
-            </a:r>
-          </a:p>
-          <a:p>
-            <a:pPr lvl="1"/>
-            <a:r>
-              <a:rPr lang="en-US" dirty="0" smtClean="0"/>
-              <a:t>Location of critical parts in the system </a:t>
-            </a:r>
-          </a:p>
-          <a:p>
-            <a:pPr lvl="1"/>
-            <a:r>
-              <a:rPr lang="en-US" dirty="0" smtClean="0"/>
-              <a:t>Availability of hardware </a:t>
-            </a:r>
-          </a:p>
-          <a:p>
-            <a:pPr lvl="1"/>
-            <a:r>
-              <a:rPr lang="en-US" dirty="0" smtClean="0"/>
-              <a:t>Availability of components</a:t>
-            </a:r>
-          </a:p>
-          <a:p>
-            <a:pPr lvl="1"/>
-            <a:r>
-              <a:rPr lang="en-US" dirty="0" smtClean="0"/>
-              <a:t>Scheduling concerns</a:t>
-            </a:r>
-          </a:p>
-          <a:p>
-            <a:r>
-              <a:rPr lang="en-US" dirty="0" smtClean="0"/>
-              <a:t>Bottom up approach </a:t>
-            </a:r>
-          </a:p>
-          <a:p>
-            <a:pPr lvl="1"/>
-            <a:r>
-              <a:rPr lang="en-US" dirty="0" smtClean="0"/>
-              <a:t>good for object oriented design methodologies </a:t>
-            </a:r>
-          </a:p>
-          <a:p>
-            <a:pPr lvl="1"/>
-            <a:r>
-              <a:rPr lang="en-US" dirty="0" smtClean="0"/>
-              <a:t>Test driver interfaces must match component interfaces </a:t>
-            </a:r>
-          </a:p>
-          <a:p>
-            <a:pPr lvl="1"/>
-            <a:r>
-              <a:rPr lang="en-US" dirty="0" smtClean="0"/>
-              <a:t>Top-level components are usually important and cannot be neglected up to the end of testing</a:t>
-            </a:r>
-          </a:p>
-          <a:p>
-            <a:pPr lvl="1"/>
-            <a:r>
-              <a:rPr lang="en-US" dirty="0" smtClean="0"/>
-              <a:t>Detection of design errors postponed until end of testing </a:t>
-            </a:r>
-          </a:p>
-          <a:p>
-            <a:pPr lvl="1"/>
-            <a:endParaRPr lang="en-US" dirty="0"/>
-          </a:p>
-        </p:txBody>
-      </p:sp>
-      <p:sp>
-        <p:nvSpPr>
-          <p:cNvPr id="14" name="Content Placeholder 13"/>
-          <p:cNvSpPr>
-            <a:spLocks noGrp="1"/>
-          </p:cNvSpPr>
-          <p:nvPr>
-            <p:ph sz="half" idx="4294967295"/>
-          </p:nvPr>
-        </p:nvSpPr>
-        <p:spPr>
-          <a:xfrm>
-            <a:off x="6629400" y="990601"/>
-            <a:ext cx="4038600" cy="5140325"/>
-          </a:xfrm>
-        </p:spPr>
-        <p:txBody>
-          <a:bodyPr/>
-          <a:lstStyle/>
-          <a:p>
-            <a:endParaRPr lang="en-US" sz="1200" dirty="0"/>
-          </a:p>
-          <a:p>
-            <a:endParaRPr lang="en-US" sz="1200" dirty="0"/>
-          </a:p>
-        </p:txBody>
-      </p:sp>
-      <p:sp>
-        <p:nvSpPr>
-          <p:cNvPr id="2" name="Slide Number Placeholder 1"/>
-          <p:cNvSpPr>
-            <a:spLocks noGrp="1"/>
-          </p:cNvSpPr>
-          <p:nvPr>
-            <p:ph type="sldNum" sz="quarter" idx="12"/>
-          </p:nvPr>
-        </p:nvSpPr>
-        <p:spPr/>
-        <p:txBody>
-          <a:bodyPr/>
-          <a:lstStyle/>
-          <a:p>
-            <a:fld id="{B543A0FD-1CA6-4228-86A2-78061B4844C8}" type="slidenum">
-              <a:rPr lang="en-US" smtClean="0"/>
-              <a:t>60</a:t>
-            </a:fld>
-            <a:endParaRPr lang="en-US"/>
-          </a:p>
-        </p:txBody>
-      </p:sp>
-    </p:spTree>
-    <p:extLst>
-      <p:ext uri="{BB962C8B-B14F-4D97-AF65-F5344CB8AC3E}">
-        <p14:creationId xmlns:p14="http://schemas.microsoft.com/office/powerpoint/2010/main" val="4236498266"/>
-      </p:ext>
-    </p:extLst>
-  </p:cSld>
-  <p:clrMapOvr>
-    <a:masterClrMapping/>
-  </p:clrMapOvr>
-  <p:timing>
-    <p:tnLst>
-      <p:par>
-        <p:cTn id="1" dur="indefinite" restart="never" nodeType="tmRoot"/>
-      </p:par>
-    </p:tnLst>
-  </p:timing>
-</p:sld>
-</file>
-
 <file path=ppt/slides/slide61.xml><?xml version="1.0" encoding="utf-8"?>
 <p:sld xmlns:a="http://schemas.openxmlformats.org/drawingml/2006/main" xmlns:r="http://schemas.openxmlformats.org/officeDocument/2006/relationships" xmlns:p="http://schemas.openxmlformats.org/presentationml/2006/main">
   <p:cSld>
@@ -53638,7 +53818,7 @@
       </p:grpSpPr>
       <p:sp>
         <p:nvSpPr>
-          <p:cNvPr id="11" name="Title 10"/>
+          <p:cNvPr id="7" name="Title 6"/>
           <p:cNvSpPr>
             <a:spLocks noGrp="1"/>
           </p:cNvSpPr>
@@ -53660,7 +53840,7 @@
       </p:sp>
       <p:sp>
         <p:nvSpPr>
-          <p:cNvPr id="12" name="Content Placeholder 11"/>
+          <p:cNvPr id="13" name="Content Placeholder 12"/>
           <p:cNvSpPr>
             <a:spLocks noGrp="1"/>
           </p:cNvSpPr>
@@ -53677,38 +53857,101 @@
           <a:p>
             <a:r>
               <a:rPr lang="en-US" dirty="0" smtClean="0"/>
-              <a:t>Top down approach </a:t>
+              <a:t>Factors to consider </a:t>
             </a:r>
           </a:p>
           <a:p>
             <a:pPr lvl="1"/>
             <a:r>
               <a:rPr lang="en-US" dirty="0" smtClean="0"/>
-              <a:t>Test cases can be defined in terms of functions examined </a:t>
+              <a:t>Location of critical parts in the system </a:t>
             </a:r>
           </a:p>
           <a:p>
             <a:pPr lvl="1"/>
             <a:r>
               <a:rPr lang="en-US" dirty="0" smtClean="0"/>
-              <a:t>Need to maintain correctness of test stubs</a:t>
+              <a:t>Availability of hardware </a:t>
             </a:r>
           </a:p>
           <a:p>
             <a:pPr lvl="1"/>
             <a:r>
               <a:rPr lang="en-US" dirty="0" smtClean="0"/>
-              <a:t>Writing stubs can be difficult</a:t>
-            </a:r>
-          </a:p>
-          <a:p>
-            <a:pPr marL="457200" lvl="1" indent="0">
-              <a:buNone/>
-            </a:pPr>
-            <a:endParaRPr lang="en-US" dirty="0" smtClean="0"/>
-          </a:p>
-          <a:p>
+              <a:t>Availability of components</a:t>
+            </a:r>
+          </a:p>
+          <a:p>
+            <a:pPr lvl="1"/>
+            <a:r>
+              <a:rPr lang="en-US" dirty="0" smtClean="0"/>
+              <a:t>Scheduling concerns</a:t>
+            </a:r>
+          </a:p>
+          <a:p>
+            <a:r>
+              <a:rPr lang="en-US" dirty="0" smtClean="0"/>
+              <a:t>Bottom up approach </a:t>
+            </a:r>
+          </a:p>
+          <a:p>
+            <a:pPr lvl="1"/>
+            <a:r>
+              <a:rPr lang="en-US" dirty="0" smtClean="0"/>
+              <a:t>good for object oriented design methodologies </a:t>
+            </a:r>
+          </a:p>
+          <a:p>
+            <a:pPr lvl="1"/>
+            <a:r>
+              <a:rPr lang="en-US" dirty="0" smtClean="0"/>
+              <a:t>Test driver interfaces must match component interfaces </a:t>
+            </a:r>
+          </a:p>
+          <a:p>
+            <a:pPr lvl="1"/>
+            <a:r>
+              <a:rPr lang="en-US" dirty="0" smtClean="0"/>
+              <a:t>Top-level components are usually important and cannot be neglected up to the end of testing</a:t>
+            </a:r>
+          </a:p>
+          <a:p>
+            <a:pPr lvl="1"/>
+            <a:r>
+              <a:rPr lang="en-US" dirty="0" smtClean="0"/>
+              <a:t>Detection of design errors postponed until end of testing </a:t>
+            </a:r>
+          </a:p>
+          <a:p>
+            <a:pPr lvl="1"/>
             <a:endParaRPr lang="en-US" dirty="0"/>
+          </a:p>
+        </p:txBody>
+      </p:sp>
+      <p:sp>
+        <p:nvSpPr>
+          <p:cNvPr id="14" name="Content Placeholder 13"/>
+          <p:cNvSpPr>
+            <a:spLocks noGrp="1"/>
+          </p:cNvSpPr>
+          <p:nvPr>
+            <p:ph sz="half" idx="4294967295"/>
+          </p:nvPr>
+        </p:nvSpPr>
+        <p:spPr>
+          <a:xfrm>
+            <a:off x="6629400" y="990601"/>
+            <a:ext cx="4038600" cy="5140325"/>
+          </a:xfrm>
+        </p:spPr>
+        <p:txBody>
+          <a:bodyPr/>
+          <a:lstStyle/>
+          <a:p>
+            <a:endParaRPr lang="en-US" sz="1200" dirty="0"/>
+          </a:p>
+          <a:p>
+            <a:endParaRPr lang="en-US" sz="1200" dirty="0"/>
           </a:p>
         </p:txBody>
       </p:sp>
@@ -53738,7 +53981,7 @@
     </p:spTree>
     <p:extLst>
       <p:ext uri="{BB962C8B-B14F-4D97-AF65-F5344CB8AC3E}">
-        <p14:creationId xmlns:p14="http://schemas.microsoft.com/office/powerpoint/2010/main" val="4272719104"/>
+        <p14:creationId xmlns:p14="http://schemas.microsoft.com/office/powerpoint/2010/main" val="4236498266"/>
       </p:ext>
     </p:extLst>
   </p:cSld>
@@ -53789,8 +54032,62 @@
           <a:p>
             <a:r>
               <a:rPr lang="en-US" sz="3600" dirty="0"/>
-              <a:t>Steps in Integration Testing</a:t>
-            </a:r>
+              <a:t>Which Integration Strategy should you use? </a:t>
+            </a:r>
+          </a:p>
+        </p:txBody>
+      </p:sp>
+      <p:sp>
+        <p:nvSpPr>
+          <p:cNvPr id="12" name="Content Placeholder 11"/>
+          <p:cNvSpPr>
+            <a:spLocks noGrp="1"/>
+          </p:cNvSpPr>
+          <p:nvPr>
+            <p:ph idx="1"/>
+          </p:nvPr>
+        </p:nvSpPr>
+        <p:spPr/>
+        <p:txBody>
+          <a:bodyPr>
+            <a:normAutofit/>
+          </a:bodyPr>
+          <a:lstStyle/>
+          <a:p>
+            <a:r>
+              <a:rPr lang="en-US" dirty="0" smtClean="0"/>
+              <a:t>Top down approach </a:t>
+            </a:r>
+          </a:p>
+          <a:p>
+            <a:pPr lvl="1"/>
+            <a:r>
+              <a:rPr lang="en-US" dirty="0" smtClean="0"/>
+              <a:t>Test cases can be defined in terms of functions examined </a:t>
+            </a:r>
+          </a:p>
+          <a:p>
+            <a:pPr lvl="1"/>
+            <a:r>
+              <a:rPr lang="en-US" dirty="0" smtClean="0"/>
+              <a:t>Need to maintain correctness of test stubs</a:t>
+            </a:r>
+          </a:p>
+          <a:p>
+            <a:pPr lvl="1"/>
+            <a:r>
+              <a:rPr lang="en-US" dirty="0" smtClean="0"/>
+              <a:t>Writing stubs can be difficult</a:t>
+            </a:r>
+          </a:p>
+          <a:p>
+            <a:pPr marL="457200" lvl="1" indent="0">
+              <a:buNone/>
+            </a:pPr>
+            <a:endParaRPr lang="en-US" dirty="0" smtClean="0"/>
+          </a:p>
+          <a:p>
+            <a:endParaRPr lang="en-US" dirty="0"/>
           </a:p>
         </p:txBody>
       </p:sp>
@@ -53812,6 +54109,88 @@
             <a:fld id="{B543A0FD-1CA6-4228-86A2-78061B4844C8}" type="slidenum">
               <a:rPr lang="en-US" smtClean="0"/>
               <a:t>62</a:t>
+            </a:fld>
+            <a:endParaRPr lang="en-US"/>
+          </a:p>
+        </p:txBody>
+      </p:sp>
+    </p:spTree>
+    <p:extLst>
+      <p:ext uri="{BB962C8B-B14F-4D97-AF65-F5344CB8AC3E}">
+        <p14:creationId xmlns:p14="http://schemas.microsoft.com/office/powerpoint/2010/main" val="4272719104"/>
+      </p:ext>
+    </p:extLst>
+  </p:cSld>
+  <p:clrMapOvr>
+    <a:masterClrMapping/>
+  </p:clrMapOvr>
+  <p:timing>
+    <p:tnLst>
+      <p:par>
+        <p:cTn id="1" dur="indefinite" restart="never" nodeType="tmRoot"/>
+      </p:par>
+    </p:tnLst>
+  </p:timing>
+</p:sld>
+</file>
+
+<file path=ppt/slides/slide63.xml><?xml version="1.0" encoding="utf-8"?>
+<p:sld xmlns:a="http://schemas.openxmlformats.org/drawingml/2006/main" xmlns:r="http://schemas.openxmlformats.org/officeDocument/2006/relationships" xmlns:p="http://schemas.openxmlformats.org/presentationml/2006/main">
+  <p:cSld>
+    <p:spTree>
+      <p:nvGrpSpPr>
+        <p:cNvPr id="1" name=""/>
+        <p:cNvGrpSpPr/>
+        <p:nvPr/>
+      </p:nvGrpSpPr>
+      <p:grpSpPr>
+        <a:xfrm>
+          <a:off x="0" y="0"/>
+          <a:ext cx="0" cy="0"/>
+          <a:chOff x="0" y="0"/>
+          <a:chExt cx="0" cy="0"/>
+        </a:xfrm>
+      </p:grpSpPr>
+      <p:sp>
+        <p:nvSpPr>
+          <p:cNvPr id="11" name="Title 10"/>
+          <p:cNvSpPr>
+            <a:spLocks noGrp="1"/>
+          </p:cNvSpPr>
+          <p:nvPr>
+            <p:ph type="title"/>
+          </p:nvPr>
+        </p:nvSpPr>
+        <p:spPr/>
+        <p:txBody>
+          <a:bodyPr/>
+          <a:lstStyle/>
+          <a:p>
+            <a:r>
+              <a:rPr lang="en-US" sz="3600" dirty="0"/>
+              <a:t>Steps in Integration Testing</a:t>
+            </a:r>
+          </a:p>
+        </p:txBody>
+      </p:sp>
+      <p:sp>
+        <p:nvSpPr>
+          <p:cNvPr id="2" name="Slide Number Placeholder 1"/>
+          <p:cNvSpPr>
+            <a:spLocks noGrp="1"/>
+          </p:cNvSpPr>
+          <p:nvPr>
+            <p:ph type="sldNum" sz="quarter" idx="12"/>
+          </p:nvPr>
+        </p:nvSpPr>
+        <p:spPr/>
+        <p:txBody>
+          <a:bodyPr/>
+          <a:lstStyle/>
+          <a:p>
+            <a:fld id="{B543A0FD-1CA6-4228-86A2-78061B4844C8}" type="slidenum">
+              <a:rPr lang="en-US" smtClean="0"/>
+              <a:t>63</a:t>
             </a:fld>
             <a:endParaRPr lang="en-US"/>
           </a:p>
@@ -54455,7 +54834,7 @@
 </p:sld>
 </file>
 
-<file path=ppt/slides/slide63.xml><?xml version="1.0" encoding="utf-8"?>
+<file path=ppt/slides/slide64.xml><?xml version="1.0" encoding="utf-8"?>
 <p:sld xmlns:a="http://schemas.openxmlformats.org/drawingml/2006/main" xmlns:r="http://schemas.openxmlformats.org/officeDocument/2006/relationships" xmlns:p="http://schemas.openxmlformats.org/presentationml/2006/main">
   <p:cSld>
     <p:spTree>
@@ -54596,7 +54975,7 @@
           <a:p>
             <a:fld id="{B543A0FD-1CA6-4228-86A2-78061B4844C8}" type="slidenum">
               <a:rPr lang="en-US" smtClean="0"/>
-              <a:t>63</a:t>
+              <a:t>64</a:t>
             </a:fld>
             <a:endParaRPr lang="en-US"/>
           </a:p>

--- a/new_SE401/Lectures/8-Integration, System and Regression Testing/Integration Testing.pptx
+++ b/new_SE401/Lectures/8-Integration, System and Regression Testing/Integration Testing.pptx
@@ -260,7 +260,7 @@
           <a:p>
             <a:fld id="{11EAA60E-FCF3-40DF-B4BC-258568585669}" type="datetimeFigureOut">
               <a:rPr lang="en-US" smtClean="0"/>
-              <a:t>11/9/2021</a:t>
+              <a:t>11/28/2021</a:t>
             </a:fld>
             <a:endParaRPr lang="en-US"/>
           </a:p>
@@ -3316,7 +3316,7 @@
           <a:ln/>
           <a:extLst>
             <a:ext uri="{FAA26D3D-D897-4be2-8F04-BA451C77F1D7}">
-              <ma14:placeholderFlag xmlns:ma14="http://schemas.microsoft.com/office/mac/drawingml/2011/main" xmlns="" val="1"/>
+              <ma14:placeholderFlag xmlns="" xmlns:ma14="http://schemas.microsoft.com/office/mac/drawingml/2011/main" val="1"/>
             </a:ext>
           </a:extLst>
         </p:spPr>
@@ -3495,7 +3495,7 @@
           <a:ln/>
           <a:extLst>
             <a:ext uri="{FAA26D3D-D897-4be2-8F04-BA451C77F1D7}">
-              <ma14:placeholderFlag xmlns:ma14="http://schemas.microsoft.com/office/mac/drawingml/2011/main" xmlns="" val="1"/>
+              <ma14:placeholderFlag xmlns="" xmlns:ma14="http://schemas.microsoft.com/office/mac/drawingml/2011/main" val="1"/>
             </a:ext>
           </a:extLst>
         </p:spPr>
@@ -3689,14 +3689,14 @@
           <a:ln w="9525"/>
           <a:extLst>
             <a:ext uri="{909E8E84-426E-40dd-AFC4-6F175D3DCCD1}">
-              <a14:hiddenFill xmlns:a14="http://schemas.microsoft.com/office/drawing/2010/main" xmlns="">
+              <a14:hiddenFill xmlns="" xmlns:a14="http://schemas.microsoft.com/office/drawing/2010/main">
                 <a:solidFill>
                   <a:srgbClr val="FFFFFF"/>
                 </a:solidFill>
               </a14:hiddenFill>
             </a:ext>
             <a:ext uri="{91240B29-F687-4f45-9708-019B960494DF}">
-              <a14:hiddenLine xmlns:a14="http://schemas.microsoft.com/office/drawing/2010/main" xmlns="" w="9525">
+              <a14:hiddenLine xmlns="" xmlns:a14="http://schemas.microsoft.com/office/drawing/2010/main" w="9525">
                 <a:solidFill>
                   <a:srgbClr val="000000"/>
                 </a:solidFill>
@@ -3706,7 +3706,7 @@
               </a14:hiddenLine>
             </a:ext>
             <a:ext uri="{FAA26D3D-D897-4be2-8F04-BA451C77F1D7}">
-              <ma14:placeholderFlag xmlns:ma14="http://schemas.microsoft.com/office/mac/drawingml/2011/main" xmlns="" val="1"/>
+              <ma14:placeholderFlag xmlns="" xmlns:ma14="http://schemas.microsoft.com/office/mac/drawingml/2011/main" val="1"/>
             </a:ext>
           </a:extLst>
         </p:spPr>
@@ -3878,14 +3878,14 @@
           <a:ln w="9525"/>
           <a:extLst>
             <a:ext uri="{909E8E84-426E-40dd-AFC4-6F175D3DCCD1}">
-              <a14:hiddenFill xmlns:a14="http://schemas.microsoft.com/office/drawing/2010/main" xmlns="">
+              <a14:hiddenFill xmlns="" xmlns:a14="http://schemas.microsoft.com/office/drawing/2010/main">
                 <a:solidFill>
                   <a:srgbClr val="FFFFFF"/>
                 </a:solidFill>
               </a14:hiddenFill>
             </a:ext>
             <a:ext uri="{91240B29-F687-4f45-9708-019B960494DF}">
-              <a14:hiddenLine xmlns:a14="http://schemas.microsoft.com/office/drawing/2010/main" xmlns="" w="9525">
+              <a14:hiddenLine xmlns="" xmlns:a14="http://schemas.microsoft.com/office/drawing/2010/main" w="9525">
                 <a:solidFill>
                   <a:srgbClr val="000000"/>
                 </a:solidFill>
@@ -4151,14 +4151,14 @@
           <a:ln w="9525"/>
           <a:extLst>
             <a:ext uri="{909E8E84-426E-40dd-AFC4-6F175D3DCCD1}">
-              <a14:hiddenFill xmlns:a14="http://schemas.microsoft.com/office/drawing/2010/main" xmlns="">
+              <a14:hiddenFill xmlns="" xmlns:a14="http://schemas.microsoft.com/office/drawing/2010/main">
                 <a:solidFill>
                   <a:srgbClr val="FFFFFF"/>
                 </a:solidFill>
               </a14:hiddenFill>
             </a:ext>
             <a:ext uri="{91240B29-F687-4f45-9708-019B960494DF}">
-              <a14:hiddenLine xmlns:a14="http://schemas.microsoft.com/office/drawing/2010/main" xmlns="" w="9525">
+              <a14:hiddenLine xmlns="" xmlns:a14="http://schemas.microsoft.com/office/drawing/2010/main" w="9525">
                 <a:solidFill>
                   <a:srgbClr val="000000"/>
                 </a:solidFill>
@@ -4168,7 +4168,7 @@
               </a14:hiddenLine>
             </a:ext>
             <a:ext uri="{FAA26D3D-D897-4be2-8F04-BA451C77F1D7}">
-              <ma14:placeholderFlag xmlns:ma14="http://schemas.microsoft.com/office/mac/drawingml/2011/main" xmlns="" val="1"/>
+              <ma14:placeholderFlag xmlns="" xmlns:ma14="http://schemas.microsoft.com/office/mac/drawingml/2011/main" val="1"/>
             </a:ext>
           </a:extLst>
         </p:spPr>
@@ -4354,14 +4354,14 @@
           <a:ln w="9525"/>
           <a:extLst>
             <a:ext uri="{909E8E84-426E-40dd-AFC4-6F175D3DCCD1}">
-              <a14:hiddenFill xmlns:a14="http://schemas.microsoft.com/office/drawing/2010/main" xmlns="">
+              <a14:hiddenFill xmlns="" xmlns:a14="http://schemas.microsoft.com/office/drawing/2010/main">
                 <a:solidFill>
                   <a:srgbClr val="FFFFFF"/>
                 </a:solidFill>
               </a14:hiddenFill>
             </a:ext>
             <a:ext uri="{91240B29-F687-4f45-9708-019B960494DF}">
-              <a14:hiddenLine xmlns:a14="http://schemas.microsoft.com/office/drawing/2010/main" xmlns="" w="9525">
+              <a14:hiddenLine xmlns="" xmlns:a14="http://schemas.microsoft.com/office/drawing/2010/main" w="9525">
                 <a:solidFill>
                   <a:srgbClr val="000000"/>
                 </a:solidFill>
@@ -4371,7 +4371,7 @@
               </a14:hiddenLine>
             </a:ext>
             <a:ext uri="{FAA26D3D-D897-4be2-8F04-BA451C77F1D7}">
-              <ma14:placeholderFlag xmlns:ma14="http://schemas.microsoft.com/office/mac/drawingml/2011/main" xmlns="" val="1"/>
+              <ma14:placeholderFlag xmlns="" xmlns:ma14="http://schemas.microsoft.com/office/mac/drawingml/2011/main" val="1"/>
             </a:ext>
           </a:extLst>
         </p:spPr>
@@ -4729,14 +4729,14 @@
           <a:ln w="9525"/>
           <a:extLst>
             <a:ext uri="{909E8E84-426E-40dd-AFC4-6F175D3DCCD1}">
-              <a14:hiddenFill xmlns:a14="http://schemas.microsoft.com/office/drawing/2010/main" xmlns="">
+              <a14:hiddenFill xmlns="" xmlns:a14="http://schemas.microsoft.com/office/drawing/2010/main">
                 <a:solidFill>
                   <a:srgbClr val="FFFFFF"/>
                 </a:solidFill>
               </a14:hiddenFill>
             </a:ext>
             <a:ext uri="{91240B29-F687-4f45-9708-019B960494DF}">
-              <a14:hiddenLine xmlns:a14="http://schemas.microsoft.com/office/drawing/2010/main" xmlns="" w="9525">
+              <a14:hiddenLine xmlns="" xmlns:a14="http://schemas.microsoft.com/office/drawing/2010/main" w="9525">
                 <a:solidFill>
                   <a:srgbClr val="000000"/>
                 </a:solidFill>
@@ -5451,14 +5451,14 @@
           </a:ln>
           <a:extLst>
             <a:ext uri="{909E8E84-426E-40dd-AFC4-6F175D3DCCD1}">
-              <a14:hiddenFill xmlns:a14="http://schemas.microsoft.com/office/drawing/2010/main" xmlns="">
+              <a14:hiddenFill xmlns="" xmlns:a14="http://schemas.microsoft.com/office/drawing/2010/main">
                 <a:solidFill>
                   <a:srgbClr val="FFFFFF"/>
                 </a:solidFill>
               </a14:hiddenFill>
             </a:ext>
             <a:ext uri="{91240B29-F687-4f45-9708-019B960494DF}">
-              <a14:hiddenLine xmlns:a14="http://schemas.microsoft.com/office/drawing/2010/main" xmlns="" w="9525">
+              <a14:hiddenLine xmlns="" xmlns:a14="http://schemas.microsoft.com/office/drawing/2010/main" w="9525">
                 <a:solidFill>
                   <a:srgbClr val="000000"/>
                 </a:solidFill>
@@ -5634,14 +5634,14 @@
           </a:ln>
           <a:extLst>
             <a:ext uri="{909E8E84-426E-40dd-AFC4-6F175D3DCCD1}">
-              <a14:hiddenFill xmlns:a14="http://schemas.microsoft.com/office/drawing/2010/main" xmlns="">
+              <a14:hiddenFill xmlns="" xmlns:a14="http://schemas.microsoft.com/office/drawing/2010/main">
                 <a:solidFill>
                   <a:srgbClr val="FFFFFF"/>
                 </a:solidFill>
               </a14:hiddenFill>
             </a:ext>
             <a:ext uri="{FAA26D3D-D897-4be2-8F04-BA451C77F1D7}">
-              <ma14:placeholderFlag xmlns:ma14="http://schemas.microsoft.com/office/mac/drawingml/2011/main" xmlns="" val="1"/>
+              <ma14:placeholderFlag xmlns="" xmlns:ma14="http://schemas.microsoft.com/office/mac/drawingml/2011/main" val="1"/>
             </a:ext>
           </a:extLst>
         </p:spPr>
@@ -6011,7 +6011,7 @@
           </a:ln>
           <a:extLst>
             <a:ext uri="{FAA26D3D-D897-4be2-8F04-BA451C77F1D7}">
-              <ma14:placeholderFlag xmlns:ma14="http://schemas.microsoft.com/office/mac/drawingml/2011/main" xmlns="" val="1"/>
+              <ma14:placeholderFlag xmlns="" xmlns:ma14="http://schemas.microsoft.com/office/mac/drawingml/2011/main" val="1"/>
             </a:ext>
           </a:extLst>
         </p:spPr>
@@ -6189,14 +6189,14 @@
           </a:ln>
           <a:extLst>
             <a:ext uri="{909E8E84-426E-40dd-AFC4-6F175D3DCCD1}">
-              <a14:hiddenFill xmlns:a14="http://schemas.microsoft.com/office/drawing/2010/main" xmlns="">
+              <a14:hiddenFill xmlns="" xmlns:a14="http://schemas.microsoft.com/office/drawing/2010/main">
                 <a:solidFill>
                   <a:srgbClr val="FFFFFF"/>
                 </a:solidFill>
               </a14:hiddenFill>
             </a:ext>
             <a:ext uri="{91240B29-F687-4f45-9708-019B960494DF}">
-              <a14:hiddenLine xmlns:a14="http://schemas.microsoft.com/office/drawing/2010/main" xmlns="" w="9525">
+              <a14:hiddenLine xmlns="" xmlns:a14="http://schemas.microsoft.com/office/drawing/2010/main" w="9525">
                 <a:solidFill>
                   <a:srgbClr val="000000"/>
                 </a:solidFill>
@@ -6372,14 +6372,14 @@
           </a:ln>
           <a:extLst>
             <a:ext uri="{909E8E84-426E-40dd-AFC4-6F175D3DCCD1}">
-              <a14:hiddenFill xmlns:a14="http://schemas.microsoft.com/office/drawing/2010/main" xmlns="">
+              <a14:hiddenFill xmlns="" xmlns:a14="http://schemas.microsoft.com/office/drawing/2010/main">
                 <a:solidFill>
                   <a:srgbClr val="FFFFFF"/>
                 </a:solidFill>
               </a14:hiddenFill>
             </a:ext>
             <a:ext uri="{FAA26D3D-D897-4be2-8F04-BA451C77F1D7}">
-              <ma14:placeholderFlag xmlns:ma14="http://schemas.microsoft.com/office/mac/drawingml/2011/main" xmlns="" val="1"/>
+              <ma14:placeholderFlag xmlns="" xmlns:ma14="http://schemas.microsoft.com/office/mac/drawingml/2011/main" val="1"/>
             </a:ext>
           </a:extLst>
         </p:spPr>
@@ -6736,14 +6736,14 @@
           <a:ln w="9525"/>
           <a:extLst>
             <a:ext uri="{909E8E84-426E-40dd-AFC4-6F175D3DCCD1}">
-              <a14:hiddenFill xmlns:a14="http://schemas.microsoft.com/office/drawing/2010/main" xmlns="">
+              <a14:hiddenFill xmlns="" xmlns:a14="http://schemas.microsoft.com/office/drawing/2010/main">
                 <a:solidFill>
                   <a:srgbClr val="FFFFFF"/>
                 </a:solidFill>
               </a14:hiddenFill>
             </a:ext>
             <a:ext uri="{91240B29-F687-4f45-9708-019B960494DF}">
-              <a14:hiddenLine xmlns:a14="http://schemas.microsoft.com/office/drawing/2010/main" xmlns="" w="9525">
+              <a14:hiddenLine xmlns="" xmlns:a14="http://schemas.microsoft.com/office/drawing/2010/main" w="9525">
                 <a:solidFill>
                   <a:srgbClr val="000000"/>
                 </a:solidFill>
@@ -6936,14 +6936,14 @@
           <a:ln w="9525"/>
           <a:extLst>
             <a:ext uri="{909E8E84-426E-40dd-AFC4-6F175D3DCCD1}">
-              <a14:hiddenFill xmlns:a14="http://schemas.microsoft.com/office/drawing/2010/main" xmlns="">
+              <a14:hiddenFill xmlns="" xmlns:a14="http://schemas.microsoft.com/office/drawing/2010/main">
                 <a:solidFill>
                   <a:srgbClr val="FFFFFF"/>
                 </a:solidFill>
               </a14:hiddenFill>
             </a:ext>
             <a:ext uri="{91240B29-F687-4f45-9708-019B960494DF}">
-              <a14:hiddenLine xmlns:a14="http://schemas.microsoft.com/office/drawing/2010/main" xmlns="" w="9525">
+              <a14:hiddenLine xmlns="" xmlns:a14="http://schemas.microsoft.com/office/drawing/2010/main" w="9525">
                 <a:solidFill>
                   <a:srgbClr val="000000"/>
                 </a:solidFill>
@@ -6953,7 +6953,7 @@
               </a14:hiddenLine>
             </a:ext>
             <a:ext uri="{FAA26D3D-D897-4be2-8F04-BA451C77F1D7}">
-              <ma14:placeholderFlag xmlns:ma14="http://schemas.microsoft.com/office/mac/drawingml/2011/main" xmlns="" val="1"/>
+              <ma14:placeholderFlag xmlns="" xmlns:ma14="http://schemas.microsoft.com/office/mac/drawingml/2011/main" val="1"/>
             </a:ext>
           </a:extLst>
         </p:spPr>
@@ -7230,7 +7230,7 @@
           <a:p>
             <a:fld id="{B9D97583-D571-4344-98B8-28017CCA3E03}" type="datetime1">
               <a:rPr lang="en-US" smtClean="0"/>
-              <a:t>11/9/2021</a:t>
+              <a:t>11/28/2021</a:t>
             </a:fld>
             <a:endParaRPr lang="en-US"/>
           </a:p>
@@ -7481,7 +7481,7 @@
           <a:p>
             <a:fld id="{4BBFBB65-4BDE-463E-9E58-42EE1D34CE9F}" type="datetime1">
               <a:rPr lang="en-US" smtClean="0"/>
-              <a:t>11/9/2021</a:t>
+              <a:t>11/28/2021</a:t>
             </a:fld>
             <a:endParaRPr lang="en-US"/>
           </a:p>
@@ -7661,7 +7661,7 @@
           <a:p>
             <a:fld id="{F54BFA55-E628-4FD0-A5D2-4E2EAFF237C3}" type="datetime1">
               <a:rPr lang="en-US" smtClean="0"/>
-              <a:t>11/9/2021</a:t>
+              <a:t>11/28/2021</a:t>
             </a:fld>
             <a:endParaRPr lang="en-US"/>
           </a:p>
@@ -7917,7 +7917,7 @@
           <a:p>
             <a:fld id="{02043C03-488D-4679-9ED8-466B2755DE53}" type="datetime1">
               <a:rPr lang="en-US" smtClean="0"/>
-              <a:t>11/9/2021</a:t>
+              <a:t>11/28/2021</a:t>
             </a:fld>
             <a:endParaRPr lang="en-US"/>
           </a:p>
@@ -8262,7 +8262,7 @@
           <a:p>
             <a:fld id="{B4192580-B5C1-4953-9432-BAF964C9C431}" type="datetime1">
               <a:rPr lang="en-US" smtClean="0"/>
-              <a:t>11/9/2021</a:t>
+              <a:t>11/28/2021</a:t>
             </a:fld>
             <a:endParaRPr lang="en-US"/>
           </a:p>
@@ -8494,7 +8494,7 @@
           <a:p>
             <a:fld id="{9A346A84-DDEA-40BE-8087-15F820987FDF}" type="datetime1">
               <a:rPr lang="en-US" smtClean="0"/>
-              <a:t>11/9/2021</a:t>
+              <a:t>11/28/2021</a:t>
             </a:fld>
             <a:endParaRPr lang="en-US"/>
           </a:p>
@@ -8861,7 +8861,7 @@
           <a:p>
             <a:fld id="{A2903A79-0DCE-4FCE-A4A4-91DA4FE28602}" type="datetime1">
               <a:rPr lang="en-US" smtClean="0"/>
-              <a:t>11/9/2021</a:t>
+              <a:t>11/28/2021</a:t>
             </a:fld>
             <a:endParaRPr lang="en-US"/>
           </a:p>
@@ -8956,7 +8956,7 @@
           <a:p>
             <a:fld id="{5F3E0C55-B436-4700-9E7D-BD44BFF59CDA}" type="datetime1">
               <a:rPr lang="en-US" smtClean="0"/>
-              <a:t>11/9/2021</a:t>
+              <a:t>11/28/2021</a:t>
             </a:fld>
             <a:endParaRPr lang="en-US"/>
           </a:p>
@@ -9179,7 +9179,7 @@
             <a:fld id="{B2F5E2FA-C428-4CE7-95B0-168D3259A5BB}" type="datetimeFigureOut">
               <a:rPr lang="en-US" smtClean="0"/>
               <a:pPr/>
-              <a:t>11/9/2021</a:t>
+              <a:t>11/28/2021</a:t>
             </a:fld>
             <a:endParaRPr lang="en-US"/>
           </a:p>
@@ -9350,7 +9350,7 @@
           <a:p>
             <a:fld id="{1C6D7CCC-F888-4A14-96C0-AE59E5C0FB2B}" type="datetime1">
               <a:rPr lang="en-US" smtClean="0"/>
-              <a:t>11/9/2021</a:t>
+              <a:t>11/28/2021</a:t>
             </a:fld>
             <a:endParaRPr lang="en-US"/>
           </a:p>
@@ -9627,7 +9627,7 @@
           <a:p>
             <a:fld id="{D4751C8C-A248-4612-8437-BABDDCE28255}" type="datetime1">
               <a:rPr lang="en-US" smtClean="0"/>
-              <a:t>11/9/2021</a:t>
+              <a:t>11/28/2021</a:t>
             </a:fld>
             <a:endParaRPr lang="en-US"/>
           </a:p>
@@ -9880,7 +9880,7 @@
           <a:p>
             <a:fld id="{58FDAABC-841F-4EE7-ACE3-E3142B7EF2E8}" type="datetime1">
               <a:rPr lang="en-US" smtClean="0"/>
-              <a:t>11/9/2021</a:t>
+              <a:t>11/28/2021</a:t>
             </a:fld>
             <a:endParaRPr lang="en-US"/>
           </a:p>
@@ -10093,7 +10093,7 @@
           <a:p>
             <a:fld id="{150F3FE1-A936-421F-ABEB-D7D46FC8F947}" type="datetime1">
               <a:rPr lang="en-US" smtClean="0"/>
-              <a:t>11/9/2021</a:t>
+              <a:t>11/28/2021</a:t>
             </a:fld>
             <a:endParaRPr lang="en-US"/>
           </a:p>
@@ -10541,6 +10541,10 @@
           <a:bodyPr/>
           <a:lstStyle/>
           <a:p>
+            <a:r>
+              <a:rPr lang="en-US"/>
+              <a:t>SE401: Software Quality Assurance and Testing</a:t>
+            </a:r>
             <a:endParaRPr lang="en-US" dirty="0"/>
           </a:p>
         </p:txBody>
@@ -16654,14 +16658,14 @@
             <a:effectLst/>
             <a:extLst>
               <a:ext uri="{909E8E84-426E-40dd-AFC4-6F175D3DCCD1}">
-                <a14:hiddenFill xmlns:a14="http://schemas.microsoft.com/office/drawing/2010/main" xmlns="">
+                <a14:hiddenFill xmlns="" xmlns:a14="http://schemas.microsoft.com/office/drawing/2010/main">
                   <a:solidFill>
                     <a:schemeClr val="accent1"/>
                   </a:solidFill>
                 </a14:hiddenFill>
               </a:ext>
               <a:ext uri="{AF507438-7753-43e0-B8FC-AC1667EBCBE1}">
-                <a14:hiddenEffects xmlns:a14="http://schemas.microsoft.com/office/drawing/2010/main" xmlns="">
+                <a14:hiddenEffects xmlns="" xmlns:a14="http://schemas.microsoft.com/office/drawing/2010/main">
                   <a:effectLst>
                     <a:outerShdw blurRad="63500" dist="38099" dir="2700000" algn="ctr" rotWithShape="0">
                       <a:schemeClr val="bg2">
@@ -16711,14 +16715,14 @@
             <a:effectLst/>
             <a:extLst>
               <a:ext uri="{909E8E84-426E-40dd-AFC4-6F175D3DCCD1}">
-                <a14:hiddenFill xmlns:a14="http://schemas.microsoft.com/office/drawing/2010/main" xmlns="">
+                <a14:hiddenFill xmlns="" xmlns:a14="http://schemas.microsoft.com/office/drawing/2010/main">
                   <a:solidFill>
                     <a:schemeClr val="accent1"/>
                   </a:solidFill>
                 </a14:hiddenFill>
               </a:ext>
               <a:ext uri="{AF507438-7753-43e0-B8FC-AC1667EBCBE1}">
-                <a14:hiddenEffects xmlns:a14="http://schemas.microsoft.com/office/drawing/2010/main" xmlns="">
+                <a14:hiddenEffects xmlns="" xmlns:a14="http://schemas.microsoft.com/office/drawing/2010/main">
                   <a:effectLst>
                     <a:outerShdw blurRad="63500" dist="38099" dir="2700000" algn="ctr" rotWithShape="0">
                       <a:schemeClr val="bg2">
@@ -16770,14 +16774,14 @@
             <a:effectLst/>
             <a:extLst>
               <a:ext uri="{909E8E84-426E-40dd-AFC4-6F175D3DCCD1}">
-                <a14:hiddenFill xmlns:a14="http://schemas.microsoft.com/office/drawing/2010/main" xmlns="">
+                <a14:hiddenFill xmlns="" xmlns:a14="http://schemas.microsoft.com/office/drawing/2010/main">
                   <a:solidFill>
                     <a:schemeClr val="accent1"/>
                   </a:solidFill>
                 </a14:hiddenFill>
               </a:ext>
               <a:ext uri="{AF507438-7753-43e0-B8FC-AC1667EBCBE1}">
-                <a14:hiddenEffects xmlns:a14="http://schemas.microsoft.com/office/drawing/2010/main" xmlns="">
+                <a14:hiddenEffects xmlns="" xmlns:a14="http://schemas.microsoft.com/office/drawing/2010/main">
                   <a:effectLst>
                     <a:outerShdw blurRad="63500" dist="38099" dir="2700000" algn="ctr" rotWithShape="0">
                       <a:schemeClr val="bg2">
@@ -16822,14 +16826,14 @@
             <a:effectLst/>
             <a:extLst>
               <a:ext uri="{909E8E84-426E-40dd-AFC4-6F175D3DCCD1}">
-                <a14:hiddenFill xmlns:a14="http://schemas.microsoft.com/office/drawing/2010/main" xmlns="">
+                <a14:hiddenFill xmlns="" xmlns:a14="http://schemas.microsoft.com/office/drawing/2010/main">
                   <a:solidFill>
                     <a:schemeClr val="accent1"/>
                   </a:solidFill>
                 </a14:hiddenFill>
               </a:ext>
               <a:ext uri="{91240B29-F687-4f45-9708-019B960494DF}">
-                <a14:hiddenLine xmlns:a14="http://schemas.microsoft.com/office/drawing/2010/main" xmlns="" w="9525">
+                <a14:hiddenLine xmlns="" xmlns:a14="http://schemas.microsoft.com/office/drawing/2010/main" w="9525">
                   <a:solidFill>
                     <a:schemeClr val="tx1"/>
                   </a:solidFill>
@@ -16839,7 +16843,7 @@
                 </a14:hiddenLine>
               </a:ext>
               <a:ext uri="{AF507438-7753-43e0-B8FC-AC1667EBCBE1}">
-                <a14:hiddenEffects xmlns:a14="http://schemas.microsoft.com/office/drawing/2010/main" xmlns="">
+                <a14:hiddenEffects xmlns="" xmlns:a14="http://schemas.microsoft.com/office/drawing/2010/main">
                   <a:effectLst>
                     <a:outerShdw blurRad="63500" dist="38099" dir="2700000" algn="ctr" rotWithShape="0">
                       <a:schemeClr val="bg2">
@@ -16889,14 +16893,14 @@
             <a:effectLst/>
             <a:extLst>
               <a:ext uri="{909E8E84-426E-40dd-AFC4-6F175D3DCCD1}">
-                <a14:hiddenFill xmlns:a14="http://schemas.microsoft.com/office/drawing/2010/main" xmlns="">
+                <a14:hiddenFill xmlns="" xmlns:a14="http://schemas.microsoft.com/office/drawing/2010/main">
                   <a:solidFill>
                     <a:schemeClr val="accent1"/>
                   </a:solidFill>
                 </a14:hiddenFill>
               </a:ext>
               <a:ext uri="{91240B29-F687-4f45-9708-019B960494DF}">
-                <a14:hiddenLine xmlns:a14="http://schemas.microsoft.com/office/drawing/2010/main" xmlns="" w="9525">
+                <a14:hiddenLine xmlns="" xmlns:a14="http://schemas.microsoft.com/office/drawing/2010/main" w="9525">
                   <a:solidFill>
                     <a:schemeClr val="tx1"/>
                   </a:solidFill>
@@ -16906,7 +16910,7 @@
                 </a14:hiddenLine>
               </a:ext>
               <a:ext uri="{AF507438-7753-43e0-B8FC-AC1667EBCBE1}">
-                <a14:hiddenEffects xmlns:a14="http://schemas.microsoft.com/office/drawing/2010/main" xmlns="">
+                <a14:hiddenEffects xmlns="" xmlns:a14="http://schemas.microsoft.com/office/drawing/2010/main">
                   <a:effectLst>
                     <a:outerShdw blurRad="63500" dist="38099" dir="2700000" algn="ctr" rotWithShape="0">
                       <a:schemeClr val="bg2">
@@ -16964,14 +16968,14 @@
             <a:effectLst/>
             <a:extLst>
               <a:ext uri="{909E8E84-426E-40dd-AFC4-6F175D3DCCD1}">
-                <a14:hiddenFill xmlns:a14="http://schemas.microsoft.com/office/drawing/2010/main" xmlns="">
+                <a14:hiddenFill xmlns="" xmlns:a14="http://schemas.microsoft.com/office/drawing/2010/main">
                   <a:solidFill>
                     <a:schemeClr val="accent1"/>
                   </a:solidFill>
                 </a14:hiddenFill>
               </a:ext>
               <a:ext uri="{91240B29-F687-4f45-9708-019B960494DF}">
-                <a14:hiddenLine xmlns:a14="http://schemas.microsoft.com/office/drawing/2010/main" xmlns="" w="9525">
+                <a14:hiddenLine xmlns="" xmlns:a14="http://schemas.microsoft.com/office/drawing/2010/main" w="9525">
                   <a:solidFill>
                     <a:schemeClr val="tx1"/>
                   </a:solidFill>
@@ -16981,7 +16985,7 @@
                 </a14:hiddenLine>
               </a:ext>
               <a:ext uri="{AF507438-7753-43e0-B8FC-AC1667EBCBE1}">
-                <a14:hiddenEffects xmlns:a14="http://schemas.microsoft.com/office/drawing/2010/main" xmlns="">
+                <a14:hiddenEffects xmlns="" xmlns:a14="http://schemas.microsoft.com/office/drawing/2010/main">
                   <a:effectLst>
                     <a:outerShdw blurRad="63500" dist="38099" dir="2700000" algn="ctr" rotWithShape="0">
                       <a:schemeClr val="bg2">
@@ -17031,14 +17035,14 @@
             <a:effectLst/>
             <a:extLst>
               <a:ext uri="{909E8E84-426E-40dd-AFC4-6F175D3DCCD1}">
-                <a14:hiddenFill xmlns:a14="http://schemas.microsoft.com/office/drawing/2010/main" xmlns="">
+                <a14:hiddenFill xmlns="" xmlns:a14="http://schemas.microsoft.com/office/drawing/2010/main">
                   <a:solidFill>
                     <a:schemeClr val="accent1"/>
                   </a:solidFill>
                 </a14:hiddenFill>
               </a:ext>
               <a:ext uri="{91240B29-F687-4f45-9708-019B960494DF}">
-                <a14:hiddenLine xmlns:a14="http://schemas.microsoft.com/office/drawing/2010/main" xmlns="" w="9525">
+                <a14:hiddenLine xmlns="" xmlns:a14="http://schemas.microsoft.com/office/drawing/2010/main" w="9525">
                   <a:solidFill>
                     <a:schemeClr val="tx1"/>
                   </a:solidFill>
@@ -17048,7 +17052,7 @@
                 </a14:hiddenLine>
               </a:ext>
               <a:ext uri="{AF507438-7753-43e0-B8FC-AC1667EBCBE1}">
-                <a14:hiddenEffects xmlns:a14="http://schemas.microsoft.com/office/drawing/2010/main" xmlns="">
+                <a14:hiddenEffects xmlns="" xmlns:a14="http://schemas.microsoft.com/office/drawing/2010/main">
                   <a:effectLst>
                     <a:outerShdw blurRad="63500" dist="38099" dir="2700000" algn="ctr" rotWithShape="0">
                       <a:schemeClr val="bg2">
@@ -17106,14 +17110,14 @@
             <a:effectLst/>
             <a:extLst>
               <a:ext uri="{909E8E84-426E-40dd-AFC4-6F175D3DCCD1}">
-                <a14:hiddenFill xmlns:a14="http://schemas.microsoft.com/office/drawing/2010/main" xmlns="">
+                <a14:hiddenFill xmlns="" xmlns:a14="http://schemas.microsoft.com/office/drawing/2010/main">
                   <a:solidFill>
                     <a:schemeClr val="accent1"/>
                   </a:solidFill>
                 </a14:hiddenFill>
               </a:ext>
               <a:ext uri="{91240B29-F687-4f45-9708-019B960494DF}">
-                <a14:hiddenLine xmlns:a14="http://schemas.microsoft.com/office/drawing/2010/main" xmlns="" w="9525">
+                <a14:hiddenLine xmlns="" xmlns:a14="http://schemas.microsoft.com/office/drawing/2010/main" w="9525">
                   <a:solidFill>
                     <a:schemeClr val="tx1"/>
                   </a:solidFill>
@@ -17123,7 +17127,7 @@
                 </a14:hiddenLine>
               </a:ext>
               <a:ext uri="{AF507438-7753-43e0-B8FC-AC1667EBCBE1}">
-                <a14:hiddenEffects xmlns:a14="http://schemas.microsoft.com/office/drawing/2010/main" xmlns="">
+                <a14:hiddenEffects xmlns="" xmlns:a14="http://schemas.microsoft.com/office/drawing/2010/main">
                   <a:effectLst>
                     <a:outerShdw blurRad="63500" dist="38099" dir="2700000" algn="ctr" rotWithShape="0">
                       <a:schemeClr val="bg2">
@@ -17190,12 +17194,12 @@
             <a:effectLst/>
             <a:extLst>
               <a:ext uri="{909E8E84-426E-40dd-AFC4-6F175D3DCCD1}">
-                <a14:hiddenFill xmlns:a14="http://schemas.microsoft.com/office/drawing/2010/main" xmlns="">
+                <a14:hiddenFill xmlns="" xmlns:a14="http://schemas.microsoft.com/office/drawing/2010/main">
                   <a:noFill/>
                 </a14:hiddenFill>
               </a:ext>
               <a:ext uri="{AF507438-7753-43e0-B8FC-AC1667EBCBE1}">
-                <a14:hiddenEffects xmlns:a14="http://schemas.microsoft.com/office/drawing/2010/main" xmlns="">
+                <a14:hiddenEffects xmlns="" xmlns:a14="http://schemas.microsoft.com/office/drawing/2010/main">
                   <a:effectLst>
                     <a:outerShdw blurRad="63500" dist="38099" dir="2700000" algn="ctr" rotWithShape="0">
                       <a:schemeClr val="bg2">
@@ -17238,12 +17242,12 @@
             <a:effectLst/>
             <a:extLst>
               <a:ext uri="{909E8E84-426E-40dd-AFC4-6F175D3DCCD1}">
-                <a14:hiddenFill xmlns:a14="http://schemas.microsoft.com/office/drawing/2010/main" xmlns="">
+                <a14:hiddenFill xmlns="" xmlns:a14="http://schemas.microsoft.com/office/drawing/2010/main">
                   <a:noFill/>
                 </a14:hiddenFill>
               </a:ext>
               <a:ext uri="{AF507438-7753-43e0-B8FC-AC1667EBCBE1}">
-                <a14:hiddenEffects xmlns:a14="http://schemas.microsoft.com/office/drawing/2010/main" xmlns="">
+                <a14:hiddenEffects xmlns="" xmlns:a14="http://schemas.microsoft.com/office/drawing/2010/main">
                   <a:effectLst>
                     <a:outerShdw blurRad="63500" dist="38099" dir="2700000" algn="ctr" rotWithShape="0">
                       <a:schemeClr val="bg2">
@@ -17286,12 +17290,12 @@
             <a:effectLst/>
             <a:extLst>
               <a:ext uri="{909E8E84-426E-40dd-AFC4-6F175D3DCCD1}">
-                <a14:hiddenFill xmlns:a14="http://schemas.microsoft.com/office/drawing/2010/main" xmlns="">
+                <a14:hiddenFill xmlns="" xmlns:a14="http://schemas.microsoft.com/office/drawing/2010/main">
                   <a:noFill/>
                 </a14:hiddenFill>
               </a:ext>
               <a:ext uri="{AF507438-7753-43e0-B8FC-AC1667EBCBE1}">
-                <a14:hiddenEffects xmlns:a14="http://schemas.microsoft.com/office/drawing/2010/main" xmlns="">
+                <a14:hiddenEffects xmlns="" xmlns:a14="http://schemas.microsoft.com/office/drawing/2010/main">
                   <a:effectLst>
                     <a:outerShdw blurRad="63500" dist="38099" dir="2700000" algn="ctr" rotWithShape="0">
                       <a:schemeClr val="bg2">
@@ -17327,14 +17331,14 @@
             <a:effectLst/>
             <a:extLst>
               <a:ext uri="{909E8E84-426E-40dd-AFC4-6F175D3DCCD1}">
-                <a14:hiddenFill xmlns:a14="http://schemas.microsoft.com/office/drawing/2010/main" xmlns="">
+                <a14:hiddenFill xmlns="" xmlns:a14="http://schemas.microsoft.com/office/drawing/2010/main">
                   <a:solidFill>
                     <a:schemeClr val="accent1"/>
                   </a:solidFill>
                 </a14:hiddenFill>
               </a:ext>
               <a:ext uri="{91240B29-F687-4f45-9708-019B960494DF}">
-                <a14:hiddenLine xmlns:a14="http://schemas.microsoft.com/office/drawing/2010/main" xmlns="" w="9525">
+                <a14:hiddenLine xmlns="" xmlns:a14="http://schemas.microsoft.com/office/drawing/2010/main" w="9525">
                   <a:solidFill>
                     <a:schemeClr val="tx1"/>
                   </a:solidFill>
@@ -17344,7 +17348,7 @@
                 </a14:hiddenLine>
               </a:ext>
               <a:ext uri="{AF507438-7753-43e0-B8FC-AC1667EBCBE1}">
-                <a14:hiddenEffects xmlns:a14="http://schemas.microsoft.com/office/drawing/2010/main" xmlns="">
+                <a14:hiddenEffects xmlns="" xmlns:a14="http://schemas.microsoft.com/office/drawing/2010/main">
                   <a:effectLst>
                     <a:outerShdw blurRad="63500" dist="38099" dir="2700000" algn="ctr" rotWithShape="0">
                       <a:schemeClr val="bg2">
@@ -17403,14 +17407,14 @@
           <a:effectLst/>
           <a:extLst>
             <a:ext uri="{909E8E84-426E-40dd-AFC4-6F175D3DCCD1}">
-              <a14:hiddenFill xmlns:a14="http://schemas.microsoft.com/office/drawing/2010/main" xmlns="">
+              <a14:hiddenFill xmlns="" xmlns:a14="http://schemas.microsoft.com/office/drawing/2010/main">
                 <a:solidFill>
                   <a:schemeClr val="accent1"/>
                 </a:solidFill>
               </a14:hiddenFill>
             </a:ext>
             <a:ext uri="{91240B29-F687-4f45-9708-019B960494DF}">
-              <a14:hiddenLine xmlns:a14="http://schemas.microsoft.com/office/drawing/2010/main" xmlns="" w="9525">
+              <a14:hiddenLine xmlns="" xmlns:a14="http://schemas.microsoft.com/office/drawing/2010/main" w="9525">
                 <a:solidFill>
                   <a:schemeClr val="tx1"/>
                 </a:solidFill>
@@ -17420,7 +17424,7 @@
               </a14:hiddenLine>
             </a:ext>
             <a:ext uri="{AF507438-7753-43e0-B8FC-AC1667EBCBE1}">
-              <a14:hiddenEffects xmlns:a14="http://schemas.microsoft.com/office/drawing/2010/main" xmlns="">
+              <a14:hiddenEffects xmlns="" xmlns:a14="http://schemas.microsoft.com/office/drawing/2010/main">
                 <a:effectLst>
                   <a:outerShdw blurRad="63500" dist="38099" dir="2700000" algn="ctr" rotWithShape="0">
                     <a:schemeClr val="bg2">
@@ -18133,7 +18137,7 @@
           </a:ln>
           <a:extLst>
             <a:ext uri="{909E8E84-426E-40dd-AFC4-6F175D3DCCD1}">
-              <a14:hiddenFill xmlns:a14="http://schemas.microsoft.com/office/drawing/2010/main" xmlns="">
+              <a14:hiddenFill xmlns="" xmlns:a14="http://schemas.microsoft.com/office/drawing/2010/main">
                 <a:noFill/>
               </a14:hiddenFill>
             </a:ext>
@@ -18172,7 +18176,7 @@
           </a:ln>
           <a:extLst>
             <a:ext uri="{909E8E84-426E-40dd-AFC4-6F175D3DCCD1}">
-              <a14:hiddenFill xmlns:a14="http://schemas.microsoft.com/office/drawing/2010/main" xmlns="">
+              <a14:hiddenFill xmlns="" xmlns:a14="http://schemas.microsoft.com/office/drawing/2010/main">
                 <a:noFill/>
               </a14:hiddenFill>
             </a:ext>
@@ -18283,14 +18287,14 @@
           </a:ln>
           <a:extLst>
             <a:ext uri="{909E8E84-426E-40dd-AFC4-6F175D3DCCD1}">
-              <a14:hiddenFill xmlns:a14="http://schemas.microsoft.com/office/drawing/2010/main" xmlns="">
+              <a14:hiddenFill xmlns="" xmlns:a14="http://schemas.microsoft.com/office/drawing/2010/main">
                 <a:solidFill>
                   <a:srgbClr val="FFFFFF"/>
                 </a:solidFill>
               </a14:hiddenFill>
             </a:ext>
             <a:ext uri="{91240B29-F687-4f45-9708-019B960494DF}">
-              <a14:hiddenLine xmlns:a14="http://schemas.microsoft.com/office/drawing/2010/main" xmlns="" w="12700">
+              <a14:hiddenLine xmlns="" xmlns:a14="http://schemas.microsoft.com/office/drawing/2010/main" w="12700">
                 <a:solidFill>
                   <a:srgbClr val="000000"/>
                 </a:solidFill>
@@ -18469,7 +18473,7 @@
             </a:ln>
             <a:extLst>
               <a:ext uri="{909E8E84-426E-40dd-AFC4-6F175D3DCCD1}">
-                <a14:hiddenFill xmlns:a14="http://schemas.microsoft.com/office/drawing/2010/main" xmlns="">
+                <a14:hiddenFill xmlns="" xmlns:a14="http://schemas.microsoft.com/office/drawing/2010/main">
                   <a:noFill/>
                 </a14:hiddenFill>
               </a:ext>
@@ -18510,7 +18514,7 @@
             </a:ln>
             <a:extLst>
               <a:ext uri="{909E8E84-426E-40dd-AFC4-6F175D3DCCD1}">
-                <a14:hiddenFill xmlns:a14="http://schemas.microsoft.com/office/drawing/2010/main" xmlns="">
+                <a14:hiddenFill xmlns="" xmlns:a14="http://schemas.microsoft.com/office/drawing/2010/main">
                   <a:noFill/>
                 </a14:hiddenFill>
               </a:ext>
@@ -18546,14 +18550,14 @@
             </a:ln>
             <a:extLst>
               <a:ext uri="{909E8E84-426E-40dd-AFC4-6F175D3DCCD1}">
-                <a14:hiddenFill xmlns:a14="http://schemas.microsoft.com/office/drawing/2010/main" xmlns="">
+                <a14:hiddenFill xmlns="" xmlns:a14="http://schemas.microsoft.com/office/drawing/2010/main">
                   <a:solidFill>
                     <a:srgbClr val="FFFFFF"/>
                   </a:solidFill>
                 </a14:hiddenFill>
               </a:ext>
               <a:ext uri="{91240B29-F687-4f45-9708-019B960494DF}">
-                <a14:hiddenLine xmlns:a14="http://schemas.microsoft.com/office/drawing/2010/main" xmlns="" w="12700">
+                <a14:hiddenLine xmlns="" xmlns:a14="http://schemas.microsoft.com/office/drawing/2010/main" w="12700">
                   <a:solidFill>
                     <a:srgbClr val="000000"/>
                   </a:solidFill>
@@ -18599,14 +18603,14 @@
             </a:ln>
             <a:extLst>
               <a:ext uri="{909E8E84-426E-40dd-AFC4-6F175D3DCCD1}">
-                <a14:hiddenFill xmlns:a14="http://schemas.microsoft.com/office/drawing/2010/main" xmlns="">
+                <a14:hiddenFill xmlns="" xmlns:a14="http://schemas.microsoft.com/office/drawing/2010/main">
                   <a:solidFill>
                     <a:srgbClr val="FFFFFF"/>
                   </a:solidFill>
                 </a14:hiddenFill>
               </a:ext>
               <a:ext uri="{91240B29-F687-4f45-9708-019B960494DF}">
-                <a14:hiddenLine xmlns:a14="http://schemas.microsoft.com/office/drawing/2010/main" xmlns="" w="12700">
+                <a14:hiddenLine xmlns="" xmlns:a14="http://schemas.microsoft.com/office/drawing/2010/main" w="12700">
                   <a:solidFill>
                     <a:srgbClr val="000000"/>
                   </a:solidFill>
@@ -18652,14 +18656,14 @@
             </a:ln>
             <a:extLst>
               <a:ext uri="{909E8E84-426E-40dd-AFC4-6F175D3DCCD1}">
-                <a14:hiddenFill xmlns:a14="http://schemas.microsoft.com/office/drawing/2010/main" xmlns="">
+                <a14:hiddenFill xmlns="" xmlns:a14="http://schemas.microsoft.com/office/drawing/2010/main">
                   <a:solidFill>
                     <a:srgbClr val="FFFFFF"/>
                   </a:solidFill>
                 </a14:hiddenFill>
               </a:ext>
               <a:ext uri="{91240B29-F687-4f45-9708-019B960494DF}">
-                <a14:hiddenLine xmlns:a14="http://schemas.microsoft.com/office/drawing/2010/main" xmlns="" w="12700">
+                <a14:hiddenLine xmlns="" xmlns:a14="http://schemas.microsoft.com/office/drawing/2010/main" w="12700">
                   <a:solidFill>
                     <a:srgbClr val="000000"/>
                   </a:solidFill>
@@ -19674,7 +19678,7 @@
             </a:ln>
             <a:extLst>
               <a:ext uri="{909E8E84-426E-40dd-AFC4-6F175D3DCCD1}">
-                <a14:hiddenFill xmlns:a14="http://schemas.microsoft.com/office/drawing/2010/main" xmlns="">
+                <a14:hiddenFill xmlns="" xmlns:a14="http://schemas.microsoft.com/office/drawing/2010/main">
                   <a:noFill/>
                 </a14:hiddenFill>
               </a:ext>
@@ -19713,7 +19717,7 @@
             </a:ln>
             <a:extLst>
               <a:ext uri="{909E8E84-426E-40dd-AFC4-6F175D3DCCD1}">
-                <a14:hiddenFill xmlns:a14="http://schemas.microsoft.com/office/drawing/2010/main" xmlns="">
+                <a14:hiddenFill xmlns="" xmlns:a14="http://schemas.microsoft.com/office/drawing/2010/main">
                   <a:noFill/>
                 </a14:hiddenFill>
               </a:ext>
@@ -19752,7 +19756,7 @@
             </a:ln>
             <a:extLst>
               <a:ext uri="{909E8E84-426E-40dd-AFC4-6F175D3DCCD1}">
-                <a14:hiddenFill xmlns:a14="http://schemas.microsoft.com/office/drawing/2010/main" xmlns="">
+                <a14:hiddenFill xmlns="" xmlns:a14="http://schemas.microsoft.com/office/drawing/2010/main">
                   <a:noFill/>
                 </a14:hiddenFill>
               </a:ext>
@@ -19791,7 +19795,7 @@
             </a:ln>
             <a:extLst>
               <a:ext uri="{909E8E84-426E-40dd-AFC4-6F175D3DCCD1}">
-                <a14:hiddenFill xmlns:a14="http://schemas.microsoft.com/office/drawing/2010/main" xmlns="">
+                <a14:hiddenFill xmlns="" xmlns:a14="http://schemas.microsoft.com/office/drawing/2010/main">
                   <a:noFill/>
                 </a14:hiddenFill>
               </a:ext>
@@ -19830,7 +19834,7 @@
             </a:ln>
             <a:extLst>
               <a:ext uri="{909E8E84-426E-40dd-AFC4-6F175D3DCCD1}">
-                <a14:hiddenFill xmlns:a14="http://schemas.microsoft.com/office/drawing/2010/main" xmlns="">
+                <a14:hiddenFill xmlns="" xmlns:a14="http://schemas.microsoft.com/office/drawing/2010/main">
                   <a:noFill/>
                 </a14:hiddenFill>
               </a:ext>
@@ -19869,7 +19873,7 @@
             </a:ln>
             <a:extLst>
               <a:ext uri="{909E8E84-426E-40dd-AFC4-6F175D3DCCD1}">
-                <a14:hiddenFill xmlns:a14="http://schemas.microsoft.com/office/drawing/2010/main" xmlns="">
+                <a14:hiddenFill xmlns="" xmlns:a14="http://schemas.microsoft.com/office/drawing/2010/main">
                   <a:noFill/>
                 </a14:hiddenFill>
               </a:ext>
@@ -32252,14 +32256,14 @@
           <a:effectLst/>
           <a:extLst>
             <a:ext uri="{909E8E84-426E-40dd-AFC4-6F175D3DCCD1}">
-              <a14:hiddenFill xmlns:a14="http://schemas.microsoft.com/office/drawing/2010/main" xmlns="">
+              <a14:hiddenFill xmlns="" xmlns:a14="http://schemas.microsoft.com/office/drawing/2010/main">
                 <a:solidFill>
                   <a:schemeClr val="accent1"/>
                 </a:solidFill>
               </a14:hiddenFill>
             </a:ext>
             <a:ext uri="{91240B29-F687-4f45-9708-019B960494DF}">
-              <a14:hiddenLine xmlns:a14="http://schemas.microsoft.com/office/drawing/2010/main" xmlns="" w="9525">
+              <a14:hiddenLine xmlns="" xmlns:a14="http://schemas.microsoft.com/office/drawing/2010/main" w="9525">
                 <a:solidFill>
                   <a:schemeClr val="tx1"/>
                 </a:solidFill>
@@ -32269,7 +32273,7 @@
               </a14:hiddenLine>
             </a:ext>
             <a:ext uri="{AF507438-7753-43e0-B8FC-AC1667EBCBE1}">
-              <a14:hiddenEffects xmlns:a14="http://schemas.microsoft.com/office/drawing/2010/main" xmlns="">
+              <a14:hiddenEffects xmlns="" xmlns:a14="http://schemas.microsoft.com/office/drawing/2010/main">
                 <a:effectLst>
                   <a:outerShdw blurRad="63500" dist="38099" dir="2700000" algn="ctr" rotWithShape="0">
                     <a:schemeClr val="bg2">
@@ -50888,7 +50892,7 @@
           </a:ln>
           <a:extLst>
             <a:ext uri="{91240B29-F687-4f45-9708-019B960494DF}">
-              <a14:hiddenLine xmlns:a14="http://schemas.microsoft.com/office/drawing/2010/main" xmlns="" w="12700">
+              <a14:hiddenLine xmlns="" xmlns:a14="http://schemas.microsoft.com/office/drawing/2010/main" w="12700">
                 <a:solidFill>
                   <a:srgbClr val="000000"/>
                 </a:solidFill>
@@ -50931,7 +50935,7 @@
           </a:ln>
           <a:extLst>
             <a:ext uri="{91240B29-F687-4f45-9708-019B960494DF}">
-              <a14:hiddenLine xmlns:a14="http://schemas.microsoft.com/office/drawing/2010/main" xmlns="" w="12700">
+              <a14:hiddenLine xmlns="" xmlns:a14="http://schemas.microsoft.com/office/drawing/2010/main" w="12700">
                 <a:solidFill>
                   <a:srgbClr val="000000"/>
                 </a:solidFill>
@@ -50974,7 +50978,7 @@
           </a:ln>
           <a:extLst>
             <a:ext uri="{91240B29-F687-4f45-9708-019B960494DF}">
-              <a14:hiddenLine xmlns:a14="http://schemas.microsoft.com/office/drawing/2010/main" xmlns="" w="12700">
+              <a14:hiddenLine xmlns="" xmlns:a14="http://schemas.microsoft.com/office/drawing/2010/main" w="12700">
                 <a:solidFill>
                   <a:srgbClr val="000000"/>
                 </a:solidFill>
@@ -51017,7 +51021,7 @@
           </a:ln>
           <a:extLst>
             <a:ext uri="{91240B29-F687-4f45-9708-019B960494DF}">
-              <a14:hiddenLine xmlns:a14="http://schemas.microsoft.com/office/drawing/2010/main" xmlns="" w="12700">
+              <a14:hiddenLine xmlns="" xmlns:a14="http://schemas.microsoft.com/office/drawing/2010/main" w="12700">
                 <a:solidFill>
                   <a:srgbClr val="000000"/>
                 </a:solidFill>
@@ -51060,7 +51064,7 @@
           </a:ln>
           <a:extLst>
             <a:ext uri="{91240B29-F687-4f45-9708-019B960494DF}">
-              <a14:hiddenLine xmlns:a14="http://schemas.microsoft.com/office/drawing/2010/main" xmlns="" w="12700">
+              <a14:hiddenLine xmlns="" xmlns:a14="http://schemas.microsoft.com/office/drawing/2010/main" w="12700">
                 <a:solidFill>
                   <a:srgbClr val="000000"/>
                 </a:solidFill>
@@ -51103,7 +51107,7 @@
           </a:ln>
           <a:extLst>
             <a:ext uri="{91240B29-F687-4f45-9708-019B960494DF}">
-              <a14:hiddenLine xmlns:a14="http://schemas.microsoft.com/office/drawing/2010/main" xmlns="" w="12700">
+              <a14:hiddenLine xmlns="" xmlns:a14="http://schemas.microsoft.com/office/drawing/2010/main" w="12700">
                 <a:solidFill>
                   <a:srgbClr val="000000"/>
                 </a:solidFill>
@@ -51146,7 +51150,7 @@
           </a:ln>
           <a:extLst>
             <a:ext uri="{91240B29-F687-4f45-9708-019B960494DF}">
-              <a14:hiddenLine xmlns:a14="http://schemas.microsoft.com/office/drawing/2010/main" xmlns="" w="12700">
+              <a14:hiddenLine xmlns="" xmlns:a14="http://schemas.microsoft.com/office/drawing/2010/main" w="12700">
                 <a:solidFill>
                   <a:srgbClr val="000000"/>
                 </a:solidFill>
@@ -51192,7 +51196,7 @@
           </a:ln>
           <a:extLst>
             <a:ext uri="{909E8E84-426E-40dd-AFC4-6F175D3DCCD1}">
-              <a14:hiddenFill xmlns:a14="http://schemas.microsoft.com/office/drawing/2010/main" xmlns="">
+              <a14:hiddenFill xmlns="" xmlns:a14="http://schemas.microsoft.com/office/drawing/2010/main">
                 <a:solidFill>
                   <a:srgbClr val="FFFFFF"/>
                 </a:solidFill>
@@ -51246,7 +51250,7 @@
           </a:ln>
           <a:extLst>
             <a:ext uri="{909E8E84-426E-40dd-AFC4-6F175D3DCCD1}">
-              <a14:hiddenFill xmlns:a14="http://schemas.microsoft.com/office/drawing/2010/main" xmlns="">
+              <a14:hiddenFill xmlns="" xmlns:a14="http://schemas.microsoft.com/office/drawing/2010/main">
                 <a:solidFill>
                   <a:srgbClr val="FFFFFF"/>
                 </a:solidFill>
@@ -51300,7 +51304,7 @@
           </a:ln>
           <a:extLst>
             <a:ext uri="{909E8E84-426E-40dd-AFC4-6F175D3DCCD1}">
-              <a14:hiddenFill xmlns:a14="http://schemas.microsoft.com/office/drawing/2010/main" xmlns="">
+              <a14:hiddenFill xmlns="" xmlns:a14="http://schemas.microsoft.com/office/drawing/2010/main">
                 <a:solidFill>
                   <a:srgbClr val="FFFFFF"/>
                 </a:solidFill>
@@ -51382,7 +51386,7 @@
           </a:ln>
           <a:extLst>
             <a:ext uri="{909E8E84-426E-40dd-AFC4-6F175D3DCCD1}">
-              <a14:hiddenFill xmlns:a14="http://schemas.microsoft.com/office/drawing/2010/main" xmlns="">
+              <a14:hiddenFill xmlns="" xmlns:a14="http://schemas.microsoft.com/office/drawing/2010/main">
                 <a:noFill/>
               </a14:hiddenFill>
             </a:ext>
@@ -51423,7 +51427,7 @@
           </a:ln>
           <a:extLst>
             <a:ext uri="{909E8E84-426E-40dd-AFC4-6F175D3DCCD1}">
-              <a14:hiddenFill xmlns:a14="http://schemas.microsoft.com/office/drawing/2010/main" xmlns="">
+              <a14:hiddenFill xmlns="" xmlns:a14="http://schemas.microsoft.com/office/drawing/2010/main">
                 <a:noFill/>
               </a14:hiddenFill>
             </a:ext>
@@ -51459,14 +51463,14 @@
           </a:ln>
           <a:extLst>
             <a:ext uri="{909E8E84-426E-40dd-AFC4-6F175D3DCCD1}">
-              <a14:hiddenFill xmlns:a14="http://schemas.microsoft.com/office/drawing/2010/main" xmlns="">
+              <a14:hiddenFill xmlns="" xmlns:a14="http://schemas.microsoft.com/office/drawing/2010/main">
                 <a:solidFill>
                   <a:srgbClr val="FFFFFF"/>
                 </a:solidFill>
               </a14:hiddenFill>
             </a:ext>
             <a:ext uri="{91240B29-F687-4f45-9708-019B960494DF}">
-              <a14:hiddenLine xmlns:a14="http://schemas.microsoft.com/office/drawing/2010/main" xmlns="" w="12700">
+              <a14:hiddenLine xmlns="" xmlns:a14="http://schemas.microsoft.com/office/drawing/2010/main" w="12700">
                 <a:solidFill>
                   <a:srgbClr val="000000"/>
                 </a:solidFill>
@@ -51512,14 +51516,14 @@
           </a:ln>
           <a:extLst>
             <a:ext uri="{909E8E84-426E-40dd-AFC4-6F175D3DCCD1}">
-              <a14:hiddenFill xmlns:a14="http://schemas.microsoft.com/office/drawing/2010/main" xmlns="">
+              <a14:hiddenFill xmlns="" xmlns:a14="http://schemas.microsoft.com/office/drawing/2010/main">
                 <a:solidFill>
                   <a:srgbClr val="FFFFFF"/>
                 </a:solidFill>
               </a14:hiddenFill>
             </a:ext>
             <a:ext uri="{91240B29-F687-4f45-9708-019B960494DF}">
-              <a14:hiddenLine xmlns:a14="http://schemas.microsoft.com/office/drawing/2010/main" xmlns="" w="12700">
+              <a14:hiddenLine xmlns="" xmlns:a14="http://schemas.microsoft.com/office/drawing/2010/main" w="12700">
                 <a:solidFill>
                   <a:srgbClr val="000000"/>
                 </a:solidFill>
@@ -51565,14 +51569,14 @@
           </a:ln>
           <a:extLst>
             <a:ext uri="{909E8E84-426E-40dd-AFC4-6F175D3DCCD1}">
-              <a14:hiddenFill xmlns:a14="http://schemas.microsoft.com/office/drawing/2010/main" xmlns="">
+              <a14:hiddenFill xmlns="" xmlns:a14="http://schemas.microsoft.com/office/drawing/2010/main">
                 <a:solidFill>
                   <a:srgbClr val="FFFFFF"/>
                 </a:solidFill>
               </a14:hiddenFill>
             </a:ext>
             <a:ext uri="{91240B29-F687-4f45-9708-019B960494DF}">
-              <a14:hiddenLine xmlns:a14="http://schemas.microsoft.com/office/drawing/2010/main" xmlns="" w="12700">
+              <a14:hiddenLine xmlns="" xmlns:a14="http://schemas.microsoft.com/office/drawing/2010/main" w="12700">
                 <a:solidFill>
                   <a:srgbClr val="000000"/>
                 </a:solidFill>
@@ -52268,7 +52272,7 @@
           </a:ln>
           <a:extLst>
             <a:ext uri="{909E8E84-426E-40dd-AFC4-6F175D3DCCD1}">
-              <a14:hiddenFill xmlns:a14="http://schemas.microsoft.com/office/drawing/2010/main" xmlns="">
+              <a14:hiddenFill xmlns="" xmlns:a14="http://schemas.microsoft.com/office/drawing/2010/main">
                 <a:noFill/>
               </a14:hiddenFill>
             </a:ext>
@@ -52307,7 +52311,7 @@
           </a:ln>
           <a:extLst>
             <a:ext uri="{909E8E84-426E-40dd-AFC4-6F175D3DCCD1}">
-              <a14:hiddenFill xmlns:a14="http://schemas.microsoft.com/office/drawing/2010/main" xmlns="">
+              <a14:hiddenFill xmlns="" xmlns:a14="http://schemas.microsoft.com/office/drawing/2010/main">
                 <a:noFill/>
               </a14:hiddenFill>
             </a:ext>
@@ -52346,7 +52350,7 @@
           </a:ln>
           <a:extLst>
             <a:ext uri="{909E8E84-426E-40dd-AFC4-6F175D3DCCD1}">
-              <a14:hiddenFill xmlns:a14="http://schemas.microsoft.com/office/drawing/2010/main" xmlns="">
+              <a14:hiddenFill xmlns="" xmlns:a14="http://schemas.microsoft.com/office/drawing/2010/main">
                 <a:noFill/>
               </a14:hiddenFill>
             </a:ext>
@@ -52385,7 +52389,7 @@
           </a:ln>
           <a:extLst>
             <a:ext uri="{909E8E84-426E-40dd-AFC4-6F175D3DCCD1}">
-              <a14:hiddenFill xmlns:a14="http://schemas.microsoft.com/office/drawing/2010/main" xmlns="">
+              <a14:hiddenFill xmlns="" xmlns:a14="http://schemas.microsoft.com/office/drawing/2010/main">
                 <a:noFill/>
               </a14:hiddenFill>
             </a:ext>
@@ -52424,7 +52428,7 @@
           </a:ln>
           <a:extLst>
             <a:ext uri="{909E8E84-426E-40dd-AFC4-6F175D3DCCD1}">
-              <a14:hiddenFill xmlns:a14="http://schemas.microsoft.com/office/drawing/2010/main" xmlns="">
+              <a14:hiddenFill xmlns="" xmlns:a14="http://schemas.microsoft.com/office/drawing/2010/main">
                 <a:noFill/>
               </a14:hiddenFill>
             </a:ext>
@@ -52463,7 +52467,7 @@
           </a:ln>
           <a:extLst>
             <a:ext uri="{909E8E84-426E-40dd-AFC4-6F175D3DCCD1}">
-              <a14:hiddenFill xmlns:a14="http://schemas.microsoft.com/office/drawing/2010/main" xmlns="">
+              <a14:hiddenFill xmlns="" xmlns:a14="http://schemas.microsoft.com/office/drawing/2010/main">
                 <a:noFill/>
               </a14:hiddenFill>
             </a:ext>
@@ -52497,7 +52501,7 @@
           </a:ln>
           <a:extLst>
             <a:ext uri="{909E8E84-426E-40dd-AFC4-6F175D3DCCD1}">
-              <a14:hiddenFill xmlns:a14="http://schemas.microsoft.com/office/drawing/2010/main" xmlns="">
+              <a14:hiddenFill xmlns="" xmlns:a14="http://schemas.microsoft.com/office/drawing/2010/main">
                 <a:solidFill>
                   <a:srgbClr val="FFFFFF"/>
                 </a:solidFill>
@@ -52682,7 +52686,7 @@
           </a:ln>
           <a:extLst>
             <a:ext uri="{909E8E84-426E-40dd-AFC4-6F175D3DCCD1}">
-              <a14:hiddenFill xmlns:a14="http://schemas.microsoft.com/office/drawing/2010/main" xmlns="">
+              <a14:hiddenFill xmlns="" xmlns:a14="http://schemas.microsoft.com/office/drawing/2010/main">
                 <a:noFill/>
               </a14:hiddenFill>
             </a:ext>
@@ -52718,14 +52722,14 @@
           </a:ln>
           <a:extLst>
             <a:ext uri="{909E8E84-426E-40dd-AFC4-6F175D3DCCD1}">
-              <a14:hiddenFill xmlns:a14="http://schemas.microsoft.com/office/drawing/2010/main" xmlns="">
+              <a14:hiddenFill xmlns="" xmlns:a14="http://schemas.microsoft.com/office/drawing/2010/main">
                 <a:solidFill>
                   <a:srgbClr val="FFFFFF"/>
                 </a:solidFill>
               </a14:hiddenFill>
             </a:ext>
             <a:ext uri="{91240B29-F687-4f45-9708-019B960494DF}">
-              <a14:hiddenLine xmlns:a14="http://schemas.microsoft.com/office/drawing/2010/main" xmlns="" w="12700">
+              <a14:hiddenLine xmlns="" xmlns:a14="http://schemas.microsoft.com/office/drawing/2010/main" w="12700">
                 <a:solidFill>
                   <a:srgbClr val="000000"/>
                 </a:solidFill>
@@ -52881,14 +52885,14 @@
           </a:ln>
           <a:extLst>
             <a:ext uri="{909E8E84-426E-40dd-AFC4-6F175D3DCCD1}">
-              <a14:hiddenFill xmlns:a14="http://schemas.microsoft.com/office/drawing/2010/main" xmlns="">
+              <a14:hiddenFill xmlns="" xmlns:a14="http://schemas.microsoft.com/office/drawing/2010/main">
                 <a:solidFill>
                   <a:srgbClr val="FFFFFF"/>
                 </a:solidFill>
               </a14:hiddenFill>
             </a:ext>
             <a:ext uri="{91240B29-F687-4f45-9708-019B960494DF}">
-              <a14:hiddenLine xmlns:a14="http://schemas.microsoft.com/office/drawing/2010/main" xmlns="" w="12700">
+              <a14:hiddenLine xmlns="" xmlns:a14="http://schemas.microsoft.com/office/drawing/2010/main" w="12700">
                 <a:solidFill>
                   <a:srgbClr val="000000"/>
                 </a:solidFill>
@@ -53053,14 +53057,14 @@
           </a:ln>
           <a:extLst>
             <a:ext uri="{909E8E84-426E-40dd-AFC4-6F175D3DCCD1}">
-              <a14:hiddenFill xmlns:a14="http://schemas.microsoft.com/office/drawing/2010/main" xmlns="">
+              <a14:hiddenFill xmlns="" xmlns:a14="http://schemas.microsoft.com/office/drawing/2010/main">
                 <a:solidFill>
                   <a:srgbClr val="FFFFFF"/>
                 </a:solidFill>
               </a14:hiddenFill>
             </a:ext>
             <a:ext uri="{91240B29-F687-4f45-9708-019B960494DF}">
-              <a14:hiddenLine xmlns:a14="http://schemas.microsoft.com/office/drawing/2010/main" xmlns="" w="12700">
+              <a14:hiddenLine xmlns="" xmlns:a14="http://schemas.microsoft.com/office/drawing/2010/main" w="12700">
                 <a:solidFill>
                   <a:srgbClr val="000000"/>
                 </a:solidFill>
@@ -53221,7 +53225,7 @@
           </a:ln>
           <a:extLst>
             <a:ext uri="{909E8E84-426E-40dd-AFC4-6F175D3DCCD1}">
-              <a14:hiddenFill xmlns:a14="http://schemas.microsoft.com/office/drawing/2010/main" xmlns="">
+              <a14:hiddenFill xmlns="" xmlns:a14="http://schemas.microsoft.com/office/drawing/2010/main">
                 <a:noFill/>
               </a14:hiddenFill>
             </a:ext>
@@ -53262,7 +53266,7 @@
           </a:ln>
           <a:extLst>
             <a:ext uri="{909E8E84-426E-40dd-AFC4-6F175D3DCCD1}">
-              <a14:hiddenFill xmlns:a14="http://schemas.microsoft.com/office/drawing/2010/main" xmlns="">
+              <a14:hiddenFill xmlns="" xmlns:a14="http://schemas.microsoft.com/office/drawing/2010/main">
                 <a:noFill/>
               </a14:hiddenFill>
             </a:ext>
@@ -53303,7 +53307,7 @@
           </a:ln>
           <a:extLst>
             <a:ext uri="{909E8E84-426E-40dd-AFC4-6F175D3DCCD1}">
-              <a14:hiddenFill xmlns:a14="http://schemas.microsoft.com/office/drawing/2010/main" xmlns="">
+              <a14:hiddenFill xmlns="" xmlns:a14="http://schemas.microsoft.com/office/drawing/2010/main">
                 <a:noFill/>
               </a14:hiddenFill>
             </a:ext>
